--- a/CYBER360-4.1-Text-CSV.pptx
+++ b/CYBER360-4.1-Text-CSV.pptx
@@ -116,16 +116,948 @@
 </p:presentation>
 </file>
 
-<file path=ppt/revisionInfo.xml><?xml version="1.0" encoding="utf-8"?>
-<p1510:revInfo xmlns:a="http://schemas.openxmlformats.org/drawingml/2006/main" xmlns:r="http://schemas.openxmlformats.org/officeDocument/2006/relationships" xmlns:p1510="http://schemas.microsoft.com/office/powerpoint/2015/10/main">
-  <p1510:revLst>
-    <p1510:client id="{06905CFC-A46E-472D-890F-9117438C8D89}" v="3" dt="2024-02-04T03:52:47.007"/>
-  </p1510:revLst>
-</p1510:revInfo>
-</file>
-
 <file path=ppt/changesInfos/changesInfo1.xml><?xml version="1.0" encoding="utf-8"?>
 <pc:chgInfo xmlns:a="http://schemas.openxmlformats.org/drawingml/2006/main" xmlns:r="http://schemas.openxmlformats.org/officeDocument/2006/relationships" xmlns:ac="http://schemas.microsoft.com/office/drawing/2013/main/command" xmlns:pc="http://schemas.microsoft.com/office/powerpoint/2013/main/command">
+  <pc:docChgLst>
+    <pc:chgData name="Gibbons, Carl" userId="d2b037bc-8fb4-4222-845c-61440543a456" providerId="ADAL" clId="{8C497311-FA0D-4174-880A-DAA4EEB2BF3B}"/>
+    <pc:docChg chg="custSel delSld modSld">
+      <pc:chgData name="Gibbons, Carl" userId="d2b037bc-8fb4-4222-845c-61440543a456" providerId="ADAL" clId="{8C497311-FA0D-4174-880A-DAA4EEB2BF3B}" dt="2023-12-29T17:07:57.293" v="7187" actId="20577"/>
+      <pc:docMkLst>
+        <pc:docMk/>
+      </pc:docMkLst>
+      <pc:sldChg chg="modSp mod">
+        <pc:chgData name="Gibbons, Carl" userId="d2b037bc-8fb4-4222-845c-61440543a456" providerId="ADAL" clId="{8C497311-FA0D-4174-880A-DAA4EEB2BF3B}" dt="2023-12-29T17:06:57.427" v="7098" actId="20577"/>
+        <pc:sldMkLst>
+          <pc:docMk/>
+          <pc:sldMk cId="3308175748" sldId="256"/>
+        </pc:sldMkLst>
+        <pc:spChg chg="mod">
+          <ac:chgData name="Gibbons, Carl" userId="d2b037bc-8fb4-4222-845c-61440543a456" providerId="ADAL" clId="{8C497311-FA0D-4174-880A-DAA4EEB2BF3B}" dt="2023-12-29T17:06:57.427" v="7098" actId="20577"/>
+          <ac:spMkLst>
+            <pc:docMk/>
+            <pc:sldMk cId="3308175748" sldId="256"/>
+            <ac:spMk id="3" creationId="{EEC4D41B-E776-05F2-BE0B-89BB339485AB}"/>
+          </ac:spMkLst>
+        </pc:spChg>
+      </pc:sldChg>
+      <pc:sldChg chg="modSp mod">
+        <pc:chgData name="Gibbons, Carl" userId="d2b037bc-8fb4-4222-845c-61440543a456" providerId="ADAL" clId="{8C497311-FA0D-4174-880A-DAA4EEB2BF3B}" dt="2023-12-29T15:08:44.674" v="3403" actId="20577"/>
+        <pc:sldMkLst>
+          <pc:docMk/>
+          <pc:sldMk cId="2312486803" sldId="261"/>
+        </pc:sldMkLst>
+        <pc:spChg chg="mod">
+          <ac:chgData name="Gibbons, Carl" userId="d2b037bc-8fb4-4222-845c-61440543a456" providerId="ADAL" clId="{8C497311-FA0D-4174-880A-DAA4EEB2BF3B}" dt="2023-12-29T14:20:41.496" v="51" actId="20577"/>
+          <ac:spMkLst>
+            <pc:docMk/>
+            <pc:sldMk cId="2312486803" sldId="261"/>
+            <ac:spMk id="2" creationId="{31B75992-5098-A283-4925-2CCEBB801DC5}"/>
+          </ac:spMkLst>
+        </pc:spChg>
+        <pc:spChg chg="mod">
+          <ac:chgData name="Gibbons, Carl" userId="d2b037bc-8fb4-4222-845c-61440543a456" providerId="ADAL" clId="{8C497311-FA0D-4174-880A-DAA4EEB2BF3B}" dt="2023-12-29T15:08:44.674" v="3403" actId="20577"/>
+          <ac:spMkLst>
+            <pc:docMk/>
+            <pc:sldMk cId="2312486803" sldId="261"/>
+            <ac:spMk id="3" creationId="{B5924E0F-A977-1710-779D-EEB74261AF34}"/>
+          </ac:spMkLst>
+        </pc:spChg>
+      </pc:sldChg>
+      <pc:sldChg chg="delSp modSp mod">
+        <pc:chgData name="Gibbons, Carl" userId="d2b037bc-8fb4-4222-845c-61440543a456" providerId="ADAL" clId="{8C497311-FA0D-4174-880A-DAA4EEB2BF3B}" dt="2023-12-29T17:07:57.293" v="7187" actId="20577"/>
+        <pc:sldMkLst>
+          <pc:docMk/>
+          <pc:sldMk cId="657795359" sldId="277"/>
+        </pc:sldMkLst>
+        <pc:spChg chg="mod">
+          <ac:chgData name="Gibbons, Carl" userId="d2b037bc-8fb4-4222-845c-61440543a456" providerId="ADAL" clId="{8C497311-FA0D-4174-880A-DAA4EEB2BF3B}" dt="2023-12-29T17:07:57.293" v="7187" actId="20577"/>
+          <ac:spMkLst>
+            <pc:docMk/>
+            <pc:sldMk cId="657795359" sldId="277"/>
+            <ac:spMk id="2" creationId="{1862E903-3C56-BB42-2361-009F2336475A}"/>
+          </ac:spMkLst>
+        </pc:spChg>
+        <pc:spChg chg="del mod">
+          <ac:chgData name="Gibbons, Carl" userId="d2b037bc-8fb4-4222-845c-61440543a456" providerId="ADAL" clId="{8C497311-FA0D-4174-880A-DAA4EEB2BF3B}" dt="2023-12-29T17:07:50.480" v="7185"/>
+          <ac:spMkLst>
+            <pc:docMk/>
+            <pc:sldMk cId="657795359" sldId="277"/>
+            <ac:spMk id="3" creationId="{90179172-96B3-95D0-A137-257770BE7642}"/>
+          </ac:spMkLst>
+        </pc:spChg>
+      </pc:sldChg>
+      <pc:sldChg chg="modSp mod">
+        <pc:chgData name="Gibbons, Carl" userId="d2b037bc-8fb4-4222-845c-61440543a456" providerId="ADAL" clId="{8C497311-FA0D-4174-880A-DAA4EEB2BF3B}" dt="2023-12-29T15:35:37.192" v="6042" actId="5793"/>
+        <pc:sldMkLst>
+          <pc:docMk/>
+          <pc:sldMk cId="3989541258" sldId="278"/>
+        </pc:sldMkLst>
+        <pc:spChg chg="mod">
+          <ac:chgData name="Gibbons, Carl" userId="d2b037bc-8fb4-4222-845c-61440543a456" providerId="ADAL" clId="{8C497311-FA0D-4174-880A-DAA4EEB2BF3B}" dt="2023-12-29T15:09:22.213" v="3411" actId="20577"/>
+          <ac:spMkLst>
+            <pc:docMk/>
+            <pc:sldMk cId="3989541258" sldId="278"/>
+            <ac:spMk id="2" creationId="{31B75992-5098-A283-4925-2CCEBB801DC5}"/>
+          </ac:spMkLst>
+        </pc:spChg>
+        <pc:spChg chg="mod">
+          <ac:chgData name="Gibbons, Carl" userId="d2b037bc-8fb4-4222-845c-61440543a456" providerId="ADAL" clId="{8C497311-FA0D-4174-880A-DAA4EEB2BF3B}" dt="2023-12-29T15:35:37.192" v="6042" actId="5793"/>
+          <ac:spMkLst>
+            <pc:docMk/>
+            <pc:sldMk cId="3989541258" sldId="278"/>
+            <ac:spMk id="3" creationId="{B5924E0F-A977-1710-779D-EEB74261AF34}"/>
+          </ac:spMkLst>
+        </pc:spChg>
+      </pc:sldChg>
+      <pc:sldChg chg="del">
+        <pc:chgData name="Gibbons, Carl" userId="d2b037bc-8fb4-4222-845c-61440543a456" providerId="ADAL" clId="{8C497311-FA0D-4174-880A-DAA4EEB2BF3B}" dt="2023-12-29T17:07:06.467" v="7099" actId="47"/>
+        <pc:sldMkLst>
+          <pc:docMk/>
+          <pc:sldMk cId="2335633195" sldId="279"/>
+        </pc:sldMkLst>
+      </pc:sldChg>
+      <pc:sldChg chg="del">
+        <pc:chgData name="Gibbons, Carl" userId="d2b037bc-8fb4-4222-845c-61440543a456" providerId="ADAL" clId="{8C497311-FA0D-4174-880A-DAA4EEB2BF3B}" dt="2023-12-29T17:07:07.395" v="7100" actId="47"/>
+        <pc:sldMkLst>
+          <pc:docMk/>
+          <pc:sldMk cId="1284534978" sldId="280"/>
+        </pc:sldMkLst>
+      </pc:sldChg>
+      <pc:sldChg chg="del">
+        <pc:chgData name="Gibbons, Carl" userId="d2b037bc-8fb4-4222-845c-61440543a456" providerId="ADAL" clId="{8C497311-FA0D-4174-880A-DAA4EEB2BF3B}" dt="2023-12-29T17:07:07.895" v="7101" actId="47"/>
+        <pc:sldMkLst>
+          <pc:docMk/>
+          <pc:sldMk cId="1802585387" sldId="281"/>
+        </pc:sldMkLst>
+      </pc:sldChg>
+      <pc:sldChg chg="del">
+        <pc:chgData name="Gibbons, Carl" userId="d2b037bc-8fb4-4222-845c-61440543a456" providerId="ADAL" clId="{8C497311-FA0D-4174-880A-DAA4EEB2BF3B}" dt="2023-12-29T17:07:08.365" v="7102" actId="47"/>
+        <pc:sldMkLst>
+          <pc:docMk/>
+          <pc:sldMk cId="724803187" sldId="282"/>
+        </pc:sldMkLst>
+      </pc:sldChg>
+      <pc:sldChg chg="del">
+        <pc:chgData name="Gibbons, Carl" userId="d2b037bc-8fb4-4222-845c-61440543a456" providerId="ADAL" clId="{8C497311-FA0D-4174-880A-DAA4EEB2BF3B}" dt="2023-12-29T17:07:08.842" v="7103" actId="47"/>
+        <pc:sldMkLst>
+          <pc:docMk/>
+          <pc:sldMk cId="1926009205" sldId="283"/>
+        </pc:sldMkLst>
+      </pc:sldChg>
+      <pc:sldChg chg="del">
+        <pc:chgData name="Gibbons, Carl" userId="d2b037bc-8fb4-4222-845c-61440543a456" providerId="ADAL" clId="{8C497311-FA0D-4174-880A-DAA4EEB2BF3B}" dt="2023-12-29T17:07:09.362" v="7104" actId="47"/>
+        <pc:sldMkLst>
+          <pc:docMk/>
+          <pc:sldMk cId="2366216895" sldId="284"/>
+        </pc:sldMkLst>
+      </pc:sldChg>
+      <pc:sldChg chg="del">
+        <pc:chgData name="Gibbons, Carl" userId="d2b037bc-8fb4-4222-845c-61440543a456" providerId="ADAL" clId="{8C497311-FA0D-4174-880A-DAA4EEB2BF3B}" dt="2023-12-29T17:07:09.925" v="7105" actId="47"/>
+        <pc:sldMkLst>
+          <pc:docMk/>
+          <pc:sldMk cId="3371896289" sldId="285"/>
+        </pc:sldMkLst>
+      </pc:sldChg>
+      <pc:sldChg chg="del">
+        <pc:chgData name="Gibbons, Carl" userId="d2b037bc-8fb4-4222-845c-61440543a456" providerId="ADAL" clId="{8C497311-FA0D-4174-880A-DAA4EEB2BF3B}" dt="2023-12-29T17:07:10.474" v="7106" actId="47"/>
+        <pc:sldMkLst>
+          <pc:docMk/>
+          <pc:sldMk cId="3193160409" sldId="286"/>
+        </pc:sldMkLst>
+      </pc:sldChg>
+      <pc:sldChg chg="del">
+        <pc:chgData name="Gibbons, Carl" userId="d2b037bc-8fb4-4222-845c-61440543a456" providerId="ADAL" clId="{8C497311-FA0D-4174-880A-DAA4EEB2BF3B}" dt="2023-12-29T17:07:11.056" v="7107" actId="47"/>
+        <pc:sldMkLst>
+          <pc:docMk/>
+          <pc:sldMk cId="2688338374" sldId="287"/>
+        </pc:sldMkLst>
+      </pc:sldChg>
+      <pc:sldChg chg="del">
+        <pc:chgData name="Gibbons, Carl" userId="d2b037bc-8fb4-4222-845c-61440543a456" providerId="ADAL" clId="{8C497311-FA0D-4174-880A-DAA4EEB2BF3B}" dt="2023-12-29T17:07:11.624" v="7108" actId="47"/>
+        <pc:sldMkLst>
+          <pc:docMk/>
+          <pc:sldMk cId="2142935017" sldId="288"/>
+        </pc:sldMkLst>
+      </pc:sldChg>
+      <pc:sldChg chg="del">
+        <pc:chgData name="Gibbons, Carl" userId="d2b037bc-8fb4-4222-845c-61440543a456" providerId="ADAL" clId="{8C497311-FA0D-4174-880A-DAA4EEB2BF3B}" dt="2023-12-29T17:07:12.218" v="7109" actId="47"/>
+        <pc:sldMkLst>
+          <pc:docMk/>
+          <pc:sldMk cId="2784625941" sldId="289"/>
+        </pc:sldMkLst>
+      </pc:sldChg>
+      <pc:sldChg chg="del">
+        <pc:chgData name="Gibbons, Carl" userId="d2b037bc-8fb4-4222-845c-61440543a456" providerId="ADAL" clId="{8C497311-FA0D-4174-880A-DAA4EEB2BF3B}" dt="2023-12-29T17:07:12.802" v="7110" actId="47"/>
+        <pc:sldMkLst>
+          <pc:docMk/>
+          <pc:sldMk cId="1677974689" sldId="290"/>
+        </pc:sldMkLst>
+      </pc:sldChg>
+      <pc:sldChg chg="del">
+        <pc:chgData name="Gibbons, Carl" userId="d2b037bc-8fb4-4222-845c-61440543a456" providerId="ADAL" clId="{8C497311-FA0D-4174-880A-DAA4EEB2BF3B}" dt="2023-12-29T17:07:13.420" v="7111" actId="47"/>
+        <pc:sldMkLst>
+          <pc:docMk/>
+          <pc:sldMk cId="4219326696" sldId="291"/>
+        </pc:sldMkLst>
+      </pc:sldChg>
+      <pc:sldChg chg="del">
+        <pc:chgData name="Gibbons, Carl" userId="d2b037bc-8fb4-4222-845c-61440543a456" providerId="ADAL" clId="{8C497311-FA0D-4174-880A-DAA4EEB2BF3B}" dt="2023-12-29T17:07:14.054" v="7112" actId="47"/>
+        <pc:sldMkLst>
+          <pc:docMk/>
+          <pc:sldMk cId="33911121" sldId="292"/>
+        </pc:sldMkLst>
+      </pc:sldChg>
+      <pc:sldChg chg="modSp mod">
+        <pc:chgData name="Gibbons, Carl" userId="d2b037bc-8fb4-4222-845c-61440543a456" providerId="ADAL" clId="{8C497311-FA0D-4174-880A-DAA4EEB2BF3B}" dt="2023-12-29T15:43:57.081" v="7062" actId="20577"/>
+        <pc:sldMkLst>
+          <pc:docMk/>
+          <pc:sldMk cId="1861646120" sldId="293"/>
+        </pc:sldMkLst>
+        <pc:spChg chg="mod">
+          <ac:chgData name="Gibbons, Carl" userId="d2b037bc-8fb4-4222-845c-61440543a456" providerId="ADAL" clId="{8C497311-FA0D-4174-880A-DAA4EEB2BF3B}" dt="2023-12-29T15:36:21.703" v="6112" actId="20577"/>
+          <ac:spMkLst>
+            <pc:docMk/>
+            <pc:sldMk cId="1861646120" sldId="293"/>
+            <ac:spMk id="2" creationId="{31B75992-5098-A283-4925-2CCEBB801DC5}"/>
+          </ac:spMkLst>
+        </pc:spChg>
+        <pc:spChg chg="mod">
+          <ac:chgData name="Gibbons, Carl" userId="d2b037bc-8fb4-4222-845c-61440543a456" providerId="ADAL" clId="{8C497311-FA0D-4174-880A-DAA4EEB2BF3B}" dt="2023-12-29T15:43:57.081" v="7062" actId="20577"/>
+          <ac:spMkLst>
+            <pc:docMk/>
+            <pc:sldMk cId="1861646120" sldId="293"/>
+            <ac:spMk id="3" creationId="{B5924E0F-A977-1710-779D-EEB74261AF34}"/>
+          </ac:spMkLst>
+        </pc:spChg>
+      </pc:sldChg>
+    </pc:docChg>
+  </pc:docChgLst>
+  <pc:docChgLst>
+    <pc:chgData name="Gibbons, Carl" userId="d2b037bc-8fb4-4222-845c-61440543a456" providerId="ADAL" clId="{8B117223-2596-4D61-9C62-CC9BD4B9A421}"/>
+    <pc:docChg chg="custSel addSld delSld modSld">
+      <pc:chgData name="Gibbons, Carl" userId="d2b037bc-8fb4-4222-845c-61440543a456" providerId="ADAL" clId="{8B117223-2596-4D61-9C62-CC9BD4B9A421}" dt="2024-01-24T22:00:55.310" v="2286" actId="20577"/>
+      <pc:docMkLst>
+        <pc:docMk/>
+      </pc:docMkLst>
+      <pc:sldChg chg="modSp mod">
+        <pc:chgData name="Gibbons, Carl" userId="d2b037bc-8fb4-4222-845c-61440543a456" providerId="ADAL" clId="{8B117223-2596-4D61-9C62-CC9BD4B9A421}" dt="2024-01-16T00:57:55.449" v="2005" actId="20577"/>
+        <pc:sldMkLst>
+          <pc:docMk/>
+          <pc:sldMk cId="3308175748" sldId="256"/>
+        </pc:sldMkLst>
+        <pc:spChg chg="mod">
+          <ac:chgData name="Gibbons, Carl" userId="d2b037bc-8fb4-4222-845c-61440543a456" providerId="ADAL" clId="{8B117223-2596-4D61-9C62-CC9BD4B9A421}" dt="2024-01-16T00:57:55.449" v="2005" actId="20577"/>
+          <ac:spMkLst>
+            <pc:docMk/>
+            <pc:sldMk cId="3308175748" sldId="256"/>
+            <ac:spMk id="3" creationId="{EEC4D41B-E776-05F2-BE0B-89BB339485AB}"/>
+          </ac:spMkLst>
+        </pc:spChg>
+      </pc:sldChg>
+      <pc:sldChg chg="modSp mod">
+        <pc:chgData name="Gibbons, Carl" userId="d2b037bc-8fb4-4222-845c-61440543a456" providerId="ADAL" clId="{8B117223-2596-4D61-9C62-CC9BD4B9A421}" dt="2024-01-24T22:00:55.310" v="2286" actId="20577"/>
+        <pc:sldMkLst>
+          <pc:docMk/>
+          <pc:sldMk cId="2312486803" sldId="261"/>
+        </pc:sldMkLst>
+        <pc:spChg chg="mod">
+          <ac:chgData name="Gibbons, Carl" userId="d2b037bc-8fb4-4222-845c-61440543a456" providerId="ADAL" clId="{8B117223-2596-4D61-9C62-CC9BD4B9A421}" dt="2024-01-16T00:15:29.289" v="286" actId="20577"/>
+          <ac:spMkLst>
+            <pc:docMk/>
+            <pc:sldMk cId="2312486803" sldId="261"/>
+            <ac:spMk id="2" creationId="{31B75992-5098-A283-4925-2CCEBB801DC5}"/>
+          </ac:spMkLst>
+        </pc:spChg>
+        <pc:spChg chg="mod">
+          <ac:chgData name="Gibbons, Carl" userId="d2b037bc-8fb4-4222-845c-61440543a456" providerId="ADAL" clId="{8B117223-2596-4D61-9C62-CC9BD4B9A421}" dt="2024-01-24T22:00:55.310" v="2286" actId="20577"/>
+          <ac:spMkLst>
+            <pc:docMk/>
+            <pc:sldMk cId="2312486803" sldId="261"/>
+            <ac:spMk id="3" creationId="{B5924E0F-A977-1710-779D-EEB74261AF34}"/>
+          </ac:spMkLst>
+        </pc:spChg>
+      </pc:sldChg>
+      <pc:sldChg chg="modSp add mod">
+        <pc:chgData name="Gibbons, Carl" userId="d2b037bc-8fb4-4222-845c-61440543a456" providerId="ADAL" clId="{8B117223-2596-4D61-9C62-CC9BD4B9A421}" dt="2024-01-16T01:00:51.762" v="2281" actId="313"/>
+        <pc:sldMkLst>
+          <pc:docMk/>
+          <pc:sldMk cId="3885141102" sldId="262"/>
+        </pc:sldMkLst>
+        <pc:spChg chg="mod">
+          <ac:chgData name="Gibbons, Carl" userId="d2b037bc-8fb4-4222-845c-61440543a456" providerId="ADAL" clId="{8B117223-2596-4D61-9C62-CC9BD4B9A421}" dt="2024-01-16T00:42:42.463" v="1503" actId="20577"/>
+          <ac:spMkLst>
+            <pc:docMk/>
+            <pc:sldMk cId="3885141102" sldId="262"/>
+            <ac:spMk id="2" creationId="{31B75992-5098-A283-4925-2CCEBB801DC5}"/>
+          </ac:spMkLst>
+        </pc:spChg>
+        <pc:spChg chg="mod">
+          <ac:chgData name="Gibbons, Carl" userId="d2b037bc-8fb4-4222-845c-61440543a456" providerId="ADAL" clId="{8B117223-2596-4D61-9C62-CC9BD4B9A421}" dt="2024-01-16T01:00:51.762" v="2281" actId="313"/>
+          <ac:spMkLst>
+            <pc:docMk/>
+            <pc:sldMk cId="3885141102" sldId="262"/>
+            <ac:spMk id="3" creationId="{B5924E0F-A977-1710-779D-EEB74261AF34}"/>
+          </ac:spMkLst>
+        </pc:spChg>
+      </pc:sldChg>
+      <pc:sldChg chg="add">
+        <pc:chgData name="Gibbons, Carl" userId="d2b037bc-8fb4-4222-845c-61440543a456" providerId="ADAL" clId="{8B117223-2596-4D61-9C62-CC9BD4B9A421}" dt="2024-01-16T00:58:20.162" v="2006"/>
+        <pc:sldMkLst>
+          <pc:docMk/>
+          <pc:sldMk cId="1719402288" sldId="263"/>
+        </pc:sldMkLst>
+      </pc:sldChg>
+      <pc:sldChg chg="del">
+        <pc:chgData name="Gibbons, Carl" userId="d2b037bc-8fb4-4222-845c-61440543a456" providerId="ADAL" clId="{8B117223-2596-4D61-9C62-CC9BD4B9A421}" dt="2024-01-16T00:11:26.015" v="227" actId="47"/>
+        <pc:sldMkLst>
+          <pc:docMk/>
+          <pc:sldMk cId="3989541258" sldId="278"/>
+        </pc:sldMkLst>
+      </pc:sldChg>
+      <pc:sldChg chg="del">
+        <pc:chgData name="Gibbons, Carl" userId="d2b037bc-8fb4-4222-845c-61440543a456" providerId="ADAL" clId="{8B117223-2596-4D61-9C62-CC9BD4B9A421}" dt="2024-01-16T00:11:26.575" v="228" actId="47"/>
+        <pc:sldMkLst>
+          <pc:docMk/>
+          <pc:sldMk cId="1861646120" sldId="293"/>
+        </pc:sldMkLst>
+      </pc:sldChg>
+      <pc:sldChg chg="del">
+        <pc:chgData name="Gibbons, Carl" userId="d2b037bc-8fb4-4222-845c-61440543a456" providerId="ADAL" clId="{8B117223-2596-4D61-9C62-CC9BD4B9A421}" dt="2024-01-16T00:11:27.206" v="229" actId="47"/>
+        <pc:sldMkLst>
+          <pc:docMk/>
+          <pc:sldMk cId="2232562783" sldId="294"/>
+        </pc:sldMkLst>
+      </pc:sldChg>
+      <pc:sldChg chg="del">
+        <pc:chgData name="Gibbons, Carl" userId="d2b037bc-8fb4-4222-845c-61440543a456" providerId="ADAL" clId="{8B117223-2596-4D61-9C62-CC9BD4B9A421}" dt="2024-01-16T00:11:27.766" v="230" actId="47"/>
+        <pc:sldMkLst>
+          <pc:docMk/>
+          <pc:sldMk cId="845747584" sldId="300"/>
+        </pc:sldMkLst>
+      </pc:sldChg>
+      <pc:sldChg chg="del">
+        <pc:chgData name="Gibbons, Carl" userId="d2b037bc-8fb4-4222-845c-61440543a456" providerId="ADAL" clId="{8B117223-2596-4D61-9C62-CC9BD4B9A421}" dt="2024-01-16T00:11:30.314" v="231" actId="47"/>
+        <pc:sldMkLst>
+          <pc:docMk/>
+          <pc:sldMk cId="3372579319" sldId="301"/>
+        </pc:sldMkLst>
+      </pc:sldChg>
+    </pc:docChg>
+  </pc:docChgLst>
+  <pc:docChgLst>
+    <pc:chgData name="Gibbons, Carl" userId="d2b037bc-8fb4-4222-845c-61440543a456" providerId="ADAL" clId="{4505F98C-4CC4-4983-9729-597D2A150C85}"/>
+    <pc:docChg chg="undo custSel addSld delSld modSld">
+      <pc:chgData name="Gibbons, Carl" userId="d2b037bc-8fb4-4222-845c-61440543a456" providerId="ADAL" clId="{4505F98C-4CC4-4983-9729-597D2A150C85}" dt="2023-12-29T02:21:47.448" v="17685" actId="20577"/>
+      <pc:docMkLst>
+        <pc:docMk/>
+      </pc:docMkLst>
+      <pc:sldChg chg="modSp mod">
+        <pc:chgData name="Gibbons, Carl" userId="d2b037bc-8fb4-4222-845c-61440543a456" providerId="ADAL" clId="{4505F98C-4CC4-4983-9729-597D2A150C85}" dt="2023-12-28T22:02:31.848" v="28" actId="20577"/>
+        <pc:sldMkLst>
+          <pc:docMk/>
+          <pc:sldMk cId="3308175748" sldId="256"/>
+        </pc:sldMkLst>
+        <pc:spChg chg="mod">
+          <ac:chgData name="Gibbons, Carl" userId="d2b037bc-8fb4-4222-845c-61440543a456" providerId="ADAL" clId="{4505F98C-4CC4-4983-9729-597D2A150C85}" dt="2023-12-28T22:02:31.848" v="28" actId="20577"/>
+          <ac:spMkLst>
+            <pc:docMk/>
+            <pc:sldMk cId="3308175748" sldId="256"/>
+            <ac:spMk id="3" creationId="{EEC4D41B-E776-05F2-BE0B-89BB339485AB}"/>
+          </ac:spMkLst>
+        </pc:spChg>
+      </pc:sldChg>
+      <pc:sldChg chg="modSp mod">
+        <pc:chgData name="Gibbons, Carl" userId="d2b037bc-8fb4-4222-845c-61440543a456" providerId="ADAL" clId="{4505F98C-4CC4-4983-9729-597D2A150C85}" dt="2023-12-28T22:45:53.299" v="4302" actId="20577"/>
+        <pc:sldMkLst>
+          <pc:docMk/>
+          <pc:sldMk cId="2312486803" sldId="261"/>
+        </pc:sldMkLst>
+        <pc:spChg chg="mod">
+          <ac:chgData name="Gibbons, Carl" userId="d2b037bc-8fb4-4222-845c-61440543a456" providerId="ADAL" clId="{4505F98C-4CC4-4983-9729-597D2A150C85}" dt="2023-12-28T22:02:40.492" v="50" actId="20577"/>
+          <ac:spMkLst>
+            <pc:docMk/>
+            <pc:sldMk cId="2312486803" sldId="261"/>
+            <ac:spMk id="2" creationId="{31B75992-5098-A283-4925-2CCEBB801DC5}"/>
+          </ac:spMkLst>
+        </pc:spChg>
+        <pc:spChg chg="mod">
+          <ac:chgData name="Gibbons, Carl" userId="d2b037bc-8fb4-4222-845c-61440543a456" providerId="ADAL" clId="{4505F98C-4CC4-4983-9729-597D2A150C85}" dt="2023-12-28T22:45:53.299" v="4302" actId="20577"/>
+          <ac:spMkLst>
+            <pc:docMk/>
+            <pc:sldMk cId="2312486803" sldId="261"/>
+            <ac:spMk id="3" creationId="{B5924E0F-A977-1710-779D-EEB74261AF34}"/>
+          </ac:spMkLst>
+        </pc:spChg>
+      </pc:sldChg>
+      <pc:sldChg chg="modSp mod">
+        <pc:chgData name="Gibbons, Carl" userId="d2b037bc-8fb4-4222-845c-61440543a456" providerId="ADAL" clId="{4505F98C-4CC4-4983-9729-597D2A150C85}" dt="2023-12-29T02:18:39.170" v="17623" actId="20577"/>
+        <pc:sldMkLst>
+          <pc:docMk/>
+          <pc:sldMk cId="657795359" sldId="277"/>
+        </pc:sldMkLst>
+        <pc:spChg chg="mod">
+          <ac:chgData name="Gibbons, Carl" userId="d2b037bc-8fb4-4222-845c-61440543a456" providerId="ADAL" clId="{4505F98C-4CC4-4983-9729-597D2A150C85}" dt="2023-12-29T02:18:39.170" v="17623" actId="20577"/>
+          <ac:spMkLst>
+            <pc:docMk/>
+            <pc:sldMk cId="657795359" sldId="277"/>
+            <ac:spMk id="3" creationId="{90179172-96B3-95D0-A137-257770BE7642}"/>
+          </ac:spMkLst>
+        </pc:spChg>
+      </pc:sldChg>
+      <pc:sldChg chg="modSp mod">
+        <pc:chgData name="Gibbons, Carl" userId="d2b037bc-8fb4-4222-845c-61440543a456" providerId="ADAL" clId="{4505F98C-4CC4-4983-9729-597D2A150C85}" dt="2023-12-29T02:21:47.448" v="17685" actId="20577"/>
+        <pc:sldMkLst>
+          <pc:docMk/>
+          <pc:sldMk cId="3989541258" sldId="278"/>
+        </pc:sldMkLst>
+        <pc:spChg chg="mod">
+          <ac:chgData name="Gibbons, Carl" userId="d2b037bc-8fb4-4222-845c-61440543a456" providerId="ADAL" clId="{4505F98C-4CC4-4983-9729-597D2A150C85}" dt="2023-12-28T22:23:56.363" v="2262" actId="20577"/>
+          <ac:spMkLst>
+            <pc:docMk/>
+            <pc:sldMk cId="3989541258" sldId="278"/>
+            <ac:spMk id="2" creationId="{31B75992-5098-A283-4925-2CCEBB801DC5}"/>
+          </ac:spMkLst>
+        </pc:spChg>
+        <pc:spChg chg="mod">
+          <ac:chgData name="Gibbons, Carl" userId="d2b037bc-8fb4-4222-845c-61440543a456" providerId="ADAL" clId="{4505F98C-4CC4-4983-9729-597D2A150C85}" dt="2023-12-29T02:21:47.448" v="17685" actId="20577"/>
+          <ac:spMkLst>
+            <pc:docMk/>
+            <pc:sldMk cId="3989541258" sldId="278"/>
+            <ac:spMk id="3" creationId="{B5924E0F-A977-1710-779D-EEB74261AF34}"/>
+          </ac:spMkLst>
+        </pc:spChg>
+      </pc:sldChg>
+      <pc:sldChg chg="modSp mod">
+        <pc:chgData name="Gibbons, Carl" userId="d2b037bc-8fb4-4222-845c-61440543a456" providerId="ADAL" clId="{4505F98C-4CC4-4983-9729-597D2A150C85}" dt="2023-12-29T00:21:55.646" v="8344" actId="20577"/>
+        <pc:sldMkLst>
+          <pc:docMk/>
+          <pc:sldMk cId="2335633195" sldId="279"/>
+        </pc:sldMkLst>
+        <pc:spChg chg="mod">
+          <ac:chgData name="Gibbons, Carl" userId="d2b037bc-8fb4-4222-845c-61440543a456" providerId="ADAL" clId="{4505F98C-4CC4-4983-9729-597D2A150C85}" dt="2023-12-29T00:21:55.646" v="8344" actId="20577"/>
+          <ac:spMkLst>
+            <pc:docMk/>
+            <pc:sldMk cId="2335633195" sldId="279"/>
+            <ac:spMk id="2" creationId="{31B75992-5098-A283-4925-2CCEBB801DC5}"/>
+          </ac:spMkLst>
+        </pc:spChg>
+        <pc:spChg chg="mod">
+          <ac:chgData name="Gibbons, Carl" userId="d2b037bc-8fb4-4222-845c-61440543a456" providerId="ADAL" clId="{4505F98C-4CC4-4983-9729-597D2A150C85}" dt="2023-12-28T22:56:22.080" v="4730" actId="20577"/>
+          <ac:spMkLst>
+            <pc:docMk/>
+            <pc:sldMk cId="2335633195" sldId="279"/>
+            <ac:spMk id="3" creationId="{B5924E0F-A977-1710-779D-EEB74261AF34}"/>
+          </ac:spMkLst>
+        </pc:spChg>
+      </pc:sldChg>
+      <pc:sldChg chg="modSp add mod">
+        <pc:chgData name="Gibbons, Carl" userId="d2b037bc-8fb4-4222-845c-61440543a456" providerId="ADAL" clId="{4505F98C-4CC4-4983-9729-597D2A150C85}" dt="2023-12-28T23:39:19.135" v="5592" actId="20577"/>
+        <pc:sldMkLst>
+          <pc:docMk/>
+          <pc:sldMk cId="1284534978" sldId="280"/>
+        </pc:sldMkLst>
+        <pc:spChg chg="mod">
+          <ac:chgData name="Gibbons, Carl" userId="d2b037bc-8fb4-4222-845c-61440543a456" providerId="ADAL" clId="{4505F98C-4CC4-4983-9729-597D2A150C85}" dt="2023-12-28T23:26:13.166" v="4743" actId="20577"/>
+          <ac:spMkLst>
+            <pc:docMk/>
+            <pc:sldMk cId="1284534978" sldId="280"/>
+            <ac:spMk id="2" creationId="{31B75992-5098-A283-4925-2CCEBB801DC5}"/>
+          </ac:spMkLst>
+        </pc:spChg>
+        <pc:spChg chg="mod">
+          <ac:chgData name="Gibbons, Carl" userId="d2b037bc-8fb4-4222-845c-61440543a456" providerId="ADAL" clId="{4505F98C-4CC4-4983-9729-597D2A150C85}" dt="2023-12-28T23:39:19.135" v="5592" actId="20577"/>
+          <ac:spMkLst>
+            <pc:docMk/>
+            <pc:sldMk cId="1284534978" sldId="280"/>
+            <ac:spMk id="3" creationId="{B5924E0F-A977-1710-779D-EEB74261AF34}"/>
+          </ac:spMkLst>
+        </pc:spChg>
+      </pc:sldChg>
+      <pc:sldChg chg="modSp mod">
+        <pc:chgData name="Gibbons, Carl" userId="d2b037bc-8fb4-4222-845c-61440543a456" providerId="ADAL" clId="{4505F98C-4CC4-4983-9729-597D2A150C85}" dt="2023-12-28T23:42:19.634" v="5967" actId="20577"/>
+        <pc:sldMkLst>
+          <pc:docMk/>
+          <pc:sldMk cId="1802585387" sldId="281"/>
+        </pc:sldMkLst>
+        <pc:spChg chg="mod">
+          <ac:chgData name="Gibbons, Carl" userId="d2b037bc-8fb4-4222-845c-61440543a456" providerId="ADAL" clId="{4505F98C-4CC4-4983-9729-597D2A150C85}" dt="2023-12-28T23:34:47.360" v="5351" actId="20577"/>
+          <ac:spMkLst>
+            <pc:docMk/>
+            <pc:sldMk cId="1802585387" sldId="281"/>
+            <ac:spMk id="2" creationId="{31B75992-5098-A283-4925-2CCEBB801DC5}"/>
+          </ac:spMkLst>
+        </pc:spChg>
+        <pc:spChg chg="mod">
+          <ac:chgData name="Gibbons, Carl" userId="d2b037bc-8fb4-4222-845c-61440543a456" providerId="ADAL" clId="{4505F98C-4CC4-4983-9729-597D2A150C85}" dt="2023-12-28T23:42:19.634" v="5967" actId="20577"/>
+          <ac:spMkLst>
+            <pc:docMk/>
+            <pc:sldMk cId="1802585387" sldId="281"/>
+            <ac:spMk id="3" creationId="{B5924E0F-A977-1710-779D-EEB74261AF34}"/>
+          </ac:spMkLst>
+        </pc:spChg>
+      </pc:sldChg>
+      <pc:sldChg chg="modSp mod">
+        <pc:chgData name="Gibbons, Carl" userId="d2b037bc-8fb4-4222-845c-61440543a456" providerId="ADAL" clId="{4505F98C-4CC4-4983-9729-597D2A150C85}" dt="2023-12-28T23:54:03.356" v="6623"/>
+        <pc:sldMkLst>
+          <pc:docMk/>
+          <pc:sldMk cId="724803187" sldId="282"/>
+        </pc:sldMkLst>
+        <pc:spChg chg="mod">
+          <ac:chgData name="Gibbons, Carl" userId="d2b037bc-8fb4-4222-845c-61440543a456" providerId="ADAL" clId="{4505F98C-4CC4-4983-9729-597D2A150C85}" dt="2023-12-28T23:39:52.399" v="5606" actId="20577"/>
+          <ac:spMkLst>
+            <pc:docMk/>
+            <pc:sldMk cId="724803187" sldId="282"/>
+            <ac:spMk id="2" creationId="{31B75992-5098-A283-4925-2CCEBB801DC5}"/>
+          </ac:spMkLst>
+        </pc:spChg>
+        <pc:spChg chg="mod">
+          <ac:chgData name="Gibbons, Carl" userId="d2b037bc-8fb4-4222-845c-61440543a456" providerId="ADAL" clId="{4505F98C-4CC4-4983-9729-597D2A150C85}" dt="2023-12-28T23:54:03.356" v="6623"/>
+          <ac:spMkLst>
+            <pc:docMk/>
+            <pc:sldMk cId="724803187" sldId="282"/>
+            <ac:spMk id="3" creationId="{B5924E0F-A977-1710-779D-EEB74261AF34}"/>
+          </ac:spMkLst>
+        </pc:spChg>
+      </pc:sldChg>
+      <pc:sldChg chg="modSp mod">
+        <pc:chgData name="Gibbons, Carl" userId="d2b037bc-8fb4-4222-845c-61440543a456" providerId="ADAL" clId="{4505F98C-4CC4-4983-9729-597D2A150C85}" dt="2023-12-29T02:19:53.158" v="17637" actId="20577"/>
+        <pc:sldMkLst>
+          <pc:docMk/>
+          <pc:sldMk cId="1926009205" sldId="283"/>
+        </pc:sldMkLst>
+        <pc:spChg chg="mod">
+          <ac:chgData name="Gibbons, Carl" userId="d2b037bc-8fb4-4222-845c-61440543a456" providerId="ADAL" clId="{4505F98C-4CC4-4983-9729-597D2A150C85}" dt="2023-12-29T00:22:07.704" v="8354" actId="20577"/>
+          <ac:spMkLst>
+            <pc:docMk/>
+            <pc:sldMk cId="1926009205" sldId="283"/>
+            <ac:spMk id="2" creationId="{31B75992-5098-A283-4925-2CCEBB801DC5}"/>
+          </ac:spMkLst>
+        </pc:spChg>
+        <pc:spChg chg="mod">
+          <ac:chgData name="Gibbons, Carl" userId="d2b037bc-8fb4-4222-845c-61440543a456" providerId="ADAL" clId="{4505F98C-4CC4-4983-9729-597D2A150C85}" dt="2023-12-29T02:19:53.158" v="17637" actId="20577"/>
+          <ac:spMkLst>
+            <pc:docMk/>
+            <pc:sldMk cId="1926009205" sldId="283"/>
+            <ac:spMk id="3" creationId="{B5924E0F-A977-1710-779D-EEB74261AF34}"/>
+          </ac:spMkLst>
+        </pc:spChg>
+      </pc:sldChg>
+      <pc:sldChg chg="del">
+        <pc:chgData name="Gibbons, Carl" userId="d2b037bc-8fb4-4222-845c-61440543a456" providerId="ADAL" clId="{4505F98C-4CC4-4983-9729-597D2A150C85}" dt="2023-12-28T22:17:09.732" v="1699" actId="47"/>
+        <pc:sldMkLst>
+          <pc:docMk/>
+          <pc:sldMk cId="2959024232" sldId="283"/>
+        </pc:sldMkLst>
+      </pc:sldChg>
+      <pc:sldChg chg="modSp mod">
+        <pc:chgData name="Gibbons, Carl" userId="d2b037bc-8fb4-4222-845c-61440543a456" providerId="ADAL" clId="{4505F98C-4CC4-4983-9729-597D2A150C85}" dt="2023-12-29T00:22:15.499" v="8364" actId="20577"/>
+        <pc:sldMkLst>
+          <pc:docMk/>
+          <pc:sldMk cId="2366216895" sldId="284"/>
+        </pc:sldMkLst>
+        <pc:spChg chg="mod">
+          <ac:chgData name="Gibbons, Carl" userId="d2b037bc-8fb4-4222-845c-61440543a456" providerId="ADAL" clId="{4505F98C-4CC4-4983-9729-597D2A150C85}" dt="2023-12-29T00:22:15.499" v="8364" actId="20577"/>
+          <ac:spMkLst>
+            <pc:docMk/>
+            <pc:sldMk cId="2366216895" sldId="284"/>
+            <ac:spMk id="2" creationId="{31B75992-5098-A283-4925-2CCEBB801DC5}"/>
+          </ac:spMkLst>
+        </pc:spChg>
+        <pc:spChg chg="mod">
+          <ac:chgData name="Gibbons, Carl" userId="d2b037bc-8fb4-4222-845c-61440543a456" providerId="ADAL" clId="{4505F98C-4CC4-4983-9729-597D2A150C85}" dt="2023-12-29T00:20:51.612" v="8260" actId="20577"/>
+          <ac:spMkLst>
+            <pc:docMk/>
+            <pc:sldMk cId="2366216895" sldId="284"/>
+            <ac:spMk id="3" creationId="{B5924E0F-A977-1710-779D-EEB74261AF34}"/>
+          </ac:spMkLst>
+        </pc:spChg>
+      </pc:sldChg>
+      <pc:sldChg chg="del">
+        <pc:chgData name="Gibbons, Carl" userId="d2b037bc-8fb4-4222-845c-61440543a456" providerId="ADAL" clId="{4505F98C-4CC4-4983-9729-597D2A150C85}" dt="2023-12-28T22:17:08.965" v="1698" actId="47"/>
+        <pc:sldMkLst>
+          <pc:docMk/>
+          <pc:sldMk cId="3114675387" sldId="284"/>
+        </pc:sldMkLst>
+      </pc:sldChg>
+      <pc:sldChg chg="del">
+        <pc:chgData name="Gibbons, Carl" userId="d2b037bc-8fb4-4222-845c-61440543a456" providerId="ADAL" clId="{4505F98C-4CC4-4983-9729-597D2A150C85}" dt="2023-12-28T22:17:08.106" v="1697" actId="47"/>
+        <pc:sldMkLst>
+          <pc:docMk/>
+          <pc:sldMk cId="1243134729" sldId="285"/>
+        </pc:sldMkLst>
+      </pc:sldChg>
+      <pc:sldChg chg="modSp mod">
+        <pc:chgData name="Gibbons, Carl" userId="d2b037bc-8fb4-4222-845c-61440543a456" providerId="ADAL" clId="{4505F98C-4CC4-4983-9729-597D2A150C85}" dt="2023-12-29T01:14:23.500" v="12327" actId="20577"/>
+        <pc:sldMkLst>
+          <pc:docMk/>
+          <pc:sldMk cId="3371896289" sldId="285"/>
+        </pc:sldMkLst>
+        <pc:spChg chg="mod">
+          <ac:chgData name="Gibbons, Carl" userId="d2b037bc-8fb4-4222-845c-61440543a456" providerId="ADAL" clId="{4505F98C-4CC4-4983-9729-597D2A150C85}" dt="2023-12-29T00:22:25.432" v="8374" actId="20577"/>
+          <ac:spMkLst>
+            <pc:docMk/>
+            <pc:sldMk cId="3371896289" sldId="285"/>
+            <ac:spMk id="2" creationId="{31B75992-5098-A283-4925-2CCEBB801DC5}"/>
+          </ac:spMkLst>
+        </pc:spChg>
+        <pc:spChg chg="mod">
+          <ac:chgData name="Gibbons, Carl" userId="d2b037bc-8fb4-4222-845c-61440543a456" providerId="ADAL" clId="{4505F98C-4CC4-4983-9729-597D2A150C85}" dt="2023-12-29T01:14:23.500" v="12327" actId="20577"/>
+          <ac:spMkLst>
+            <pc:docMk/>
+            <pc:sldMk cId="3371896289" sldId="285"/>
+            <ac:spMk id="3" creationId="{B5924E0F-A977-1710-779D-EEB74261AF34}"/>
+          </ac:spMkLst>
+        </pc:spChg>
+      </pc:sldChg>
+      <pc:sldChg chg="add del">
+        <pc:chgData name="Gibbons, Carl" userId="d2b037bc-8fb4-4222-845c-61440543a456" providerId="ADAL" clId="{4505F98C-4CC4-4983-9729-597D2A150C85}" dt="2023-12-29T00:13:59.438" v="7954" actId="2696"/>
+        <pc:sldMkLst>
+          <pc:docMk/>
+          <pc:sldMk cId="3635199420" sldId="285"/>
+        </pc:sldMkLst>
+      </pc:sldChg>
+      <pc:sldChg chg="del">
+        <pc:chgData name="Gibbons, Carl" userId="d2b037bc-8fb4-4222-845c-61440543a456" providerId="ADAL" clId="{4505F98C-4CC4-4983-9729-597D2A150C85}" dt="2023-12-28T22:17:10.620" v="1700" actId="47"/>
+        <pc:sldMkLst>
+          <pc:docMk/>
+          <pc:sldMk cId="954591853" sldId="286"/>
+        </pc:sldMkLst>
+      </pc:sldChg>
+      <pc:sldChg chg="modSp mod">
+        <pc:chgData name="Gibbons, Carl" userId="d2b037bc-8fb4-4222-845c-61440543a456" providerId="ADAL" clId="{4505F98C-4CC4-4983-9729-597D2A150C85}" dt="2023-12-29T01:14:14.317" v="12318" actId="20577"/>
+        <pc:sldMkLst>
+          <pc:docMk/>
+          <pc:sldMk cId="3193160409" sldId="286"/>
+        </pc:sldMkLst>
+        <pc:spChg chg="mod">
+          <ac:chgData name="Gibbons, Carl" userId="d2b037bc-8fb4-4222-845c-61440543a456" providerId="ADAL" clId="{4505F98C-4CC4-4983-9729-597D2A150C85}" dt="2023-12-29T00:33:44.511" v="9517" actId="20577"/>
+          <ac:spMkLst>
+            <pc:docMk/>
+            <pc:sldMk cId="3193160409" sldId="286"/>
+            <ac:spMk id="2" creationId="{31B75992-5098-A283-4925-2CCEBB801DC5}"/>
+          </ac:spMkLst>
+        </pc:spChg>
+        <pc:spChg chg="mod">
+          <ac:chgData name="Gibbons, Carl" userId="d2b037bc-8fb4-4222-845c-61440543a456" providerId="ADAL" clId="{4505F98C-4CC4-4983-9729-597D2A150C85}" dt="2023-12-29T01:14:14.317" v="12318" actId="20577"/>
+          <ac:spMkLst>
+            <pc:docMk/>
+            <pc:sldMk cId="3193160409" sldId="286"/>
+            <ac:spMk id="3" creationId="{B5924E0F-A977-1710-779D-EEB74261AF34}"/>
+          </ac:spMkLst>
+        </pc:spChg>
+      </pc:sldChg>
+      <pc:sldChg chg="del">
+        <pc:chgData name="Gibbons, Carl" userId="d2b037bc-8fb4-4222-845c-61440543a456" providerId="ADAL" clId="{4505F98C-4CC4-4983-9729-597D2A150C85}" dt="2023-12-28T22:17:12.413" v="1702" actId="47"/>
+        <pc:sldMkLst>
+          <pc:docMk/>
+          <pc:sldMk cId="2614091779" sldId="287"/>
+        </pc:sldMkLst>
+      </pc:sldChg>
+      <pc:sldChg chg="modSp mod">
+        <pc:chgData name="Gibbons, Carl" userId="d2b037bc-8fb4-4222-845c-61440543a456" providerId="ADAL" clId="{4505F98C-4CC4-4983-9729-597D2A150C85}" dt="2023-12-29T02:19:05.385" v="17624"/>
+        <pc:sldMkLst>
+          <pc:docMk/>
+          <pc:sldMk cId="2688338374" sldId="287"/>
+        </pc:sldMkLst>
+        <pc:spChg chg="mod">
+          <ac:chgData name="Gibbons, Carl" userId="d2b037bc-8fb4-4222-845c-61440543a456" providerId="ADAL" clId="{4505F98C-4CC4-4983-9729-597D2A150C85}" dt="2023-12-29T00:41:11.438" v="10364" actId="20577"/>
+          <ac:spMkLst>
+            <pc:docMk/>
+            <pc:sldMk cId="2688338374" sldId="287"/>
+            <ac:spMk id="2" creationId="{31B75992-5098-A283-4925-2CCEBB801DC5}"/>
+          </ac:spMkLst>
+        </pc:spChg>
+        <pc:spChg chg="mod">
+          <ac:chgData name="Gibbons, Carl" userId="d2b037bc-8fb4-4222-845c-61440543a456" providerId="ADAL" clId="{4505F98C-4CC4-4983-9729-597D2A150C85}" dt="2023-12-29T02:19:05.385" v="17624"/>
+          <ac:spMkLst>
+            <pc:docMk/>
+            <pc:sldMk cId="2688338374" sldId="287"/>
+            <ac:spMk id="3" creationId="{B5924E0F-A977-1710-779D-EEB74261AF34}"/>
+          </ac:spMkLst>
+        </pc:spChg>
+      </pc:sldChg>
+      <pc:sldChg chg="del">
+        <pc:chgData name="Gibbons, Carl" userId="d2b037bc-8fb4-4222-845c-61440543a456" providerId="ADAL" clId="{4505F98C-4CC4-4983-9729-597D2A150C85}" dt="2023-12-28T22:17:11.407" v="1701" actId="47"/>
+        <pc:sldMkLst>
+          <pc:docMk/>
+          <pc:sldMk cId="1341659426" sldId="288"/>
+        </pc:sldMkLst>
+      </pc:sldChg>
+      <pc:sldChg chg="modSp add mod">
+        <pc:chgData name="Gibbons, Carl" userId="d2b037bc-8fb4-4222-845c-61440543a456" providerId="ADAL" clId="{4505F98C-4CC4-4983-9729-597D2A150C85}" dt="2023-12-29T01:45:37.293" v="15006"/>
+        <pc:sldMkLst>
+          <pc:docMk/>
+          <pc:sldMk cId="2142935017" sldId="288"/>
+        </pc:sldMkLst>
+        <pc:spChg chg="mod">
+          <ac:chgData name="Gibbons, Carl" userId="d2b037bc-8fb4-4222-845c-61440543a456" providerId="ADAL" clId="{4505F98C-4CC4-4983-9729-597D2A150C85}" dt="2023-12-29T01:16:27.501" v="12383" actId="20577"/>
+          <ac:spMkLst>
+            <pc:docMk/>
+            <pc:sldMk cId="2142935017" sldId="288"/>
+            <ac:spMk id="2" creationId="{31B75992-5098-A283-4925-2CCEBB801DC5}"/>
+          </ac:spMkLst>
+        </pc:spChg>
+        <pc:spChg chg="mod">
+          <ac:chgData name="Gibbons, Carl" userId="d2b037bc-8fb4-4222-845c-61440543a456" providerId="ADAL" clId="{4505F98C-4CC4-4983-9729-597D2A150C85}" dt="2023-12-29T01:45:37.293" v="15006"/>
+          <ac:spMkLst>
+            <pc:docMk/>
+            <pc:sldMk cId="2142935017" sldId="288"/>
+            <ac:spMk id="3" creationId="{B5924E0F-A977-1710-779D-EEB74261AF34}"/>
+          </ac:spMkLst>
+        </pc:spChg>
+      </pc:sldChg>
+      <pc:sldChg chg="modSp mod">
+        <pc:chgData name="Gibbons, Carl" userId="d2b037bc-8fb4-4222-845c-61440543a456" providerId="ADAL" clId="{4505F98C-4CC4-4983-9729-597D2A150C85}" dt="2023-12-29T01:50:54.342" v="15124" actId="20577"/>
+        <pc:sldMkLst>
+          <pc:docMk/>
+          <pc:sldMk cId="2784625941" sldId="289"/>
+        </pc:sldMkLst>
+        <pc:spChg chg="mod">
+          <ac:chgData name="Gibbons, Carl" userId="d2b037bc-8fb4-4222-845c-61440543a456" providerId="ADAL" clId="{4505F98C-4CC4-4983-9729-597D2A150C85}" dt="2023-12-29T01:23:40.688" v="13177" actId="20577"/>
+          <ac:spMkLst>
+            <pc:docMk/>
+            <pc:sldMk cId="2784625941" sldId="289"/>
+            <ac:spMk id="2" creationId="{31B75992-5098-A283-4925-2CCEBB801DC5}"/>
+          </ac:spMkLst>
+        </pc:spChg>
+        <pc:spChg chg="mod">
+          <ac:chgData name="Gibbons, Carl" userId="d2b037bc-8fb4-4222-845c-61440543a456" providerId="ADAL" clId="{4505F98C-4CC4-4983-9729-597D2A150C85}" dt="2023-12-29T01:50:54.342" v="15124" actId="20577"/>
+          <ac:spMkLst>
+            <pc:docMk/>
+            <pc:sldMk cId="2784625941" sldId="289"/>
+            <ac:spMk id="3" creationId="{B5924E0F-A977-1710-779D-EEB74261AF34}"/>
+          </ac:spMkLst>
+        </pc:spChg>
+      </pc:sldChg>
+      <pc:sldChg chg="del">
+        <pc:chgData name="Gibbons, Carl" userId="d2b037bc-8fb4-4222-845c-61440543a456" providerId="ADAL" clId="{4505F98C-4CC4-4983-9729-597D2A150C85}" dt="2023-12-28T22:17:05.773" v="1696" actId="47"/>
+        <pc:sldMkLst>
+          <pc:docMk/>
+          <pc:sldMk cId="2966054478" sldId="289"/>
+        </pc:sldMkLst>
+      </pc:sldChg>
+      <pc:sldChg chg="del">
+        <pc:chgData name="Gibbons, Carl" userId="d2b037bc-8fb4-4222-845c-61440543a456" providerId="ADAL" clId="{4505F98C-4CC4-4983-9729-597D2A150C85}" dt="2023-12-28T22:17:13.315" v="1703" actId="47"/>
+        <pc:sldMkLst>
+          <pc:docMk/>
+          <pc:sldMk cId="1014272238" sldId="290"/>
+        </pc:sldMkLst>
+      </pc:sldChg>
+      <pc:sldChg chg="modSp add mod">
+        <pc:chgData name="Gibbons, Carl" userId="d2b037bc-8fb4-4222-845c-61440543a456" providerId="ADAL" clId="{4505F98C-4CC4-4983-9729-597D2A150C85}" dt="2023-12-29T01:50:36.539" v="15123" actId="20577"/>
+        <pc:sldMkLst>
+          <pc:docMk/>
+          <pc:sldMk cId="1677974689" sldId="290"/>
+        </pc:sldMkLst>
+        <pc:spChg chg="mod">
+          <ac:chgData name="Gibbons, Carl" userId="d2b037bc-8fb4-4222-845c-61440543a456" providerId="ADAL" clId="{4505F98C-4CC4-4983-9729-597D2A150C85}" dt="2023-12-29T01:37:36.931" v="14365" actId="20577"/>
+          <ac:spMkLst>
+            <pc:docMk/>
+            <pc:sldMk cId="1677974689" sldId="290"/>
+            <ac:spMk id="2" creationId="{31B75992-5098-A283-4925-2CCEBB801DC5}"/>
+          </ac:spMkLst>
+        </pc:spChg>
+        <pc:spChg chg="mod">
+          <ac:chgData name="Gibbons, Carl" userId="d2b037bc-8fb4-4222-845c-61440543a456" providerId="ADAL" clId="{4505F98C-4CC4-4983-9729-597D2A150C85}" dt="2023-12-29T01:50:36.539" v="15123" actId="20577"/>
+          <ac:spMkLst>
+            <pc:docMk/>
+            <pc:sldMk cId="1677974689" sldId="290"/>
+            <ac:spMk id="3" creationId="{B5924E0F-A977-1710-779D-EEB74261AF34}"/>
+          </ac:spMkLst>
+        </pc:spChg>
+      </pc:sldChg>
+      <pc:sldChg chg="del">
+        <pc:chgData name="Gibbons, Carl" userId="d2b037bc-8fb4-4222-845c-61440543a456" providerId="ADAL" clId="{4505F98C-4CC4-4983-9729-597D2A150C85}" dt="2023-12-28T22:17:05.079" v="1695" actId="47"/>
+        <pc:sldMkLst>
+          <pc:docMk/>
+          <pc:sldMk cId="3689580349" sldId="291"/>
+        </pc:sldMkLst>
+      </pc:sldChg>
+      <pc:sldChg chg="modSp add mod">
+        <pc:chgData name="Gibbons, Carl" userId="d2b037bc-8fb4-4222-845c-61440543a456" providerId="ADAL" clId="{4505F98C-4CC4-4983-9729-597D2A150C85}" dt="2023-12-29T02:03:57.372" v="16335" actId="20577"/>
+        <pc:sldMkLst>
+          <pc:docMk/>
+          <pc:sldMk cId="4219326696" sldId="291"/>
+        </pc:sldMkLst>
+        <pc:spChg chg="mod">
+          <ac:chgData name="Gibbons, Carl" userId="d2b037bc-8fb4-4222-845c-61440543a456" providerId="ADAL" clId="{4505F98C-4CC4-4983-9729-597D2A150C85}" dt="2023-12-29T01:51:52.820" v="15161" actId="20577"/>
+          <ac:spMkLst>
+            <pc:docMk/>
+            <pc:sldMk cId="4219326696" sldId="291"/>
+            <ac:spMk id="2" creationId="{31B75992-5098-A283-4925-2CCEBB801DC5}"/>
+          </ac:spMkLst>
+        </pc:spChg>
+        <pc:spChg chg="mod">
+          <ac:chgData name="Gibbons, Carl" userId="d2b037bc-8fb4-4222-845c-61440543a456" providerId="ADAL" clId="{4505F98C-4CC4-4983-9729-597D2A150C85}" dt="2023-12-29T02:03:57.372" v="16335" actId="20577"/>
+          <ac:spMkLst>
+            <pc:docMk/>
+            <pc:sldMk cId="4219326696" sldId="291"/>
+            <ac:spMk id="3" creationId="{B5924E0F-A977-1710-779D-EEB74261AF34}"/>
+          </ac:spMkLst>
+        </pc:spChg>
+      </pc:sldChg>
+      <pc:sldChg chg="modSp add mod">
+        <pc:chgData name="Gibbons, Carl" userId="d2b037bc-8fb4-4222-845c-61440543a456" providerId="ADAL" clId="{4505F98C-4CC4-4983-9729-597D2A150C85}" dt="2023-12-29T02:16:48.887" v="17543" actId="20577"/>
+        <pc:sldMkLst>
+          <pc:docMk/>
+          <pc:sldMk cId="33911121" sldId="292"/>
+        </pc:sldMkLst>
+        <pc:spChg chg="mod">
+          <ac:chgData name="Gibbons, Carl" userId="d2b037bc-8fb4-4222-845c-61440543a456" providerId="ADAL" clId="{4505F98C-4CC4-4983-9729-597D2A150C85}" dt="2023-12-29T02:06:26.879" v="16405" actId="20577"/>
+          <ac:spMkLst>
+            <pc:docMk/>
+            <pc:sldMk cId="33911121" sldId="292"/>
+            <ac:spMk id="2" creationId="{1862E903-3C56-BB42-2361-009F2336475A}"/>
+          </ac:spMkLst>
+        </pc:spChg>
+        <pc:spChg chg="mod">
+          <ac:chgData name="Gibbons, Carl" userId="d2b037bc-8fb4-4222-845c-61440543a456" providerId="ADAL" clId="{4505F98C-4CC4-4983-9729-597D2A150C85}" dt="2023-12-29T02:16:48.887" v="17543" actId="20577"/>
+          <ac:spMkLst>
+            <pc:docMk/>
+            <pc:sldMk cId="33911121" sldId="292"/>
+            <ac:spMk id="3" creationId="{90179172-96B3-95D0-A137-257770BE7642}"/>
+          </ac:spMkLst>
+        </pc:spChg>
+      </pc:sldChg>
+      <pc:sldChg chg="del">
+        <pc:chgData name="Gibbons, Carl" userId="d2b037bc-8fb4-4222-845c-61440543a456" providerId="ADAL" clId="{4505F98C-4CC4-4983-9729-597D2A150C85}" dt="2023-12-28T22:17:14.720" v="1704" actId="47"/>
+        <pc:sldMkLst>
+          <pc:docMk/>
+          <pc:sldMk cId="2738411615" sldId="292"/>
+        </pc:sldMkLst>
+      </pc:sldChg>
+      <pc:sldChg chg="del">
+        <pc:chgData name="Gibbons, Carl" userId="d2b037bc-8fb4-4222-845c-61440543a456" providerId="ADAL" clId="{4505F98C-4CC4-4983-9729-597D2A150C85}" dt="2023-12-28T22:17:04.103" v="1694" actId="47"/>
+        <pc:sldMkLst>
+          <pc:docMk/>
+          <pc:sldMk cId="852415543" sldId="293"/>
+        </pc:sldMkLst>
+      </pc:sldChg>
+    </pc:docChg>
+  </pc:docChgLst>
+  <pc:docChgLst>
+    <pc:chgData name="Gibbons, Carl" userId="d2b037bc-8fb4-4222-845c-61440543a456" providerId="ADAL" clId="{06905CFC-A46E-472D-890F-9117438C8D89}"/>
+    <pc:docChg chg="custSel addSld delSld modSld">
+      <pc:chgData name="Gibbons, Carl" userId="d2b037bc-8fb4-4222-845c-61440543a456" providerId="ADAL" clId="{06905CFC-A46E-472D-890F-9117438C8D89}" dt="2024-02-04T04:33:39.872" v="4931" actId="20577"/>
+      <pc:docMkLst>
+        <pc:docMk/>
+      </pc:docMkLst>
+      <pc:sldChg chg="modSp mod">
+        <pc:chgData name="Gibbons, Carl" userId="d2b037bc-8fb4-4222-845c-61440543a456" providerId="ADAL" clId="{06905CFC-A46E-472D-890F-9117438C8D89}" dt="2024-02-04T02:59:56.129" v="48" actId="20577"/>
+        <pc:sldMkLst>
+          <pc:docMk/>
+          <pc:sldMk cId="3308175748" sldId="256"/>
+        </pc:sldMkLst>
+        <pc:spChg chg="mod">
+          <ac:chgData name="Gibbons, Carl" userId="d2b037bc-8fb4-4222-845c-61440543a456" providerId="ADAL" clId="{06905CFC-A46E-472D-890F-9117438C8D89}" dt="2024-02-04T02:59:56.129" v="48" actId="20577"/>
+          <ac:spMkLst>
+            <pc:docMk/>
+            <pc:sldMk cId="3308175748" sldId="256"/>
+            <ac:spMk id="3" creationId="{EEC4D41B-E776-05F2-BE0B-89BB339485AB}"/>
+          </ac:spMkLst>
+        </pc:spChg>
+      </pc:sldChg>
+      <pc:sldChg chg="modSp mod">
+        <pc:chgData name="Gibbons, Carl" userId="d2b037bc-8fb4-4222-845c-61440543a456" providerId="ADAL" clId="{06905CFC-A46E-472D-890F-9117438C8D89}" dt="2024-02-04T03:54:18.112" v="2151" actId="15"/>
+        <pc:sldMkLst>
+          <pc:docMk/>
+          <pc:sldMk cId="2312486803" sldId="261"/>
+        </pc:sldMkLst>
+        <pc:spChg chg="mod">
+          <ac:chgData name="Gibbons, Carl" userId="d2b037bc-8fb4-4222-845c-61440543a456" providerId="ADAL" clId="{06905CFC-A46E-472D-890F-9117438C8D89}" dt="2024-02-04T03:52:20.850" v="2087" actId="20577"/>
+          <ac:spMkLst>
+            <pc:docMk/>
+            <pc:sldMk cId="2312486803" sldId="261"/>
+            <ac:spMk id="2" creationId="{31B75992-5098-A283-4925-2CCEBB801DC5}"/>
+          </ac:spMkLst>
+        </pc:spChg>
+        <pc:spChg chg="mod">
+          <ac:chgData name="Gibbons, Carl" userId="d2b037bc-8fb4-4222-845c-61440543a456" providerId="ADAL" clId="{06905CFC-A46E-472D-890F-9117438C8D89}" dt="2024-02-04T03:54:18.112" v="2151" actId="15"/>
+          <ac:spMkLst>
+            <pc:docMk/>
+            <pc:sldMk cId="2312486803" sldId="261"/>
+            <ac:spMk id="3" creationId="{B5924E0F-A977-1710-779D-EEB74261AF34}"/>
+          </ac:spMkLst>
+        </pc:spChg>
+      </pc:sldChg>
+      <pc:sldChg chg="modSp mod">
+        <pc:chgData name="Gibbons, Carl" userId="d2b037bc-8fb4-4222-845c-61440543a456" providerId="ADAL" clId="{06905CFC-A46E-472D-890F-9117438C8D89}" dt="2024-02-04T04:33:39.872" v="4931" actId="20577"/>
+        <pc:sldMkLst>
+          <pc:docMk/>
+          <pc:sldMk cId="3885141102" sldId="262"/>
+        </pc:sldMkLst>
+        <pc:spChg chg="mod">
+          <ac:chgData name="Gibbons, Carl" userId="d2b037bc-8fb4-4222-845c-61440543a456" providerId="ADAL" clId="{06905CFC-A46E-472D-890F-9117438C8D89}" dt="2024-02-04T04:33:39.872" v="4931" actId="20577"/>
+          <ac:spMkLst>
+            <pc:docMk/>
+            <pc:sldMk cId="3885141102" sldId="262"/>
+            <ac:spMk id="3" creationId="{B5924E0F-A977-1710-779D-EEB74261AF34}"/>
+          </ac:spMkLst>
+        </pc:spChg>
+      </pc:sldChg>
+      <pc:sldChg chg="modSp mod">
+        <pc:chgData name="Gibbons, Carl" userId="d2b037bc-8fb4-4222-845c-61440543a456" providerId="ADAL" clId="{06905CFC-A46E-472D-890F-9117438C8D89}" dt="2024-02-04T04:32:40.613" v="4865" actId="20577"/>
+        <pc:sldMkLst>
+          <pc:docMk/>
+          <pc:sldMk cId="1719402288" sldId="263"/>
+        </pc:sldMkLst>
+        <pc:spChg chg="mod">
+          <ac:chgData name="Gibbons, Carl" userId="d2b037bc-8fb4-4222-845c-61440543a456" providerId="ADAL" clId="{06905CFC-A46E-472D-890F-9117438C8D89}" dt="2024-02-04T04:12:26.573" v="3314" actId="20577"/>
+          <ac:spMkLst>
+            <pc:docMk/>
+            <pc:sldMk cId="1719402288" sldId="263"/>
+            <ac:spMk id="2" creationId="{31B75992-5098-A283-4925-2CCEBB801DC5}"/>
+          </ac:spMkLst>
+        </pc:spChg>
+        <pc:spChg chg="mod">
+          <ac:chgData name="Gibbons, Carl" userId="d2b037bc-8fb4-4222-845c-61440543a456" providerId="ADAL" clId="{06905CFC-A46E-472D-890F-9117438C8D89}" dt="2024-02-04T04:32:40.613" v="4865" actId="20577"/>
+          <ac:spMkLst>
+            <pc:docMk/>
+            <pc:sldMk cId="1719402288" sldId="263"/>
+            <ac:spMk id="3" creationId="{B5924E0F-A977-1710-779D-EEB74261AF34}"/>
+          </ac:spMkLst>
+        </pc:spChg>
+      </pc:sldChg>
+      <pc:sldChg chg="modSp new del mod">
+        <pc:chgData name="Gibbons, Carl" userId="d2b037bc-8fb4-4222-845c-61440543a456" providerId="ADAL" clId="{06905CFC-A46E-472D-890F-9117438C8D89}" dt="2024-02-04T03:52:51.701" v="2091" actId="2696"/>
+        <pc:sldMkLst>
+          <pc:docMk/>
+          <pc:sldMk cId="122773691" sldId="264"/>
+        </pc:sldMkLst>
+        <pc:spChg chg="mod">
+          <ac:chgData name="Gibbons, Carl" userId="d2b037bc-8fb4-4222-845c-61440543a456" providerId="ADAL" clId="{06905CFC-A46E-472D-890F-9117438C8D89}" dt="2024-02-04T03:52:47.108" v="2090" actId="27636"/>
+          <ac:spMkLst>
+            <pc:docMk/>
+            <pc:sldMk cId="122773691" sldId="264"/>
+            <ac:spMk id="2" creationId="{25B9B666-A3B3-5530-8F45-BA2562A6655A}"/>
+          </ac:spMkLst>
+        </pc:spChg>
+      </pc:sldChg>
+      <pc:sldChg chg="modSp add mod">
+        <pc:chgData name="Gibbons, Carl" userId="d2b037bc-8fb4-4222-845c-61440543a456" providerId="ADAL" clId="{06905CFC-A46E-472D-890F-9117438C8D89}" dt="2024-02-04T04:11:43.510" v="3278" actId="20577"/>
+        <pc:sldMkLst>
+          <pc:docMk/>
+          <pc:sldMk cId="2993794741" sldId="265"/>
+        </pc:sldMkLst>
+        <pc:spChg chg="mod">
+          <ac:chgData name="Gibbons, Carl" userId="d2b037bc-8fb4-4222-845c-61440543a456" providerId="ADAL" clId="{06905CFC-A46E-472D-890F-9117438C8D89}" dt="2024-02-04T03:53:00.875" v="2111" actId="20577"/>
+          <ac:spMkLst>
+            <pc:docMk/>
+            <pc:sldMk cId="2993794741" sldId="265"/>
+            <ac:spMk id="2" creationId="{31B75992-5098-A283-4925-2CCEBB801DC5}"/>
+          </ac:spMkLst>
+        </pc:spChg>
+        <pc:spChg chg="mod">
+          <ac:chgData name="Gibbons, Carl" userId="d2b037bc-8fb4-4222-845c-61440543a456" providerId="ADAL" clId="{06905CFC-A46E-472D-890F-9117438C8D89}" dt="2024-02-04T04:11:43.510" v="3278" actId="20577"/>
+          <ac:spMkLst>
+            <pc:docMk/>
+            <pc:sldMk cId="2993794741" sldId="265"/>
+            <ac:spMk id="3" creationId="{B5924E0F-A977-1710-779D-EEB74261AF34}"/>
+          </ac:spMkLst>
+        </pc:spChg>
+      </pc:sldChg>
+    </pc:docChg>
+  </pc:docChgLst>
   <pc:docChgLst>
     <pc:chgData name="Gibbons, Carl" userId="d2b037bc-8fb4-4222-845c-61440543a456" providerId="ADAL" clId="{B22431BF-FF40-422E-84B9-DE35C0B96CC3}"/>
     <pc:docChg chg="undo custSel delSld modSld">
@@ -356,6 +1288,407 @@
             <pc:docMk/>
             <pc:sldMk cId="3488854045" sldId="302"/>
             <ac:spMk id="3" creationId="{B5924E0F-A977-1710-779D-EEB74261AF34}"/>
+          </ac:spMkLst>
+        </pc:spChg>
+      </pc:sldChg>
+    </pc:docChg>
+  </pc:docChgLst>
+  <pc:docChgLst>
+    <pc:chgData name="Gibbons, Carl" userId="d2b037bc-8fb4-4222-845c-61440543a456" providerId="ADAL" clId="{CA56C342-F1F4-4920-9E02-F107DF806007}"/>
+    <pc:docChg chg="modSld">
+      <pc:chgData name="Gibbons, Carl" userId="d2b037bc-8fb4-4222-845c-61440543a456" providerId="ADAL" clId="{CA56C342-F1F4-4920-9E02-F107DF806007}" dt="2024-05-17T02:54:20.732" v="44" actId="5793"/>
+      <pc:docMkLst>
+        <pc:docMk/>
+      </pc:docMkLst>
+      <pc:sldChg chg="modSp mod">
+        <pc:chgData name="Gibbons, Carl" userId="d2b037bc-8fb4-4222-845c-61440543a456" providerId="ADAL" clId="{CA56C342-F1F4-4920-9E02-F107DF806007}" dt="2024-05-17T02:49:40.889" v="4" actId="20577"/>
+        <pc:sldMkLst>
+          <pc:docMk/>
+          <pc:sldMk cId="2312486803" sldId="261"/>
+        </pc:sldMkLst>
+        <pc:spChg chg="mod">
+          <ac:chgData name="Gibbons, Carl" userId="d2b037bc-8fb4-4222-845c-61440543a456" providerId="ADAL" clId="{CA56C342-F1F4-4920-9E02-F107DF806007}" dt="2024-05-17T02:49:40.889" v="4" actId="20577"/>
+          <ac:spMkLst>
+            <pc:docMk/>
+            <pc:sldMk cId="2312486803" sldId="261"/>
+            <ac:spMk id="3" creationId="{B5924E0F-A977-1710-779D-EEB74261AF34}"/>
+          </ac:spMkLst>
+        </pc:spChg>
+      </pc:sldChg>
+      <pc:sldChg chg="modSp mod">
+        <pc:chgData name="Gibbons, Carl" userId="d2b037bc-8fb4-4222-845c-61440543a456" providerId="ADAL" clId="{CA56C342-F1F4-4920-9E02-F107DF806007}" dt="2024-05-17T02:54:20.732" v="44" actId="5793"/>
+        <pc:sldMkLst>
+          <pc:docMk/>
+          <pc:sldMk cId="1719402288" sldId="263"/>
+        </pc:sldMkLst>
+        <pc:spChg chg="mod">
+          <ac:chgData name="Gibbons, Carl" userId="d2b037bc-8fb4-4222-845c-61440543a456" providerId="ADAL" clId="{CA56C342-F1F4-4920-9E02-F107DF806007}" dt="2024-05-17T02:54:20.732" v="44" actId="5793"/>
+          <ac:spMkLst>
+            <pc:docMk/>
+            <pc:sldMk cId="1719402288" sldId="263"/>
+            <ac:spMk id="3" creationId="{B5924E0F-A977-1710-779D-EEB74261AF34}"/>
+          </ac:spMkLst>
+        </pc:spChg>
+      </pc:sldChg>
+      <pc:sldChg chg="modSp mod">
+        <pc:chgData name="Gibbons, Carl" userId="d2b037bc-8fb4-4222-845c-61440543a456" providerId="ADAL" clId="{CA56C342-F1F4-4920-9E02-F107DF806007}" dt="2024-05-17T02:50:22.746" v="8" actId="20577"/>
+        <pc:sldMkLst>
+          <pc:docMk/>
+          <pc:sldMk cId="2993794741" sldId="265"/>
+        </pc:sldMkLst>
+        <pc:spChg chg="mod">
+          <ac:chgData name="Gibbons, Carl" userId="d2b037bc-8fb4-4222-845c-61440543a456" providerId="ADAL" clId="{CA56C342-F1F4-4920-9E02-F107DF806007}" dt="2024-05-17T02:50:22.746" v="8" actId="20577"/>
+          <ac:spMkLst>
+            <pc:docMk/>
+            <pc:sldMk cId="2993794741" sldId="265"/>
+            <ac:spMk id="3" creationId="{B5924E0F-A977-1710-779D-EEB74261AF34}"/>
+          </ac:spMkLst>
+        </pc:spChg>
+      </pc:sldChg>
+    </pc:docChg>
+  </pc:docChgLst>
+  <pc:docChgLst>
+    <pc:chgData name="Gibbons, Carl" userId="d2b037bc-8fb4-4222-845c-61440543a456" providerId="ADAL" clId="{14F797DE-E75B-4062-A6FB-AA9F07155580}"/>
+    <pc:docChg chg="undo custSel addSld modSld">
+      <pc:chgData name="Gibbons, Carl" userId="d2b037bc-8fb4-4222-845c-61440543a456" providerId="ADAL" clId="{14F797DE-E75B-4062-A6FB-AA9F07155580}" dt="2023-12-29T21:55:15.574" v="6853" actId="255"/>
+      <pc:docMkLst>
+        <pc:docMk/>
+      </pc:docMkLst>
+      <pc:sldChg chg="modSp mod">
+        <pc:chgData name="Gibbons, Carl" userId="d2b037bc-8fb4-4222-845c-61440543a456" providerId="ADAL" clId="{14F797DE-E75B-4062-A6FB-AA9F07155580}" dt="2023-12-29T17:10:38.181" v="10" actId="20577"/>
+        <pc:sldMkLst>
+          <pc:docMk/>
+          <pc:sldMk cId="3308175748" sldId="256"/>
+        </pc:sldMkLst>
+        <pc:spChg chg="mod">
+          <ac:chgData name="Gibbons, Carl" userId="d2b037bc-8fb4-4222-845c-61440543a456" providerId="ADAL" clId="{14F797DE-E75B-4062-A6FB-AA9F07155580}" dt="2023-12-29T17:10:38.181" v="10" actId="20577"/>
+          <ac:spMkLst>
+            <pc:docMk/>
+            <pc:sldMk cId="3308175748" sldId="256"/>
+            <ac:spMk id="3" creationId="{EEC4D41B-E776-05F2-BE0B-89BB339485AB}"/>
+          </ac:spMkLst>
+        </pc:spChg>
+      </pc:sldChg>
+      <pc:sldChg chg="modSp mod">
+        <pc:chgData name="Gibbons, Carl" userId="d2b037bc-8fb4-4222-845c-61440543a456" providerId="ADAL" clId="{14F797DE-E75B-4062-A6FB-AA9F07155580}" dt="2023-12-29T17:51:52.012" v="2089" actId="20577"/>
+        <pc:sldMkLst>
+          <pc:docMk/>
+          <pc:sldMk cId="2312486803" sldId="261"/>
+        </pc:sldMkLst>
+        <pc:spChg chg="mod">
+          <ac:chgData name="Gibbons, Carl" userId="d2b037bc-8fb4-4222-845c-61440543a456" providerId="ADAL" clId="{14F797DE-E75B-4062-A6FB-AA9F07155580}" dt="2023-12-29T17:23:59.510" v="341" actId="20577"/>
+          <ac:spMkLst>
+            <pc:docMk/>
+            <pc:sldMk cId="2312486803" sldId="261"/>
+            <ac:spMk id="2" creationId="{31B75992-5098-A283-4925-2CCEBB801DC5}"/>
+          </ac:spMkLst>
+        </pc:spChg>
+        <pc:spChg chg="mod">
+          <ac:chgData name="Gibbons, Carl" userId="d2b037bc-8fb4-4222-845c-61440543a456" providerId="ADAL" clId="{14F797DE-E75B-4062-A6FB-AA9F07155580}" dt="2023-12-29T17:51:52.012" v="2089" actId="20577"/>
+          <ac:spMkLst>
+            <pc:docMk/>
+            <pc:sldMk cId="2312486803" sldId="261"/>
+            <ac:spMk id="3" creationId="{B5924E0F-A977-1710-779D-EEB74261AF34}"/>
+          </ac:spMkLst>
+        </pc:spChg>
+      </pc:sldChg>
+      <pc:sldChg chg="addSp modSp mod">
+        <pc:chgData name="Gibbons, Carl" userId="d2b037bc-8fb4-4222-845c-61440543a456" providerId="ADAL" clId="{14F797DE-E75B-4062-A6FB-AA9F07155580}" dt="2023-12-29T21:53:53.831" v="6845" actId="20577"/>
+        <pc:sldMkLst>
+          <pc:docMk/>
+          <pc:sldMk cId="657795359" sldId="277"/>
+        </pc:sldMkLst>
+        <pc:spChg chg="mod">
+          <ac:chgData name="Gibbons, Carl" userId="d2b037bc-8fb4-4222-845c-61440543a456" providerId="ADAL" clId="{14F797DE-E75B-4062-A6FB-AA9F07155580}" dt="2023-12-29T21:45:47.422" v="6393" actId="20577"/>
+          <ac:spMkLst>
+            <pc:docMk/>
+            <pc:sldMk cId="657795359" sldId="277"/>
+            <ac:spMk id="2" creationId="{1862E903-3C56-BB42-2361-009F2336475A}"/>
+          </ac:spMkLst>
+        </pc:spChg>
+        <pc:spChg chg="add mod">
+          <ac:chgData name="Gibbons, Carl" userId="d2b037bc-8fb4-4222-845c-61440543a456" providerId="ADAL" clId="{14F797DE-E75B-4062-A6FB-AA9F07155580}" dt="2023-12-29T21:53:53.831" v="6845" actId="20577"/>
+          <ac:spMkLst>
+            <pc:docMk/>
+            <pc:sldMk cId="657795359" sldId="277"/>
+            <ac:spMk id="3" creationId="{D9D594D6-F4EE-B0AB-C128-26D2D32F8E21}"/>
+          </ac:spMkLst>
+        </pc:spChg>
+      </pc:sldChg>
+      <pc:sldChg chg="modSp mod">
+        <pc:chgData name="Gibbons, Carl" userId="d2b037bc-8fb4-4222-845c-61440543a456" providerId="ADAL" clId="{14F797DE-E75B-4062-A6FB-AA9F07155580}" dt="2023-12-29T18:26:31.431" v="3669" actId="20577"/>
+        <pc:sldMkLst>
+          <pc:docMk/>
+          <pc:sldMk cId="3989541258" sldId="278"/>
+        </pc:sldMkLst>
+        <pc:spChg chg="mod">
+          <ac:chgData name="Gibbons, Carl" userId="d2b037bc-8fb4-4222-845c-61440543a456" providerId="ADAL" clId="{14F797DE-E75B-4062-A6FB-AA9F07155580}" dt="2023-12-29T17:53:20.837" v="2147" actId="20577"/>
+          <ac:spMkLst>
+            <pc:docMk/>
+            <pc:sldMk cId="3989541258" sldId="278"/>
+            <ac:spMk id="2" creationId="{31B75992-5098-A283-4925-2CCEBB801DC5}"/>
+          </ac:spMkLst>
+        </pc:spChg>
+        <pc:spChg chg="mod">
+          <ac:chgData name="Gibbons, Carl" userId="d2b037bc-8fb4-4222-845c-61440543a456" providerId="ADAL" clId="{14F797DE-E75B-4062-A6FB-AA9F07155580}" dt="2023-12-29T18:26:31.431" v="3669" actId="20577"/>
+          <ac:spMkLst>
+            <pc:docMk/>
+            <pc:sldMk cId="3989541258" sldId="278"/>
+            <ac:spMk id="3" creationId="{B5924E0F-A977-1710-779D-EEB74261AF34}"/>
+          </ac:spMkLst>
+        </pc:spChg>
+      </pc:sldChg>
+      <pc:sldChg chg="modSp mod">
+        <pc:chgData name="Gibbons, Carl" userId="d2b037bc-8fb4-4222-845c-61440543a456" providerId="ADAL" clId="{14F797DE-E75B-4062-A6FB-AA9F07155580}" dt="2023-12-29T21:55:15.574" v="6853" actId="255"/>
+        <pc:sldMkLst>
+          <pc:docMk/>
+          <pc:sldMk cId="1861646120" sldId="293"/>
+        </pc:sldMkLst>
+        <pc:spChg chg="mod">
+          <ac:chgData name="Gibbons, Carl" userId="d2b037bc-8fb4-4222-845c-61440543a456" providerId="ADAL" clId="{14F797DE-E75B-4062-A6FB-AA9F07155580}" dt="2023-12-29T18:01:10.039" v="2767" actId="20577"/>
+          <ac:spMkLst>
+            <pc:docMk/>
+            <pc:sldMk cId="1861646120" sldId="293"/>
+            <ac:spMk id="2" creationId="{31B75992-5098-A283-4925-2CCEBB801DC5}"/>
+          </ac:spMkLst>
+        </pc:spChg>
+        <pc:spChg chg="mod">
+          <ac:chgData name="Gibbons, Carl" userId="d2b037bc-8fb4-4222-845c-61440543a456" providerId="ADAL" clId="{14F797DE-E75B-4062-A6FB-AA9F07155580}" dt="2023-12-29T21:55:15.574" v="6853" actId="255"/>
+          <ac:spMkLst>
+            <pc:docMk/>
+            <pc:sldMk cId="1861646120" sldId="293"/>
+            <ac:spMk id="3" creationId="{B5924E0F-A977-1710-779D-EEB74261AF34}"/>
+          </ac:spMkLst>
+        </pc:spChg>
+      </pc:sldChg>
+      <pc:sldChg chg="modSp mod">
+        <pc:chgData name="Gibbons, Carl" userId="d2b037bc-8fb4-4222-845c-61440543a456" providerId="ADAL" clId="{14F797DE-E75B-4062-A6FB-AA9F07155580}" dt="2023-12-29T21:55:08.313" v="6852" actId="255"/>
+        <pc:sldMkLst>
+          <pc:docMk/>
+          <pc:sldMk cId="2232562783" sldId="294"/>
+        </pc:sldMkLst>
+        <pc:spChg chg="mod">
+          <ac:chgData name="Gibbons, Carl" userId="d2b037bc-8fb4-4222-845c-61440543a456" providerId="ADAL" clId="{14F797DE-E75B-4062-A6FB-AA9F07155580}" dt="2023-12-29T18:24:14.937" v="3546" actId="20577"/>
+          <ac:spMkLst>
+            <pc:docMk/>
+            <pc:sldMk cId="2232562783" sldId="294"/>
+            <ac:spMk id="2" creationId="{31B75992-5098-A283-4925-2CCEBB801DC5}"/>
+          </ac:spMkLst>
+        </pc:spChg>
+        <pc:spChg chg="mod">
+          <ac:chgData name="Gibbons, Carl" userId="d2b037bc-8fb4-4222-845c-61440543a456" providerId="ADAL" clId="{14F797DE-E75B-4062-A6FB-AA9F07155580}" dt="2023-12-29T21:55:08.313" v="6852" actId="255"/>
+          <ac:spMkLst>
+            <pc:docMk/>
+            <pc:sldMk cId="2232562783" sldId="294"/>
+            <ac:spMk id="3" creationId="{B5924E0F-A977-1710-779D-EEB74261AF34}"/>
+          </ac:spMkLst>
+        </pc:spChg>
+      </pc:sldChg>
+      <pc:sldChg chg="modSp add mod">
+        <pc:chgData name="Gibbons, Carl" userId="d2b037bc-8fb4-4222-845c-61440543a456" providerId="ADAL" clId="{14F797DE-E75B-4062-A6FB-AA9F07155580}" dt="2023-12-29T21:55:02.689" v="6851" actId="255"/>
+        <pc:sldMkLst>
+          <pc:docMk/>
+          <pc:sldMk cId="806767687" sldId="295"/>
+        </pc:sldMkLst>
+        <pc:spChg chg="mod">
+          <ac:chgData name="Gibbons, Carl" userId="d2b037bc-8fb4-4222-845c-61440543a456" providerId="ADAL" clId="{14F797DE-E75B-4062-A6FB-AA9F07155580}" dt="2023-12-29T18:50:33.208" v="4036" actId="113"/>
+          <ac:spMkLst>
+            <pc:docMk/>
+            <pc:sldMk cId="806767687" sldId="295"/>
+            <ac:spMk id="2" creationId="{31B75992-5098-A283-4925-2CCEBB801DC5}"/>
+          </ac:spMkLst>
+        </pc:spChg>
+        <pc:spChg chg="mod">
+          <ac:chgData name="Gibbons, Carl" userId="d2b037bc-8fb4-4222-845c-61440543a456" providerId="ADAL" clId="{14F797DE-E75B-4062-A6FB-AA9F07155580}" dt="2023-12-29T21:55:02.689" v="6851" actId="255"/>
+          <ac:spMkLst>
+            <pc:docMk/>
+            <pc:sldMk cId="806767687" sldId="295"/>
+            <ac:spMk id="3" creationId="{B5924E0F-A977-1710-779D-EEB74261AF34}"/>
+          </ac:spMkLst>
+        </pc:spChg>
+      </pc:sldChg>
+      <pc:sldChg chg="modSp mod">
+        <pc:chgData name="Gibbons, Carl" userId="d2b037bc-8fb4-4222-845c-61440543a456" providerId="ADAL" clId="{14F797DE-E75B-4062-A6FB-AA9F07155580}" dt="2023-12-29T21:54:48.370" v="6850" actId="255"/>
+        <pc:sldMkLst>
+          <pc:docMk/>
+          <pc:sldMk cId="3145157247" sldId="296"/>
+        </pc:sldMkLst>
+        <pc:spChg chg="mod">
+          <ac:chgData name="Gibbons, Carl" userId="d2b037bc-8fb4-4222-845c-61440543a456" providerId="ADAL" clId="{14F797DE-E75B-4062-A6FB-AA9F07155580}" dt="2023-12-29T21:07:20.782" v="4695" actId="20577"/>
+          <ac:spMkLst>
+            <pc:docMk/>
+            <pc:sldMk cId="3145157247" sldId="296"/>
+            <ac:spMk id="2" creationId="{31B75992-5098-A283-4925-2CCEBB801DC5}"/>
+          </ac:spMkLst>
+        </pc:spChg>
+        <pc:spChg chg="mod">
+          <ac:chgData name="Gibbons, Carl" userId="d2b037bc-8fb4-4222-845c-61440543a456" providerId="ADAL" clId="{14F797DE-E75B-4062-A6FB-AA9F07155580}" dt="2023-12-29T21:54:48.370" v="6850" actId="255"/>
+          <ac:spMkLst>
+            <pc:docMk/>
+            <pc:sldMk cId="3145157247" sldId="296"/>
+            <ac:spMk id="3" creationId="{B5924E0F-A977-1710-779D-EEB74261AF34}"/>
+          </ac:spMkLst>
+        </pc:spChg>
+      </pc:sldChg>
+      <pc:sldChg chg="modSp mod">
+        <pc:chgData name="Gibbons, Carl" userId="d2b037bc-8fb4-4222-845c-61440543a456" providerId="ADAL" clId="{14F797DE-E75B-4062-A6FB-AA9F07155580}" dt="2023-12-29T21:54:42.630" v="6849" actId="255"/>
+        <pc:sldMkLst>
+          <pc:docMk/>
+          <pc:sldMk cId="2424714671" sldId="297"/>
+        </pc:sldMkLst>
+        <pc:spChg chg="mod">
+          <ac:chgData name="Gibbons, Carl" userId="d2b037bc-8fb4-4222-845c-61440543a456" providerId="ADAL" clId="{14F797DE-E75B-4062-A6FB-AA9F07155580}" dt="2023-12-29T21:07:54.964" v="4712" actId="20577"/>
+          <ac:spMkLst>
+            <pc:docMk/>
+            <pc:sldMk cId="2424714671" sldId="297"/>
+            <ac:spMk id="2" creationId="{31B75992-5098-A283-4925-2CCEBB801DC5}"/>
+          </ac:spMkLst>
+        </pc:spChg>
+        <pc:spChg chg="mod">
+          <ac:chgData name="Gibbons, Carl" userId="d2b037bc-8fb4-4222-845c-61440543a456" providerId="ADAL" clId="{14F797DE-E75B-4062-A6FB-AA9F07155580}" dt="2023-12-29T21:54:42.630" v="6849" actId="255"/>
+          <ac:spMkLst>
+            <pc:docMk/>
+            <pc:sldMk cId="2424714671" sldId="297"/>
+            <ac:spMk id="3" creationId="{B5924E0F-A977-1710-779D-EEB74261AF34}"/>
+          </ac:spMkLst>
+        </pc:spChg>
+      </pc:sldChg>
+      <pc:sldChg chg="modSp mod">
+        <pc:chgData name="Gibbons, Carl" userId="d2b037bc-8fb4-4222-845c-61440543a456" providerId="ADAL" clId="{14F797DE-E75B-4062-A6FB-AA9F07155580}" dt="2023-12-29T21:54:28.975" v="6848" actId="255"/>
+        <pc:sldMkLst>
+          <pc:docMk/>
+          <pc:sldMk cId="3450195044" sldId="298"/>
+        </pc:sldMkLst>
+        <pc:spChg chg="mod">
+          <ac:chgData name="Gibbons, Carl" userId="d2b037bc-8fb4-4222-845c-61440543a456" providerId="ADAL" clId="{14F797DE-E75B-4062-A6FB-AA9F07155580}" dt="2023-12-29T21:23:42.216" v="5202" actId="20577"/>
+          <ac:spMkLst>
+            <pc:docMk/>
+            <pc:sldMk cId="3450195044" sldId="298"/>
+            <ac:spMk id="2" creationId="{31B75992-5098-A283-4925-2CCEBB801DC5}"/>
+          </ac:spMkLst>
+        </pc:spChg>
+        <pc:spChg chg="mod">
+          <ac:chgData name="Gibbons, Carl" userId="d2b037bc-8fb4-4222-845c-61440543a456" providerId="ADAL" clId="{14F797DE-E75B-4062-A6FB-AA9F07155580}" dt="2023-12-29T21:54:28.975" v="6848" actId="255"/>
+          <ac:spMkLst>
+            <pc:docMk/>
+            <pc:sldMk cId="3450195044" sldId="298"/>
+            <ac:spMk id="3" creationId="{B5924E0F-A977-1710-779D-EEB74261AF34}"/>
+          </ac:spMkLst>
+        </pc:spChg>
+      </pc:sldChg>
+      <pc:sldChg chg="modSp mod">
+        <pc:chgData name="Gibbons, Carl" userId="d2b037bc-8fb4-4222-845c-61440543a456" providerId="ADAL" clId="{14F797DE-E75B-4062-A6FB-AA9F07155580}" dt="2023-12-29T21:54:18.720" v="6846" actId="255"/>
+        <pc:sldMkLst>
+          <pc:docMk/>
+          <pc:sldMk cId="3633122843" sldId="299"/>
+        </pc:sldMkLst>
+        <pc:spChg chg="mod">
+          <ac:chgData name="Gibbons, Carl" userId="d2b037bc-8fb4-4222-845c-61440543a456" providerId="ADAL" clId="{14F797DE-E75B-4062-A6FB-AA9F07155580}" dt="2023-12-29T21:31:23.761" v="5684" actId="20577"/>
+          <ac:spMkLst>
+            <pc:docMk/>
+            <pc:sldMk cId="3633122843" sldId="299"/>
+            <ac:spMk id="2" creationId="{31B75992-5098-A283-4925-2CCEBB801DC5}"/>
+          </ac:spMkLst>
+        </pc:spChg>
+        <pc:spChg chg="mod">
+          <ac:chgData name="Gibbons, Carl" userId="d2b037bc-8fb4-4222-845c-61440543a456" providerId="ADAL" clId="{14F797DE-E75B-4062-A6FB-AA9F07155580}" dt="2023-12-29T21:54:18.720" v="6846" actId="255"/>
+          <ac:spMkLst>
+            <pc:docMk/>
+            <pc:sldMk cId="3633122843" sldId="299"/>
+            <ac:spMk id="3" creationId="{B5924E0F-A977-1710-779D-EEB74261AF34}"/>
+          </ac:spMkLst>
+        </pc:spChg>
+      </pc:sldChg>
+    </pc:docChg>
+  </pc:docChgLst>
+  <pc:docChgLst>
+    <pc:chgData name="Gibbons, Carl" userId="d2b037bc-8fb4-4222-845c-61440543a456" providerId="ADAL" clId="{C1E6ABF6-BAED-4B26-97DB-20A1E8B7A1A4}"/>
+    <pc:docChg chg="custSel modSld">
+      <pc:chgData name="Gibbons, Carl" userId="d2b037bc-8fb4-4222-845c-61440543a456" providerId="ADAL" clId="{C1E6ABF6-BAED-4B26-97DB-20A1E8B7A1A4}" dt="2023-12-06T02:23:48.337" v="274" actId="20577"/>
+      <pc:docMkLst>
+        <pc:docMk/>
+      </pc:docMkLst>
+      <pc:sldChg chg="modSp mod">
+        <pc:chgData name="Gibbons, Carl" userId="d2b037bc-8fb4-4222-845c-61440543a456" providerId="ADAL" clId="{C1E6ABF6-BAED-4B26-97DB-20A1E8B7A1A4}" dt="2023-11-21T16:22:17.597" v="97" actId="20577"/>
+        <pc:sldMkLst>
+          <pc:docMk/>
+          <pc:sldMk cId="3308175748" sldId="256"/>
+        </pc:sldMkLst>
+        <pc:spChg chg="mod">
+          <ac:chgData name="Gibbons, Carl" userId="d2b037bc-8fb4-4222-845c-61440543a456" providerId="ADAL" clId="{C1E6ABF6-BAED-4B26-97DB-20A1E8B7A1A4}" dt="2023-11-21T05:49:34.464" v="2"/>
+          <ac:spMkLst>
+            <pc:docMk/>
+            <pc:sldMk cId="3308175748" sldId="256"/>
+            <ac:spMk id="2" creationId="{ACEA2649-DC6B-3373-A7E6-7F0E103D8B8B}"/>
+          </ac:spMkLst>
+        </pc:spChg>
+        <pc:spChg chg="mod">
+          <ac:chgData name="Gibbons, Carl" userId="d2b037bc-8fb4-4222-845c-61440543a456" providerId="ADAL" clId="{C1E6ABF6-BAED-4B26-97DB-20A1E8B7A1A4}" dt="2023-11-21T16:22:17.597" v="97" actId="20577"/>
+          <ac:spMkLst>
+            <pc:docMk/>
+            <pc:sldMk cId="3308175748" sldId="256"/>
+            <ac:spMk id="3" creationId="{EEC4D41B-E776-05F2-BE0B-89BB339485AB}"/>
+          </ac:spMkLst>
+        </pc:spChg>
+        <pc:spChg chg="mod">
+          <ac:chgData name="Gibbons, Carl" userId="d2b037bc-8fb4-4222-845c-61440543a456" providerId="ADAL" clId="{C1E6ABF6-BAED-4B26-97DB-20A1E8B7A1A4}" dt="2023-11-21T05:49:34.464" v="2"/>
+          <ac:spMkLst>
+            <pc:docMk/>
+            <pc:sldMk cId="3308175748" sldId="256"/>
+            <ac:spMk id="4" creationId="{4664ABB7-0B55-0242-2E51-B3286EE7B5EB}"/>
+          </ac:spMkLst>
+        </pc:spChg>
+      </pc:sldChg>
+      <pc:sldChg chg="modSp">
+        <pc:chgData name="Gibbons, Carl" userId="d2b037bc-8fb4-4222-845c-61440543a456" providerId="ADAL" clId="{C1E6ABF6-BAED-4B26-97DB-20A1E8B7A1A4}" dt="2023-11-21T05:49:34.464" v="2"/>
+        <pc:sldMkLst>
+          <pc:docMk/>
+          <pc:sldMk cId="2312486803" sldId="261"/>
+        </pc:sldMkLst>
+        <pc:spChg chg="mod">
+          <ac:chgData name="Gibbons, Carl" userId="d2b037bc-8fb4-4222-845c-61440543a456" providerId="ADAL" clId="{C1E6ABF6-BAED-4B26-97DB-20A1E8B7A1A4}" dt="2023-11-21T05:49:34.464" v="2"/>
+          <ac:spMkLst>
+            <pc:docMk/>
+            <pc:sldMk cId="2312486803" sldId="261"/>
+            <ac:spMk id="2" creationId="{31B75992-5098-A283-4925-2CCEBB801DC5}"/>
+          </ac:spMkLst>
+        </pc:spChg>
+      </pc:sldChg>
+      <pc:sldChg chg="modSp mod">
+        <pc:chgData name="Gibbons, Carl" userId="d2b037bc-8fb4-4222-845c-61440543a456" providerId="ADAL" clId="{C1E6ABF6-BAED-4B26-97DB-20A1E8B7A1A4}" dt="2023-11-21T07:48:19.790" v="77" actId="20577"/>
+        <pc:sldMkLst>
+          <pc:docMk/>
+          <pc:sldMk cId="378743348" sldId="270"/>
+        </pc:sldMkLst>
+        <pc:spChg chg="mod">
+          <ac:chgData name="Gibbons, Carl" userId="d2b037bc-8fb4-4222-845c-61440543a456" providerId="ADAL" clId="{C1E6ABF6-BAED-4B26-97DB-20A1E8B7A1A4}" dt="2023-11-21T07:48:19.790" v="77" actId="20577"/>
+          <ac:spMkLst>
+            <pc:docMk/>
+            <pc:sldMk cId="378743348" sldId="270"/>
+            <ac:spMk id="3" creationId="{80041865-9773-290D-EB35-F8AF8BFC505C}"/>
+          </ac:spMkLst>
+        </pc:spChg>
+      </pc:sldChg>
+      <pc:sldChg chg="modSp mod">
+        <pc:chgData name="Gibbons, Carl" userId="d2b037bc-8fb4-4222-845c-61440543a456" providerId="ADAL" clId="{C1E6ABF6-BAED-4B26-97DB-20A1E8B7A1A4}" dt="2023-12-06T02:23:48.337" v="274" actId="20577"/>
+        <pc:sldMkLst>
+          <pc:docMk/>
+          <pc:sldMk cId="657795359" sldId="277"/>
+        </pc:sldMkLst>
+        <pc:spChg chg="mod">
+          <ac:chgData name="Gibbons, Carl" userId="d2b037bc-8fb4-4222-845c-61440543a456" providerId="ADAL" clId="{C1E6ABF6-BAED-4B26-97DB-20A1E8B7A1A4}" dt="2023-11-21T05:49:34.464" v="2"/>
+          <ac:spMkLst>
+            <pc:docMk/>
+            <pc:sldMk cId="657795359" sldId="277"/>
+            <ac:spMk id="2" creationId="{1862E903-3C56-BB42-2361-009F2336475A}"/>
+          </ac:spMkLst>
+        </pc:spChg>
+        <pc:spChg chg="mod">
+          <ac:chgData name="Gibbons, Carl" userId="d2b037bc-8fb4-4222-845c-61440543a456" providerId="ADAL" clId="{C1E6ABF6-BAED-4B26-97DB-20A1E8B7A1A4}" dt="2023-12-06T02:23:48.337" v="274" actId="20577"/>
+          <ac:spMkLst>
+            <pc:docMk/>
+            <pc:sldMk cId="657795359" sldId="277"/>
+            <ac:spMk id="3" creationId="{90179172-96B3-95D0-A137-257770BE7642}"/>
           </ac:spMkLst>
         </pc:spChg>
       </pc:sldChg>
@@ -818,1293 +2151,6 @@
           </pc:sldLayoutMkLst>
         </pc:sldLayoutChg>
       </pc:sldMasterChg>
-    </pc:docChg>
-  </pc:docChgLst>
-  <pc:docChgLst>
-    <pc:chgData name="Gibbons, Carl" userId="d2b037bc-8fb4-4222-845c-61440543a456" providerId="ADAL" clId="{14F797DE-E75B-4062-A6FB-AA9F07155580}"/>
-    <pc:docChg chg="undo custSel addSld modSld">
-      <pc:chgData name="Gibbons, Carl" userId="d2b037bc-8fb4-4222-845c-61440543a456" providerId="ADAL" clId="{14F797DE-E75B-4062-A6FB-AA9F07155580}" dt="2023-12-29T21:55:15.574" v="6853" actId="255"/>
-      <pc:docMkLst>
-        <pc:docMk/>
-      </pc:docMkLst>
-      <pc:sldChg chg="modSp mod">
-        <pc:chgData name="Gibbons, Carl" userId="d2b037bc-8fb4-4222-845c-61440543a456" providerId="ADAL" clId="{14F797DE-E75B-4062-A6FB-AA9F07155580}" dt="2023-12-29T17:10:38.181" v="10" actId="20577"/>
-        <pc:sldMkLst>
-          <pc:docMk/>
-          <pc:sldMk cId="3308175748" sldId="256"/>
-        </pc:sldMkLst>
-        <pc:spChg chg="mod">
-          <ac:chgData name="Gibbons, Carl" userId="d2b037bc-8fb4-4222-845c-61440543a456" providerId="ADAL" clId="{14F797DE-E75B-4062-A6FB-AA9F07155580}" dt="2023-12-29T17:10:38.181" v="10" actId="20577"/>
-          <ac:spMkLst>
-            <pc:docMk/>
-            <pc:sldMk cId="3308175748" sldId="256"/>
-            <ac:spMk id="3" creationId="{EEC4D41B-E776-05F2-BE0B-89BB339485AB}"/>
-          </ac:spMkLst>
-        </pc:spChg>
-      </pc:sldChg>
-      <pc:sldChg chg="modSp mod">
-        <pc:chgData name="Gibbons, Carl" userId="d2b037bc-8fb4-4222-845c-61440543a456" providerId="ADAL" clId="{14F797DE-E75B-4062-A6FB-AA9F07155580}" dt="2023-12-29T17:51:52.012" v="2089" actId="20577"/>
-        <pc:sldMkLst>
-          <pc:docMk/>
-          <pc:sldMk cId="2312486803" sldId="261"/>
-        </pc:sldMkLst>
-        <pc:spChg chg="mod">
-          <ac:chgData name="Gibbons, Carl" userId="d2b037bc-8fb4-4222-845c-61440543a456" providerId="ADAL" clId="{14F797DE-E75B-4062-A6FB-AA9F07155580}" dt="2023-12-29T17:23:59.510" v="341" actId="20577"/>
-          <ac:spMkLst>
-            <pc:docMk/>
-            <pc:sldMk cId="2312486803" sldId="261"/>
-            <ac:spMk id="2" creationId="{31B75992-5098-A283-4925-2CCEBB801DC5}"/>
-          </ac:spMkLst>
-        </pc:spChg>
-        <pc:spChg chg="mod">
-          <ac:chgData name="Gibbons, Carl" userId="d2b037bc-8fb4-4222-845c-61440543a456" providerId="ADAL" clId="{14F797DE-E75B-4062-A6FB-AA9F07155580}" dt="2023-12-29T17:51:52.012" v="2089" actId="20577"/>
-          <ac:spMkLst>
-            <pc:docMk/>
-            <pc:sldMk cId="2312486803" sldId="261"/>
-            <ac:spMk id="3" creationId="{B5924E0F-A977-1710-779D-EEB74261AF34}"/>
-          </ac:spMkLst>
-        </pc:spChg>
-      </pc:sldChg>
-      <pc:sldChg chg="addSp modSp mod">
-        <pc:chgData name="Gibbons, Carl" userId="d2b037bc-8fb4-4222-845c-61440543a456" providerId="ADAL" clId="{14F797DE-E75B-4062-A6FB-AA9F07155580}" dt="2023-12-29T21:53:53.831" v="6845" actId="20577"/>
-        <pc:sldMkLst>
-          <pc:docMk/>
-          <pc:sldMk cId="657795359" sldId="277"/>
-        </pc:sldMkLst>
-        <pc:spChg chg="mod">
-          <ac:chgData name="Gibbons, Carl" userId="d2b037bc-8fb4-4222-845c-61440543a456" providerId="ADAL" clId="{14F797DE-E75B-4062-A6FB-AA9F07155580}" dt="2023-12-29T21:45:47.422" v="6393" actId="20577"/>
-          <ac:spMkLst>
-            <pc:docMk/>
-            <pc:sldMk cId="657795359" sldId="277"/>
-            <ac:spMk id="2" creationId="{1862E903-3C56-BB42-2361-009F2336475A}"/>
-          </ac:spMkLst>
-        </pc:spChg>
-        <pc:spChg chg="add mod">
-          <ac:chgData name="Gibbons, Carl" userId="d2b037bc-8fb4-4222-845c-61440543a456" providerId="ADAL" clId="{14F797DE-E75B-4062-A6FB-AA9F07155580}" dt="2023-12-29T21:53:53.831" v="6845" actId="20577"/>
-          <ac:spMkLst>
-            <pc:docMk/>
-            <pc:sldMk cId="657795359" sldId="277"/>
-            <ac:spMk id="3" creationId="{D9D594D6-F4EE-B0AB-C128-26D2D32F8E21}"/>
-          </ac:spMkLst>
-        </pc:spChg>
-      </pc:sldChg>
-      <pc:sldChg chg="modSp mod">
-        <pc:chgData name="Gibbons, Carl" userId="d2b037bc-8fb4-4222-845c-61440543a456" providerId="ADAL" clId="{14F797DE-E75B-4062-A6FB-AA9F07155580}" dt="2023-12-29T18:26:31.431" v="3669" actId="20577"/>
-        <pc:sldMkLst>
-          <pc:docMk/>
-          <pc:sldMk cId="3989541258" sldId="278"/>
-        </pc:sldMkLst>
-        <pc:spChg chg="mod">
-          <ac:chgData name="Gibbons, Carl" userId="d2b037bc-8fb4-4222-845c-61440543a456" providerId="ADAL" clId="{14F797DE-E75B-4062-A6FB-AA9F07155580}" dt="2023-12-29T17:53:20.837" v="2147" actId="20577"/>
-          <ac:spMkLst>
-            <pc:docMk/>
-            <pc:sldMk cId="3989541258" sldId="278"/>
-            <ac:spMk id="2" creationId="{31B75992-5098-A283-4925-2CCEBB801DC5}"/>
-          </ac:spMkLst>
-        </pc:spChg>
-        <pc:spChg chg="mod">
-          <ac:chgData name="Gibbons, Carl" userId="d2b037bc-8fb4-4222-845c-61440543a456" providerId="ADAL" clId="{14F797DE-E75B-4062-A6FB-AA9F07155580}" dt="2023-12-29T18:26:31.431" v="3669" actId="20577"/>
-          <ac:spMkLst>
-            <pc:docMk/>
-            <pc:sldMk cId="3989541258" sldId="278"/>
-            <ac:spMk id="3" creationId="{B5924E0F-A977-1710-779D-EEB74261AF34}"/>
-          </ac:spMkLst>
-        </pc:spChg>
-      </pc:sldChg>
-      <pc:sldChg chg="modSp mod">
-        <pc:chgData name="Gibbons, Carl" userId="d2b037bc-8fb4-4222-845c-61440543a456" providerId="ADAL" clId="{14F797DE-E75B-4062-A6FB-AA9F07155580}" dt="2023-12-29T21:55:15.574" v="6853" actId="255"/>
-        <pc:sldMkLst>
-          <pc:docMk/>
-          <pc:sldMk cId="1861646120" sldId="293"/>
-        </pc:sldMkLst>
-        <pc:spChg chg="mod">
-          <ac:chgData name="Gibbons, Carl" userId="d2b037bc-8fb4-4222-845c-61440543a456" providerId="ADAL" clId="{14F797DE-E75B-4062-A6FB-AA9F07155580}" dt="2023-12-29T18:01:10.039" v="2767" actId="20577"/>
-          <ac:spMkLst>
-            <pc:docMk/>
-            <pc:sldMk cId="1861646120" sldId="293"/>
-            <ac:spMk id="2" creationId="{31B75992-5098-A283-4925-2CCEBB801DC5}"/>
-          </ac:spMkLst>
-        </pc:spChg>
-        <pc:spChg chg="mod">
-          <ac:chgData name="Gibbons, Carl" userId="d2b037bc-8fb4-4222-845c-61440543a456" providerId="ADAL" clId="{14F797DE-E75B-4062-A6FB-AA9F07155580}" dt="2023-12-29T21:55:15.574" v="6853" actId="255"/>
-          <ac:spMkLst>
-            <pc:docMk/>
-            <pc:sldMk cId="1861646120" sldId="293"/>
-            <ac:spMk id="3" creationId="{B5924E0F-A977-1710-779D-EEB74261AF34}"/>
-          </ac:spMkLst>
-        </pc:spChg>
-      </pc:sldChg>
-      <pc:sldChg chg="modSp mod">
-        <pc:chgData name="Gibbons, Carl" userId="d2b037bc-8fb4-4222-845c-61440543a456" providerId="ADAL" clId="{14F797DE-E75B-4062-A6FB-AA9F07155580}" dt="2023-12-29T21:55:08.313" v="6852" actId="255"/>
-        <pc:sldMkLst>
-          <pc:docMk/>
-          <pc:sldMk cId="2232562783" sldId="294"/>
-        </pc:sldMkLst>
-        <pc:spChg chg="mod">
-          <ac:chgData name="Gibbons, Carl" userId="d2b037bc-8fb4-4222-845c-61440543a456" providerId="ADAL" clId="{14F797DE-E75B-4062-A6FB-AA9F07155580}" dt="2023-12-29T18:24:14.937" v="3546" actId="20577"/>
-          <ac:spMkLst>
-            <pc:docMk/>
-            <pc:sldMk cId="2232562783" sldId="294"/>
-            <ac:spMk id="2" creationId="{31B75992-5098-A283-4925-2CCEBB801DC5}"/>
-          </ac:spMkLst>
-        </pc:spChg>
-        <pc:spChg chg="mod">
-          <ac:chgData name="Gibbons, Carl" userId="d2b037bc-8fb4-4222-845c-61440543a456" providerId="ADAL" clId="{14F797DE-E75B-4062-A6FB-AA9F07155580}" dt="2023-12-29T21:55:08.313" v="6852" actId="255"/>
-          <ac:spMkLst>
-            <pc:docMk/>
-            <pc:sldMk cId="2232562783" sldId="294"/>
-            <ac:spMk id="3" creationId="{B5924E0F-A977-1710-779D-EEB74261AF34}"/>
-          </ac:spMkLst>
-        </pc:spChg>
-      </pc:sldChg>
-      <pc:sldChg chg="modSp add mod">
-        <pc:chgData name="Gibbons, Carl" userId="d2b037bc-8fb4-4222-845c-61440543a456" providerId="ADAL" clId="{14F797DE-E75B-4062-A6FB-AA9F07155580}" dt="2023-12-29T21:55:02.689" v="6851" actId="255"/>
-        <pc:sldMkLst>
-          <pc:docMk/>
-          <pc:sldMk cId="806767687" sldId="295"/>
-        </pc:sldMkLst>
-        <pc:spChg chg="mod">
-          <ac:chgData name="Gibbons, Carl" userId="d2b037bc-8fb4-4222-845c-61440543a456" providerId="ADAL" clId="{14F797DE-E75B-4062-A6FB-AA9F07155580}" dt="2023-12-29T18:50:33.208" v="4036" actId="113"/>
-          <ac:spMkLst>
-            <pc:docMk/>
-            <pc:sldMk cId="806767687" sldId="295"/>
-            <ac:spMk id="2" creationId="{31B75992-5098-A283-4925-2CCEBB801DC5}"/>
-          </ac:spMkLst>
-        </pc:spChg>
-        <pc:spChg chg="mod">
-          <ac:chgData name="Gibbons, Carl" userId="d2b037bc-8fb4-4222-845c-61440543a456" providerId="ADAL" clId="{14F797DE-E75B-4062-A6FB-AA9F07155580}" dt="2023-12-29T21:55:02.689" v="6851" actId="255"/>
-          <ac:spMkLst>
-            <pc:docMk/>
-            <pc:sldMk cId="806767687" sldId="295"/>
-            <ac:spMk id="3" creationId="{B5924E0F-A977-1710-779D-EEB74261AF34}"/>
-          </ac:spMkLst>
-        </pc:spChg>
-      </pc:sldChg>
-      <pc:sldChg chg="modSp mod">
-        <pc:chgData name="Gibbons, Carl" userId="d2b037bc-8fb4-4222-845c-61440543a456" providerId="ADAL" clId="{14F797DE-E75B-4062-A6FB-AA9F07155580}" dt="2023-12-29T21:54:48.370" v="6850" actId="255"/>
-        <pc:sldMkLst>
-          <pc:docMk/>
-          <pc:sldMk cId="3145157247" sldId="296"/>
-        </pc:sldMkLst>
-        <pc:spChg chg="mod">
-          <ac:chgData name="Gibbons, Carl" userId="d2b037bc-8fb4-4222-845c-61440543a456" providerId="ADAL" clId="{14F797DE-E75B-4062-A6FB-AA9F07155580}" dt="2023-12-29T21:07:20.782" v="4695" actId="20577"/>
-          <ac:spMkLst>
-            <pc:docMk/>
-            <pc:sldMk cId="3145157247" sldId="296"/>
-            <ac:spMk id="2" creationId="{31B75992-5098-A283-4925-2CCEBB801DC5}"/>
-          </ac:spMkLst>
-        </pc:spChg>
-        <pc:spChg chg="mod">
-          <ac:chgData name="Gibbons, Carl" userId="d2b037bc-8fb4-4222-845c-61440543a456" providerId="ADAL" clId="{14F797DE-E75B-4062-A6FB-AA9F07155580}" dt="2023-12-29T21:54:48.370" v="6850" actId="255"/>
-          <ac:spMkLst>
-            <pc:docMk/>
-            <pc:sldMk cId="3145157247" sldId="296"/>
-            <ac:spMk id="3" creationId="{B5924E0F-A977-1710-779D-EEB74261AF34}"/>
-          </ac:spMkLst>
-        </pc:spChg>
-      </pc:sldChg>
-      <pc:sldChg chg="modSp mod">
-        <pc:chgData name="Gibbons, Carl" userId="d2b037bc-8fb4-4222-845c-61440543a456" providerId="ADAL" clId="{14F797DE-E75B-4062-A6FB-AA9F07155580}" dt="2023-12-29T21:54:42.630" v="6849" actId="255"/>
-        <pc:sldMkLst>
-          <pc:docMk/>
-          <pc:sldMk cId="2424714671" sldId="297"/>
-        </pc:sldMkLst>
-        <pc:spChg chg="mod">
-          <ac:chgData name="Gibbons, Carl" userId="d2b037bc-8fb4-4222-845c-61440543a456" providerId="ADAL" clId="{14F797DE-E75B-4062-A6FB-AA9F07155580}" dt="2023-12-29T21:07:54.964" v="4712" actId="20577"/>
-          <ac:spMkLst>
-            <pc:docMk/>
-            <pc:sldMk cId="2424714671" sldId="297"/>
-            <ac:spMk id="2" creationId="{31B75992-5098-A283-4925-2CCEBB801DC5}"/>
-          </ac:spMkLst>
-        </pc:spChg>
-        <pc:spChg chg="mod">
-          <ac:chgData name="Gibbons, Carl" userId="d2b037bc-8fb4-4222-845c-61440543a456" providerId="ADAL" clId="{14F797DE-E75B-4062-A6FB-AA9F07155580}" dt="2023-12-29T21:54:42.630" v="6849" actId="255"/>
-          <ac:spMkLst>
-            <pc:docMk/>
-            <pc:sldMk cId="2424714671" sldId="297"/>
-            <ac:spMk id="3" creationId="{B5924E0F-A977-1710-779D-EEB74261AF34}"/>
-          </ac:spMkLst>
-        </pc:spChg>
-      </pc:sldChg>
-      <pc:sldChg chg="modSp mod">
-        <pc:chgData name="Gibbons, Carl" userId="d2b037bc-8fb4-4222-845c-61440543a456" providerId="ADAL" clId="{14F797DE-E75B-4062-A6FB-AA9F07155580}" dt="2023-12-29T21:54:28.975" v="6848" actId="255"/>
-        <pc:sldMkLst>
-          <pc:docMk/>
-          <pc:sldMk cId="3450195044" sldId="298"/>
-        </pc:sldMkLst>
-        <pc:spChg chg="mod">
-          <ac:chgData name="Gibbons, Carl" userId="d2b037bc-8fb4-4222-845c-61440543a456" providerId="ADAL" clId="{14F797DE-E75B-4062-A6FB-AA9F07155580}" dt="2023-12-29T21:23:42.216" v="5202" actId="20577"/>
-          <ac:spMkLst>
-            <pc:docMk/>
-            <pc:sldMk cId="3450195044" sldId="298"/>
-            <ac:spMk id="2" creationId="{31B75992-5098-A283-4925-2CCEBB801DC5}"/>
-          </ac:spMkLst>
-        </pc:spChg>
-        <pc:spChg chg="mod">
-          <ac:chgData name="Gibbons, Carl" userId="d2b037bc-8fb4-4222-845c-61440543a456" providerId="ADAL" clId="{14F797DE-E75B-4062-A6FB-AA9F07155580}" dt="2023-12-29T21:54:28.975" v="6848" actId="255"/>
-          <ac:spMkLst>
-            <pc:docMk/>
-            <pc:sldMk cId="3450195044" sldId="298"/>
-            <ac:spMk id="3" creationId="{B5924E0F-A977-1710-779D-EEB74261AF34}"/>
-          </ac:spMkLst>
-        </pc:spChg>
-      </pc:sldChg>
-      <pc:sldChg chg="modSp mod">
-        <pc:chgData name="Gibbons, Carl" userId="d2b037bc-8fb4-4222-845c-61440543a456" providerId="ADAL" clId="{14F797DE-E75B-4062-A6FB-AA9F07155580}" dt="2023-12-29T21:54:18.720" v="6846" actId="255"/>
-        <pc:sldMkLst>
-          <pc:docMk/>
-          <pc:sldMk cId="3633122843" sldId="299"/>
-        </pc:sldMkLst>
-        <pc:spChg chg="mod">
-          <ac:chgData name="Gibbons, Carl" userId="d2b037bc-8fb4-4222-845c-61440543a456" providerId="ADAL" clId="{14F797DE-E75B-4062-A6FB-AA9F07155580}" dt="2023-12-29T21:31:23.761" v="5684" actId="20577"/>
-          <ac:spMkLst>
-            <pc:docMk/>
-            <pc:sldMk cId="3633122843" sldId="299"/>
-            <ac:spMk id="2" creationId="{31B75992-5098-A283-4925-2CCEBB801DC5}"/>
-          </ac:spMkLst>
-        </pc:spChg>
-        <pc:spChg chg="mod">
-          <ac:chgData name="Gibbons, Carl" userId="d2b037bc-8fb4-4222-845c-61440543a456" providerId="ADAL" clId="{14F797DE-E75B-4062-A6FB-AA9F07155580}" dt="2023-12-29T21:54:18.720" v="6846" actId="255"/>
-          <ac:spMkLst>
-            <pc:docMk/>
-            <pc:sldMk cId="3633122843" sldId="299"/>
-            <ac:spMk id="3" creationId="{B5924E0F-A977-1710-779D-EEB74261AF34}"/>
-          </ac:spMkLst>
-        </pc:spChg>
-      </pc:sldChg>
-    </pc:docChg>
-  </pc:docChgLst>
-  <pc:docChgLst>
-    <pc:chgData name="Gibbons, Carl" userId="d2b037bc-8fb4-4222-845c-61440543a456" providerId="ADAL" clId="{4505F98C-4CC4-4983-9729-597D2A150C85}"/>
-    <pc:docChg chg="undo custSel addSld delSld modSld">
-      <pc:chgData name="Gibbons, Carl" userId="d2b037bc-8fb4-4222-845c-61440543a456" providerId="ADAL" clId="{4505F98C-4CC4-4983-9729-597D2A150C85}" dt="2023-12-29T02:21:47.448" v="17685" actId="20577"/>
-      <pc:docMkLst>
-        <pc:docMk/>
-      </pc:docMkLst>
-      <pc:sldChg chg="modSp mod">
-        <pc:chgData name="Gibbons, Carl" userId="d2b037bc-8fb4-4222-845c-61440543a456" providerId="ADAL" clId="{4505F98C-4CC4-4983-9729-597D2A150C85}" dt="2023-12-28T22:02:31.848" v="28" actId="20577"/>
-        <pc:sldMkLst>
-          <pc:docMk/>
-          <pc:sldMk cId="3308175748" sldId="256"/>
-        </pc:sldMkLst>
-        <pc:spChg chg="mod">
-          <ac:chgData name="Gibbons, Carl" userId="d2b037bc-8fb4-4222-845c-61440543a456" providerId="ADAL" clId="{4505F98C-4CC4-4983-9729-597D2A150C85}" dt="2023-12-28T22:02:31.848" v="28" actId="20577"/>
-          <ac:spMkLst>
-            <pc:docMk/>
-            <pc:sldMk cId="3308175748" sldId="256"/>
-            <ac:spMk id="3" creationId="{EEC4D41B-E776-05F2-BE0B-89BB339485AB}"/>
-          </ac:spMkLst>
-        </pc:spChg>
-      </pc:sldChg>
-      <pc:sldChg chg="modSp mod">
-        <pc:chgData name="Gibbons, Carl" userId="d2b037bc-8fb4-4222-845c-61440543a456" providerId="ADAL" clId="{4505F98C-4CC4-4983-9729-597D2A150C85}" dt="2023-12-28T22:45:53.299" v="4302" actId="20577"/>
-        <pc:sldMkLst>
-          <pc:docMk/>
-          <pc:sldMk cId="2312486803" sldId="261"/>
-        </pc:sldMkLst>
-        <pc:spChg chg="mod">
-          <ac:chgData name="Gibbons, Carl" userId="d2b037bc-8fb4-4222-845c-61440543a456" providerId="ADAL" clId="{4505F98C-4CC4-4983-9729-597D2A150C85}" dt="2023-12-28T22:02:40.492" v="50" actId="20577"/>
-          <ac:spMkLst>
-            <pc:docMk/>
-            <pc:sldMk cId="2312486803" sldId="261"/>
-            <ac:spMk id="2" creationId="{31B75992-5098-A283-4925-2CCEBB801DC5}"/>
-          </ac:spMkLst>
-        </pc:spChg>
-        <pc:spChg chg="mod">
-          <ac:chgData name="Gibbons, Carl" userId="d2b037bc-8fb4-4222-845c-61440543a456" providerId="ADAL" clId="{4505F98C-4CC4-4983-9729-597D2A150C85}" dt="2023-12-28T22:45:53.299" v="4302" actId="20577"/>
-          <ac:spMkLst>
-            <pc:docMk/>
-            <pc:sldMk cId="2312486803" sldId="261"/>
-            <ac:spMk id="3" creationId="{B5924E0F-A977-1710-779D-EEB74261AF34}"/>
-          </ac:spMkLst>
-        </pc:spChg>
-      </pc:sldChg>
-      <pc:sldChg chg="modSp mod">
-        <pc:chgData name="Gibbons, Carl" userId="d2b037bc-8fb4-4222-845c-61440543a456" providerId="ADAL" clId="{4505F98C-4CC4-4983-9729-597D2A150C85}" dt="2023-12-29T02:18:39.170" v="17623" actId="20577"/>
-        <pc:sldMkLst>
-          <pc:docMk/>
-          <pc:sldMk cId="657795359" sldId="277"/>
-        </pc:sldMkLst>
-        <pc:spChg chg="mod">
-          <ac:chgData name="Gibbons, Carl" userId="d2b037bc-8fb4-4222-845c-61440543a456" providerId="ADAL" clId="{4505F98C-4CC4-4983-9729-597D2A150C85}" dt="2023-12-29T02:18:39.170" v="17623" actId="20577"/>
-          <ac:spMkLst>
-            <pc:docMk/>
-            <pc:sldMk cId="657795359" sldId="277"/>
-            <ac:spMk id="3" creationId="{90179172-96B3-95D0-A137-257770BE7642}"/>
-          </ac:spMkLst>
-        </pc:spChg>
-      </pc:sldChg>
-      <pc:sldChg chg="modSp mod">
-        <pc:chgData name="Gibbons, Carl" userId="d2b037bc-8fb4-4222-845c-61440543a456" providerId="ADAL" clId="{4505F98C-4CC4-4983-9729-597D2A150C85}" dt="2023-12-29T02:21:47.448" v="17685" actId="20577"/>
-        <pc:sldMkLst>
-          <pc:docMk/>
-          <pc:sldMk cId="3989541258" sldId="278"/>
-        </pc:sldMkLst>
-        <pc:spChg chg="mod">
-          <ac:chgData name="Gibbons, Carl" userId="d2b037bc-8fb4-4222-845c-61440543a456" providerId="ADAL" clId="{4505F98C-4CC4-4983-9729-597D2A150C85}" dt="2023-12-28T22:23:56.363" v="2262" actId="20577"/>
-          <ac:spMkLst>
-            <pc:docMk/>
-            <pc:sldMk cId="3989541258" sldId="278"/>
-            <ac:spMk id="2" creationId="{31B75992-5098-A283-4925-2CCEBB801DC5}"/>
-          </ac:spMkLst>
-        </pc:spChg>
-        <pc:spChg chg="mod">
-          <ac:chgData name="Gibbons, Carl" userId="d2b037bc-8fb4-4222-845c-61440543a456" providerId="ADAL" clId="{4505F98C-4CC4-4983-9729-597D2A150C85}" dt="2023-12-29T02:21:47.448" v="17685" actId="20577"/>
-          <ac:spMkLst>
-            <pc:docMk/>
-            <pc:sldMk cId="3989541258" sldId="278"/>
-            <ac:spMk id="3" creationId="{B5924E0F-A977-1710-779D-EEB74261AF34}"/>
-          </ac:spMkLst>
-        </pc:spChg>
-      </pc:sldChg>
-      <pc:sldChg chg="modSp mod">
-        <pc:chgData name="Gibbons, Carl" userId="d2b037bc-8fb4-4222-845c-61440543a456" providerId="ADAL" clId="{4505F98C-4CC4-4983-9729-597D2A150C85}" dt="2023-12-29T00:21:55.646" v="8344" actId="20577"/>
-        <pc:sldMkLst>
-          <pc:docMk/>
-          <pc:sldMk cId="2335633195" sldId="279"/>
-        </pc:sldMkLst>
-        <pc:spChg chg="mod">
-          <ac:chgData name="Gibbons, Carl" userId="d2b037bc-8fb4-4222-845c-61440543a456" providerId="ADAL" clId="{4505F98C-4CC4-4983-9729-597D2A150C85}" dt="2023-12-29T00:21:55.646" v="8344" actId="20577"/>
-          <ac:spMkLst>
-            <pc:docMk/>
-            <pc:sldMk cId="2335633195" sldId="279"/>
-            <ac:spMk id="2" creationId="{31B75992-5098-A283-4925-2CCEBB801DC5}"/>
-          </ac:spMkLst>
-        </pc:spChg>
-        <pc:spChg chg="mod">
-          <ac:chgData name="Gibbons, Carl" userId="d2b037bc-8fb4-4222-845c-61440543a456" providerId="ADAL" clId="{4505F98C-4CC4-4983-9729-597D2A150C85}" dt="2023-12-28T22:56:22.080" v="4730" actId="20577"/>
-          <ac:spMkLst>
-            <pc:docMk/>
-            <pc:sldMk cId="2335633195" sldId="279"/>
-            <ac:spMk id="3" creationId="{B5924E0F-A977-1710-779D-EEB74261AF34}"/>
-          </ac:spMkLst>
-        </pc:spChg>
-      </pc:sldChg>
-      <pc:sldChg chg="modSp add mod">
-        <pc:chgData name="Gibbons, Carl" userId="d2b037bc-8fb4-4222-845c-61440543a456" providerId="ADAL" clId="{4505F98C-4CC4-4983-9729-597D2A150C85}" dt="2023-12-28T23:39:19.135" v="5592" actId="20577"/>
-        <pc:sldMkLst>
-          <pc:docMk/>
-          <pc:sldMk cId="1284534978" sldId="280"/>
-        </pc:sldMkLst>
-        <pc:spChg chg="mod">
-          <ac:chgData name="Gibbons, Carl" userId="d2b037bc-8fb4-4222-845c-61440543a456" providerId="ADAL" clId="{4505F98C-4CC4-4983-9729-597D2A150C85}" dt="2023-12-28T23:26:13.166" v="4743" actId="20577"/>
-          <ac:spMkLst>
-            <pc:docMk/>
-            <pc:sldMk cId="1284534978" sldId="280"/>
-            <ac:spMk id="2" creationId="{31B75992-5098-A283-4925-2CCEBB801DC5}"/>
-          </ac:spMkLst>
-        </pc:spChg>
-        <pc:spChg chg="mod">
-          <ac:chgData name="Gibbons, Carl" userId="d2b037bc-8fb4-4222-845c-61440543a456" providerId="ADAL" clId="{4505F98C-4CC4-4983-9729-597D2A150C85}" dt="2023-12-28T23:39:19.135" v="5592" actId="20577"/>
-          <ac:spMkLst>
-            <pc:docMk/>
-            <pc:sldMk cId="1284534978" sldId="280"/>
-            <ac:spMk id="3" creationId="{B5924E0F-A977-1710-779D-EEB74261AF34}"/>
-          </ac:spMkLst>
-        </pc:spChg>
-      </pc:sldChg>
-      <pc:sldChg chg="modSp mod">
-        <pc:chgData name="Gibbons, Carl" userId="d2b037bc-8fb4-4222-845c-61440543a456" providerId="ADAL" clId="{4505F98C-4CC4-4983-9729-597D2A150C85}" dt="2023-12-28T23:42:19.634" v="5967" actId="20577"/>
-        <pc:sldMkLst>
-          <pc:docMk/>
-          <pc:sldMk cId="1802585387" sldId="281"/>
-        </pc:sldMkLst>
-        <pc:spChg chg="mod">
-          <ac:chgData name="Gibbons, Carl" userId="d2b037bc-8fb4-4222-845c-61440543a456" providerId="ADAL" clId="{4505F98C-4CC4-4983-9729-597D2A150C85}" dt="2023-12-28T23:34:47.360" v="5351" actId="20577"/>
-          <ac:spMkLst>
-            <pc:docMk/>
-            <pc:sldMk cId="1802585387" sldId="281"/>
-            <ac:spMk id="2" creationId="{31B75992-5098-A283-4925-2CCEBB801DC5}"/>
-          </ac:spMkLst>
-        </pc:spChg>
-        <pc:spChg chg="mod">
-          <ac:chgData name="Gibbons, Carl" userId="d2b037bc-8fb4-4222-845c-61440543a456" providerId="ADAL" clId="{4505F98C-4CC4-4983-9729-597D2A150C85}" dt="2023-12-28T23:42:19.634" v="5967" actId="20577"/>
-          <ac:spMkLst>
-            <pc:docMk/>
-            <pc:sldMk cId="1802585387" sldId="281"/>
-            <ac:spMk id="3" creationId="{B5924E0F-A977-1710-779D-EEB74261AF34}"/>
-          </ac:spMkLst>
-        </pc:spChg>
-      </pc:sldChg>
-      <pc:sldChg chg="modSp mod">
-        <pc:chgData name="Gibbons, Carl" userId="d2b037bc-8fb4-4222-845c-61440543a456" providerId="ADAL" clId="{4505F98C-4CC4-4983-9729-597D2A150C85}" dt="2023-12-28T23:54:03.356" v="6623"/>
-        <pc:sldMkLst>
-          <pc:docMk/>
-          <pc:sldMk cId="724803187" sldId="282"/>
-        </pc:sldMkLst>
-        <pc:spChg chg="mod">
-          <ac:chgData name="Gibbons, Carl" userId="d2b037bc-8fb4-4222-845c-61440543a456" providerId="ADAL" clId="{4505F98C-4CC4-4983-9729-597D2A150C85}" dt="2023-12-28T23:39:52.399" v="5606" actId="20577"/>
-          <ac:spMkLst>
-            <pc:docMk/>
-            <pc:sldMk cId="724803187" sldId="282"/>
-            <ac:spMk id="2" creationId="{31B75992-5098-A283-4925-2CCEBB801DC5}"/>
-          </ac:spMkLst>
-        </pc:spChg>
-        <pc:spChg chg="mod">
-          <ac:chgData name="Gibbons, Carl" userId="d2b037bc-8fb4-4222-845c-61440543a456" providerId="ADAL" clId="{4505F98C-4CC4-4983-9729-597D2A150C85}" dt="2023-12-28T23:54:03.356" v="6623"/>
-          <ac:spMkLst>
-            <pc:docMk/>
-            <pc:sldMk cId="724803187" sldId="282"/>
-            <ac:spMk id="3" creationId="{B5924E0F-A977-1710-779D-EEB74261AF34}"/>
-          </ac:spMkLst>
-        </pc:spChg>
-      </pc:sldChg>
-      <pc:sldChg chg="modSp mod">
-        <pc:chgData name="Gibbons, Carl" userId="d2b037bc-8fb4-4222-845c-61440543a456" providerId="ADAL" clId="{4505F98C-4CC4-4983-9729-597D2A150C85}" dt="2023-12-29T02:19:53.158" v="17637" actId="20577"/>
-        <pc:sldMkLst>
-          <pc:docMk/>
-          <pc:sldMk cId="1926009205" sldId="283"/>
-        </pc:sldMkLst>
-        <pc:spChg chg="mod">
-          <ac:chgData name="Gibbons, Carl" userId="d2b037bc-8fb4-4222-845c-61440543a456" providerId="ADAL" clId="{4505F98C-4CC4-4983-9729-597D2A150C85}" dt="2023-12-29T00:22:07.704" v="8354" actId="20577"/>
-          <ac:spMkLst>
-            <pc:docMk/>
-            <pc:sldMk cId="1926009205" sldId="283"/>
-            <ac:spMk id="2" creationId="{31B75992-5098-A283-4925-2CCEBB801DC5}"/>
-          </ac:spMkLst>
-        </pc:spChg>
-        <pc:spChg chg="mod">
-          <ac:chgData name="Gibbons, Carl" userId="d2b037bc-8fb4-4222-845c-61440543a456" providerId="ADAL" clId="{4505F98C-4CC4-4983-9729-597D2A150C85}" dt="2023-12-29T02:19:53.158" v="17637" actId="20577"/>
-          <ac:spMkLst>
-            <pc:docMk/>
-            <pc:sldMk cId="1926009205" sldId="283"/>
-            <ac:spMk id="3" creationId="{B5924E0F-A977-1710-779D-EEB74261AF34}"/>
-          </ac:spMkLst>
-        </pc:spChg>
-      </pc:sldChg>
-      <pc:sldChg chg="del">
-        <pc:chgData name="Gibbons, Carl" userId="d2b037bc-8fb4-4222-845c-61440543a456" providerId="ADAL" clId="{4505F98C-4CC4-4983-9729-597D2A150C85}" dt="2023-12-28T22:17:09.732" v="1699" actId="47"/>
-        <pc:sldMkLst>
-          <pc:docMk/>
-          <pc:sldMk cId="2959024232" sldId="283"/>
-        </pc:sldMkLst>
-      </pc:sldChg>
-      <pc:sldChg chg="modSp mod">
-        <pc:chgData name="Gibbons, Carl" userId="d2b037bc-8fb4-4222-845c-61440543a456" providerId="ADAL" clId="{4505F98C-4CC4-4983-9729-597D2A150C85}" dt="2023-12-29T00:22:15.499" v="8364" actId="20577"/>
-        <pc:sldMkLst>
-          <pc:docMk/>
-          <pc:sldMk cId="2366216895" sldId="284"/>
-        </pc:sldMkLst>
-        <pc:spChg chg="mod">
-          <ac:chgData name="Gibbons, Carl" userId="d2b037bc-8fb4-4222-845c-61440543a456" providerId="ADAL" clId="{4505F98C-4CC4-4983-9729-597D2A150C85}" dt="2023-12-29T00:22:15.499" v="8364" actId="20577"/>
-          <ac:spMkLst>
-            <pc:docMk/>
-            <pc:sldMk cId="2366216895" sldId="284"/>
-            <ac:spMk id="2" creationId="{31B75992-5098-A283-4925-2CCEBB801DC5}"/>
-          </ac:spMkLst>
-        </pc:spChg>
-        <pc:spChg chg="mod">
-          <ac:chgData name="Gibbons, Carl" userId="d2b037bc-8fb4-4222-845c-61440543a456" providerId="ADAL" clId="{4505F98C-4CC4-4983-9729-597D2A150C85}" dt="2023-12-29T00:20:51.612" v="8260" actId="20577"/>
-          <ac:spMkLst>
-            <pc:docMk/>
-            <pc:sldMk cId="2366216895" sldId="284"/>
-            <ac:spMk id="3" creationId="{B5924E0F-A977-1710-779D-EEB74261AF34}"/>
-          </ac:spMkLst>
-        </pc:spChg>
-      </pc:sldChg>
-      <pc:sldChg chg="del">
-        <pc:chgData name="Gibbons, Carl" userId="d2b037bc-8fb4-4222-845c-61440543a456" providerId="ADAL" clId="{4505F98C-4CC4-4983-9729-597D2A150C85}" dt="2023-12-28T22:17:08.965" v="1698" actId="47"/>
-        <pc:sldMkLst>
-          <pc:docMk/>
-          <pc:sldMk cId="3114675387" sldId="284"/>
-        </pc:sldMkLst>
-      </pc:sldChg>
-      <pc:sldChg chg="del">
-        <pc:chgData name="Gibbons, Carl" userId="d2b037bc-8fb4-4222-845c-61440543a456" providerId="ADAL" clId="{4505F98C-4CC4-4983-9729-597D2A150C85}" dt="2023-12-28T22:17:08.106" v="1697" actId="47"/>
-        <pc:sldMkLst>
-          <pc:docMk/>
-          <pc:sldMk cId="1243134729" sldId="285"/>
-        </pc:sldMkLst>
-      </pc:sldChg>
-      <pc:sldChg chg="modSp mod">
-        <pc:chgData name="Gibbons, Carl" userId="d2b037bc-8fb4-4222-845c-61440543a456" providerId="ADAL" clId="{4505F98C-4CC4-4983-9729-597D2A150C85}" dt="2023-12-29T01:14:23.500" v="12327" actId="20577"/>
-        <pc:sldMkLst>
-          <pc:docMk/>
-          <pc:sldMk cId="3371896289" sldId="285"/>
-        </pc:sldMkLst>
-        <pc:spChg chg="mod">
-          <ac:chgData name="Gibbons, Carl" userId="d2b037bc-8fb4-4222-845c-61440543a456" providerId="ADAL" clId="{4505F98C-4CC4-4983-9729-597D2A150C85}" dt="2023-12-29T00:22:25.432" v="8374" actId="20577"/>
-          <ac:spMkLst>
-            <pc:docMk/>
-            <pc:sldMk cId="3371896289" sldId="285"/>
-            <ac:spMk id="2" creationId="{31B75992-5098-A283-4925-2CCEBB801DC5}"/>
-          </ac:spMkLst>
-        </pc:spChg>
-        <pc:spChg chg="mod">
-          <ac:chgData name="Gibbons, Carl" userId="d2b037bc-8fb4-4222-845c-61440543a456" providerId="ADAL" clId="{4505F98C-4CC4-4983-9729-597D2A150C85}" dt="2023-12-29T01:14:23.500" v="12327" actId="20577"/>
-          <ac:spMkLst>
-            <pc:docMk/>
-            <pc:sldMk cId="3371896289" sldId="285"/>
-            <ac:spMk id="3" creationId="{B5924E0F-A977-1710-779D-EEB74261AF34}"/>
-          </ac:spMkLst>
-        </pc:spChg>
-      </pc:sldChg>
-      <pc:sldChg chg="add del">
-        <pc:chgData name="Gibbons, Carl" userId="d2b037bc-8fb4-4222-845c-61440543a456" providerId="ADAL" clId="{4505F98C-4CC4-4983-9729-597D2A150C85}" dt="2023-12-29T00:13:59.438" v="7954" actId="2696"/>
-        <pc:sldMkLst>
-          <pc:docMk/>
-          <pc:sldMk cId="3635199420" sldId="285"/>
-        </pc:sldMkLst>
-      </pc:sldChg>
-      <pc:sldChg chg="del">
-        <pc:chgData name="Gibbons, Carl" userId="d2b037bc-8fb4-4222-845c-61440543a456" providerId="ADAL" clId="{4505F98C-4CC4-4983-9729-597D2A150C85}" dt="2023-12-28T22:17:10.620" v="1700" actId="47"/>
-        <pc:sldMkLst>
-          <pc:docMk/>
-          <pc:sldMk cId="954591853" sldId="286"/>
-        </pc:sldMkLst>
-      </pc:sldChg>
-      <pc:sldChg chg="modSp mod">
-        <pc:chgData name="Gibbons, Carl" userId="d2b037bc-8fb4-4222-845c-61440543a456" providerId="ADAL" clId="{4505F98C-4CC4-4983-9729-597D2A150C85}" dt="2023-12-29T01:14:14.317" v="12318" actId="20577"/>
-        <pc:sldMkLst>
-          <pc:docMk/>
-          <pc:sldMk cId="3193160409" sldId="286"/>
-        </pc:sldMkLst>
-        <pc:spChg chg="mod">
-          <ac:chgData name="Gibbons, Carl" userId="d2b037bc-8fb4-4222-845c-61440543a456" providerId="ADAL" clId="{4505F98C-4CC4-4983-9729-597D2A150C85}" dt="2023-12-29T00:33:44.511" v="9517" actId="20577"/>
-          <ac:spMkLst>
-            <pc:docMk/>
-            <pc:sldMk cId="3193160409" sldId="286"/>
-            <ac:spMk id="2" creationId="{31B75992-5098-A283-4925-2CCEBB801DC5}"/>
-          </ac:spMkLst>
-        </pc:spChg>
-        <pc:spChg chg="mod">
-          <ac:chgData name="Gibbons, Carl" userId="d2b037bc-8fb4-4222-845c-61440543a456" providerId="ADAL" clId="{4505F98C-4CC4-4983-9729-597D2A150C85}" dt="2023-12-29T01:14:14.317" v="12318" actId="20577"/>
-          <ac:spMkLst>
-            <pc:docMk/>
-            <pc:sldMk cId="3193160409" sldId="286"/>
-            <ac:spMk id="3" creationId="{B5924E0F-A977-1710-779D-EEB74261AF34}"/>
-          </ac:spMkLst>
-        </pc:spChg>
-      </pc:sldChg>
-      <pc:sldChg chg="del">
-        <pc:chgData name="Gibbons, Carl" userId="d2b037bc-8fb4-4222-845c-61440543a456" providerId="ADAL" clId="{4505F98C-4CC4-4983-9729-597D2A150C85}" dt="2023-12-28T22:17:12.413" v="1702" actId="47"/>
-        <pc:sldMkLst>
-          <pc:docMk/>
-          <pc:sldMk cId="2614091779" sldId="287"/>
-        </pc:sldMkLst>
-      </pc:sldChg>
-      <pc:sldChg chg="modSp mod">
-        <pc:chgData name="Gibbons, Carl" userId="d2b037bc-8fb4-4222-845c-61440543a456" providerId="ADAL" clId="{4505F98C-4CC4-4983-9729-597D2A150C85}" dt="2023-12-29T02:19:05.385" v="17624"/>
-        <pc:sldMkLst>
-          <pc:docMk/>
-          <pc:sldMk cId="2688338374" sldId="287"/>
-        </pc:sldMkLst>
-        <pc:spChg chg="mod">
-          <ac:chgData name="Gibbons, Carl" userId="d2b037bc-8fb4-4222-845c-61440543a456" providerId="ADAL" clId="{4505F98C-4CC4-4983-9729-597D2A150C85}" dt="2023-12-29T00:41:11.438" v="10364" actId="20577"/>
-          <ac:spMkLst>
-            <pc:docMk/>
-            <pc:sldMk cId="2688338374" sldId="287"/>
-            <ac:spMk id="2" creationId="{31B75992-5098-A283-4925-2CCEBB801DC5}"/>
-          </ac:spMkLst>
-        </pc:spChg>
-        <pc:spChg chg="mod">
-          <ac:chgData name="Gibbons, Carl" userId="d2b037bc-8fb4-4222-845c-61440543a456" providerId="ADAL" clId="{4505F98C-4CC4-4983-9729-597D2A150C85}" dt="2023-12-29T02:19:05.385" v="17624"/>
-          <ac:spMkLst>
-            <pc:docMk/>
-            <pc:sldMk cId="2688338374" sldId="287"/>
-            <ac:spMk id="3" creationId="{B5924E0F-A977-1710-779D-EEB74261AF34}"/>
-          </ac:spMkLst>
-        </pc:spChg>
-      </pc:sldChg>
-      <pc:sldChg chg="del">
-        <pc:chgData name="Gibbons, Carl" userId="d2b037bc-8fb4-4222-845c-61440543a456" providerId="ADAL" clId="{4505F98C-4CC4-4983-9729-597D2A150C85}" dt="2023-12-28T22:17:11.407" v="1701" actId="47"/>
-        <pc:sldMkLst>
-          <pc:docMk/>
-          <pc:sldMk cId="1341659426" sldId="288"/>
-        </pc:sldMkLst>
-      </pc:sldChg>
-      <pc:sldChg chg="modSp add mod">
-        <pc:chgData name="Gibbons, Carl" userId="d2b037bc-8fb4-4222-845c-61440543a456" providerId="ADAL" clId="{4505F98C-4CC4-4983-9729-597D2A150C85}" dt="2023-12-29T01:45:37.293" v="15006"/>
-        <pc:sldMkLst>
-          <pc:docMk/>
-          <pc:sldMk cId="2142935017" sldId="288"/>
-        </pc:sldMkLst>
-        <pc:spChg chg="mod">
-          <ac:chgData name="Gibbons, Carl" userId="d2b037bc-8fb4-4222-845c-61440543a456" providerId="ADAL" clId="{4505F98C-4CC4-4983-9729-597D2A150C85}" dt="2023-12-29T01:16:27.501" v="12383" actId="20577"/>
-          <ac:spMkLst>
-            <pc:docMk/>
-            <pc:sldMk cId="2142935017" sldId="288"/>
-            <ac:spMk id="2" creationId="{31B75992-5098-A283-4925-2CCEBB801DC5}"/>
-          </ac:spMkLst>
-        </pc:spChg>
-        <pc:spChg chg="mod">
-          <ac:chgData name="Gibbons, Carl" userId="d2b037bc-8fb4-4222-845c-61440543a456" providerId="ADAL" clId="{4505F98C-4CC4-4983-9729-597D2A150C85}" dt="2023-12-29T01:45:37.293" v="15006"/>
-          <ac:spMkLst>
-            <pc:docMk/>
-            <pc:sldMk cId="2142935017" sldId="288"/>
-            <ac:spMk id="3" creationId="{B5924E0F-A977-1710-779D-EEB74261AF34}"/>
-          </ac:spMkLst>
-        </pc:spChg>
-      </pc:sldChg>
-      <pc:sldChg chg="modSp mod">
-        <pc:chgData name="Gibbons, Carl" userId="d2b037bc-8fb4-4222-845c-61440543a456" providerId="ADAL" clId="{4505F98C-4CC4-4983-9729-597D2A150C85}" dt="2023-12-29T01:50:54.342" v="15124" actId="20577"/>
-        <pc:sldMkLst>
-          <pc:docMk/>
-          <pc:sldMk cId="2784625941" sldId="289"/>
-        </pc:sldMkLst>
-        <pc:spChg chg="mod">
-          <ac:chgData name="Gibbons, Carl" userId="d2b037bc-8fb4-4222-845c-61440543a456" providerId="ADAL" clId="{4505F98C-4CC4-4983-9729-597D2A150C85}" dt="2023-12-29T01:23:40.688" v="13177" actId="20577"/>
-          <ac:spMkLst>
-            <pc:docMk/>
-            <pc:sldMk cId="2784625941" sldId="289"/>
-            <ac:spMk id="2" creationId="{31B75992-5098-A283-4925-2CCEBB801DC5}"/>
-          </ac:spMkLst>
-        </pc:spChg>
-        <pc:spChg chg="mod">
-          <ac:chgData name="Gibbons, Carl" userId="d2b037bc-8fb4-4222-845c-61440543a456" providerId="ADAL" clId="{4505F98C-4CC4-4983-9729-597D2A150C85}" dt="2023-12-29T01:50:54.342" v="15124" actId="20577"/>
-          <ac:spMkLst>
-            <pc:docMk/>
-            <pc:sldMk cId="2784625941" sldId="289"/>
-            <ac:spMk id="3" creationId="{B5924E0F-A977-1710-779D-EEB74261AF34}"/>
-          </ac:spMkLst>
-        </pc:spChg>
-      </pc:sldChg>
-      <pc:sldChg chg="del">
-        <pc:chgData name="Gibbons, Carl" userId="d2b037bc-8fb4-4222-845c-61440543a456" providerId="ADAL" clId="{4505F98C-4CC4-4983-9729-597D2A150C85}" dt="2023-12-28T22:17:05.773" v="1696" actId="47"/>
-        <pc:sldMkLst>
-          <pc:docMk/>
-          <pc:sldMk cId="2966054478" sldId="289"/>
-        </pc:sldMkLst>
-      </pc:sldChg>
-      <pc:sldChg chg="del">
-        <pc:chgData name="Gibbons, Carl" userId="d2b037bc-8fb4-4222-845c-61440543a456" providerId="ADAL" clId="{4505F98C-4CC4-4983-9729-597D2A150C85}" dt="2023-12-28T22:17:13.315" v="1703" actId="47"/>
-        <pc:sldMkLst>
-          <pc:docMk/>
-          <pc:sldMk cId="1014272238" sldId="290"/>
-        </pc:sldMkLst>
-      </pc:sldChg>
-      <pc:sldChg chg="modSp add mod">
-        <pc:chgData name="Gibbons, Carl" userId="d2b037bc-8fb4-4222-845c-61440543a456" providerId="ADAL" clId="{4505F98C-4CC4-4983-9729-597D2A150C85}" dt="2023-12-29T01:50:36.539" v="15123" actId="20577"/>
-        <pc:sldMkLst>
-          <pc:docMk/>
-          <pc:sldMk cId="1677974689" sldId="290"/>
-        </pc:sldMkLst>
-        <pc:spChg chg="mod">
-          <ac:chgData name="Gibbons, Carl" userId="d2b037bc-8fb4-4222-845c-61440543a456" providerId="ADAL" clId="{4505F98C-4CC4-4983-9729-597D2A150C85}" dt="2023-12-29T01:37:36.931" v="14365" actId="20577"/>
-          <ac:spMkLst>
-            <pc:docMk/>
-            <pc:sldMk cId="1677974689" sldId="290"/>
-            <ac:spMk id="2" creationId="{31B75992-5098-A283-4925-2CCEBB801DC5}"/>
-          </ac:spMkLst>
-        </pc:spChg>
-        <pc:spChg chg="mod">
-          <ac:chgData name="Gibbons, Carl" userId="d2b037bc-8fb4-4222-845c-61440543a456" providerId="ADAL" clId="{4505F98C-4CC4-4983-9729-597D2A150C85}" dt="2023-12-29T01:50:36.539" v="15123" actId="20577"/>
-          <ac:spMkLst>
-            <pc:docMk/>
-            <pc:sldMk cId="1677974689" sldId="290"/>
-            <ac:spMk id="3" creationId="{B5924E0F-A977-1710-779D-EEB74261AF34}"/>
-          </ac:spMkLst>
-        </pc:spChg>
-      </pc:sldChg>
-      <pc:sldChg chg="del">
-        <pc:chgData name="Gibbons, Carl" userId="d2b037bc-8fb4-4222-845c-61440543a456" providerId="ADAL" clId="{4505F98C-4CC4-4983-9729-597D2A150C85}" dt="2023-12-28T22:17:05.079" v="1695" actId="47"/>
-        <pc:sldMkLst>
-          <pc:docMk/>
-          <pc:sldMk cId="3689580349" sldId="291"/>
-        </pc:sldMkLst>
-      </pc:sldChg>
-      <pc:sldChg chg="modSp add mod">
-        <pc:chgData name="Gibbons, Carl" userId="d2b037bc-8fb4-4222-845c-61440543a456" providerId="ADAL" clId="{4505F98C-4CC4-4983-9729-597D2A150C85}" dt="2023-12-29T02:03:57.372" v="16335" actId="20577"/>
-        <pc:sldMkLst>
-          <pc:docMk/>
-          <pc:sldMk cId="4219326696" sldId="291"/>
-        </pc:sldMkLst>
-        <pc:spChg chg="mod">
-          <ac:chgData name="Gibbons, Carl" userId="d2b037bc-8fb4-4222-845c-61440543a456" providerId="ADAL" clId="{4505F98C-4CC4-4983-9729-597D2A150C85}" dt="2023-12-29T01:51:52.820" v="15161" actId="20577"/>
-          <ac:spMkLst>
-            <pc:docMk/>
-            <pc:sldMk cId="4219326696" sldId="291"/>
-            <ac:spMk id="2" creationId="{31B75992-5098-A283-4925-2CCEBB801DC5}"/>
-          </ac:spMkLst>
-        </pc:spChg>
-        <pc:spChg chg="mod">
-          <ac:chgData name="Gibbons, Carl" userId="d2b037bc-8fb4-4222-845c-61440543a456" providerId="ADAL" clId="{4505F98C-4CC4-4983-9729-597D2A150C85}" dt="2023-12-29T02:03:57.372" v="16335" actId="20577"/>
-          <ac:spMkLst>
-            <pc:docMk/>
-            <pc:sldMk cId="4219326696" sldId="291"/>
-            <ac:spMk id="3" creationId="{B5924E0F-A977-1710-779D-EEB74261AF34}"/>
-          </ac:spMkLst>
-        </pc:spChg>
-      </pc:sldChg>
-      <pc:sldChg chg="modSp add mod">
-        <pc:chgData name="Gibbons, Carl" userId="d2b037bc-8fb4-4222-845c-61440543a456" providerId="ADAL" clId="{4505F98C-4CC4-4983-9729-597D2A150C85}" dt="2023-12-29T02:16:48.887" v="17543" actId="20577"/>
-        <pc:sldMkLst>
-          <pc:docMk/>
-          <pc:sldMk cId="33911121" sldId="292"/>
-        </pc:sldMkLst>
-        <pc:spChg chg="mod">
-          <ac:chgData name="Gibbons, Carl" userId="d2b037bc-8fb4-4222-845c-61440543a456" providerId="ADAL" clId="{4505F98C-4CC4-4983-9729-597D2A150C85}" dt="2023-12-29T02:06:26.879" v="16405" actId="20577"/>
-          <ac:spMkLst>
-            <pc:docMk/>
-            <pc:sldMk cId="33911121" sldId="292"/>
-            <ac:spMk id="2" creationId="{1862E903-3C56-BB42-2361-009F2336475A}"/>
-          </ac:spMkLst>
-        </pc:spChg>
-        <pc:spChg chg="mod">
-          <ac:chgData name="Gibbons, Carl" userId="d2b037bc-8fb4-4222-845c-61440543a456" providerId="ADAL" clId="{4505F98C-4CC4-4983-9729-597D2A150C85}" dt="2023-12-29T02:16:48.887" v="17543" actId="20577"/>
-          <ac:spMkLst>
-            <pc:docMk/>
-            <pc:sldMk cId="33911121" sldId="292"/>
-            <ac:spMk id="3" creationId="{90179172-96B3-95D0-A137-257770BE7642}"/>
-          </ac:spMkLst>
-        </pc:spChg>
-      </pc:sldChg>
-      <pc:sldChg chg="del">
-        <pc:chgData name="Gibbons, Carl" userId="d2b037bc-8fb4-4222-845c-61440543a456" providerId="ADAL" clId="{4505F98C-4CC4-4983-9729-597D2A150C85}" dt="2023-12-28T22:17:14.720" v="1704" actId="47"/>
-        <pc:sldMkLst>
-          <pc:docMk/>
-          <pc:sldMk cId="2738411615" sldId="292"/>
-        </pc:sldMkLst>
-      </pc:sldChg>
-      <pc:sldChg chg="del">
-        <pc:chgData name="Gibbons, Carl" userId="d2b037bc-8fb4-4222-845c-61440543a456" providerId="ADAL" clId="{4505F98C-4CC4-4983-9729-597D2A150C85}" dt="2023-12-28T22:17:04.103" v="1694" actId="47"/>
-        <pc:sldMkLst>
-          <pc:docMk/>
-          <pc:sldMk cId="852415543" sldId="293"/>
-        </pc:sldMkLst>
-      </pc:sldChg>
-    </pc:docChg>
-  </pc:docChgLst>
-  <pc:docChgLst>
-    <pc:chgData name="Gibbons, Carl" userId="d2b037bc-8fb4-4222-845c-61440543a456" providerId="ADAL" clId="{8B117223-2596-4D61-9C62-CC9BD4B9A421}"/>
-    <pc:docChg chg="custSel addSld delSld modSld">
-      <pc:chgData name="Gibbons, Carl" userId="d2b037bc-8fb4-4222-845c-61440543a456" providerId="ADAL" clId="{8B117223-2596-4D61-9C62-CC9BD4B9A421}" dt="2024-01-24T22:00:55.310" v="2286" actId="20577"/>
-      <pc:docMkLst>
-        <pc:docMk/>
-      </pc:docMkLst>
-      <pc:sldChg chg="modSp mod">
-        <pc:chgData name="Gibbons, Carl" userId="d2b037bc-8fb4-4222-845c-61440543a456" providerId="ADAL" clId="{8B117223-2596-4D61-9C62-CC9BD4B9A421}" dt="2024-01-16T00:57:55.449" v="2005" actId="20577"/>
-        <pc:sldMkLst>
-          <pc:docMk/>
-          <pc:sldMk cId="3308175748" sldId="256"/>
-        </pc:sldMkLst>
-        <pc:spChg chg="mod">
-          <ac:chgData name="Gibbons, Carl" userId="d2b037bc-8fb4-4222-845c-61440543a456" providerId="ADAL" clId="{8B117223-2596-4D61-9C62-CC9BD4B9A421}" dt="2024-01-16T00:57:55.449" v="2005" actId="20577"/>
-          <ac:spMkLst>
-            <pc:docMk/>
-            <pc:sldMk cId="3308175748" sldId="256"/>
-            <ac:spMk id="3" creationId="{EEC4D41B-E776-05F2-BE0B-89BB339485AB}"/>
-          </ac:spMkLst>
-        </pc:spChg>
-      </pc:sldChg>
-      <pc:sldChg chg="modSp mod">
-        <pc:chgData name="Gibbons, Carl" userId="d2b037bc-8fb4-4222-845c-61440543a456" providerId="ADAL" clId="{8B117223-2596-4D61-9C62-CC9BD4B9A421}" dt="2024-01-24T22:00:55.310" v="2286" actId="20577"/>
-        <pc:sldMkLst>
-          <pc:docMk/>
-          <pc:sldMk cId="2312486803" sldId="261"/>
-        </pc:sldMkLst>
-        <pc:spChg chg="mod">
-          <ac:chgData name="Gibbons, Carl" userId="d2b037bc-8fb4-4222-845c-61440543a456" providerId="ADAL" clId="{8B117223-2596-4D61-9C62-CC9BD4B9A421}" dt="2024-01-16T00:15:29.289" v="286" actId="20577"/>
-          <ac:spMkLst>
-            <pc:docMk/>
-            <pc:sldMk cId="2312486803" sldId="261"/>
-            <ac:spMk id="2" creationId="{31B75992-5098-A283-4925-2CCEBB801DC5}"/>
-          </ac:spMkLst>
-        </pc:spChg>
-        <pc:spChg chg="mod">
-          <ac:chgData name="Gibbons, Carl" userId="d2b037bc-8fb4-4222-845c-61440543a456" providerId="ADAL" clId="{8B117223-2596-4D61-9C62-CC9BD4B9A421}" dt="2024-01-24T22:00:55.310" v="2286" actId="20577"/>
-          <ac:spMkLst>
-            <pc:docMk/>
-            <pc:sldMk cId="2312486803" sldId="261"/>
-            <ac:spMk id="3" creationId="{B5924E0F-A977-1710-779D-EEB74261AF34}"/>
-          </ac:spMkLst>
-        </pc:spChg>
-      </pc:sldChg>
-      <pc:sldChg chg="modSp add mod">
-        <pc:chgData name="Gibbons, Carl" userId="d2b037bc-8fb4-4222-845c-61440543a456" providerId="ADAL" clId="{8B117223-2596-4D61-9C62-CC9BD4B9A421}" dt="2024-01-16T01:00:51.762" v="2281" actId="313"/>
-        <pc:sldMkLst>
-          <pc:docMk/>
-          <pc:sldMk cId="3885141102" sldId="262"/>
-        </pc:sldMkLst>
-        <pc:spChg chg="mod">
-          <ac:chgData name="Gibbons, Carl" userId="d2b037bc-8fb4-4222-845c-61440543a456" providerId="ADAL" clId="{8B117223-2596-4D61-9C62-CC9BD4B9A421}" dt="2024-01-16T00:42:42.463" v="1503" actId="20577"/>
-          <ac:spMkLst>
-            <pc:docMk/>
-            <pc:sldMk cId="3885141102" sldId="262"/>
-            <ac:spMk id="2" creationId="{31B75992-5098-A283-4925-2CCEBB801DC5}"/>
-          </ac:spMkLst>
-        </pc:spChg>
-        <pc:spChg chg="mod">
-          <ac:chgData name="Gibbons, Carl" userId="d2b037bc-8fb4-4222-845c-61440543a456" providerId="ADAL" clId="{8B117223-2596-4D61-9C62-CC9BD4B9A421}" dt="2024-01-16T01:00:51.762" v="2281" actId="313"/>
-          <ac:spMkLst>
-            <pc:docMk/>
-            <pc:sldMk cId="3885141102" sldId="262"/>
-            <ac:spMk id="3" creationId="{B5924E0F-A977-1710-779D-EEB74261AF34}"/>
-          </ac:spMkLst>
-        </pc:spChg>
-      </pc:sldChg>
-      <pc:sldChg chg="add">
-        <pc:chgData name="Gibbons, Carl" userId="d2b037bc-8fb4-4222-845c-61440543a456" providerId="ADAL" clId="{8B117223-2596-4D61-9C62-CC9BD4B9A421}" dt="2024-01-16T00:58:20.162" v="2006"/>
-        <pc:sldMkLst>
-          <pc:docMk/>
-          <pc:sldMk cId="1719402288" sldId="263"/>
-        </pc:sldMkLst>
-      </pc:sldChg>
-      <pc:sldChg chg="del">
-        <pc:chgData name="Gibbons, Carl" userId="d2b037bc-8fb4-4222-845c-61440543a456" providerId="ADAL" clId="{8B117223-2596-4D61-9C62-CC9BD4B9A421}" dt="2024-01-16T00:11:26.015" v="227" actId="47"/>
-        <pc:sldMkLst>
-          <pc:docMk/>
-          <pc:sldMk cId="3989541258" sldId="278"/>
-        </pc:sldMkLst>
-      </pc:sldChg>
-      <pc:sldChg chg="del">
-        <pc:chgData name="Gibbons, Carl" userId="d2b037bc-8fb4-4222-845c-61440543a456" providerId="ADAL" clId="{8B117223-2596-4D61-9C62-CC9BD4B9A421}" dt="2024-01-16T00:11:26.575" v="228" actId="47"/>
-        <pc:sldMkLst>
-          <pc:docMk/>
-          <pc:sldMk cId="1861646120" sldId="293"/>
-        </pc:sldMkLst>
-      </pc:sldChg>
-      <pc:sldChg chg="del">
-        <pc:chgData name="Gibbons, Carl" userId="d2b037bc-8fb4-4222-845c-61440543a456" providerId="ADAL" clId="{8B117223-2596-4D61-9C62-CC9BD4B9A421}" dt="2024-01-16T00:11:27.206" v="229" actId="47"/>
-        <pc:sldMkLst>
-          <pc:docMk/>
-          <pc:sldMk cId="2232562783" sldId="294"/>
-        </pc:sldMkLst>
-      </pc:sldChg>
-      <pc:sldChg chg="del">
-        <pc:chgData name="Gibbons, Carl" userId="d2b037bc-8fb4-4222-845c-61440543a456" providerId="ADAL" clId="{8B117223-2596-4D61-9C62-CC9BD4B9A421}" dt="2024-01-16T00:11:27.766" v="230" actId="47"/>
-        <pc:sldMkLst>
-          <pc:docMk/>
-          <pc:sldMk cId="845747584" sldId="300"/>
-        </pc:sldMkLst>
-      </pc:sldChg>
-      <pc:sldChg chg="del">
-        <pc:chgData name="Gibbons, Carl" userId="d2b037bc-8fb4-4222-845c-61440543a456" providerId="ADAL" clId="{8B117223-2596-4D61-9C62-CC9BD4B9A421}" dt="2024-01-16T00:11:30.314" v="231" actId="47"/>
-        <pc:sldMkLst>
-          <pc:docMk/>
-          <pc:sldMk cId="3372579319" sldId="301"/>
-        </pc:sldMkLst>
-      </pc:sldChg>
-    </pc:docChg>
-  </pc:docChgLst>
-  <pc:docChgLst>
-    <pc:chgData name="Gibbons, Carl" userId="d2b037bc-8fb4-4222-845c-61440543a456" providerId="ADAL" clId="{C1E6ABF6-BAED-4B26-97DB-20A1E8B7A1A4}"/>
-    <pc:docChg chg="custSel modSld">
-      <pc:chgData name="Gibbons, Carl" userId="d2b037bc-8fb4-4222-845c-61440543a456" providerId="ADAL" clId="{C1E6ABF6-BAED-4B26-97DB-20A1E8B7A1A4}" dt="2023-12-06T02:23:48.337" v="274" actId="20577"/>
-      <pc:docMkLst>
-        <pc:docMk/>
-      </pc:docMkLst>
-      <pc:sldChg chg="modSp mod">
-        <pc:chgData name="Gibbons, Carl" userId="d2b037bc-8fb4-4222-845c-61440543a456" providerId="ADAL" clId="{C1E6ABF6-BAED-4B26-97DB-20A1E8B7A1A4}" dt="2023-11-21T16:22:17.597" v="97" actId="20577"/>
-        <pc:sldMkLst>
-          <pc:docMk/>
-          <pc:sldMk cId="3308175748" sldId="256"/>
-        </pc:sldMkLst>
-        <pc:spChg chg="mod">
-          <ac:chgData name="Gibbons, Carl" userId="d2b037bc-8fb4-4222-845c-61440543a456" providerId="ADAL" clId="{C1E6ABF6-BAED-4B26-97DB-20A1E8B7A1A4}" dt="2023-11-21T05:49:34.464" v="2"/>
-          <ac:spMkLst>
-            <pc:docMk/>
-            <pc:sldMk cId="3308175748" sldId="256"/>
-            <ac:spMk id="2" creationId="{ACEA2649-DC6B-3373-A7E6-7F0E103D8B8B}"/>
-          </ac:spMkLst>
-        </pc:spChg>
-        <pc:spChg chg="mod">
-          <ac:chgData name="Gibbons, Carl" userId="d2b037bc-8fb4-4222-845c-61440543a456" providerId="ADAL" clId="{C1E6ABF6-BAED-4B26-97DB-20A1E8B7A1A4}" dt="2023-11-21T16:22:17.597" v="97" actId="20577"/>
-          <ac:spMkLst>
-            <pc:docMk/>
-            <pc:sldMk cId="3308175748" sldId="256"/>
-            <ac:spMk id="3" creationId="{EEC4D41B-E776-05F2-BE0B-89BB339485AB}"/>
-          </ac:spMkLst>
-        </pc:spChg>
-        <pc:spChg chg="mod">
-          <ac:chgData name="Gibbons, Carl" userId="d2b037bc-8fb4-4222-845c-61440543a456" providerId="ADAL" clId="{C1E6ABF6-BAED-4B26-97DB-20A1E8B7A1A4}" dt="2023-11-21T05:49:34.464" v="2"/>
-          <ac:spMkLst>
-            <pc:docMk/>
-            <pc:sldMk cId="3308175748" sldId="256"/>
-            <ac:spMk id="4" creationId="{4664ABB7-0B55-0242-2E51-B3286EE7B5EB}"/>
-          </ac:spMkLst>
-        </pc:spChg>
-      </pc:sldChg>
-      <pc:sldChg chg="modSp">
-        <pc:chgData name="Gibbons, Carl" userId="d2b037bc-8fb4-4222-845c-61440543a456" providerId="ADAL" clId="{C1E6ABF6-BAED-4B26-97DB-20A1E8B7A1A4}" dt="2023-11-21T05:49:34.464" v="2"/>
-        <pc:sldMkLst>
-          <pc:docMk/>
-          <pc:sldMk cId="2312486803" sldId="261"/>
-        </pc:sldMkLst>
-        <pc:spChg chg="mod">
-          <ac:chgData name="Gibbons, Carl" userId="d2b037bc-8fb4-4222-845c-61440543a456" providerId="ADAL" clId="{C1E6ABF6-BAED-4B26-97DB-20A1E8B7A1A4}" dt="2023-11-21T05:49:34.464" v="2"/>
-          <ac:spMkLst>
-            <pc:docMk/>
-            <pc:sldMk cId="2312486803" sldId="261"/>
-            <ac:spMk id="2" creationId="{31B75992-5098-A283-4925-2CCEBB801DC5}"/>
-          </ac:spMkLst>
-        </pc:spChg>
-      </pc:sldChg>
-      <pc:sldChg chg="modSp mod">
-        <pc:chgData name="Gibbons, Carl" userId="d2b037bc-8fb4-4222-845c-61440543a456" providerId="ADAL" clId="{C1E6ABF6-BAED-4B26-97DB-20A1E8B7A1A4}" dt="2023-11-21T07:48:19.790" v="77" actId="20577"/>
-        <pc:sldMkLst>
-          <pc:docMk/>
-          <pc:sldMk cId="378743348" sldId="270"/>
-        </pc:sldMkLst>
-        <pc:spChg chg="mod">
-          <ac:chgData name="Gibbons, Carl" userId="d2b037bc-8fb4-4222-845c-61440543a456" providerId="ADAL" clId="{C1E6ABF6-BAED-4B26-97DB-20A1E8B7A1A4}" dt="2023-11-21T07:48:19.790" v="77" actId="20577"/>
-          <ac:spMkLst>
-            <pc:docMk/>
-            <pc:sldMk cId="378743348" sldId="270"/>
-            <ac:spMk id="3" creationId="{80041865-9773-290D-EB35-F8AF8BFC505C}"/>
-          </ac:spMkLst>
-        </pc:spChg>
-      </pc:sldChg>
-      <pc:sldChg chg="modSp mod">
-        <pc:chgData name="Gibbons, Carl" userId="d2b037bc-8fb4-4222-845c-61440543a456" providerId="ADAL" clId="{C1E6ABF6-BAED-4B26-97DB-20A1E8B7A1A4}" dt="2023-12-06T02:23:48.337" v="274" actId="20577"/>
-        <pc:sldMkLst>
-          <pc:docMk/>
-          <pc:sldMk cId="657795359" sldId="277"/>
-        </pc:sldMkLst>
-        <pc:spChg chg="mod">
-          <ac:chgData name="Gibbons, Carl" userId="d2b037bc-8fb4-4222-845c-61440543a456" providerId="ADAL" clId="{C1E6ABF6-BAED-4B26-97DB-20A1E8B7A1A4}" dt="2023-11-21T05:49:34.464" v="2"/>
-          <ac:spMkLst>
-            <pc:docMk/>
-            <pc:sldMk cId="657795359" sldId="277"/>
-            <ac:spMk id="2" creationId="{1862E903-3C56-BB42-2361-009F2336475A}"/>
-          </ac:spMkLst>
-        </pc:spChg>
-        <pc:spChg chg="mod">
-          <ac:chgData name="Gibbons, Carl" userId="d2b037bc-8fb4-4222-845c-61440543a456" providerId="ADAL" clId="{C1E6ABF6-BAED-4B26-97DB-20A1E8B7A1A4}" dt="2023-12-06T02:23:48.337" v="274" actId="20577"/>
-          <ac:spMkLst>
-            <pc:docMk/>
-            <pc:sldMk cId="657795359" sldId="277"/>
-            <ac:spMk id="3" creationId="{90179172-96B3-95D0-A137-257770BE7642}"/>
-          </ac:spMkLst>
-        </pc:spChg>
-      </pc:sldChg>
-    </pc:docChg>
-  </pc:docChgLst>
-  <pc:docChgLst>
-    <pc:chgData name="Gibbons, Carl" userId="d2b037bc-8fb4-4222-845c-61440543a456" providerId="ADAL" clId="{8C497311-FA0D-4174-880A-DAA4EEB2BF3B}"/>
-    <pc:docChg chg="custSel delSld modSld">
-      <pc:chgData name="Gibbons, Carl" userId="d2b037bc-8fb4-4222-845c-61440543a456" providerId="ADAL" clId="{8C497311-FA0D-4174-880A-DAA4EEB2BF3B}" dt="2023-12-29T17:07:57.293" v="7187" actId="20577"/>
-      <pc:docMkLst>
-        <pc:docMk/>
-      </pc:docMkLst>
-      <pc:sldChg chg="modSp mod">
-        <pc:chgData name="Gibbons, Carl" userId="d2b037bc-8fb4-4222-845c-61440543a456" providerId="ADAL" clId="{8C497311-FA0D-4174-880A-DAA4EEB2BF3B}" dt="2023-12-29T17:06:57.427" v="7098" actId="20577"/>
-        <pc:sldMkLst>
-          <pc:docMk/>
-          <pc:sldMk cId="3308175748" sldId="256"/>
-        </pc:sldMkLst>
-        <pc:spChg chg="mod">
-          <ac:chgData name="Gibbons, Carl" userId="d2b037bc-8fb4-4222-845c-61440543a456" providerId="ADAL" clId="{8C497311-FA0D-4174-880A-DAA4EEB2BF3B}" dt="2023-12-29T17:06:57.427" v="7098" actId="20577"/>
-          <ac:spMkLst>
-            <pc:docMk/>
-            <pc:sldMk cId="3308175748" sldId="256"/>
-            <ac:spMk id="3" creationId="{EEC4D41B-E776-05F2-BE0B-89BB339485AB}"/>
-          </ac:spMkLst>
-        </pc:spChg>
-      </pc:sldChg>
-      <pc:sldChg chg="modSp mod">
-        <pc:chgData name="Gibbons, Carl" userId="d2b037bc-8fb4-4222-845c-61440543a456" providerId="ADAL" clId="{8C497311-FA0D-4174-880A-DAA4EEB2BF3B}" dt="2023-12-29T15:08:44.674" v="3403" actId="20577"/>
-        <pc:sldMkLst>
-          <pc:docMk/>
-          <pc:sldMk cId="2312486803" sldId="261"/>
-        </pc:sldMkLst>
-        <pc:spChg chg="mod">
-          <ac:chgData name="Gibbons, Carl" userId="d2b037bc-8fb4-4222-845c-61440543a456" providerId="ADAL" clId="{8C497311-FA0D-4174-880A-DAA4EEB2BF3B}" dt="2023-12-29T14:20:41.496" v="51" actId="20577"/>
-          <ac:spMkLst>
-            <pc:docMk/>
-            <pc:sldMk cId="2312486803" sldId="261"/>
-            <ac:spMk id="2" creationId="{31B75992-5098-A283-4925-2CCEBB801DC5}"/>
-          </ac:spMkLst>
-        </pc:spChg>
-        <pc:spChg chg="mod">
-          <ac:chgData name="Gibbons, Carl" userId="d2b037bc-8fb4-4222-845c-61440543a456" providerId="ADAL" clId="{8C497311-FA0D-4174-880A-DAA4EEB2BF3B}" dt="2023-12-29T15:08:44.674" v="3403" actId="20577"/>
-          <ac:spMkLst>
-            <pc:docMk/>
-            <pc:sldMk cId="2312486803" sldId="261"/>
-            <ac:spMk id="3" creationId="{B5924E0F-A977-1710-779D-EEB74261AF34}"/>
-          </ac:spMkLst>
-        </pc:spChg>
-      </pc:sldChg>
-      <pc:sldChg chg="delSp modSp mod">
-        <pc:chgData name="Gibbons, Carl" userId="d2b037bc-8fb4-4222-845c-61440543a456" providerId="ADAL" clId="{8C497311-FA0D-4174-880A-DAA4EEB2BF3B}" dt="2023-12-29T17:07:57.293" v="7187" actId="20577"/>
-        <pc:sldMkLst>
-          <pc:docMk/>
-          <pc:sldMk cId="657795359" sldId="277"/>
-        </pc:sldMkLst>
-        <pc:spChg chg="mod">
-          <ac:chgData name="Gibbons, Carl" userId="d2b037bc-8fb4-4222-845c-61440543a456" providerId="ADAL" clId="{8C497311-FA0D-4174-880A-DAA4EEB2BF3B}" dt="2023-12-29T17:07:57.293" v="7187" actId="20577"/>
-          <ac:spMkLst>
-            <pc:docMk/>
-            <pc:sldMk cId="657795359" sldId="277"/>
-            <ac:spMk id="2" creationId="{1862E903-3C56-BB42-2361-009F2336475A}"/>
-          </ac:spMkLst>
-        </pc:spChg>
-        <pc:spChg chg="del mod">
-          <ac:chgData name="Gibbons, Carl" userId="d2b037bc-8fb4-4222-845c-61440543a456" providerId="ADAL" clId="{8C497311-FA0D-4174-880A-DAA4EEB2BF3B}" dt="2023-12-29T17:07:50.480" v="7185"/>
-          <ac:spMkLst>
-            <pc:docMk/>
-            <pc:sldMk cId="657795359" sldId="277"/>
-            <ac:spMk id="3" creationId="{90179172-96B3-95D0-A137-257770BE7642}"/>
-          </ac:spMkLst>
-        </pc:spChg>
-      </pc:sldChg>
-      <pc:sldChg chg="modSp mod">
-        <pc:chgData name="Gibbons, Carl" userId="d2b037bc-8fb4-4222-845c-61440543a456" providerId="ADAL" clId="{8C497311-FA0D-4174-880A-DAA4EEB2BF3B}" dt="2023-12-29T15:35:37.192" v="6042" actId="5793"/>
-        <pc:sldMkLst>
-          <pc:docMk/>
-          <pc:sldMk cId="3989541258" sldId="278"/>
-        </pc:sldMkLst>
-        <pc:spChg chg="mod">
-          <ac:chgData name="Gibbons, Carl" userId="d2b037bc-8fb4-4222-845c-61440543a456" providerId="ADAL" clId="{8C497311-FA0D-4174-880A-DAA4EEB2BF3B}" dt="2023-12-29T15:09:22.213" v="3411" actId="20577"/>
-          <ac:spMkLst>
-            <pc:docMk/>
-            <pc:sldMk cId="3989541258" sldId="278"/>
-            <ac:spMk id="2" creationId="{31B75992-5098-A283-4925-2CCEBB801DC5}"/>
-          </ac:spMkLst>
-        </pc:spChg>
-        <pc:spChg chg="mod">
-          <ac:chgData name="Gibbons, Carl" userId="d2b037bc-8fb4-4222-845c-61440543a456" providerId="ADAL" clId="{8C497311-FA0D-4174-880A-DAA4EEB2BF3B}" dt="2023-12-29T15:35:37.192" v="6042" actId="5793"/>
-          <ac:spMkLst>
-            <pc:docMk/>
-            <pc:sldMk cId="3989541258" sldId="278"/>
-            <ac:spMk id="3" creationId="{B5924E0F-A977-1710-779D-EEB74261AF34}"/>
-          </ac:spMkLst>
-        </pc:spChg>
-      </pc:sldChg>
-      <pc:sldChg chg="del">
-        <pc:chgData name="Gibbons, Carl" userId="d2b037bc-8fb4-4222-845c-61440543a456" providerId="ADAL" clId="{8C497311-FA0D-4174-880A-DAA4EEB2BF3B}" dt="2023-12-29T17:07:06.467" v="7099" actId="47"/>
-        <pc:sldMkLst>
-          <pc:docMk/>
-          <pc:sldMk cId="2335633195" sldId="279"/>
-        </pc:sldMkLst>
-      </pc:sldChg>
-      <pc:sldChg chg="del">
-        <pc:chgData name="Gibbons, Carl" userId="d2b037bc-8fb4-4222-845c-61440543a456" providerId="ADAL" clId="{8C497311-FA0D-4174-880A-DAA4EEB2BF3B}" dt="2023-12-29T17:07:07.395" v="7100" actId="47"/>
-        <pc:sldMkLst>
-          <pc:docMk/>
-          <pc:sldMk cId="1284534978" sldId="280"/>
-        </pc:sldMkLst>
-      </pc:sldChg>
-      <pc:sldChg chg="del">
-        <pc:chgData name="Gibbons, Carl" userId="d2b037bc-8fb4-4222-845c-61440543a456" providerId="ADAL" clId="{8C497311-FA0D-4174-880A-DAA4EEB2BF3B}" dt="2023-12-29T17:07:07.895" v="7101" actId="47"/>
-        <pc:sldMkLst>
-          <pc:docMk/>
-          <pc:sldMk cId="1802585387" sldId="281"/>
-        </pc:sldMkLst>
-      </pc:sldChg>
-      <pc:sldChg chg="del">
-        <pc:chgData name="Gibbons, Carl" userId="d2b037bc-8fb4-4222-845c-61440543a456" providerId="ADAL" clId="{8C497311-FA0D-4174-880A-DAA4EEB2BF3B}" dt="2023-12-29T17:07:08.365" v="7102" actId="47"/>
-        <pc:sldMkLst>
-          <pc:docMk/>
-          <pc:sldMk cId="724803187" sldId="282"/>
-        </pc:sldMkLst>
-      </pc:sldChg>
-      <pc:sldChg chg="del">
-        <pc:chgData name="Gibbons, Carl" userId="d2b037bc-8fb4-4222-845c-61440543a456" providerId="ADAL" clId="{8C497311-FA0D-4174-880A-DAA4EEB2BF3B}" dt="2023-12-29T17:07:08.842" v="7103" actId="47"/>
-        <pc:sldMkLst>
-          <pc:docMk/>
-          <pc:sldMk cId="1926009205" sldId="283"/>
-        </pc:sldMkLst>
-      </pc:sldChg>
-      <pc:sldChg chg="del">
-        <pc:chgData name="Gibbons, Carl" userId="d2b037bc-8fb4-4222-845c-61440543a456" providerId="ADAL" clId="{8C497311-FA0D-4174-880A-DAA4EEB2BF3B}" dt="2023-12-29T17:07:09.362" v="7104" actId="47"/>
-        <pc:sldMkLst>
-          <pc:docMk/>
-          <pc:sldMk cId="2366216895" sldId="284"/>
-        </pc:sldMkLst>
-      </pc:sldChg>
-      <pc:sldChg chg="del">
-        <pc:chgData name="Gibbons, Carl" userId="d2b037bc-8fb4-4222-845c-61440543a456" providerId="ADAL" clId="{8C497311-FA0D-4174-880A-DAA4EEB2BF3B}" dt="2023-12-29T17:07:09.925" v="7105" actId="47"/>
-        <pc:sldMkLst>
-          <pc:docMk/>
-          <pc:sldMk cId="3371896289" sldId="285"/>
-        </pc:sldMkLst>
-      </pc:sldChg>
-      <pc:sldChg chg="del">
-        <pc:chgData name="Gibbons, Carl" userId="d2b037bc-8fb4-4222-845c-61440543a456" providerId="ADAL" clId="{8C497311-FA0D-4174-880A-DAA4EEB2BF3B}" dt="2023-12-29T17:07:10.474" v="7106" actId="47"/>
-        <pc:sldMkLst>
-          <pc:docMk/>
-          <pc:sldMk cId="3193160409" sldId="286"/>
-        </pc:sldMkLst>
-      </pc:sldChg>
-      <pc:sldChg chg="del">
-        <pc:chgData name="Gibbons, Carl" userId="d2b037bc-8fb4-4222-845c-61440543a456" providerId="ADAL" clId="{8C497311-FA0D-4174-880A-DAA4EEB2BF3B}" dt="2023-12-29T17:07:11.056" v="7107" actId="47"/>
-        <pc:sldMkLst>
-          <pc:docMk/>
-          <pc:sldMk cId="2688338374" sldId="287"/>
-        </pc:sldMkLst>
-      </pc:sldChg>
-      <pc:sldChg chg="del">
-        <pc:chgData name="Gibbons, Carl" userId="d2b037bc-8fb4-4222-845c-61440543a456" providerId="ADAL" clId="{8C497311-FA0D-4174-880A-DAA4EEB2BF3B}" dt="2023-12-29T17:07:11.624" v="7108" actId="47"/>
-        <pc:sldMkLst>
-          <pc:docMk/>
-          <pc:sldMk cId="2142935017" sldId="288"/>
-        </pc:sldMkLst>
-      </pc:sldChg>
-      <pc:sldChg chg="del">
-        <pc:chgData name="Gibbons, Carl" userId="d2b037bc-8fb4-4222-845c-61440543a456" providerId="ADAL" clId="{8C497311-FA0D-4174-880A-DAA4EEB2BF3B}" dt="2023-12-29T17:07:12.218" v="7109" actId="47"/>
-        <pc:sldMkLst>
-          <pc:docMk/>
-          <pc:sldMk cId="2784625941" sldId="289"/>
-        </pc:sldMkLst>
-      </pc:sldChg>
-      <pc:sldChg chg="del">
-        <pc:chgData name="Gibbons, Carl" userId="d2b037bc-8fb4-4222-845c-61440543a456" providerId="ADAL" clId="{8C497311-FA0D-4174-880A-DAA4EEB2BF3B}" dt="2023-12-29T17:07:12.802" v="7110" actId="47"/>
-        <pc:sldMkLst>
-          <pc:docMk/>
-          <pc:sldMk cId="1677974689" sldId="290"/>
-        </pc:sldMkLst>
-      </pc:sldChg>
-      <pc:sldChg chg="del">
-        <pc:chgData name="Gibbons, Carl" userId="d2b037bc-8fb4-4222-845c-61440543a456" providerId="ADAL" clId="{8C497311-FA0D-4174-880A-DAA4EEB2BF3B}" dt="2023-12-29T17:07:13.420" v="7111" actId="47"/>
-        <pc:sldMkLst>
-          <pc:docMk/>
-          <pc:sldMk cId="4219326696" sldId="291"/>
-        </pc:sldMkLst>
-      </pc:sldChg>
-      <pc:sldChg chg="del">
-        <pc:chgData name="Gibbons, Carl" userId="d2b037bc-8fb4-4222-845c-61440543a456" providerId="ADAL" clId="{8C497311-FA0D-4174-880A-DAA4EEB2BF3B}" dt="2023-12-29T17:07:14.054" v="7112" actId="47"/>
-        <pc:sldMkLst>
-          <pc:docMk/>
-          <pc:sldMk cId="33911121" sldId="292"/>
-        </pc:sldMkLst>
-      </pc:sldChg>
-      <pc:sldChg chg="modSp mod">
-        <pc:chgData name="Gibbons, Carl" userId="d2b037bc-8fb4-4222-845c-61440543a456" providerId="ADAL" clId="{8C497311-FA0D-4174-880A-DAA4EEB2BF3B}" dt="2023-12-29T15:43:57.081" v="7062" actId="20577"/>
-        <pc:sldMkLst>
-          <pc:docMk/>
-          <pc:sldMk cId="1861646120" sldId="293"/>
-        </pc:sldMkLst>
-        <pc:spChg chg="mod">
-          <ac:chgData name="Gibbons, Carl" userId="d2b037bc-8fb4-4222-845c-61440543a456" providerId="ADAL" clId="{8C497311-FA0D-4174-880A-DAA4EEB2BF3B}" dt="2023-12-29T15:36:21.703" v="6112" actId="20577"/>
-          <ac:spMkLst>
-            <pc:docMk/>
-            <pc:sldMk cId="1861646120" sldId="293"/>
-            <ac:spMk id="2" creationId="{31B75992-5098-A283-4925-2CCEBB801DC5}"/>
-          </ac:spMkLst>
-        </pc:spChg>
-        <pc:spChg chg="mod">
-          <ac:chgData name="Gibbons, Carl" userId="d2b037bc-8fb4-4222-845c-61440543a456" providerId="ADAL" clId="{8C497311-FA0D-4174-880A-DAA4EEB2BF3B}" dt="2023-12-29T15:43:57.081" v="7062" actId="20577"/>
-          <ac:spMkLst>
-            <pc:docMk/>
-            <pc:sldMk cId="1861646120" sldId="293"/>
-            <ac:spMk id="3" creationId="{B5924E0F-A977-1710-779D-EEB74261AF34}"/>
-          </ac:spMkLst>
-        </pc:spChg>
-      </pc:sldChg>
-    </pc:docChg>
-  </pc:docChgLst>
-  <pc:docChgLst>
-    <pc:chgData name="Gibbons, Carl" userId="d2b037bc-8fb4-4222-845c-61440543a456" providerId="ADAL" clId="{06905CFC-A46E-472D-890F-9117438C8D89}"/>
-    <pc:docChg chg="custSel addSld delSld modSld">
-      <pc:chgData name="Gibbons, Carl" userId="d2b037bc-8fb4-4222-845c-61440543a456" providerId="ADAL" clId="{06905CFC-A46E-472D-890F-9117438C8D89}" dt="2024-02-04T04:33:39.872" v="4931" actId="20577"/>
-      <pc:docMkLst>
-        <pc:docMk/>
-      </pc:docMkLst>
-      <pc:sldChg chg="modSp mod">
-        <pc:chgData name="Gibbons, Carl" userId="d2b037bc-8fb4-4222-845c-61440543a456" providerId="ADAL" clId="{06905CFC-A46E-472D-890F-9117438C8D89}" dt="2024-02-04T02:59:56.129" v="48" actId="20577"/>
-        <pc:sldMkLst>
-          <pc:docMk/>
-          <pc:sldMk cId="3308175748" sldId="256"/>
-        </pc:sldMkLst>
-        <pc:spChg chg="mod">
-          <ac:chgData name="Gibbons, Carl" userId="d2b037bc-8fb4-4222-845c-61440543a456" providerId="ADAL" clId="{06905CFC-A46E-472D-890F-9117438C8D89}" dt="2024-02-04T02:59:56.129" v="48" actId="20577"/>
-          <ac:spMkLst>
-            <pc:docMk/>
-            <pc:sldMk cId="3308175748" sldId="256"/>
-            <ac:spMk id="3" creationId="{EEC4D41B-E776-05F2-BE0B-89BB339485AB}"/>
-          </ac:spMkLst>
-        </pc:spChg>
-      </pc:sldChg>
-      <pc:sldChg chg="modSp mod">
-        <pc:chgData name="Gibbons, Carl" userId="d2b037bc-8fb4-4222-845c-61440543a456" providerId="ADAL" clId="{06905CFC-A46E-472D-890F-9117438C8D89}" dt="2024-02-04T03:54:18.112" v="2151" actId="15"/>
-        <pc:sldMkLst>
-          <pc:docMk/>
-          <pc:sldMk cId="2312486803" sldId="261"/>
-        </pc:sldMkLst>
-        <pc:spChg chg="mod">
-          <ac:chgData name="Gibbons, Carl" userId="d2b037bc-8fb4-4222-845c-61440543a456" providerId="ADAL" clId="{06905CFC-A46E-472D-890F-9117438C8D89}" dt="2024-02-04T03:52:20.850" v="2087" actId="20577"/>
-          <ac:spMkLst>
-            <pc:docMk/>
-            <pc:sldMk cId="2312486803" sldId="261"/>
-            <ac:spMk id="2" creationId="{31B75992-5098-A283-4925-2CCEBB801DC5}"/>
-          </ac:spMkLst>
-        </pc:spChg>
-        <pc:spChg chg="mod">
-          <ac:chgData name="Gibbons, Carl" userId="d2b037bc-8fb4-4222-845c-61440543a456" providerId="ADAL" clId="{06905CFC-A46E-472D-890F-9117438C8D89}" dt="2024-02-04T03:54:18.112" v="2151" actId="15"/>
-          <ac:spMkLst>
-            <pc:docMk/>
-            <pc:sldMk cId="2312486803" sldId="261"/>
-            <ac:spMk id="3" creationId="{B5924E0F-A977-1710-779D-EEB74261AF34}"/>
-          </ac:spMkLst>
-        </pc:spChg>
-      </pc:sldChg>
-      <pc:sldChg chg="modSp mod">
-        <pc:chgData name="Gibbons, Carl" userId="d2b037bc-8fb4-4222-845c-61440543a456" providerId="ADAL" clId="{06905CFC-A46E-472D-890F-9117438C8D89}" dt="2024-02-04T04:33:39.872" v="4931" actId="20577"/>
-        <pc:sldMkLst>
-          <pc:docMk/>
-          <pc:sldMk cId="3885141102" sldId="262"/>
-        </pc:sldMkLst>
-        <pc:spChg chg="mod">
-          <ac:chgData name="Gibbons, Carl" userId="d2b037bc-8fb4-4222-845c-61440543a456" providerId="ADAL" clId="{06905CFC-A46E-472D-890F-9117438C8D89}" dt="2024-02-04T04:33:39.872" v="4931" actId="20577"/>
-          <ac:spMkLst>
-            <pc:docMk/>
-            <pc:sldMk cId="3885141102" sldId="262"/>
-            <ac:spMk id="3" creationId="{B5924E0F-A977-1710-779D-EEB74261AF34}"/>
-          </ac:spMkLst>
-        </pc:spChg>
-      </pc:sldChg>
-      <pc:sldChg chg="modSp mod">
-        <pc:chgData name="Gibbons, Carl" userId="d2b037bc-8fb4-4222-845c-61440543a456" providerId="ADAL" clId="{06905CFC-A46E-472D-890F-9117438C8D89}" dt="2024-02-04T04:32:40.613" v="4865" actId="20577"/>
-        <pc:sldMkLst>
-          <pc:docMk/>
-          <pc:sldMk cId="1719402288" sldId="263"/>
-        </pc:sldMkLst>
-        <pc:spChg chg="mod">
-          <ac:chgData name="Gibbons, Carl" userId="d2b037bc-8fb4-4222-845c-61440543a456" providerId="ADAL" clId="{06905CFC-A46E-472D-890F-9117438C8D89}" dt="2024-02-04T04:12:26.573" v="3314" actId="20577"/>
-          <ac:spMkLst>
-            <pc:docMk/>
-            <pc:sldMk cId="1719402288" sldId="263"/>
-            <ac:spMk id="2" creationId="{31B75992-5098-A283-4925-2CCEBB801DC5}"/>
-          </ac:spMkLst>
-        </pc:spChg>
-        <pc:spChg chg="mod">
-          <ac:chgData name="Gibbons, Carl" userId="d2b037bc-8fb4-4222-845c-61440543a456" providerId="ADAL" clId="{06905CFC-A46E-472D-890F-9117438C8D89}" dt="2024-02-04T04:32:40.613" v="4865" actId="20577"/>
-          <ac:spMkLst>
-            <pc:docMk/>
-            <pc:sldMk cId="1719402288" sldId="263"/>
-            <ac:spMk id="3" creationId="{B5924E0F-A977-1710-779D-EEB74261AF34}"/>
-          </ac:spMkLst>
-        </pc:spChg>
-      </pc:sldChg>
-      <pc:sldChg chg="modSp new del mod">
-        <pc:chgData name="Gibbons, Carl" userId="d2b037bc-8fb4-4222-845c-61440543a456" providerId="ADAL" clId="{06905CFC-A46E-472D-890F-9117438C8D89}" dt="2024-02-04T03:52:51.701" v="2091" actId="2696"/>
-        <pc:sldMkLst>
-          <pc:docMk/>
-          <pc:sldMk cId="122773691" sldId="264"/>
-        </pc:sldMkLst>
-        <pc:spChg chg="mod">
-          <ac:chgData name="Gibbons, Carl" userId="d2b037bc-8fb4-4222-845c-61440543a456" providerId="ADAL" clId="{06905CFC-A46E-472D-890F-9117438C8D89}" dt="2024-02-04T03:52:47.108" v="2090" actId="27636"/>
-          <ac:spMkLst>
-            <pc:docMk/>
-            <pc:sldMk cId="122773691" sldId="264"/>
-            <ac:spMk id="2" creationId="{25B9B666-A3B3-5530-8F45-BA2562A6655A}"/>
-          </ac:spMkLst>
-        </pc:spChg>
-      </pc:sldChg>
-      <pc:sldChg chg="modSp add mod">
-        <pc:chgData name="Gibbons, Carl" userId="d2b037bc-8fb4-4222-845c-61440543a456" providerId="ADAL" clId="{06905CFC-A46E-472D-890F-9117438C8D89}" dt="2024-02-04T04:11:43.510" v="3278" actId="20577"/>
-        <pc:sldMkLst>
-          <pc:docMk/>
-          <pc:sldMk cId="2993794741" sldId="265"/>
-        </pc:sldMkLst>
-        <pc:spChg chg="mod">
-          <ac:chgData name="Gibbons, Carl" userId="d2b037bc-8fb4-4222-845c-61440543a456" providerId="ADAL" clId="{06905CFC-A46E-472D-890F-9117438C8D89}" dt="2024-02-04T03:53:00.875" v="2111" actId="20577"/>
-          <ac:spMkLst>
-            <pc:docMk/>
-            <pc:sldMk cId="2993794741" sldId="265"/>
-            <ac:spMk id="2" creationId="{31B75992-5098-A283-4925-2CCEBB801DC5}"/>
-          </ac:spMkLst>
-        </pc:spChg>
-        <pc:spChg chg="mod">
-          <ac:chgData name="Gibbons, Carl" userId="d2b037bc-8fb4-4222-845c-61440543a456" providerId="ADAL" clId="{06905CFC-A46E-472D-890F-9117438C8D89}" dt="2024-02-04T04:11:43.510" v="3278" actId="20577"/>
-          <ac:spMkLst>
-            <pc:docMk/>
-            <pc:sldMk cId="2993794741" sldId="265"/>
-            <ac:spMk id="3" creationId="{B5924E0F-A977-1710-779D-EEB74261AF34}"/>
-          </ac:spMkLst>
-        </pc:spChg>
-      </pc:sldChg>
     </pc:docChg>
   </pc:docChgLst>
   <pc:docChgLst>
@@ -2511,7 +2557,7 @@
           <a:p>
             <a:fld id="{421996D4-4A1C-4BBC-AA2B-FD5B7FC395A0}" type="datetime1">
               <a:rPr lang="en-US" smtClean="0"/>
-              <a:t>2/3/2024</a:t>
+              <a:t>5/16/2024</a:t>
             </a:fld>
             <a:endParaRPr lang="en-US"/>
           </a:p>
@@ -2709,7 +2755,7 @@
           <a:p>
             <a:fld id="{CB43818D-5554-4105-BE04-CEE32DEBDA0A}" type="datetime1">
               <a:rPr lang="en-US" smtClean="0"/>
-              <a:t>2/3/2024</a:t>
+              <a:t>5/16/2024</a:t>
             </a:fld>
             <a:endParaRPr lang="en-US"/>
           </a:p>
@@ -2917,7 +2963,7 @@
           <a:p>
             <a:fld id="{AFAC11C6-1708-41BC-9474-3D7842023D96}" type="datetime1">
               <a:rPr lang="en-US" smtClean="0"/>
-              <a:t>2/3/2024</a:t>
+              <a:t>5/16/2024</a:t>
             </a:fld>
             <a:endParaRPr lang="en-US"/>
           </a:p>
@@ -3196,7 +3242,7 @@
           <a:p>
             <a:fld id="{490605F8-8C86-41F5-9F5E-04EDB8C2540B}" type="datetime1">
               <a:rPr lang="en-US" smtClean="0"/>
-              <a:t>2/3/2024</a:t>
+              <a:t>5/16/2024</a:t>
             </a:fld>
             <a:endParaRPr lang="en-US"/>
           </a:p>
@@ -3471,7 +3517,7 @@
           <a:p>
             <a:fld id="{CA355DA2-1E89-41CC-B722-CBFC08F260AE}" type="datetime1">
               <a:rPr lang="en-US" smtClean="0"/>
-              <a:t>2/3/2024</a:t>
+              <a:t>5/16/2024</a:t>
             </a:fld>
             <a:endParaRPr lang="en-US"/>
           </a:p>
@@ -3736,7 +3782,7 @@
           <a:p>
             <a:fld id="{7F6AFD48-C472-404E-B7B5-BA44CCF2F55D}" type="datetime1">
               <a:rPr lang="en-US" smtClean="0"/>
-              <a:t>2/3/2024</a:t>
+              <a:t>5/16/2024</a:t>
             </a:fld>
             <a:endParaRPr lang="en-US"/>
           </a:p>
@@ -4148,7 +4194,7 @@
           <a:p>
             <a:fld id="{B33F52E9-9255-4CAF-909C-660126F1B079}" type="datetime1">
               <a:rPr lang="en-US" smtClean="0"/>
-              <a:t>2/3/2024</a:t>
+              <a:t>5/16/2024</a:t>
             </a:fld>
             <a:endParaRPr lang="en-US"/>
           </a:p>
@@ -4289,7 +4335,7 @@
           <a:p>
             <a:fld id="{67F9F019-D13C-4797-8A9F-7B02D5B8121E}" type="datetime1">
               <a:rPr lang="en-US" smtClean="0"/>
-              <a:t>2/3/2024</a:t>
+              <a:t>5/16/2024</a:t>
             </a:fld>
             <a:endParaRPr lang="en-US"/>
           </a:p>
@@ -4402,7 +4448,7 @@
           <a:p>
             <a:fld id="{FDA143B9-A6C4-436D-945A-FF5B3EA2EF39}" type="datetime1">
               <a:rPr lang="en-US" smtClean="0"/>
-              <a:t>2/3/2024</a:t>
+              <a:t>5/16/2024</a:t>
             </a:fld>
             <a:endParaRPr lang="en-US"/>
           </a:p>
@@ -4713,7 +4759,7 @@
           <a:p>
             <a:fld id="{457E18FE-B6F9-4F6A-835B-8251F04458A0}" type="datetime1">
               <a:rPr lang="en-US" smtClean="0"/>
-              <a:t>2/3/2024</a:t>
+              <a:t>5/16/2024</a:t>
             </a:fld>
             <a:endParaRPr lang="en-US"/>
           </a:p>
@@ -5001,7 +5047,7 @@
           <a:p>
             <a:fld id="{5F2690CE-112A-455B-AD5F-E26CEA6A5331}" type="datetime1">
               <a:rPr lang="en-US" smtClean="0"/>
-              <a:t>2/3/2024</a:t>
+              <a:t>5/16/2024</a:t>
             </a:fld>
             <a:endParaRPr lang="en-US"/>
           </a:p>
@@ -5242,7 +5288,7 @@
           <a:p>
             <a:fld id="{9C4E342D-98AB-407C-88D4-A20ED0F70E1C}" type="datetime1">
               <a:rPr lang="en-US" smtClean="0"/>
-              <a:t>2/3/2024</a:t>
+              <a:t>5/16/2024</a:t>
             </a:fld>
             <a:endParaRPr lang="en-US"/>
           </a:p>
@@ -5850,9 +5896,7 @@
               <a:t>Use </a:t>
             </a:r>
             <a:r>
-              <a:rPr lang="en-US" dirty="0">
-                <a:latin typeface="Lucida Console" panose="020B0609040504020204" pitchFamily="49" charset="0"/>
-              </a:rPr>
+              <a:rPr lang="en-US" b="1" dirty="0"/>
               <a:t>Get-Content</a:t>
             </a:r>
             <a:r>
@@ -5879,7 +5923,15 @@
             </a:pPr>
             <a:r>
               <a:rPr lang="en-US" dirty="0"/>
-              <a:t>If the –Path parameter is given an array of files instead of just one file, it will concatenate the files’ contents into the output stream.</a:t>
+              <a:t>If the </a:t>
+            </a:r>
+            <a:r>
+              <a:rPr lang="en-US" b="1" dirty="0"/>
+              <a:t>–Path</a:t>
+            </a:r>
+            <a:r>
+              <a:rPr lang="en-US" dirty="0"/>
+              <a:t> parameter is given an array of files instead of just one file, it will concatenate the files’ contents into the output stream.</a:t>
             </a:r>
           </a:p>
           <a:p>
@@ -5935,7 +5987,7 @@
             </a:r>
             <a:r>
               <a:rPr lang="en-US" dirty="0"/>
-              <a:t> do the same thing.</a:t>
+              <a:t>  do the same thing.</a:t>
             </a:r>
           </a:p>
           <a:p>
@@ -6009,7 +6061,7 @@
             </a:r>
             <a:r>
               <a:rPr lang="en-US" dirty="0"/>
-              <a:t>    # if the text data isn’t Unicode (with no byte-order marks), you can specify other text encodings. </a:t>
+              <a:t>    # if the text data isn’t Unicode (with no byte-order marks), you can specify other text encodings.  </a:t>
             </a:r>
             <a:r>
               <a:rPr lang="en-US" dirty="0">
@@ -6203,7 +6255,7 @@
               <a:rPr lang="en-US" dirty="0">
                 <a:latin typeface="Lucida Console" panose="020B0609040504020204" pitchFamily="49" charset="0"/>
               </a:rPr>
-              <a:t> | Set-Content –Path C:\Temp\file.txt</a:t>
+              <a:t> | Set-Content –Path C:\Temp\file1.txt</a:t>
             </a:r>
           </a:p>
           <a:p>
@@ -6215,7 +6267,7 @@
               <a:rPr lang="en-US" dirty="0">
                 <a:latin typeface="Lucida Console" panose="020B0609040504020204" pitchFamily="49" charset="0"/>
               </a:rPr>
-              <a:t>Get-Content C:\Temp\file.txt</a:t>
+              <a:t>Get-Content C:\Temp\file1.txt</a:t>
             </a:r>
           </a:p>
           <a:p>
@@ -6245,7 +6297,7 @@
               <a:rPr lang="en-US" dirty="0">
                 <a:latin typeface="Lucida Console" panose="020B0609040504020204" pitchFamily="49" charset="0"/>
               </a:rPr>
-              <a:t> | Out-File –Path C:\Temp\file.txt</a:t>
+              <a:t> | Out-File –Path C:\Temp\file2.txt</a:t>
             </a:r>
           </a:p>
           <a:p>
@@ -6257,7 +6309,7 @@
               <a:rPr lang="en-US" dirty="0">
                 <a:latin typeface="Lucida Console" panose="020B0609040504020204" pitchFamily="49" charset="0"/>
               </a:rPr>
-              <a:t>Get-Content C:\Temp\file.txt </a:t>
+              <a:t>Get-Content C:\Temp\file2.txt </a:t>
             </a:r>
           </a:p>
           <a:p>
@@ -6388,7 +6440,7 @@
         <p:spPr>
           <a:xfrm>
             <a:off x="1260764" y="1054728"/>
-            <a:ext cx="9662835" cy="5355312"/>
+            <a:ext cx="9662835" cy="5078313"/>
           </a:xfrm>
           <a:prstGeom prst="rect">
             <a:avLst/>
@@ -6465,7 +6517,23 @@
             </a:pPr>
             <a:r>
               <a:rPr lang="en-US" dirty="0"/>
-              <a:t>Convert an array of identical PowerShell objects into a CSV file. By default, it places a comment line at the front of the file to note the class of objects it exported. The first line of the CSV file are object property names as column headings. Each subsequent line of the file is a delimited line of text containing an object’s property values.</a:t>
+              <a:t>Convert an array of identical PowerShell objects into a CSV file. By default, it places a comment line at the front of the file to note the class of objects it exported. The first non-comment line of the CSV file will have object property </a:t>
+            </a:r>
+            <a:r>
+              <a:rPr lang="en-US" i="1" dirty="0"/>
+              <a:t>names</a:t>
+            </a:r>
+            <a:r>
+              <a:rPr lang="en-US" dirty="0"/>
+              <a:t> as column headings. Each subsequent line of the file is a delimited line of text containing an object’s property </a:t>
+            </a:r>
+            <a:r>
+              <a:rPr lang="en-US" i="1" dirty="0"/>
+              <a:t>values</a:t>
+            </a:r>
+            <a:r>
+              <a:rPr lang="en-US" dirty="0"/>
+              <a:t>.</a:t>
             </a:r>
           </a:p>
           <a:p>
@@ -6516,21 +6584,10 @@
             </a:pPr>
             <a:r>
               <a:rPr lang="en-US" dirty="0"/>
-              <a:t>Same behavior as Import-Csv and Export-Csv, but these operate in pipelines rather than directly with CSV data files.</a:t>
-            </a:r>
-          </a:p>
-          <a:p>
-            <a:pPr marL="342900" indent="-342900">
-              <a:buFont typeface="Arial" panose="020B0604020202020204" pitchFamily="34" charset="0"/>
-              <a:buChar char="•"/>
-            </a:pPr>
-            <a:endParaRPr lang="en-US" dirty="0"/>
-          </a:p>
-          <a:p>
-            <a:pPr marL="342900" indent="-342900">
-              <a:buFont typeface="Arial" panose="020B0604020202020204" pitchFamily="34" charset="0"/>
-              <a:buChar char="•"/>
-            </a:pPr>
+              <a:t>Same behavior as Import-Csv and Export-Csv, but these operate in pipelines, rather than directly with CSV data files.</a:t>
+            </a:r>
+          </a:p>
+          <a:p>
             <a:endParaRPr lang="en-US" dirty="0"/>
           </a:p>
         </p:txBody>

--- a/CYBER360-4.1-Text-CSV.pptx
+++ b/CYBER360-4.1-Text-CSV.pptx
@@ -6,10 +6,12 @@
   </p:sldMasterIdLst>
   <p:sldIdLst>
     <p:sldId id="256" r:id="rId2"/>
-    <p:sldId id="261" r:id="rId3"/>
-    <p:sldId id="265" r:id="rId4"/>
-    <p:sldId id="263" r:id="rId5"/>
-    <p:sldId id="262" r:id="rId6"/>
+    <p:sldId id="266" r:id="rId3"/>
+    <p:sldId id="267" r:id="rId4"/>
+    <p:sldId id="261" r:id="rId5"/>
+    <p:sldId id="265" r:id="rId6"/>
+    <p:sldId id="263" r:id="rId7"/>
+    <p:sldId id="262" r:id="rId8"/>
   </p:sldIdLst>
   <p:sldSz cx="12192000" cy="6858000"/>
   <p:notesSz cx="6858000" cy="9144000"/>
@@ -333,6 +335,495 @@
     </pc:docChg>
   </pc:docChgLst>
   <pc:docChgLst>
+    <pc:chgData name="Gibbons, Carl" userId="d2b037bc-8fb4-4222-845c-61440543a456" providerId="ADAL" clId="{14F797DE-E75B-4062-A6FB-AA9F07155580}"/>
+    <pc:docChg chg="undo custSel addSld modSld">
+      <pc:chgData name="Gibbons, Carl" userId="d2b037bc-8fb4-4222-845c-61440543a456" providerId="ADAL" clId="{14F797DE-E75B-4062-A6FB-AA9F07155580}" dt="2023-12-29T21:55:15.574" v="6853" actId="255"/>
+      <pc:docMkLst>
+        <pc:docMk/>
+      </pc:docMkLst>
+      <pc:sldChg chg="modSp mod">
+        <pc:chgData name="Gibbons, Carl" userId="d2b037bc-8fb4-4222-845c-61440543a456" providerId="ADAL" clId="{14F797DE-E75B-4062-A6FB-AA9F07155580}" dt="2023-12-29T17:10:38.181" v="10" actId="20577"/>
+        <pc:sldMkLst>
+          <pc:docMk/>
+          <pc:sldMk cId="3308175748" sldId="256"/>
+        </pc:sldMkLst>
+        <pc:spChg chg="mod">
+          <ac:chgData name="Gibbons, Carl" userId="d2b037bc-8fb4-4222-845c-61440543a456" providerId="ADAL" clId="{14F797DE-E75B-4062-A6FB-AA9F07155580}" dt="2023-12-29T17:10:38.181" v="10" actId="20577"/>
+          <ac:spMkLst>
+            <pc:docMk/>
+            <pc:sldMk cId="3308175748" sldId="256"/>
+            <ac:spMk id="3" creationId="{EEC4D41B-E776-05F2-BE0B-89BB339485AB}"/>
+          </ac:spMkLst>
+        </pc:spChg>
+      </pc:sldChg>
+      <pc:sldChg chg="modSp mod">
+        <pc:chgData name="Gibbons, Carl" userId="d2b037bc-8fb4-4222-845c-61440543a456" providerId="ADAL" clId="{14F797DE-E75B-4062-A6FB-AA9F07155580}" dt="2023-12-29T17:51:52.012" v="2089" actId="20577"/>
+        <pc:sldMkLst>
+          <pc:docMk/>
+          <pc:sldMk cId="2312486803" sldId="261"/>
+        </pc:sldMkLst>
+        <pc:spChg chg="mod">
+          <ac:chgData name="Gibbons, Carl" userId="d2b037bc-8fb4-4222-845c-61440543a456" providerId="ADAL" clId="{14F797DE-E75B-4062-A6FB-AA9F07155580}" dt="2023-12-29T17:23:59.510" v="341" actId="20577"/>
+          <ac:spMkLst>
+            <pc:docMk/>
+            <pc:sldMk cId="2312486803" sldId="261"/>
+            <ac:spMk id="2" creationId="{31B75992-5098-A283-4925-2CCEBB801DC5}"/>
+          </ac:spMkLst>
+        </pc:spChg>
+        <pc:spChg chg="mod">
+          <ac:chgData name="Gibbons, Carl" userId="d2b037bc-8fb4-4222-845c-61440543a456" providerId="ADAL" clId="{14F797DE-E75B-4062-A6FB-AA9F07155580}" dt="2023-12-29T17:51:52.012" v="2089" actId="20577"/>
+          <ac:spMkLst>
+            <pc:docMk/>
+            <pc:sldMk cId="2312486803" sldId="261"/>
+            <ac:spMk id="3" creationId="{B5924E0F-A977-1710-779D-EEB74261AF34}"/>
+          </ac:spMkLst>
+        </pc:spChg>
+      </pc:sldChg>
+      <pc:sldChg chg="addSp modSp mod">
+        <pc:chgData name="Gibbons, Carl" userId="d2b037bc-8fb4-4222-845c-61440543a456" providerId="ADAL" clId="{14F797DE-E75B-4062-A6FB-AA9F07155580}" dt="2023-12-29T21:53:53.831" v="6845" actId="20577"/>
+        <pc:sldMkLst>
+          <pc:docMk/>
+          <pc:sldMk cId="657795359" sldId="277"/>
+        </pc:sldMkLst>
+        <pc:spChg chg="mod">
+          <ac:chgData name="Gibbons, Carl" userId="d2b037bc-8fb4-4222-845c-61440543a456" providerId="ADAL" clId="{14F797DE-E75B-4062-A6FB-AA9F07155580}" dt="2023-12-29T21:45:47.422" v="6393" actId="20577"/>
+          <ac:spMkLst>
+            <pc:docMk/>
+            <pc:sldMk cId="657795359" sldId="277"/>
+            <ac:spMk id="2" creationId="{1862E903-3C56-BB42-2361-009F2336475A}"/>
+          </ac:spMkLst>
+        </pc:spChg>
+        <pc:spChg chg="add mod">
+          <ac:chgData name="Gibbons, Carl" userId="d2b037bc-8fb4-4222-845c-61440543a456" providerId="ADAL" clId="{14F797DE-E75B-4062-A6FB-AA9F07155580}" dt="2023-12-29T21:53:53.831" v="6845" actId="20577"/>
+          <ac:spMkLst>
+            <pc:docMk/>
+            <pc:sldMk cId="657795359" sldId="277"/>
+            <ac:spMk id="3" creationId="{D9D594D6-F4EE-B0AB-C128-26D2D32F8E21}"/>
+          </ac:spMkLst>
+        </pc:spChg>
+      </pc:sldChg>
+      <pc:sldChg chg="modSp mod">
+        <pc:chgData name="Gibbons, Carl" userId="d2b037bc-8fb4-4222-845c-61440543a456" providerId="ADAL" clId="{14F797DE-E75B-4062-A6FB-AA9F07155580}" dt="2023-12-29T18:26:31.431" v="3669" actId="20577"/>
+        <pc:sldMkLst>
+          <pc:docMk/>
+          <pc:sldMk cId="3989541258" sldId="278"/>
+        </pc:sldMkLst>
+        <pc:spChg chg="mod">
+          <ac:chgData name="Gibbons, Carl" userId="d2b037bc-8fb4-4222-845c-61440543a456" providerId="ADAL" clId="{14F797DE-E75B-4062-A6FB-AA9F07155580}" dt="2023-12-29T17:53:20.837" v="2147" actId="20577"/>
+          <ac:spMkLst>
+            <pc:docMk/>
+            <pc:sldMk cId="3989541258" sldId="278"/>
+            <ac:spMk id="2" creationId="{31B75992-5098-A283-4925-2CCEBB801DC5}"/>
+          </ac:spMkLst>
+        </pc:spChg>
+        <pc:spChg chg="mod">
+          <ac:chgData name="Gibbons, Carl" userId="d2b037bc-8fb4-4222-845c-61440543a456" providerId="ADAL" clId="{14F797DE-E75B-4062-A6FB-AA9F07155580}" dt="2023-12-29T18:26:31.431" v="3669" actId="20577"/>
+          <ac:spMkLst>
+            <pc:docMk/>
+            <pc:sldMk cId="3989541258" sldId="278"/>
+            <ac:spMk id="3" creationId="{B5924E0F-A977-1710-779D-EEB74261AF34}"/>
+          </ac:spMkLst>
+        </pc:spChg>
+      </pc:sldChg>
+      <pc:sldChg chg="modSp mod">
+        <pc:chgData name="Gibbons, Carl" userId="d2b037bc-8fb4-4222-845c-61440543a456" providerId="ADAL" clId="{14F797DE-E75B-4062-A6FB-AA9F07155580}" dt="2023-12-29T21:55:15.574" v="6853" actId="255"/>
+        <pc:sldMkLst>
+          <pc:docMk/>
+          <pc:sldMk cId="1861646120" sldId="293"/>
+        </pc:sldMkLst>
+        <pc:spChg chg="mod">
+          <ac:chgData name="Gibbons, Carl" userId="d2b037bc-8fb4-4222-845c-61440543a456" providerId="ADAL" clId="{14F797DE-E75B-4062-A6FB-AA9F07155580}" dt="2023-12-29T18:01:10.039" v="2767" actId="20577"/>
+          <ac:spMkLst>
+            <pc:docMk/>
+            <pc:sldMk cId="1861646120" sldId="293"/>
+            <ac:spMk id="2" creationId="{31B75992-5098-A283-4925-2CCEBB801DC5}"/>
+          </ac:spMkLst>
+        </pc:spChg>
+        <pc:spChg chg="mod">
+          <ac:chgData name="Gibbons, Carl" userId="d2b037bc-8fb4-4222-845c-61440543a456" providerId="ADAL" clId="{14F797DE-E75B-4062-A6FB-AA9F07155580}" dt="2023-12-29T21:55:15.574" v="6853" actId="255"/>
+          <ac:spMkLst>
+            <pc:docMk/>
+            <pc:sldMk cId="1861646120" sldId="293"/>
+            <ac:spMk id="3" creationId="{B5924E0F-A977-1710-779D-EEB74261AF34}"/>
+          </ac:spMkLst>
+        </pc:spChg>
+      </pc:sldChg>
+      <pc:sldChg chg="modSp mod">
+        <pc:chgData name="Gibbons, Carl" userId="d2b037bc-8fb4-4222-845c-61440543a456" providerId="ADAL" clId="{14F797DE-E75B-4062-A6FB-AA9F07155580}" dt="2023-12-29T21:55:08.313" v="6852" actId="255"/>
+        <pc:sldMkLst>
+          <pc:docMk/>
+          <pc:sldMk cId="2232562783" sldId="294"/>
+        </pc:sldMkLst>
+        <pc:spChg chg="mod">
+          <ac:chgData name="Gibbons, Carl" userId="d2b037bc-8fb4-4222-845c-61440543a456" providerId="ADAL" clId="{14F797DE-E75B-4062-A6FB-AA9F07155580}" dt="2023-12-29T18:24:14.937" v="3546" actId="20577"/>
+          <ac:spMkLst>
+            <pc:docMk/>
+            <pc:sldMk cId="2232562783" sldId="294"/>
+            <ac:spMk id="2" creationId="{31B75992-5098-A283-4925-2CCEBB801DC5}"/>
+          </ac:spMkLst>
+        </pc:spChg>
+        <pc:spChg chg="mod">
+          <ac:chgData name="Gibbons, Carl" userId="d2b037bc-8fb4-4222-845c-61440543a456" providerId="ADAL" clId="{14F797DE-E75B-4062-A6FB-AA9F07155580}" dt="2023-12-29T21:55:08.313" v="6852" actId="255"/>
+          <ac:spMkLst>
+            <pc:docMk/>
+            <pc:sldMk cId="2232562783" sldId="294"/>
+            <ac:spMk id="3" creationId="{B5924E0F-A977-1710-779D-EEB74261AF34}"/>
+          </ac:spMkLst>
+        </pc:spChg>
+      </pc:sldChg>
+      <pc:sldChg chg="modSp add mod">
+        <pc:chgData name="Gibbons, Carl" userId="d2b037bc-8fb4-4222-845c-61440543a456" providerId="ADAL" clId="{14F797DE-E75B-4062-A6FB-AA9F07155580}" dt="2023-12-29T21:55:02.689" v="6851" actId="255"/>
+        <pc:sldMkLst>
+          <pc:docMk/>
+          <pc:sldMk cId="806767687" sldId="295"/>
+        </pc:sldMkLst>
+        <pc:spChg chg="mod">
+          <ac:chgData name="Gibbons, Carl" userId="d2b037bc-8fb4-4222-845c-61440543a456" providerId="ADAL" clId="{14F797DE-E75B-4062-A6FB-AA9F07155580}" dt="2023-12-29T18:50:33.208" v="4036" actId="113"/>
+          <ac:spMkLst>
+            <pc:docMk/>
+            <pc:sldMk cId="806767687" sldId="295"/>
+            <ac:spMk id="2" creationId="{31B75992-5098-A283-4925-2CCEBB801DC5}"/>
+          </ac:spMkLst>
+        </pc:spChg>
+        <pc:spChg chg="mod">
+          <ac:chgData name="Gibbons, Carl" userId="d2b037bc-8fb4-4222-845c-61440543a456" providerId="ADAL" clId="{14F797DE-E75B-4062-A6FB-AA9F07155580}" dt="2023-12-29T21:55:02.689" v="6851" actId="255"/>
+          <ac:spMkLst>
+            <pc:docMk/>
+            <pc:sldMk cId="806767687" sldId="295"/>
+            <ac:spMk id="3" creationId="{B5924E0F-A977-1710-779D-EEB74261AF34}"/>
+          </ac:spMkLst>
+        </pc:spChg>
+      </pc:sldChg>
+      <pc:sldChg chg="modSp mod">
+        <pc:chgData name="Gibbons, Carl" userId="d2b037bc-8fb4-4222-845c-61440543a456" providerId="ADAL" clId="{14F797DE-E75B-4062-A6FB-AA9F07155580}" dt="2023-12-29T21:54:48.370" v="6850" actId="255"/>
+        <pc:sldMkLst>
+          <pc:docMk/>
+          <pc:sldMk cId="3145157247" sldId="296"/>
+        </pc:sldMkLst>
+        <pc:spChg chg="mod">
+          <ac:chgData name="Gibbons, Carl" userId="d2b037bc-8fb4-4222-845c-61440543a456" providerId="ADAL" clId="{14F797DE-E75B-4062-A6FB-AA9F07155580}" dt="2023-12-29T21:07:20.782" v="4695" actId="20577"/>
+          <ac:spMkLst>
+            <pc:docMk/>
+            <pc:sldMk cId="3145157247" sldId="296"/>
+            <ac:spMk id="2" creationId="{31B75992-5098-A283-4925-2CCEBB801DC5}"/>
+          </ac:spMkLst>
+        </pc:spChg>
+        <pc:spChg chg="mod">
+          <ac:chgData name="Gibbons, Carl" userId="d2b037bc-8fb4-4222-845c-61440543a456" providerId="ADAL" clId="{14F797DE-E75B-4062-A6FB-AA9F07155580}" dt="2023-12-29T21:54:48.370" v="6850" actId="255"/>
+          <ac:spMkLst>
+            <pc:docMk/>
+            <pc:sldMk cId="3145157247" sldId="296"/>
+            <ac:spMk id="3" creationId="{B5924E0F-A977-1710-779D-EEB74261AF34}"/>
+          </ac:spMkLst>
+        </pc:spChg>
+      </pc:sldChg>
+      <pc:sldChg chg="modSp mod">
+        <pc:chgData name="Gibbons, Carl" userId="d2b037bc-8fb4-4222-845c-61440543a456" providerId="ADAL" clId="{14F797DE-E75B-4062-A6FB-AA9F07155580}" dt="2023-12-29T21:54:42.630" v="6849" actId="255"/>
+        <pc:sldMkLst>
+          <pc:docMk/>
+          <pc:sldMk cId="2424714671" sldId="297"/>
+        </pc:sldMkLst>
+        <pc:spChg chg="mod">
+          <ac:chgData name="Gibbons, Carl" userId="d2b037bc-8fb4-4222-845c-61440543a456" providerId="ADAL" clId="{14F797DE-E75B-4062-A6FB-AA9F07155580}" dt="2023-12-29T21:07:54.964" v="4712" actId="20577"/>
+          <ac:spMkLst>
+            <pc:docMk/>
+            <pc:sldMk cId="2424714671" sldId="297"/>
+            <ac:spMk id="2" creationId="{31B75992-5098-A283-4925-2CCEBB801DC5}"/>
+          </ac:spMkLst>
+        </pc:spChg>
+        <pc:spChg chg="mod">
+          <ac:chgData name="Gibbons, Carl" userId="d2b037bc-8fb4-4222-845c-61440543a456" providerId="ADAL" clId="{14F797DE-E75B-4062-A6FB-AA9F07155580}" dt="2023-12-29T21:54:42.630" v="6849" actId="255"/>
+          <ac:spMkLst>
+            <pc:docMk/>
+            <pc:sldMk cId="2424714671" sldId="297"/>
+            <ac:spMk id="3" creationId="{B5924E0F-A977-1710-779D-EEB74261AF34}"/>
+          </ac:spMkLst>
+        </pc:spChg>
+      </pc:sldChg>
+      <pc:sldChg chg="modSp mod">
+        <pc:chgData name="Gibbons, Carl" userId="d2b037bc-8fb4-4222-845c-61440543a456" providerId="ADAL" clId="{14F797DE-E75B-4062-A6FB-AA9F07155580}" dt="2023-12-29T21:54:28.975" v="6848" actId="255"/>
+        <pc:sldMkLst>
+          <pc:docMk/>
+          <pc:sldMk cId="3450195044" sldId="298"/>
+        </pc:sldMkLst>
+        <pc:spChg chg="mod">
+          <ac:chgData name="Gibbons, Carl" userId="d2b037bc-8fb4-4222-845c-61440543a456" providerId="ADAL" clId="{14F797DE-E75B-4062-A6FB-AA9F07155580}" dt="2023-12-29T21:23:42.216" v="5202" actId="20577"/>
+          <ac:spMkLst>
+            <pc:docMk/>
+            <pc:sldMk cId="3450195044" sldId="298"/>
+            <ac:spMk id="2" creationId="{31B75992-5098-A283-4925-2CCEBB801DC5}"/>
+          </ac:spMkLst>
+        </pc:spChg>
+        <pc:spChg chg="mod">
+          <ac:chgData name="Gibbons, Carl" userId="d2b037bc-8fb4-4222-845c-61440543a456" providerId="ADAL" clId="{14F797DE-E75B-4062-A6FB-AA9F07155580}" dt="2023-12-29T21:54:28.975" v="6848" actId="255"/>
+          <ac:spMkLst>
+            <pc:docMk/>
+            <pc:sldMk cId="3450195044" sldId="298"/>
+            <ac:spMk id="3" creationId="{B5924E0F-A977-1710-779D-EEB74261AF34}"/>
+          </ac:spMkLst>
+        </pc:spChg>
+      </pc:sldChg>
+      <pc:sldChg chg="modSp mod">
+        <pc:chgData name="Gibbons, Carl" userId="d2b037bc-8fb4-4222-845c-61440543a456" providerId="ADAL" clId="{14F797DE-E75B-4062-A6FB-AA9F07155580}" dt="2023-12-29T21:54:18.720" v="6846" actId="255"/>
+        <pc:sldMkLst>
+          <pc:docMk/>
+          <pc:sldMk cId="3633122843" sldId="299"/>
+        </pc:sldMkLst>
+        <pc:spChg chg="mod">
+          <ac:chgData name="Gibbons, Carl" userId="d2b037bc-8fb4-4222-845c-61440543a456" providerId="ADAL" clId="{14F797DE-E75B-4062-A6FB-AA9F07155580}" dt="2023-12-29T21:31:23.761" v="5684" actId="20577"/>
+          <ac:spMkLst>
+            <pc:docMk/>
+            <pc:sldMk cId="3633122843" sldId="299"/>
+            <ac:spMk id="2" creationId="{31B75992-5098-A283-4925-2CCEBB801DC5}"/>
+          </ac:spMkLst>
+        </pc:spChg>
+        <pc:spChg chg="mod">
+          <ac:chgData name="Gibbons, Carl" userId="d2b037bc-8fb4-4222-845c-61440543a456" providerId="ADAL" clId="{14F797DE-E75B-4062-A6FB-AA9F07155580}" dt="2023-12-29T21:54:18.720" v="6846" actId="255"/>
+          <ac:spMkLst>
+            <pc:docMk/>
+            <pc:sldMk cId="3633122843" sldId="299"/>
+            <ac:spMk id="3" creationId="{B5924E0F-A977-1710-779D-EEB74261AF34}"/>
+          </ac:spMkLst>
+        </pc:spChg>
+      </pc:sldChg>
+    </pc:docChg>
+  </pc:docChgLst>
+  <pc:docChgLst>
+    <pc:chgData name="Gibbons, Carl" userId="d2b037bc-8fb4-4222-845c-61440543a456" providerId="ADAL" clId="{B22431BF-FF40-422E-84B9-DE35C0B96CC3}"/>
+    <pc:docChg chg="undo custSel delSld modSld">
+      <pc:chgData name="Gibbons, Carl" userId="d2b037bc-8fb4-4222-845c-61440543a456" providerId="ADAL" clId="{B22431BF-FF40-422E-84B9-DE35C0B96CC3}" dt="2024-01-04T23:02:20.392" v="6116" actId="20577"/>
+      <pc:docMkLst>
+        <pc:docMk/>
+      </pc:docMkLst>
+      <pc:sldChg chg="modSp mod">
+        <pc:chgData name="Gibbons, Carl" userId="d2b037bc-8fb4-4222-845c-61440543a456" providerId="ADAL" clId="{B22431BF-FF40-422E-84B9-DE35C0B96CC3}" dt="2023-12-29T21:56:55.022" v="36" actId="20577"/>
+        <pc:sldMkLst>
+          <pc:docMk/>
+          <pc:sldMk cId="3308175748" sldId="256"/>
+        </pc:sldMkLst>
+        <pc:spChg chg="mod">
+          <ac:chgData name="Gibbons, Carl" userId="d2b037bc-8fb4-4222-845c-61440543a456" providerId="ADAL" clId="{B22431BF-FF40-422E-84B9-DE35C0B96CC3}" dt="2023-12-29T21:56:55.022" v="36" actId="20577"/>
+          <ac:spMkLst>
+            <pc:docMk/>
+            <pc:sldMk cId="3308175748" sldId="256"/>
+            <ac:spMk id="3" creationId="{EEC4D41B-E776-05F2-BE0B-89BB339485AB}"/>
+          </ac:spMkLst>
+        </pc:spChg>
+      </pc:sldChg>
+      <pc:sldChg chg="modSp mod">
+        <pc:chgData name="Gibbons, Carl" userId="d2b037bc-8fb4-4222-845c-61440543a456" providerId="ADAL" clId="{B22431BF-FF40-422E-84B9-DE35C0B96CC3}" dt="2024-01-04T23:00:14.898" v="6013" actId="20577"/>
+        <pc:sldMkLst>
+          <pc:docMk/>
+          <pc:sldMk cId="2312486803" sldId="261"/>
+        </pc:sldMkLst>
+        <pc:spChg chg="mod">
+          <ac:chgData name="Gibbons, Carl" userId="d2b037bc-8fb4-4222-845c-61440543a456" providerId="ADAL" clId="{B22431BF-FF40-422E-84B9-DE35C0B96CC3}" dt="2023-12-29T22:08:30.114" v="43" actId="20577"/>
+          <ac:spMkLst>
+            <pc:docMk/>
+            <pc:sldMk cId="2312486803" sldId="261"/>
+            <ac:spMk id="2" creationId="{31B75992-5098-A283-4925-2CCEBB801DC5}"/>
+          </ac:spMkLst>
+        </pc:spChg>
+        <pc:spChg chg="mod">
+          <ac:chgData name="Gibbons, Carl" userId="d2b037bc-8fb4-4222-845c-61440543a456" providerId="ADAL" clId="{B22431BF-FF40-422E-84B9-DE35C0B96CC3}" dt="2024-01-04T23:00:14.898" v="6013" actId="20577"/>
+          <ac:spMkLst>
+            <pc:docMk/>
+            <pc:sldMk cId="2312486803" sldId="261"/>
+            <ac:spMk id="3" creationId="{B5924E0F-A977-1710-779D-EEB74261AF34}"/>
+          </ac:spMkLst>
+        </pc:spChg>
+      </pc:sldChg>
+      <pc:sldChg chg="del">
+        <pc:chgData name="Gibbons, Carl" userId="d2b037bc-8fb4-4222-845c-61440543a456" providerId="ADAL" clId="{B22431BF-FF40-422E-84B9-DE35C0B96CC3}" dt="2023-12-30T00:06:35.373" v="5939" actId="47"/>
+        <pc:sldMkLst>
+          <pc:docMk/>
+          <pc:sldMk cId="657795359" sldId="277"/>
+        </pc:sldMkLst>
+      </pc:sldChg>
+      <pc:sldChg chg="modSp mod">
+        <pc:chgData name="Gibbons, Carl" userId="d2b037bc-8fb4-4222-845c-61440543a456" providerId="ADAL" clId="{B22431BF-FF40-422E-84B9-DE35C0B96CC3}" dt="2023-12-29T22:43:19.687" v="2380" actId="20577"/>
+        <pc:sldMkLst>
+          <pc:docMk/>
+          <pc:sldMk cId="3989541258" sldId="278"/>
+        </pc:sldMkLst>
+        <pc:spChg chg="mod">
+          <ac:chgData name="Gibbons, Carl" userId="d2b037bc-8fb4-4222-845c-61440543a456" providerId="ADAL" clId="{B22431BF-FF40-422E-84B9-DE35C0B96CC3}" dt="2023-12-29T22:43:19.687" v="2380" actId="20577"/>
+          <ac:spMkLst>
+            <pc:docMk/>
+            <pc:sldMk cId="3989541258" sldId="278"/>
+            <ac:spMk id="2" creationId="{31B75992-5098-A283-4925-2CCEBB801DC5}"/>
+          </ac:spMkLst>
+        </pc:spChg>
+        <pc:spChg chg="mod">
+          <ac:chgData name="Gibbons, Carl" userId="d2b037bc-8fb4-4222-845c-61440543a456" providerId="ADAL" clId="{B22431BF-FF40-422E-84B9-DE35C0B96CC3}" dt="2023-12-29T22:42:57.446" v="2316" actId="21"/>
+          <ac:spMkLst>
+            <pc:docMk/>
+            <pc:sldMk cId="3989541258" sldId="278"/>
+            <ac:spMk id="3" creationId="{B5924E0F-A977-1710-779D-EEB74261AF34}"/>
+          </ac:spMkLst>
+        </pc:spChg>
+      </pc:sldChg>
+      <pc:sldChg chg="modSp mod">
+        <pc:chgData name="Gibbons, Carl" userId="d2b037bc-8fb4-4222-845c-61440543a456" providerId="ADAL" clId="{B22431BF-FF40-422E-84B9-DE35C0B96CC3}" dt="2024-01-04T23:02:20.392" v="6116" actId="20577"/>
+        <pc:sldMkLst>
+          <pc:docMk/>
+          <pc:sldMk cId="1861646120" sldId="293"/>
+        </pc:sldMkLst>
+        <pc:spChg chg="mod">
+          <ac:chgData name="Gibbons, Carl" userId="d2b037bc-8fb4-4222-845c-61440543a456" providerId="ADAL" clId="{B22431BF-FF40-422E-84B9-DE35C0B96CC3}" dt="2023-12-29T22:43:38.151" v="2422" actId="20577"/>
+          <ac:spMkLst>
+            <pc:docMk/>
+            <pc:sldMk cId="1861646120" sldId="293"/>
+            <ac:spMk id="2" creationId="{31B75992-5098-A283-4925-2CCEBB801DC5}"/>
+          </ac:spMkLst>
+        </pc:spChg>
+        <pc:spChg chg="mod">
+          <ac:chgData name="Gibbons, Carl" userId="d2b037bc-8fb4-4222-845c-61440543a456" providerId="ADAL" clId="{B22431BF-FF40-422E-84B9-DE35C0B96CC3}" dt="2024-01-04T23:02:20.392" v="6116" actId="20577"/>
+          <ac:spMkLst>
+            <pc:docMk/>
+            <pc:sldMk cId="1861646120" sldId="293"/>
+            <ac:spMk id="3" creationId="{B5924E0F-A977-1710-779D-EEB74261AF34}"/>
+          </ac:spMkLst>
+        </pc:spChg>
+      </pc:sldChg>
+      <pc:sldChg chg="modSp mod">
+        <pc:chgData name="Gibbons, Carl" userId="d2b037bc-8fb4-4222-845c-61440543a456" providerId="ADAL" clId="{B22431BF-FF40-422E-84B9-DE35C0B96CC3}" dt="2023-12-30T00:07:46.447" v="5951" actId="20577"/>
+        <pc:sldMkLst>
+          <pc:docMk/>
+          <pc:sldMk cId="2232562783" sldId="294"/>
+        </pc:sldMkLst>
+        <pc:spChg chg="mod">
+          <ac:chgData name="Gibbons, Carl" userId="d2b037bc-8fb4-4222-845c-61440543a456" providerId="ADAL" clId="{B22431BF-FF40-422E-84B9-DE35C0B96CC3}" dt="2023-12-30T00:07:46.447" v="5951" actId="20577"/>
+          <ac:spMkLst>
+            <pc:docMk/>
+            <pc:sldMk cId="2232562783" sldId="294"/>
+            <ac:spMk id="2" creationId="{31B75992-5098-A283-4925-2CCEBB801DC5}"/>
+          </ac:spMkLst>
+        </pc:spChg>
+        <pc:spChg chg="mod">
+          <ac:chgData name="Gibbons, Carl" userId="d2b037bc-8fb4-4222-845c-61440543a456" providerId="ADAL" clId="{B22431BF-FF40-422E-84B9-DE35C0B96CC3}" dt="2023-12-29T23:10:49.132" v="4131" actId="20577"/>
+          <ac:spMkLst>
+            <pc:docMk/>
+            <pc:sldMk cId="2232562783" sldId="294"/>
+            <ac:spMk id="3" creationId="{B5924E0F-A977-1710-779D-EEB74261AF34}"/>
+          </ac:spMkLst>
+        </pc:spChg>
+      </pc:sldChg>
+      <pc:sldChg chg="modSp del mod">
+        <pc:chgData name="Gibbons, Carl" userId="d2b037bc-8fb4-4222-845c-61440543a456" providerId="ADAL" clId="{B22431BF-FF40-422E-84B9-DE35C0B96CC3}" dt="2023-12-30T00:06:31.761" v="5934" actId="47"/>
+        <pc:sldMkLst>
+          <pc:docMk/>
+          <pc:sldMk cId="806767687" sldId="295"/>
+        </pc:sldMkLst>
+        <pc:spChg chg="mod">
+          <ac:chgData name="Gibbons, Carl" userId="d2b037bc-8fb4-4222-845c-61440543a456" providerId="ADAL" clId="{B22431BF-FF40-422E-84B9-DE35C0B96CC3}" dt="2023-12-29T23:17:23.085" v="4333" actId="20577"/>
+          <ac:spMkLst>
+            <pc:docMk/>
+            <pc:sldMk cId="806767687" sldId="295"/>
+            <ac:spMk id="3" creationId="{B5924E0F-A977-1710-779D-EEB74261AF34}"/>
+          </ac:spMkLst>
+        </pc:spChg>
+      </pc:sldChg>
+      <pc:sldChg chg="del">
+        <pc:chgData name="Gibbons, Carl" userId="d2b037bc-8fb4-4222-845c-61440543a456" providerId="ADAL" clId="{B22431BF-FF40-422E-84B9-DE35C0B96CC3}" dt="2023-12-30T00:06:32.570" v="5935" actId="47"/>
+        <pc:sldMkLst>
+          <pc:docMk/>
+          <pc:sldMk cId="3145157247" sldId="296"/>
+        </pc:sldMkLst>
+      </pc:sldChg>
+      <pc:sldChg chg="del">
+        <pc:chgData name="Gibbons, Carl" userId="d2b037bc-8fb4-4222-845c-61440543a456" providerId="ADAL" clId="{B22431BF-FF40-422E-84B9-DE35C0B96CC3}" dt="2023-12-30T00:06:33.242" v="5936" actId="47"/>
+        <pc:sldMkLst>
+          <pc:docMk/>
+          <pc:sldMk cId="2424714671" sldId="297"/>
+        </pc:sldMkLst>
+      </pc:sldChg>
+      <pc:sldChg chg="del">
+        <pc:chgData name="Gibbons, Carl" userId="d2b037bc-8fb4-4222-845c-61440543a456" providerId="ADAL" clId="{B22431BF-FF40-422E-84B9-DE35C0B96CC3}" dt="2023-12-30T00:06:33.834" v="5937" actId="47"/>
+        <pc:sldMkLst>
+          <pc:docMk/>
+          <pc:sldMk cId="3450195044" sldId="298"/>
+        </pc:sldMkLst>
+      </pc:sldChg>
+      <pc:sldChg chg="del">
+        <pc:chgData name="Gibbons, Carl" userId="d2b037bc-8fb4-4222-845c-61440543a456" providerId="ADAL" clId="{B22431BF-FF40-422E-84B9-DE35C0B96CC3}" dt="2023-12-30T00:06:34.432" v="5938" actId="47"/>
+        <pc:sldMkLst>
+          <pc:docMk/>
+          <pc:sldMk cId="3633122843" sldId="299"/>
+        </pc:sldMkLst>
+      </pc:sldChg>
+      <pc:sldChg chg="modSp mod">
+        <pc:chgData name="Gibbons, Carl" userId="d2b037bc-8fb4-4222-845c-61440543a456" providerId="ADAL" clId="{B22431BF-FF40-422E-84B9-DE35C0B96CC3}" dt="2023-12-30T00:07:51.836" v="5963" actId="20577"/>
+        <pc:sldMkLst>
+          <pc:docMk/>
+          <pc:sldMk cId="845747584" sldId="300"/>
+        </pc:sldMkLst>
+        <pc:spChg chg="mod">
+          <ac:chgData name="Gibbons, Carl" userId="d2b037bc-8fb4-4222-845c-61440543a456" providerId="ADAL" clId="{B22431BF-FF40-422E-84B9-DE35C0B96CC3}" dt="2023-12-30T00:07:51.836" v="5963" actId="20577"/>
+          <ac:spMkLst>
+            <pc:docMk/>
+            <pc:sldMk cId="845747584" sldId="300"/>
+            <ac:spMk id="2" creationId="{31B75992-5098-A283-4925-2CCEBB801DC5}"/>
+          </ac:spMkLst>
+        </pc:spChg>
+        <pc:spChg chg="mod">
+          <ac:chgData name="Gibbons, Carl" userId="d2b037bc-8fb4-4222-845c-61440543a456" providerId="ADAL" clId="{B22431BF-FF40-422E-84B9-DE35C0B96CC3}" dt="2023-12-29T23:21:57.151" v="4600" actId="20577"/>
+          <ac:spMkLst>
+            <pc:docMk/>
+            <pc:sldMk cId="845747584" sldId="300"/>
+            <ac:spMk id="3" creationId="{B5924E0F-A977-1710-779D-EEB74261AF34}"/>
+          </ac:spMkLst>
+        </pc:spChg>
+      </pc:sldChg>
+      <pc:sldChg chg="modSp mod">
+        <pc:chgData name="Gibbons, Carl" userId="d2b037bc-8fb4-4222-845c-61440543a456" providerId="ADAL" clId="{B22431BF-FF40-422E-84B9-DE35C0B96CC3}" dt="2023-12-30T00:07:56.869" v="5975" actId="20577"/>
+        <pc:sldMkLst>
+          <pc:docMk/>
+          <pc:sldMk cId="3372579319" sldId="301"/>
+        </pc:sldMkLst>
+        <pc:spChg chg="mod">
+          <ac:chgData name="Gibbons, Carl" userId="d2b037bc-8fb4-4222-845c-61440543a456" providerId="ADAL" clId="{B22431BF-FF40-422E-84B9-DE35C0B96CC3}" dt="2023-12-30T00:07:56.869" v="5975" actId="20577"/>
+          <ac:spMkLst>
+            <pc:docMk/>
+            <pc:sldMk cId="3372579319" sldId="301"/>
+            <ac:spMk id="2" creationId="{31B75992-5098-A283-4925-2CCEBB801DC5}"/>
+          </ac:spMkLst>
+        </pc:spChg>
+        <pc:spChg chg="mod">
+          <ac:chgData name="Gibbons, Carl" userId="d2b037bc-8fb4-4222-845c-61440543a456" providerId="ADAL" clId="{B22431BF-FF40-422E-84B9-DE35C0B96CC3}" dt="2023-12-30T00:06:13.959" v="5932" actId="20577"/>
+          <ac:spMkLst>
+            <pc:docMk/>
+            <pc:sldMk cId="3372579319" sldId="301"/>
+            <ac:spMk id="3" creationId="{B5924E0F-A977-1710-779D-EEB74261AF34}"/>
+          </ac:spMkLst>
+        </pc:spChg>
+      </pc:sldChg>
+      <pc:sldChg chg="modSp del mod">
+        <pc:chgData name="Gibbons, Carl" userId="d2b037bc-8fb4-4222-845c-61440543a456" providerId="ADAL" clId="{B22431BF-FF40-422E-84B9-DE35C0B96CC3}" dt="2023-12-30T00:06:30.511" v="5933" actId="47"/>
+        <pc:sldMkLst>
+          <pc:docMk/>
+          <pc:sldMk cId="3488854045" sldId="302"/>
+        </pc:sldMkLst>
+        <pc:spChg chg="mod">
+          <ac:chgData name="Gibbons, Carl" userId="d2b037bc-8fb4-4222-845c-61440543a456" providerId="ADAL" clId="{B22431BF-FF40-422E-84B9-DE35C0B96CC3}" dt="2023-12-29T23:32:30.137" v="5532" actId="20577"/>
+          <ac:spMkLst>
+            <pc:docMk/>
+            <pc:sldMk cId="3488854045" sldId="302"/>
+            <ac:spMk id="2" creationId="{31B75992-5098-A283-4925-2CCEBB801DC5}"/>
+          </ac:spMkLst>
+        </pc:spChg>
+        <pc:spChg chg="mod">
+          <ac:chgData name="Gibbons, Carl" userId="d2b037bc-8fb4-4222-845c-61440543a456" providerId="ADAL" clId="{B22431BF-FF40-422E-84B9-DE35C0B96CC3}" dt="2023-12-29T23:35:41.617" v="5912" actId="20577"/>
+          <ac:spMkLst>
+            <pc:docMk/>
+            <pc:sldMk cId="3488854045" sldId="302"/>
+            <ac:spMk id="3" creationId="{B5924E0F-A977-1710-779D-EEB74261AF34}"/>
+          </ac:spMkLst>
+        </pc:spChg>
+      </pc:sldChg>
+    </pc:docChg>
+  </pc:docChgLst>
+  <pc:docChgLst>
     <pc:chgData name="Gibbons, Carl" userId="d2b037bc-8fb4-4222-845c-61440543a456" providerId="ADAL" clId="{8B117223-2596-4D61-9C62-CC9BD4B9A421}"/>
     <pc:docChg chg="custSel addSld delSld modSld">
       <pc:chgData name="Gibbons, Carl" userId="d2b037bc-8fb4-4222-845c-61440543a456" providerId="ADAL" clId="{8B117223-2596-4D61-9C62-CC9BD4B9A421}" dt="2024-01-24T22:00:55.310" v="2286" actId="20577"/>
@@ -442,6 +933,735 @@
           <pc:sldMk cId="3372579319" sldId="301"/>
         </pc:sldMkLst>
       </pc:sldChg>
+    </pc:docChg>
+  </pc:docChgLst>
+  <pc:docChgLst>
+    <pc:chgData name="Gibbons, Carl" userId="d2b037bc-8fb4-4222-845c-61440543a456" providerId="ADAL" clId="{06905CFC-A46E-472D-890F-9117438C8D89}"/>
+    <pc:docChg chg="custSel addSld delSld modSld">
+      <pc:chgData name="Gibbons, Carl" userId="d2b037bc-8fb4-4222-845c-61440543a456" providerId="ADAL" clId="{06905CFC-A46E-472D-890F-9117438C8D89}" dt="2024-02-04T04:33:39.872" v="4931" actId="20577"/>
+      <pc:docMkLst>
+        <pc:docMk/>
+      </pc:docMkLst>
+      <pc:sldChg chg="modSp mod">
+        <pc:chgData name="Gibbons, Carl" userId="d2b037bc-8fb4-4222-845c-61440543a456" providerId="ADAL" clId="{06905CFC-A46E-472D-890F-9117438C8D89}" dt="2024-02-04T02:59:56.129" v="48" actId="20577"/>
+        <pc:sldMkLst>
+          <pc:docMk/>
+          <pc:sldMk cId="3308175748" sldId="256"/>
+        </pc:sldMkLst>
+        <pc:spChg chg="mod">
+          <ac:chgData name="Gibbons, Carl" userId="d2b037bc-8fb4-4222-845c-61440543a456" providerId="ADAL" clId="{06905CFC-A46E-472D-890F-9117438C8D89}" dt="2024-02-04T02:59:56.129" v="48" actId="20577"/>
+          <ac:spMkLst>
+            <pc:docMk/>
+            <pc:sldMk cId="3308175748" sldId="256"/>
+            <ac:spMk id="3" creationId="{EEC4D41B-E776-05F2-BE0B-89BB339485AB}"/>
+          </ac:spMkLst>
+        </pc:spChg>
+      </pc:sldChg>
+      <pc:sldChg chg="modSp mod">
+        <pc:chgData name="Gibbons, Carl" userId="d2b037bc-8fb4-4222-845c-61440543a456" providerId="ADAL" clId="{06905CFC-A46E-472D-890F-9117438C8D89}" dt="2024-02-04T03:54:18.112" v="2151" actId="15"/>
+        <pc:sldMkLst>
+          <pc:docMk/>
+          <pc:sldMk cId="2312486803" sldId="261"/>
+        </pc:sldMkLst>
+        <pc:spChg chg="mod">
+          <ac:chgData name="Gibbons, Carl" userId="d2b037bc-8fb4-4222-845c-61440543a456" providerId="ADAL" clId="{06905CFC-A46E-472D-890F-9117438C8D89}" dt="2024-02-04T03:52:20.850" v="2087" actId="20577"/>
+          <ac:spMkLst>
+            <pc:docMk/>
+            <pc:sldMk cId="2312486803" sldId="261"/>
+            <ac:spMk id="2" creationId="{31B75992-5098-A283-4925-2CCEBB801DC5}"/>
+          </ac:spMkLst>
+        </pc:spChg>
+        <pc:spChg chg="mod">
+          <ac:chgData name="Gibbons, Carl" userId="d2b037bc-8fb4-4222-845c-61440543a456" providerId="ADAL" clId="{06905CFC-A46E-472D-890F-9117438C8D89}" dt="2024-02-04T03:54:18.112" v="2151" actId="15"/>
+          <ac:spMkLst>
+            <pc:docMk/>
+            <pc:sldMk cId="2312486803" sldId="261"/>
+            <ac:spMk id="3" creationId="{B5924E0F-A977-1710-779D-EEB74261AF34}"/>
+          </ac:spMkLst>
+        </pc:spChg>
+      </pc:sldChg>
+      <pc:sldChg chg="modSp mod">
+        <pc:chgData name="Gibbons, Carl" userId="d2b037bc-8fb4-4222-845c-61440543a456" providerId="ADAL" clId="{06905CFC-A46E-472D-890F-9117438C8D89}" dt="2024-02-04T04:33:39.872" v="4931" actId="20577"/>
+        <pc:sldMkLst>
+          <pc:docMk/>
+          <pc:sldMk cId="3885141102" sldId="262"/>
+        </pc:sldMkLst>
+        <pc:spChg chg="mod">
+          <ac:chgData name="Gibbons, Carl" userId="d2b037bc-8fb4-4222-845c-61440543a456" providerId="ADAL" clId="{06905CFC-A46E-472D-890F-9117438C8D89}" dt="2024-02-04T04:33:39.872" v="4931" actId="20577"/>
+          <ac:spMkLst>
+            <pc:docMk/>
+            <pc:sldMk cId="3885141102" sldId="262"/>
+            <ac:spMk id="3" creationId="{B5924E0F-A977-1710-779D-EEB74261AF34}"/>
+          </ac:spMkLst>
+        </pc:spChg>
+      </pc:sldChg>
+      <pc:sldChg chg="modSp mod">
+        <pc:chgData name="Gibbons, Carl" userId="d2b037bc-8fb4-4222-845c-61440543a456" providerId="ADAL" clId="{06905CFC-A46E-472D-890F-9117438C8D89}" dt="2024-02-04T04:32:40.613" v="4865" actId="20577"/>
+        <pc:sldMkLst>
+          <pc:docMk/>
+          <pc:sldMk cId="1719402288" sldId="263"/>
+        </pc:sldMkLst>
+        <pc:spChg chg="mod">
+          <ac:chgData name="Gibbons, Carl" userId="d2b037bc-8fb4-4222-845c-61440543a456" providerId="ADAL" clId="{06905CFC-A46E-472D-890F-9117438C8D89}" dt="2024-02-04T04:12:26.573" v="3314" actId="20577"/>
+          <ac:spMkLst>
+            <pc:docMk/>
+            <pc:sldMk cId="1719402288" sldId="263"/>
+            <ac:spMk id="2" creationId="{31B75992-5098-A283-4925-2CCEBB801DC5}"/>
+          </ac:spMkLst>
+        </pc:spChg>
+        <pc:spChg chg="mod">
+          <ac:chgData name="Gibbons, Carl" userId="d2b037bc-8fb4-4222-845c-61440543a456" providerId="ADAL" clId="{06905CFC-A46E-472D-890F-9117438C8D89}" dt="2024-02-04T04:32:40.613" v="4865" actId="20577"/>
+          <ac:spMkLst>
+            <pc:docMk/>
+            <pc:sldMk cId="1719402288" sldId="263"/>
+            <ac:spMk id="3" creationId="{B5924E0F-A977-1710-779D-EEB74261AF34}"/>
+          </ac:spMkLst>
+        </pc:spChg>
+      </pc:sldChg>
+      <pc:sldChg chg="modSp new del mod">
+        <pc:chgData name="Gibbons, Carl" userId="d2b037bc-8fb4-4222-845c-61440543a456" providerId="ADAL" clId="{06905CFC-A46E-472D-890F-9117438C8D89}" dt="2024-02-04T03:52:51.701" v="2091" actId="2696"/>
+        <pc:sldMkLst>
+          <pc:docMk/>
+          <pc:sldMk cId="122773691" sldId="264"/>
+        </pc:sldMkLst>
+        <pc:spChg chg="mod">
+          <ac:chgData name="Gibbons, Carl" userId="d2b037bc-8fb4-4222-845c-61440543a456" providerId="ADAL" clId="{06905CFC-A46E-472D-890F-9117438C8D89}" dt="2024-02-04T03:52:47.108" v="2090" actId="27636"/>
+          <ac:spMkLst>
+            <pc:docMk/>
+            <pc:sldMk cId="122773691" sldId="264"/>
+            <ac:spMk id="2" creationId="{25B9B666-A3B3-5530-8F45-BA2562A6655A}"/>
+          </ac:spMkLst>
+        </pc:spChg>
+      </pc:sldChg>
+      <pc:sldChg chg="modSp add mod">
+        <pc:chgData name="Gibbons, Carl" userId="d2b037bc-8fb4-4222-845c-61440543a456" providerId="ADAL" clId="{06905CFC-A46E-472D-890F-9117438C8D89}" dt="2024-02-04T04:11:43.510" v="3278" actId="20577"/>
+        <pc:sldMkLst>
+          <pc:docMk/>
+          <pc:sldMk cId="2993794741" sldId="265"/>
+        </pc:sldMkLst>
+        <pc:spChg chg="mod">
+          <ac:chgData name="Gibbons, Carl" userId="d2b037bc-8fb4-4222-845c-61440543a456" providerId="ADAL" clId="{06905CFC-A46E-472D-890F-9117438C8D89}" dt="2024-02-04T03:53:00.875" v="2111" actId="20577"/>
+          <ac:spMkLst>
+            <pc:docMk/>
+            <pc:sldMk cId="2993794741" sldId="265"/>
+            <ac:spMk id="2" creationId="{31B75992-5098-A283-4925-2CCEBB801DC5}"/>
+          </ac:spMkLst>
+        </pc:spChg>
+        <pc:spChg chg="mod">
+          <ac:chgData name="Gibbons, Carl" userId="d2b037bc-8fb4-4222-845c-61440543a456" providerId="ADAL" clId="{06905CFC-A46E-472D-890F-9117438C8D89}" dt="2024-02-04T04:11:43.510" v="3278" actId="20577"/>
+          <ac:spMkLst>
+            <pc:docMk/>
+            <pc:sldMk cId="2993794741" sldId="265"/>
+            <ac:spMk id="3" creationId="{B5924E0F-A977-1710-779D-EEB74261AF34}"/>
+          </ac:spMkLst>
+        </pc:spChg>
+      </pc:sldChg>
+    </pc:docChg>
+  </pc:docChgLst>
+  <pc:docChgLst>
+    <pc:chgData name="Gibbons, Carl" userId="d2b037bc-8fb4-4222-845c-61440543a456" providerId="ADAL" clId="{CA56C342-F1F4-4920-9E02-F107DF806007}"/>
+    <pc:docChg chg="modSld">
+      <pc:chgData name="Gibbons, Carl" userId="d2b037bc-8fb4-4222-845c-61440543a456" providerId="ADAL" clId="{CA56C342-F1F4-4920-9E02-F107DF806007}" dt="2024-05-17T02:54:20.732" v="44" actId="5793"/>
+      <pc:docMkLst>
+        <pc:docMk/>
+      </pc:docMkLst>
+      <pc:sldChg chg="modSp mod">
+        <pc:chgData name="Gibbons, Carl" userId="d2b037bc-8fb4-4222-845c-61440543a456" providerId="ADAL" clId="{CA56C342-F1F4-4920-9E02-F107DF806007}" dt="2024-05-17T02:49:40.889" v="4" actId="20577"/>
+        <pc:sldMkLst>
+          <pc:docMk/>
+          <pc:sldMk cId="2312486803" sldId="261"/>
+        </pc:sldMkLst>
+        <pc:spChg chg="mod">
+          <ac:chgData name="Gibbons, Carl" userId="d2b037bc-8fb4-4222-845c-61440543a456" providerId="ADAL" clId="{CA56C342-F1F4-4920-9E02-F107DF806007}" dt="2024-05-17T02:49:40.889" v="4" actId="20577"/>
+          <ac:spMkLst>
+            <pc:docMk/>
+            <pc:sldMk cId="2312486803" sldId="261"/>
+            <ac:spMk id="3" creationId="{B5924E0F-A977-1710-779D-EEB74261AF34}"/>
+          </ac:spMkLst>
+        </pc:spChg>
+      </pc:sldChg>
+      <pc:sldChg chg="modSp mod">
+        <pc:chgData name="Gibbons, Carl" userId="d2b037bc-8fb4-4222-845c-61440543a456" providerId="ADAL" clId="{CA56C342-F1F4-4920-9E02-F107DF806007}" dt="2024-05-17T02:54:20.732" v="44" actId="5793"/>
+        <pc:sldMkLst>
+          <pc:docMk/>
+          <pc:sldMk cId="1719402288" sldId="263"/>
+        </pc:sldMkLst>
+        <pc:spChg chg="mod">
+          <ac:chgData name="Gibbons, Carl" userId="d2b037bc-8fb4-4222-845c-61440543a456" providerId="ADAL" clId="{CA56C342-F1F4-4920-9E02-F107DF806007}" dt="2024-05-17T02:54:20.732" v="44" actId="5793"/>
+          <ac:spMkLst>
+            <pc:docMk/>
+            <pc:sldMk cId="1719402288" sldId="263"/>
+            <ac:spMk id="3" creationId="{B5924E0F-A977-1710-779D-EEB74261AF34}"/>
+          </ac:spMkLst>
+        </pc:spChg>
+      </pc:sldChg>
+      <pc:sldChg chg="modSp mod">
+        <pc:chgData name="Gibbons, Carl" userId="d2b037bc-8fb4-4222-845c-61440543a456" providerId="ADAL" clId="{CA56C342-F1F4-4920-9E02-F107DF806007}" dt="2024-05-17T02:50:22.746" v="8" actId="20577"/>
+        <pc:sldMkLst>
+          <pc:docMk/>
+          <pc:sldMk cId="2993794741" sldId="265"/>
+        </pc:sldMkLst>
+        <pc:spChg chg="mod">
+          <ac:chgData name="Gibbons, Carl" userId="d2b037bc-8fb4-4222-845c-61440543a456" providerId="ADAL" clId="{CA56C342-F1F4-4920-9E02-F107DF806007}" dt="2024-05-17T02:50:22.746" v="8" actId="20577"/>
+          <ac:spMkLst>
+            <pc:docMk/>
+            <pc:sldMk cId="2993794741" sldId="265"/>
+            <ac:spMk id="3" creationId="{B5924E0F-A977-1710-779D-EEB74261AF34}"/>
+          </ac:spMkLst>
+        </pc:spChg>
+      </pc:sldChg>
+    </pc:docChg>
+  </pc:docChgLst>
+  <pc:docChgLst>
+    <pc:chgData name="Gibbons, Carl" userId="d2b037bc-8fb4-4222-845c-61440543a456" providerId="ADAL" clId="{C1E6ABF6-BAED-4B26-97DB-20A1E8B7A1A4}"/>
+    <pc:docChg chg="custSel modSld">
+      <pc:chgData name="Gibbons, Carl" userId="d2b037bc-8fb4-4222-845c-61440543a456" providerId="ADAL" clId="{C1E6ABF6-BAED-4B26-97DB-20A1E8B7A1A4}" dt="2023-12-06T02:23:48.337" v="274" actId="20577"/>
+      <pc:docMkLst>
+        <pc:docMk/>
+      </pc:docMkLst>
+      <pc:sldChg chg="modSp mod">
+        <pc:chgData name="Gibbons, Carl" userId="d2b037bc-8fb4-4222-845c-61440543a456" providerId="ADAL" clId="{C1E6ABF6-BAED-4B26-97DB-20A1E8B7A1A4}" dt="2023-11-21T16:22:17.597" v="97" actId="20577"/>
+        <pc:sldMkLst>
+          <pc:docMk/>
+          <pc:sldMk cId="3308175748" sldId="256"/>
+        </pc:sldMkLst>
+        <pc:spChg chg="mod">
+          <ac:chgData name="Gibbons, Carl" userId="d2b037bc-8fb4-4222-845c-61440543a456" providerId="ADAL" clId="{C1E6ABF6-BAED-4B26-97DB-20A1E8B7A1A4}" dt="2023-11-21T05:49:34.464" v="2"/>
+          <ac:spMkLst>
+            <pc:docMk/>
+            <pc:sldMk cId="3308175748" sldId="256"/>
+            <ac:spMk id="2" creationId="{ACEA2649-DC6B-3373-A7E6-7F0E103D8B8B}"/>
+          </ac:spMkLst>
+        </pc:spChg>
+        <pc:spChg chg="mod">
+          <ac:chgData name="Gibbons, Carl" userId="d2b037bc-8fb4-4222-845c-61440543a456" providerId="ADAL" clId="{C1E6ABF6-BAED-4B26-97DB-20A1E8B7A1A4}" dt="2023-11-21T16:22:17.597" v="97" actId="20577"/>
+          <ac:spMkLst>
+            <pc:docMk/>
+            <pc:sldMk cId="3308175748" sldId="256"/>
+            <ac:spMk id="3" creationId="{EEC4D41B-E776-05F2-BE0B-89BB339485AB}"/>
+          </ac:spMkLst>
+        </pc:spChg>
+        <pc:spChg chg="mod">
+          <ac:chgData name="Gibbons, Carl" userId="d2b037bc-8fb4-4222-845c-61440543a456" providerId="ADAL" clId="{C1E6ABF6-BAED-4B26-97DB-20A1E8B7A1A4}" dt="2023-11-21T05:49:34.464" v="2"/>
+          <ac:spMkLst>
+            <pc:docMk/>
+            <pc:sldMk cId="3308175748" sldId="256"/>
+            <ac:spMk id="4" creationId="{4664ABB7-0B55-0242-2E51-B3286EE7B5EB}"/>
+          </ac:spMkLst>
+        </pc:spChg>
+      </pc:sldChg>
+      <pc:sldChg chg="modSp">
+        <pc:chgData name="Gibbons, Carl" userId="d2b037bc-8fb4-4222-845c-61440543a456" providerId="ADAL" clId="{C1E6ABF6-BAED-4B26-97DB-20A1E8B7A1A4}" dt="2023-11-21T05:49:34.464" v="2"/>
+        <pc:sldMkLst>
+          <pc:docMk/>
+          <pc:sldMk cId="2312486803" sldId="261"/>
+        </pc:sldMkLst>
+        <pc:spChg chg="mod">
+          <ac:chgData name="Gibbons, Carl" userId="d2b037bc-8fb4-4222-845c-61440543a456" providerId="ADAL" clId="{C1E6ABF6-BAED-4B26-97DB-20A1E8B7A1A4}" dt="2023-11-21T05:49:34.464" v="2"/>
+          <ac:spMkLst>
+            <pc:docMk/>
+            <pc:sldMk cId="2312486803" sldId="261"/>
+            <ac:spMk id="2" creationId="{31B75992-5098-A283-4925-2CCEBB801DC5}"/>
+          </ac:spMkLst>
+        </pc:spChg>
+      </pc:sldChg>
+      <pc:sldChg chg="modSp mod">
+        <pc:chgData name="Gibbons, Carl" userId="d2b037bc-8fb4-4222-845c-61440543a456" providerId="ADAL" clId="{C1E6ABF6-BAED-4B26-97DB-20A1E8B7A1A4}" dt="2023-11-21T07:48:19.790" v="77" actId="20577"/>
+        <pc:sldMkLst>
+          <pc:docMk/>
+          <pc:sldMk cId="378743348" sldId="270"/>
+        </pc:sldMkLst>
+        <pc:spChg chg="mod">
+          <ac:chgData name="Gibbons, Carl" userId="d2b037bc-8fb4-4222-845c-61440543a456" providerId="ADAL" clId="{C1E6ABF6-BAED-4B26-97DB-20A1E8B7A1A4}" dt="2023-11-21T07:48:19.790" v="77" actId="20577"/>
+          <ac:spMkLst>
+            <pc:docMk/>
+            <pc:sldMk cId="378743348" sldId="270"/>
+            <ac:spMk id="3" creationId="{80041865-9773-290D-EB35-F8AF8BFC505C}"/>
+          </ac:spMkLst>
+        </pc:spChg>
+      </pc:sldChg>
+      <pc:sldChg chg="modSp mod">
+        <pc:chgData name="Gibbons, Carl" userId="d2b037bc-8fb4-4222-845c-61440543a456" providerId="ADAL" clId="{C1E6ABF6-BAED-4B26-97DB-20A1E8B7A1A4}" dt="2023-12-06T02:23:48.337" v="274" actId="20577"/>
+        <pc:sldMkLst>
+          <pc:docMk/>
+          <pc:sldMk cId="657795359" sldId="277"/>
+        </pc:sldMkLst>
+        <pc:spChg chg="mod">
+          <ac:chgData name="Gibbons, Carl" userId="d2b037bc-8fb4-4222-845c-61440543a456" providerId="ADAL" clId="{C1E6ABF6-BAED-4B26-97DB-20A1E8B7A1A4}" dt="2023-11-21T05:49:34.464" v="2"/>
+          <ac:spMkLst>
+            <pc:docMk/>
+            <pc:sldMk cId="657795359" sldId="277"/>
+            <ac:spMk id="2" creationId="{1862E903-3C56-BB42-2361-009F2336475A}"/>
+          </ac:spMkLst>
+        </pc:spChg>
+        <pc:spChg chg="mod">
+          <ac:chgData name="Gibbons, Carl" userId="d2b037bc-8fb4-4222-845c-61440543a456" providerId="ADAL" clId="{C1E6ABF6-BAED-4B26-97DB-20A1E8B7A1A4}" dt="2023-12-06T02:23:48.337" v="274" actId="20577"/>
+          <ac:spMkLst>
+            <pc:docMk/>
+            <pc:sldMk cId="657795359" sldId="277"/>
+            <ac:spMk id="3" creationId="{90179172-96B3-95D0-A137-257770BE7642}"/>
+          </ac:spMkLst>
+        </pc:spChg>
+      </pc:sldChg>
+    </pc:docChg>
+  </pc:docChgLst>
+  <pc:docChgLst>
+    <pc:chgData name="Gibbons, Carl" userId="d2b037bc-8fb4-4222-845c-61440543a456" providerId="ADAL" clId="{3CE3119B-1917-4F7B-A5AD-6C146E3F914B}"/>
+    <pc:docChg chg="undo custSel addSld delSld modSld sldOrd">
+      <pc:chgData name="Gibbons, Carl" userId="d2b037bc-8fb4-4222-845c-61440543a456" providerId="ADAL" clId="{3CE3119B-1917-4F7B-A5AD-6C146E3F914B}" dt="2023-12-28T21:57:42.900" v="13126" actId="20577"/>
+      <pc:docMkLst>
+        <pc:docMk/>
+      </pc:docMkLst>
+      <pc:sldChg chg="modSp mod">
+        <pc:chgData name="Gibbons, Carl" userId="d2b037bc-8fb4-4222-845c-61440543a456" providerId="ADAL" clId="{3CE3119B-1917-4F7B-A5AD-6C146E3F914B}" dt="2023-12-24T03:25:35.899" v="17" actId="20577"/>
+        <pc:sldMkLst>
+          <pc:docMk/>
+          <pc:sldMk cId="3308175748" sldId="256"/>
+        </pc:sldMkLst>
+        <pc:spChg chg="mod">
+          <ac:chgData name="Gibbons, Carl" userId="d2b037bc-8fb4-4222-845c-61440543a456" providerId="ADAL" clId="{3CE3119B-1917-4F7B-A5AD-6C146E3F914B}" dt="2023-12-24T03:25:35.899" v="17" actId="20577"/>
+          <ac:spMkLst>
+            <pc:docMk/>
+            <pc:sldMk cId="3308175748" sldId="256"/>
+            <ac:spMk id="3" creationId="{EEC4D41B-E776-05F2-BE0B-89BB339485AB}"/>
+          </ac:spMkLst>
+        </pc:spChg>
+      </pc:sldChg>
+      <pc:sldChg chg="del">
+        <pc:chgData name="Gibbons, Carl" userId="d2b037bc-8fb4-4222-845c-61440543a456" providerId="ADAL" clId="{3CE3119B-1917-4F7B-A5AD-6C146E3F914B}" dt="2023-12-24T04:15:13.652" v="2206" actId="47"/>
+        <pc:sldMkLst>
+          <pc:docMk/>
+          <pc:sldMk cId="519357719" sldId="260"/>
+        </pc:sldMkLst>
+      </pc:sldChg>
+      <pc:sldChg chg="delSp modSp mod">
+        <pc:chgData name="Gibbons, Carl" userId="d2b037bc-8fb4-4222-845c-61440543a456" providerId="ADAL" clId="{3CE3119B-1917-4F7B-A5AD-6C146E3F914B}" dt="2023-12-28T19:44:28.921" v="4873" actId="20577"/>
+        <pc:sldMkLst>
+          <pc:docMk/>
+          <pc:sldMk cId="2312486803" sldId="261"/>
+        </pc:sldMkLst>
+        <pc:spChg chg="mod">
+          <ac:chgData name="Gibbons, Carl" userId="d2b037bc-8fb4-4222-845c-61440543a456" providerId="ADAL" clId="{3CE3119B-1917-4F7B-A5AD-6C146E3F914B}" dt="2023-12-24T03:44:40.577" v="592" actId="20577"/>
+          <ac:spMkLst>
+            <pc:docMk/>
+            <pc:sldMk cId="2312486803" sldId="261"/>
+            <ac:spMk id="2" creationId="{31B75992-5098-A283-4925-2CCEBB801DC5}"/>
+          </ac:spMkLst>
+        </pc:spChg>
+        <pc:spChg chg="mod">
+          <ac:chgData name="Gibbons, Carl" userId="d2b037bc-8fb4-4222-845c-61440543a456" providerId="ADAL" clId="{3CE3119B-1917-4F7B-A5AD-6C146E3F914B}" dt="2023-12-28T19:44:28.921" v="4873" actId="20577"/>
+          <ac:spMkLst>
+            <pc:docMk/>
+            <pc:sldMk cId="2312486803" sldId="261"/>
+            <ac:spMk id="3" creationId="{B5924E0F-A977-1710-779D-EEB74261AF34}"/>
+          </ac:spMkLst>
+        </pc:spChg>
+        <pc:picChg chg="del">
+          <ac:chgData name="Gibbons, Carl" userId="d2b037bc-8fb4-4222-845c-61440543a456" providerId="ADAL" clId="{3CE3119B-1917-4F7B-A5AD-6C146E3F914B}" dt="2023-12-24T03:25:42.885" v="18" actId="478"/>
+          <ac:picMkLst>
+            <pc:docMk/>
+            <pc:sldMk cId="2312486803" sldId="261"/>
+            <ac:picMk id="5" creationId="{95F1B758-8221-A28F-F68D-1A79ADBC274D}"/>
+          </ac:picMkLst>
+        </pc:picChg>
+      </pc:sldChg>
+      <pc:sldChg chg="del">
+        <pc:chgData name="Gibbons, Carl" userId="d2b037bc-8fb4-4222-845c-61440543a456" providerId="ADAL" clId="{3CE3119B-1917-4F7B-A5AD-6C146E3F914B}" dt="2023-12-24T04:15:12.349" v="2205" actId="47"/>
+        <pc:sldMkLst>
+          <pc:docMk/>
+          <pc:sldMk cId="378743348" sldId="270"/>
+        </pc:sldMkLst>
+      </pc:sldChg>
+      <pc:sldChg chg="modSp mod">
+        <pc:chgData name="Gibbons, Carl" userId="d2b037bc-8fb4-4222-845c-61440543a456" providerId="ADAL" clId="{3CE3119B-1917-4F7B-A5AD-6C146E3F914B}" dt="2023-12-28T21:57:42.900" v="13126" actId="20577"/>
+        <pc:sldMkLst>
+          <pc:docMk/>
+          <pc:sldMk cId="657795359" sldId="277"/>
+        </pc:sldMkLst>
+        <pc:spChg chg="mod">
+          <ac:chgData name="Gibbons, Carl" userId="d2b037bc-8fb4-4222-845c-61440543a456" providerId="ADAL" clId="{3CE3119B-1917-4F7B-A5AD-6C146E3F914B}" dt="2023-12-28T21:57:42.900" v="13126" actId="20577"/>
+          <ac:spMkLst>
+            <pc:docMk/>
+            <pc:sldMk cId="657795359" sldId="277"/>
+            <ac:spMk id="2" creationId="{1862E903-3C56-BB42-2361-009F2336475A}"/>
+          </ac:spMkLst>
+        </pc:spChg>
+        <pc:spChg chg="mod">
+          <ac:chgData name="Gibbons, Carl" userId="d2b037bc-8fb4-4222-845c-61440543a456" providerId="ADAL" clId="{3CE3119B-1917-4F7B-A5AD-6C146E3F914B}" dt="2023-12-28T21:57:39.566" v="13125" actId="20577"/>
+          <ac:spMkLst>
+            <pc:docMk/>
+            <pc:sldMk cId="657795359" sldId="277"/>
+            <ac:spMk id="3" creationId="{90179172-96B3-95D0-A137-257770BE7642}"/>
+          </ac:spMkLst>
+        </pc:spChg>
+      </pc:sldChg>
+      <pc:sldChg chg="del">
+        <pc:chgData name="Gibbons, Carl" userId="d2b037bc-8fb4-4222-845c-61440543a456" providerId="ADAL" clId="{3CE3119B-1917-4F7B-A5AD-6C146E3F914B}" dt="2023-12-24T04:15:14.863" v="2207" actId="47"/>
+        <pc:sldMkLst>
+          <pc:docMk/>
+          <pc:sldMk cId="376509629" sldId="278"/>
+        </pc:sldMkLst>
+      </pc:sldChg>
+      <pc:sldChg chg="del">
+        <pc:chgData name="Gibbons, Carl" userId="d2b037bc-8fb4-4222-845c-61440543a456" providerId="ADAL" clId="{3CE3119B-1917-4F7B-A5AD-6C146E3F914B}" dt="2023-12-24T04:15:16.084" v="2208" actId="47"/>
+        <pc:sldMkLst>
+          <pc:docMk/>
+          <pc:sldMk cId="3153831418" sldId="279"/>
+        </pc:sldMkLst>
+      </pc:sldChg>
+      <pc:sldChg chg="del">
+        <pc:chgData name="Gibbons, Carl" userId="d2b037bc-8fb4-4222-845c-61440543a456" providerId="ADAL" clId="{3CE3119B-1917-4F7B-A5AD-6C146E3F914B}" dt="2023-12-24T04:15:16.999" v="2209" actId="47"/>
+        <pc:sldMkLst>
+          <pc:docMk/>
+          <pc:sldMk cId="1730491475" sldId="280"/>
+        </pc:sldMkLst>
+      </pc:sldChg>
+      <pc:sldChg chg="del">
+        <pc:chgData name="Gibbons, Carl" userId="d2b037bc-8fb4-4222-845c-61440543a456" providerId="ADAL" clId="{3CE3119B-1917-4F7B-A5AD-6C146E3F914B}" dt="2023-12-24T04:15:17.902" v="2210" actId="47"/>
+        <pc:sldMkLst>
+          <pc:docMk/>
+          <pc:sldMk cId="2142935958" sldId="281"/>
+        </pc:sldMkLst>
+      </pc:sldChg>
+      <pc:sldChg chg="del">
+        <pc:chgData name="Gibbons, Carl" userId="d2b037bc-8fb4-4222-845c-61440543a456" providerId="ADAL" clId="{3CE3119B-1917-4F7B-A5AD-6C146E3F914B}" dt="2023-12-24T04:15:18.904" v="2211" actId="47"/>
+        <pc:sldMkLst>
+          <pc:docMk/>
+          <pc:sldMk cId="1371681654" sldId="282"/>
+        </pc:sldMkLst>
+      </pc:sldChg>
+      <pc:sldChg chg="addSp modSp mod">
+        <pc:chgData name="Gibbons, Carl" userId="d2b037bc-8fb4-4222-845c-61440543a456" providerId="ADAL" clId="{3CE3119B-1917-4F7B-A5AD-6C146E3F914B}" dt="2023-12-24T04:21:46.824" v="2699" actId="20577"/>
+        <pc:sldMkLst>
+          <pc:docMk/>
+          <pc:sldMk cId="2959024232" sldId="283"/>
+        </pc:sldMkLst>
+        <pc:spChg chg="mod">
+          <ac:chgData name="Gibbons, Carl" userId="d2b037bc-8fb4-4222-845c-61440543a456" providerId="ADAL" clId="{3CE3119B-1917-4F7B-A5AD-6C146E3F914B}" dt="2023-12-24T03:51:38.841" v="820" actId="20577"/>
+          <ac:spMkLst>
+            <pc:docMk/>
+            <pc:sldMk cId="2959024232" sldId="283"/>
+            <ac:spMk id="2" creationId="{31B75992-5098-A283-4925-2CCEBB801DC5}"/>
+          </ac:spMkLst>
+        </pc:spChg>
+        <pc:spChg chg="mod">
+          <ac:chgData name="Gibbons, Carl" userId="d2b037bc-8fb4-4222-845c-61440543a456" providerId="ADAL" clId="{3CE3119B-1917-4F7B-A5AD-6C146E3F914B}" dt="2023-12-24T03:50:43.198" v="773" actId="20577"/>
+          <ac:spMkLst>
+            <pc:docMk/>
+            <pc:sldMk cId="2959024232" sldId="283"/>
+            <ac:spMk id="3" creationId="{B5924E0F-A977-1710-779D-EEB74261AF34}"/>
+          </ac:spMkLst>
+        </pc:spChg>
+        <pc:spChg chg="add mod">
+          <ac:chgData name="Gibbons, Carl" userId="d2b037bc-8fb4-4222-845c-61440543a456" providerId="ADAL" clId="{3CE3119B-1917-4F7B-A5AD-6C146E3F914B}" dt="2023-12-24T03:51:05.835" v="812" actId="20577"/>
+          <ac:spMkLst>
+            <pc:docMk/>
+            <pc:sldMk cId="2959024232" sldId="283"/>
+            <ac:spMk id="4" creationId="{6B5EF911-ED83-01C5-8F00-FD1AD80E90D2}"/>
+          </ac:spMkLst>
+        </pc:spChg>
+        <pc:spChg chg="add mod">
+          <ac:chgData name="Gibbons, Carl" userId="d2b037bc-8fb4-4222-845c-61440543a456" providerId="ADAL" clId="{3CE3119B-1917-4F7B-A5AD-6C146E3F914B}" dt="2023-12-24T04:21:46.824" v="2699" actId="20577"/>
+          <ac:spMkLst>
+            <pc:docMk/>
+            <pc:sldMk cId="2959024232" sldId="283"/>
+            <ac:spMk id="5" creationId="{746F0B3D-627C-BF49-CF83-A524927EBEDE}"/>
+          </ac:spMkLst>
+        </pc:spChg>
+      </pc:sldChg>
+      <pc:sldChg chg="delSp modSp mod">
+        <pc:chgData name="Gibbons, Carl" userId="d2b037bc-8fb4-4222-845c-61440543a456" providerId="ADAL" clId="{3CE3119B-1917-4F7B-A5AD-6C146E3F914B}" dt="2023-12-28T21:03:44.041" v="10649" actId="20577"/>
+        <pc:sldMkLst>
+          <pc:docMk/>
+          <pc:sldMk cId="3114675387" sldId="284"/>
+        </pc:sldMkLst>
+        <pc:spChg chg="mod">
+          <ac:chgData name="Gibbons, Carl" userId="d2b037bc-8fb4-4222-845c-61440543a456" providerId="ADAL" clId="{3CE3119B-1917-4F7B-A5AD-6C146E3F914B}" dt="2023-12-24T04:15:28.805" v="2213" actId="20577"/>
+          <ac:spMkLst>
+            <pc:docMk/>
+            <pc:sldMk cId="3114675387" sldId="284"/>
+            <ac:spMk id="2" creationId="{31B75992-5098-A283-4925-2CCEBB801DC5}"/>
+          </ac:spMkLst>
+        </pc:spChg>
+        <pc:spChg chg="mod">
+          <ac:chgData name="Gibbons, Carl" userId="d2b037bc-8fb4-4222-845c-61440543a456" providerId="ADAL" clId="{3CE3119B-1917-4F7B-A5AD-6C146E3F914B}" dt="2023-12-28T21:03:44.041" v="10649" actId="20577"/>
+          <ac:spMkLst>
+            <pc:docMk/>
+            <pc:sldMk cId="3114675387" sldId="284"/>
+            <ac:spMk id="3" creationId="{B5924E0F-A977-1710-779D-EEB74261AF34}"/>
+          </ac:spMkLst>
+        </pc:spChg>
+        <pc:spChg chg="del mod">
+          <ac:chgData name="Gibbons, Carl" userId="d2b037bc-8fb4-4222-845c-61440543a456" providerId="ADAL" clId="{3CE3119B-1917-4F7B-A5AD-6C146E3F914B}" dt="2023-12-24T04:17:34.876" v="2369" actId="478"/>
+          <ac:spMkLst>
+            <pc:docMk/>
+            <pc:sldMk cId="3114675387" sldId="284"/>
+            <ac:spMk id="4" creationId="{6B5EF911-ED83-01C5-8F00-FD1AD80E90D2}"/>
+          </ac:spMkLst>
+        </pc:spChg>
+        <pc:spChg chg="mod">
+          <ac:chgData name="Gibbons, Carl" userId="d2b037bc-8fb4-4222-845c-61440543a456" providerId="ADAL" clId="{3CE3119B-1917-4F7B-A5AD-6C146E3F914B}" dt="2023-12-24T04:25:41.312" v="2946" actId="20577"/>
+          <ac:spMkLst>
+            <pc:docMk/>
+            <pc:sldMk cId="3114675387" sldId="284"/>
+            <ac:spMk id="5" creationId="{746F0B3D-627C-BF49-CF83-A524927EBEDE}"/>
+          </ac:spMkLst>
+        </pc:spChg>
+      </pc:sldChg>
+      <pc:sldChg chg="modSp mod">
+        <pc:chgData name="Gibbons, Carl" userId="d2b037bc-8fb4-4222-845c-61440543a456" providerId="ADAL" clId="{3CE3119B-1917-4F7B-A5AD-6C146E3F914B}" dt="2023-12-28T20:27:51.520" v="8472" actId="20577"/>
+        <pc:sldMkLst>
+          <pc:docMk/>
+          <pc:sldMk cId="1243134729" sldId="285"/>
+        </pc:sldMkLst>
+        <pc:spChg chg="mod">
+          <ac:chgData name="Gibbons, Carl" userId="d2b037bc-8fb4-4222-845c-61440543a456" providerId="ADAL" clId="{3CE3119B-1917-4F7B-A5AD-6C146E3F914B}" dt="2023-12-28T18:55:00.802" v="3019" actId="20577"/>
+          <ac:spMkLst>
+            <pc:docMk/>
+            <pc:sldMk cId="1243134729" sldId="285"/>
+            <ac:spMk id="2" creationId="{31B75992-5098-A283-4925-2CCEBB801DC5}"/>
+          </ac:spMkLst>
+        </pc:spChg>
+        <pc:spChg chg="mod">
+          <ac:chgData name="Gibbons, Carl" userId="d2b037bc-8fb4-4222-845c-61440543a456" providerId="ADAL" clId="{3CE3119B-1917-4F7B-A5AD-6C146E3F914B}" dt="2023-12-28T19:11:28.137" v="4139" actId="20577"/>
+          <ac:spMkLst>
+            <pc:docMk/>
+            <pc:sldMk cId="1243134729" sldId="285"/>
+            <ac:spMk id="3" creationId="{B5924E0F-A977-1710-779D-EEB74261AF34}"/>
+          </ac:spMkLst>
+        </pc:spChg>
+        <pc:spChg chg="mod">
+          <ac:chgData name="Gibbons, Carl" userId="d2b037bc-8fb4-4222-845c-61440543a456" providerId="ADAL" clId="{3CE3119B-1917-4F7B-A5AD-6C146E3F914B}" dt="2023-12-28T20:27:51.520" v="8472" actId="20577"/>
+          <ac:spMkLst>
+            <pc:docMk/>
+            <pc:sldMk cId="1243134729" sldId="285"/>
+            <ac:spMk id="5" creationId="{746F0B3D-627C-BF49-CF83-A524927EBEDE}"/>
+          </ac:spMkLst>
+        </pc:spChg>
+      </pc:sldChg>
+      <pc:sldChg chg="modSp mod ord">
+        <pc:chgData name="Gibbons, Carl" userId="d2b037bc-8fb4-4222-845c-61440543a456" providerId="ADAL" clId="{3CE3119B-1917-4F7B-A5AD-6C146E3F914B}" dt="2023-12-28T20:26:55.852" v="8407" actId="20577"/>
+        <pc:sldMkLst>
+          <pc:docMk/>
+          <pc:sldMk cId="954591853" sldId="286"/>
+        </pc:sldMkLst>
+        <pc:spChg chg="mod">
+          <ac:chgData name="Gibbons, Carl" userId="d2b037bc-8fb4-4222-845c-61440543a456" providerId="ADAL" clId="{3CE3119B-1917-4F7B-A5AD-6C146E3F914B}" dt="2023-12-28T19:12:25.523" v="4250" actId="20577"/>
+          <ac:spMkLst>
+            <pc:docMk/>
+            <pc:sldMk cId="954591853" sldId="286"/>
+            <ac:spMk id="2" creationId="{31B75992-5098-A283-4925-2CCEBB801DC5}"/>
+          </ac:spMkLst>
+        </pc:spChg>
+        <pc:spChg chg="mod">
+          <ac:chgData name="Gibbons, Carl" userId="d2b037bc-8fb4-4222-845c-61440543a456" providerId="ADAL" clId="{3CE3119B-1917-4F7B-A5AD-6C146E3F914B}" dt="2023-12-28T20:11:15.517" v="7216" actId="20577"/>
+          <ac:spMkLst>
+            <pc:docMk/>
+            <pc:sldMk cId="954591853" sldId="286"/>
+            <ac:spMk id="3" creationId="{B5924E0F-A977-1710-779D-EEB74261AF34}"/>
+          </ac:spMkLst>
+        </pc:spChg>
+        <pc:spChg chg="mod">
+          <ac:chgData name="Gibbons, Carl" userId="d2b037bc-8fb4-4222-845c-61440543a456" providerId="ADAL" clId="{3CE3119B-1917-4F7B-A5AD-6C146E3F914B}" dt="2023-12-28T20:26:55.852" v="8407" actId="20577"/>
+          <ac:spMkLst>
+            <pc:docMk/>
+            <pc:sldMk cId="954591853" sldId="286"/>
+            <ac:spMk id="5" creationId="{746F0B3D-627C-BF49-CF83-A524927EBEDE}"/>
+          </ac:spMkLst>
+        </pc:spChg>
+      </pc:sldChg>
+      <pc:sldChg chg="addSp modSp mod">
+        <pc:chgData name="Gibbons, Carl" userId="d2b037bc-8fb4-4222-845c-61440543a456" providerId="ADAL" clId="{3CE3119B-1917-4F7B-A5AD-6C146E3F914B}" dt="2023-12-28T20:10:30.792" v="7202" actId="122"/>
+        <pc:sldMkLst>
+          <pc:docMk/>
+          <pc:sldMk cId="2614091779" sldId="287"/>
+        </pc:sldMkLst>
+        <pc:spChg chg="mod">
+          <ac:chgData name="Gibbons, Carl" userId="d2b037bc-8fb4-4222-845c-61440543a456" providerId="ADAL" clId="{3CE3119B-1917-4F7B-A5AD-6C146E3F914B}" dt="2023-12-28T19:52:51.742" v="5814" actId="20577"/>
+          <ac:spMkLst>
+            <pc:docMk/>
+            <pc:sldMk cId="2614091779" sldId="287"/>
+            <ac:spMk id="2" creationId="{31B75992-5098-A283-4925-2CCEBB801DC5}"/>
+          </ac:spMkLst>
+        </pc:spChg>
+        <pc:spChg chg="mod">
+          <ac:chgData name="Gibbons, Carl" userId="d2b037bc-8fb4-4222-845c-61440543a456" providerId="ADAL" clId="{3CE3119B-1917-4F7B-A5AD-6C146E3F914B}" dt="2023-12-28T19:48:55.211" v="5618" actId="14100"/>
+          <ac:spMkLst>
+            <pc:docMk/>
+            <pc:sldMk cId="2614091779" sldId="287"/>
+            <ac:spMk id="3" creationId="{B5924E0F-A977-1710-779D-EEB74261AF34}"/>
+          </ac:spMkLst>
+        </pc:spChg>
+        <pc:graphicFrameChg chg="add mod modGraphic">
+          <ac:chgData name="Gibbons, Carl" userId="d2b037bc-8fb4-4222-845c-61440543a456" providerId="ADAL" clId="{3CE3119B-1917-4F7B-A5AD-6C146E3F914B}" dt="2023-12-28T20:10:30.792" v="7202" actId="122"/>
+          <ac:graphicFrameMkLst>
+            <pc:docMk/>
+            <pc:sldMk cId="2614091779" sldId="287"/>
+            <ac:graphicFrameMk id="4" creationId="{3CFEF9C3-22C7-2157-EBC8-9116E36A6081}"/>
+          </ac:graphicFrameMkLst>
+        </pc:graphicFrameChg>
+      </pc:sldChg>
+      <pc:sldChg chg="delSp modSp mod">
+        <pc:chgData name="Gibbons, Carl" userId="d2b037bc-8fb4-4222-845c-61440543a456" providerId="ADAL" clId="{3CE3119B-1917-4F7B-A5AD-6C146E3F914B}" dt="2023-12-28T20:10:52.990" v="7204" actId="114"/>
+        <pc:sldMkLst>
+          <pc:docMk/>
+          <pc:sldMk cId="1341659426" sldId="288"/>
+        </pc:sldMkLst>
+        <pc:spChg chg="mod">
+          <ac:chgData name="Gibbons, Carl" userId="d2b037bc-8fb4-4222-845c-61440543a456" providerId="ADAL" clId="{3CE3119B-1917-4F7B-A5AD-6C146E3F914B}" dt="2023-12-28T19:53:19.425" v="5816" actId="20577"/>
+          <ac:spMkLst>
+            <pc:docMk/>
+            <pc:sldMk cId="1341659426" sldId="288"/>
+            <ac:spMk id="2" creationId="{31B75992-5098-A283-4925-2CCEBB801DC5}"/>
+          </ac:spMkLst>
+        </pc:spChg>
+        <pc:spChg chg="mod">
+          <ac:chgData name="Gibbons, Carl" userId="d2b037bc-8fb4-4222-845c-61440543a456" providerId="ADAL" clId="{3CE3119B-1917-4F7B-A5AD-6C146E3F914B}" dt="2023-12-28T20:10:52.990" v="7204" actId="114"/>
+          <ac:spMkLst>
+            <pc:docMk/>
+            <pc:sldMk cId="1341659426" sldId="288"/>
+            <ac:spMk id="3" creationId="{B5924E0F-A977-1710-779D-EEB74261AF34}"/>
+          </ac:spMkLst>
+        </pc:spChg>
+        <pc:graphicFrameChg chg="del modGraphic">
+          <ac:chgData name="Gibbons, Carl" userId="d2b037bc-8fb4-4222-845c-61440543a456" providerId="ADAL" clId="{3CE3119B-1917-4F7B-A5AD-6C146E3F914B}" dt="2023-12-28T19:53:27.454" v="5818" actId="21"/>
+          <ac:graphicFrameMkLst>
+            <pc:docMk/>
+            <pc:sldMk cId="1341659426" sldId="288"/>
+            <ac:graphicFrameMk id="4" creationId="{3CFEF9C3-22C7-2157-EBC8-9116E36A6081}"/>
+          </ac:graphicFrameMkLst>
+        </pc:graphicFrameChg>
+      </pc:sldChg>
+      <pc:sldChg chg="addSp modSp new mod">
+        <pc:chgData name="Gibbons, Carl" userId="d2b037bc-8fb4-4222-845c-61440543a456" providerId="ADAL" clId="{3CE3119B-1917-4F7B-A5AD-6C146E3F914B}" dt="2023-12-28T21:20:58.470" v="11391" actId="27636"/>
+        <pc:sldMkLst>
+          <pc:docMk/>
+          <pc:sldMk cId="2966054478" sldId="289"/>
+        </pc:sldMkLst>
+        <pc:spChg chg="mod">
+          <ac:chgData name="Gibbons, Carl" userId="d2b037bc-8fb4-4222-845c-61440543a456" providerId="ADAL" clId="{3CE3119B-1917-4F7B-A5AD-6C146E3F914B}" dt="2023-12-28T21:20:58.470" v="11391" actId="27636"/>
+          <ac:spMkLst>
+            <pc:docMk/>
+            <pc:sldMk cId="2966054478" sldId="289"/>
+            <ac:spMk id="2" creationId="{264BAEB2-591D-DEE6-3C00-0BAAC69880F0}"/>
+          </ac:spMkLst>
+        </pc:spChg>
+        <pc:spChg chg="add mod">
+          <ac:chgData name="Gibbons, Carl" userId="d2b037bc-8fb4-4222-845c-61440543a456" providerId="ADAL" clId="{3CE3119B-1917-4F7B-A5AD-6C146E3F914B}" dt="2023-12-28T21:02:37.455" v="10592" actId="20577"/>
+          <ac:spMkLst>
+            <pc:docMk/>
+            <pc:sldMk cId="2966054478" sldId="289"/>
+            <ac:spMk id="3" creationId="{0620B8A1-699E-C7B4-0A32-7D9C4529CA27}"/>
+          </ac:spMkLst>
+        </pc:spChg>
+      </pc:sldChg>
+      <pc:sldChg chg="modSp mod">
+        <pc:chgData name="Gibbons, Carl" userId="d2b037bc-8fb4-4222-845c-61440543a456" providerId="ADAL" clId="{3CE3119B-1917-4F7B-A5AD-6C146E3F914B}" dt="2023-12-28T20:25:14.044" v="8347" actId="20577"/>
+        <pc:sldMkLst>
+          <pc:docMk/>
+          <pc:sldMk cId="1014272238" sldId="290"/>
+        </pc:sldMkLst>
+        <pc:spChg chg="mod">
+          <ac:chgData name="Gibbons, Carl" userId="d2b037bc-8fb4-4222-845c-61440543a456" providerId="ADAL" clId="{3CE3119B-1917-4F7B-A5AD-6C146E3F914B}" dt="2023-12-28T20:14:14.888" v="7303" actId="20577"/>
+          <ac:spMkLst>
+            <pc:docMk/>
+            <pc:sldMk cId="1014272238" sldId="290"/>
+            <ac:spMk id="2" creationId="{31B75992-5098-A283-4925-2CCEBB801DC5}"/>
+          </ac:spMkLst>
+        </pc:spChg>
+        <pc:spChg chg="mod">
+          <ac:chgData name="Gibbons, Carl" userId="d2b037bc-8fb4-4222-845c-61440543a456" providerId="ADAL" clId="{3CE3119B-1917-4F7B-A5AD-6C146E3F914B}" dt="2023-12-28T20:25:14.044" v="8347" actId="20577"/>
+          <ac:spMkLst>
+            <pc:docMk/>
+            <pc:sldMk cId="1014272238" sldId="290"/>
+            <ac:spMk id="3" creationId="{B5924E0F-A977-1710-779D-EEB74261AF34}"/>
+          </ac:spMkLst>
+        </pc:spChg>
+      </pc:sldChg>
+      <pc:sldChg chg="modSp mod">
+        <pc:chgData name="Gibbons, Carl" userId="d2b037bc-8fb4-4222-845c-61440543a456" providerId="ADAL" clId="{3CE3119B-1917-4F7B-A5AD-6C146E3F914B}" dt="2023-12-28T21:21:03.949" v="11393" actId="27636"/>
+        <pc:sldMkLst>
+          <pc:docMk/>
+          <pc:sldMk cId="3689580349" sldId="291"/>
+        </pc:sldMkLst>
+        <pc:spChg chg="mod">
+          <ac:chgData name="Gibbons, Carl" userId="d2b037bc-8fb4-4222-845c-61440543a456" providerId="ADAL" clId="{3CE3119B-1917-4F7B-A5AD-6C146E3F914B}" dt="2023-12-28T21:21:03.949" v="11393" actId="27636"/>
+          <ac:spMkLst>
+            <pc:docMk/>
+            <pc:sldMk cId="3689580349" sldId="291"/>
+            <ac:spMk id="2" creationId="{264BAEB2-591D-DEE6-3C00-0BAAC69880F0}"/>
+          </ac:spMkLst>
+        </pc:spChg>
+        <pc:spChg chg="mod">
+          <ac:chgData name="Gibbons, Carl" userId="d2b037bc-8fb4-4222-845c-61440543a456" providerId="ADAL" clId="{3CE3119B-1917-4F7B-A5AD-6C146E3F914B}" dt="2023-12-28T21:02:59.174" v="10621" actId="20577"/>
+          <ac:spMkLst>
+            <pc:docMk/>
+            <pc:sldMk cId="3689580349" sldId="291"/>
+            <ac:spMk id="3" creationId="{0620B8A1-699E-C7B4-0A32-7D9C4529CA27}"/>
+          </ac:spMkLst>
+        </pc:spChg>
+      </pc:sldChg>
+      <pc:sldChg chg="modSp mod">
+        <pc:chgData name="Gibbons, Carl" userId="d2b037bc-8fb4-4222-845c-61440543a456" providerId="ADAL" clId="{3CE3119B-1917-4F7B-A5AD-6C146E3F914B}" dt="2023-12-28T21:30:34.709" v="11884" actId="20577"/>
+        <pc:sldMkLst>
+          <pc:docMk/>
+          <pc:sldMk cId="2738411615" sldId="292"/>
+        </pc:sldMkLst>
+        <pc:spChg chg="mod">
+          <ac:chgData name="Gibbons, Carl" userId="d2b037bc-8fb4-4222-845c-61440543a456" providerId="ADAL" clId="{3CE3119B-1917-4F7B-A5AD-6C146E3F914B}" dt="2023-12-28T21:27:00.893" v="11646" actId="20577"/>
+          <ac:spMkLst>
+            <pc:docMk/>
+            <pc:sldMk cId="2738411615" sldId="292"/>
+            <ac:spMk id="2" creationId="{31B75992-5098-A283-4925-2CCEBB801DC5}"/>
+          </ac:spMkLst>
+        </pc:spChg>
+        <pc:spChg chg="mod">
+          <ac:chgData name="Gibbons, Carl" userId="d2b037bc-8fb4-4222-845c-61440543a456" providerId="ADAL" clId="{3CE3119B-1917-4F7B-A5AD-6C146E3F914B}" dt="2023-12-28T21:30:34.709" v="11884" actId="20577"/>
+          <ac:spMkLst>
+            <pc:docMk/>
+            <pc:sldMk cId="2738411615" sldId="292"/>
+            <ac:spMk id="3" creationId="{B5924E0F-A977-1710-779D-EEB74261AF34}"/>
+          </ac:spMkLst>
+        </pc:spChg>
+      </pc:sldChg>
+      <pc:sldChg chg="modSp mod">
+        <pc:chgData name="Gibbons, Carl" userId="d2b037bc-8fb4-4222-845c-61440543a456" providerId="ADAL" clId="{3CE3119B-1917-4F7B-A5AD-6C146E3F914B}" dt="2023-12-28T21:56:49.002" v="13100" actId="20577"/>
+        <pc:sldMkLst>
+          <pc:docMk/>
+          <pc:sldMk cId="852415543" sldId="293"/>
+        </pc:sldMkLst>
+        <pc:spChg chg="mod">
+          <ac:chgData name="Gibbons, Carl" userId="d2b037bc-8fb4-4222-845c-61440543a456" providerId="ADAL" clId="{3CE3119B-1917-4F7B-A5AD-6C146E3F914B}" dt="2023-12-28T21:32:23.582" v="11900" actId="20577"/>
+          <ac:spMkLst>
+            <pc:docMk/>
+            <pc:sldMk cId="852415543" sldId="293"/>
+            <ac:spMk id="2" creationId="{264BAEB2-591D-DEE6-3C00-0BAAC69880F0}"/>
+          </ac:spMkLst>
+        </pc:spChg>
+        <pc:spChg chg="mod">
+          <ac:chgData name="Gibbons, Carl" userId="d2b037bc-8fb4-4222-845c-61440543a456" providerId="ADAL" clId="{3CE3119B-1917-4F7B-A5AD-6C146E3F914B}" dt="2023-12-28T21:56:49.002" v="13100" actId="20577"/>
+          <ac:spMkLst>
+            <pc:docMk/>
+            <pc:sldMk cId="852415543" sldId="293"/>
+            <ac:spMk id="3" creationId="{0620B8A1-699E-C7B4-0A32-7D9C4529CA27}"/>
+          </ac:spMkLst>
+        </pc:spChg>
+      </pc:sldChg>
+      <pc:sldMasterChg chg="delSldLayout">
+        <pc:chgData name="Gibbons, Carl" userId="d2b037bc-8fb4-4222-845c-61440543a456" providerId="ADAL" clId="{3CE3119B-1917-4F7B-A5AD-6C146E3F914B}" dt="2023-12-24T04:15:18.904" v="2211" actId="47"/>
+        <pc:sldMasterMkLst>
+          <pc:docMk/>
+          <pc:sldMasterMk cId="3616380004" sldId="2147483712"/>
+        </pc:sldMasterMkLst>
+        <pc:sldLayoutChg chg="del">
+          <pc:chgData name="Gibbons, Carl" userId="d2b037bc-8fb4-4222-845c-61440543a456" providerId="ADAL" clId="{3CE3119B-1917-4F7B-A5AD-6C146E3F914B}" dt="2023-12-24T04:15:18.904" v="2211" actId="47"/>
+          <pc:sldLayoutMkLst>
+            <pc:docMk/>
+            <pc:sldMasterMk cId="3616380004" sldId="2147483712"/>
+            <pc:sldLayoutMk cId="2633931619" sldId="2147483725"/>
+          </pc:sldLayoutMkLst>
+        </pc:sldLayoutChg>
+      </pc:sldMasterChg>
     </pc:docChg>
   </pc:docChgLst>
   <pc:docChgLst>
@@ -933,1224 +2153,6 @@
           <pc:sldMk cId="852415543" sldId="293"/>
         </pc:sldMkLst>
       </pc:sldChg>
-    </pc:docChg>
-  </pc:docChgLst>
-  <pc:docChgLst>
-    <pc:chgData name="Gibbons, Carl" userId="d2b037bc-8fb4-4222-845c-61440543a456" providerId="ADAL" clId="{06905CFC-A46E-472D-890F-9117438C8D89}"/>
-    <pc:docChg chg="custSel addSld delSld modSld">
-      <pc:chgData name="Gibbons, Carl" userId="d2b037bc-8fb4-4222-845c-61440543a456" providerId="ADAL" clId="{06905CFC-A46E-472D-890F-9117438C8D89}" dt="2024-02-04T04:33:39.872" v="4931" actId="20577"/>
-      <pc:docMkLst>
-        <pc:docMk/>
-      </pc:docMkLst>
-      <pc:sldChg chg="modSp mod">
-        <pc:chgData name="Gibbons, Carl" userId="d2b037bc-8fb4-4222-845c-61440543a456" providerId="ADAL" clId="{06905CFC-A46E-472D-890F-9117438C8D89}" dt="2024-02-04T02:59:56.129" v="48" actId="20577"/>
-        <pc:sldMkLst>
-          <pc:docMk/>
-          <pc:sldMk cId="3308175748" sldId="256"/>
-        </pc:sldMkLst>
-        <pc:spChg chg="mod">
-          <ac:chgData name="Gibbons, Carl" userId="d2b037bc-8fb4-4222-845c-61440543a456" providerId="ADAL" clId="{06905CFC-A46E-472D-890F-9117438C8D89}" dt="2024-02-04T02:59:56.129" v="48" actId="20577"/>
-          <ac:spMkLst>
-            <pc:docMk/>
-            <pc:sldMk cId="3308175748" sldId="256"/>
-            <ac:spMk id="3" creationId="{EEC4D41B-E776-05F2-BE0B-89BB339485AB}"/>
-          </ac:spMkLst>
-        </pc:spChg>
-      </pc:sldChg>
-      <pc:sldChg chg="modSp mod">
-        <pc:chgData name="Gibbons, Carl" userId="d2b037bc-8fb4-4222-845c-61440543a456" providerId="ADAL" clId="{06905CFC-A46E-472D-890F-9117438C8D89}" dt="2024-02-04T03:54:18.112" v="2151" actId="15"/>
-        <pc:sldMkLst>
-          <pc:docMk/>
-          <pc:sldMk cId="2312486803" sldId="261"/>
-        </pc:sldMkLst>
-        <pc:spChg chg="mod">
-          <ac:chgData name="Gibbons, Carl" userId="d2b037bc-8fb4-4222-845c-61440543a456" providerId="ADAL" clId="{06905CFC-A46E-472D-890F-9117438C8D89}" dt="2024-02-04T03:52:20.850" v="2087" actId="20577"/>
-          <ac:spMkLst>
-            <pc:docMk/>
-            <pc:sldMk cId="2312486803" sldId="261"/>
-            <ac:spMk id="2" creationId="{31B75992-5098-A283-4925-2CCEBB801DC5}"/>
-          </ac:spMkLst>
-        </pc:spChg>
-        <pc:spChg chg="mod">
-          <ac:chgData name="Gibbons, Carl" userId="d2b037bc-8fb4-4222-845c-61440543a456" providerId="ADAL" clId="{06905CFC-A46E-472D-890F-9117438C8D89}" dt="2024-02-04T03:54:18.112" v="2151" actId="15"/>
-          <ac:spMkLst>
-            <pc:docMk/>
-            <pc:sldMk cId="2312486803" sldId="261"/>
-            <ac:spMk id="3" creationId="{B5924E0F-A977-1710-779D-EEB74261AF34}"/>
-          </ac:spMkLst>
-        </pc:spChg>
-      </pc:sldChg>
-      <pc:sldChg chg="modSp mod">
-        <pc:chgData name="Gibbons, Carl" userId="d2b037bc-8fb4-4222-845c-61440543a456" providerId="ADAL" clId="{06905CFC-A46E-472D-890F-9117438C8D89}" dt="2024-02-04T04:33:39.872" v="4931" actId="20577"/>
-        <pc:sldMkLst>
-          <pc:docMk/>
-          <pc:sldMk cId="3885141102" sldId="262"/>
-        </pc:sldMkLst>
-        <pc:spChg chg="mod">
-          <ac:chgData name="Gibbons, Carl" userId="d2b037bc-8fb4-4222-845c-61440543a456" providerId="ADAL" clId="{06905CFC-A46E-472D-890F-9117438C8D89}" dt="2024-02-04T04:33:39.872" v="4931" actId="20577"/>
-          <ac:spMkLst>
-            <pc:docMk/>
-            <pc:sldMk cId="3885141102" sldId="262"/>
-            <ac:spMk id="3" creationId="{B5924E0F-A977-1710-779D-EEB74261AF34}"/>
-          </ac:spMkLst>
-        </pc:spChg>
-      </pc:sldChg>
-      <pc:sldChg chg="modSp mod">
-        <pc:chgData name="Gibbons, Carl" userId="d2b037bc-8fb4-4222-845c-61440543a456" providerId="ADAL" clId="{06905CFC-A46E-472D-890F-9117438C8D89}" dt="2024-02-04T04:32:40.613" v="4865" actId="20577"/>
-        <pc:sldMkLst>
-          <pc:docMk/>
-          <pc:sldMk cId="1719402288" sldId="263"/>
-        </pc:sldMkLst>
-        <pc:spChg chg="mod">
-          <ac:chgData name="Gibbons, Carl" userId="d2b037bc-8fb4-4222-845c-61440543a456" providerId="ADAL" clId="{06905CFC-A46E-472D-890F-9117438C8D89}" dt="2024-02-04T04:12:26.573" v="3314" actId="20577"/>
-          <ac:spMkLst>
-            <pc:docMk/>
-            <pc:sldMk cId="1719402288" sldId="263"/>
-            <ac:spMk id="2" creationId="{31B75992-5098-A283-4925-2CCEBB801DC5}"/>
-          </ac:spMkLst>
-        </pc:spChg>
-        <pc:spChg chg="mod">
-          <ac:chgData name="Gibbons, Carl" userId="d2b037bc-8fb4-4222-845c-61440543a456" providerId="ADAL" clId="{06905CFC-A46E-472D-890F-9117438C8D89}" dt="2024-02-04T04:32:40.613" v="4865" actId="20577"/>
-          <ac:spMkLst>
-            <pc:docMk/>
-            <pc:sldMk cId="1719402288" sldId="263"/>
-            <ac:spMk id="3" creationId="{B5924E0F-A977-1710-779D-EEB74261AF34}"/>
-          </ac:spMkLst>
-        </pc:spChg>
-      </pc:sldChg>
-      <pc:sldChg chg="modSp new del mod">
-        <pc:chgData name="Gibbons, Carl" userId="d2b037bc-8fb4-4222-845c-61440543a456" providerId="ADAL" clId="{06905CFC-A46E-472D-890F-9117438C8D89}" dt="2024-02-04T03:52:51.701" v="2091" actId="2696"/>
-        <pc:sldMkLst>
-          <pc:docMk/>
-          <pc:sldMk cId="122773691" sldId="264"/>
-        </pc:sldMkLst>
-        <pc:spChg chg="mod">
-          <ac:chgData name="Gibbons, Carl" userId="d2b037bc-8fb4-4222-845c-61440543a456" providerId="ADAL" clId="{06905CFC-A46E-472D-890F-9117438C8D89}" dt="2024-02-04T03:52:47.108" v="2090" actId="27636"/>
-          <ac:spMkLst>
-            <pc:docMk/>
-            <pc:sldMk cId="122773691" sldId="264"/>
-            <ac:spMk id="2" creationId="{25B9B666-A3B3-5530-8F45-BA2562A6655A}"/>
-          </ac:spMkLst>
-        </pc:spChg>
-      </pc:sldChg>
-      <pc:sldChg chg="modSp add mod">
-        <pc:chgData name="Gibbons, Carl" userId="d2b037bc-8fb4-4222-845c-61440543a456" providerId="ADAL" clId="{06905CFC-A46E-472D-890F-9117438C8D89}" dt="2024-02-04T04:11:43.510" v="3278" actId="20577"/>
-        <pc:sldMkLst>
-          <pc:docMk/>
-          <pc:sldMk cId="2993794741" sldId="265"/>
-        </pc:sldMkLst>
-        <pc:spChg chg="mod">
-          <ac:chgData name="Gibbons, Carl" userId="d2b037bc-8fb4-4222-845c-61440543a456" providerId="ADAL" clId="{06905CFC-A46E-472D-890F-9117438C8D89}" dt="2024-02-04T03:53:00.875" v="2111" actId="20577"/>
-          <ac:spMkLst>
-            <pc:docMk/>
-            <pc:sldMk cId="2993794741" sldId="265"/>
-            <ac:spMk id="2" creationId="{31B75992-5098-A283-4925-2CCEBB801DC5}"/>
-          </ac:spMkLst>
-        </pc:spChg>
-        <pc:spChg chg="mod">
-          <ac:chgData name="Gibbons, Carl" userId="d2b037bc-8fb4-4222-845c-61440543a456" providerId="ADAL" clId="{06905CFC-A46E-472D-890F-9117438C8D89}" dt="2024-02-04T04:11:43.510" v="3278" actId="20577"/>
-          <ac:spMkLst>
-            <pc:docMk/>
-            <pc:sldMk cId="2993794741" sldId="265"/>
-            <ac:spMk id="3" creationId="{B5924E0F-A977-1710-779D-EEB74261AF34}"/>
-          </ac:spMkLst>
-        </pc:spChg>
-      </pc:sldChg>
-    </pc:docChg>
-  </pc:docChgLst>
-  <pc:docChgLst>
-    <pc:chgData name="Gibbons, Carl" userId="d2b037bc-8fb4-4222-845c-61440543a456" providerId="ADAL" clId="{B22431BF-FF40-422E-84B9-DE35C0B96CC3}"/>
-    <pc:docChg chg="undo custSel delSld modSld">
-      <pc:chgData name="Gibbons, Carl" userId="d2b037bc-8fb4-4222-845c-61440543a456" providerId="ADAL" clId="{B22431BF-FF40-422E-84B9-DE35C0B96CC3}" dt="2024-01-04T23:02:20.392" v="6116" actId="20577"/>
-      <pc:docMkLst>
-        <pc:docMk/>
-      </pc:docMkLst>
-      <pc:sldChg chg="modSp mod">
-        <pc:chgData name="Gibbons, Carl" userId="d2b037bc-8fb4-4222-845c-61440543a456" providerId="ADAL" clId="{B22431BF-FF40-422E-84B9-DE35C0B96CC3}" dt="2023-12-29T21:56:55.022" v="36" actId="20577"/>
-        <pc:sldMkLst>
-          <pc:docMk/>
-          <pc:sldMk cId="3308175748" sldId="256"/>
-        </pc:sldMkLst>
-        <pc:spChg chg="mod">
-          <ac:chgData name="Gibbons, Carl" userId="d2b037bc-8fb4-4222-845c-61440543a456" providerId="ADAL" clId="{B22431BF-FF40-422E-84B9-DE35C0B96CC3}" dt="2023-12-29T21:56:55.022" v="36" actId="20577"/>
-          <ac:spMkLst>
-            <pc:docMk/>
-            <pc:sldMk cId="3308175748" sldId="256"/>
-            <ac:spMk id="3" creationId="{EEC4D41B-E776-05F2-BE0B-89BB339485AB}"/>
-          </ac:spMkLst>
-        </pc:spChg>
-      </pc:sldChg>
-      <pc:sldChg chg="modSp mod">
-        <pc:chgData name="Gibbons, Carl" userId="d2b037bc-8fb4-4222-845c-61440543a456" providerId="ADAL" clId="{B22431BF-FF40-422E-84B9-DE35C0B96CC3}" dt="2024-01-04T23:00:14.898" v="6013" actId="20577"/>
-        <pc:sldMkLst>
-          <pc:docMk/>
-          <pc:sldMk cId="2312486803" sldId="261"/>
-        </pc:sldMkLst>
-        <pc:spChg chg="mod">
-          <ac:chgData name="Gibbons, Carl" userId="d2b037bc-8fb4-4222-845c-61440543a456" providerId="ADAL" clId="{B22431BF-FF40-422E-84B9-DE35C0B96CC3}" dt="2023-12-29T22:08:30.114" v="43" actId="20577"/>
-          <ac:spMkLst>
-            <pc:docMk/>
-            <pc:sldMk cId="2312486803" sldId="261"/>
-            <ac:spMk id="2" creationId="{31B75992-5098-A283-4925-2CCEBB801DC5}"/>
-          </ac:spMkLst>
-        </pc:spChg>
-        <pc:spChg chg="mod">
-          <ac:chgData name="Gibbons, Carl" userId="d2b037bc-8fb4-4222-845c-61440543a456" providerId="ADAL" clId="{B22431BF-FF40-422E-84B9-DE35C0B96CC3}" dt="2024-01-04T23:00:14.898" v="6013" actId="20577"/>
-          <ac:spMkLst>
-            <pc:docMk/>
-            <pc:sldMk cId="2312486803" sldId="261"/>
-            <ac:spMk id="3" creationId="{B5924E0F-A977-1710-779D-EEB74261AF34}"/>
-          </ac:spMkLst>
-        </pc:spChg>
-      </pc:sldChg>
-      <pc:sldChg chg="del">
-        <pc:chgData name="Gibbons, Carl" userId="d2b037bc-8fb4-4222-845c-61440543a456" providerId="ADAL" clId="{B22431BF-FF40-422E-84B9-DE35C0B96CC3}" dt="2023-12-30T00:06:35.373" v="5939" actId="47"/>
-        <pc:sldMkLst>
-          <pc:docMk/>
-          <pc:sldMk cId="657795359" sldId="277"/>
-        </pc:sldMkLst>
-      </pc:sldChg>
-      <pc:sldChg chg="modSp mod">
-        <pc:chgData name="Gibbons, Carl" userId="d2b037bc-8fb4-4222-845c-61440543a456" providerId="ADAL" clId="{B22431BF-FF40-422E-84B9-DE35C0B96CC3}" dt="2023-12-29T22:43:19.687" v="2380" actId="20577"/>
-        <pc:sldMkLst>
-          <pc:docMk/>
-          <pc:sldMk cId="3989541258" sldId="278"/>
-        </pc:sldMkLst>
-        <pc:spChg chg="mod">
-          <ac:chgData name="Gibbons, Carl" userId="d2b037bc-8fb4-4222-845c-61440543a456" providerId="ADAL" clId="{B22431BF-FF40-422E-84B9-DE35C0B96CC3}" dt="2023-12-29T22:43:19.687" v="2380" actId="20577"/>
-          <ac:spMkLst>
-            <pc:docMk/>
-            <pc:sldMk cId="3989541258" sldId="278"/>
-            <ac:spMk id="2" creationId="{31B75992-5098-A283-4925-2CCEBB801DC5}"/>
-          </ac:spMkLst>
-        </pc:spChg>
-        <pc:spChg chg="mod">
-          <ac:chgData name="Gibbons, Carl" userId="d2b037bc-8fb4-4222-845c-61440543a456" providerId="ADAL" clId="{B22431BF-FF40-422E-84B9-DE35C0B96CC3}" dt="2023-12-29T22:42:57.446" v="2316" actId="21"/>
-          <ac:spMkLst>
-            <pc:docMk/>
-            <pc:sldMk cId="3989541258" sldId="278"/>
-            <ac:spMk id="3" creationId="{B5924E0F-A977-1710-779D-EEB74261AF34}"/>
-          </ac:spMkLst>
-        </pc:spChg>
-      </pc:sldChg>
-      <pc:sldChg chg="modSp mod">
-        <pc:chgData name="Gibbons, Carl" userId="d2b037bc-8fb4-4222-845c-61440543a456" providerId="ADAL" clId="{B22431BF-FF40-422E-84B9-DE35C0B96CC3}" dt="2024-01-04T23:02:20.392" v="6116" actId="20577"/>
-        <pc:sldMkLst>
-          <pc:docMk/>
-          <pc:sldMk cId="1861646120" sldId="293"/>
-        </pc:sldMkLst>
-        <pc:spChg chg="mod">
-          <ac:chgData name="Gibbons, Carl" userId="d2b037bc-8fb4-4222-845c-61440543a456" providerId="ADAL" clId="{B22431BF-FF40-422E-84B9-DE35C0B96CC3}" dt="2023-12-29T22:43:38.151" v="2422" actId="20577"/>
-          <ac:spMkLst>
-            <pc:docMk/>
-            <pc:sldMk cId="1861646120" sldId="293"/>
-            <ac:spMk id="2" creationId="{31B75992-5098-A283-4925-2CCEBB801DC5}"/>
-          </ac:spMkLst>
-        </pc:spChg>
-        <pc:spChg chg="mod">
-          <ac:chgData name="Gibbons, Carl" userId="d2b037bc-8fb4-4222-845c-61440543a456" providerId="ADAL" clId="{B22431BF-FF40-422E-84B9-DE35C0B96CC3}" dt="2024-01-04T23:02:20.392" v="6116" actId="20577"/>
-          <ac:spMkLst>
-            <pc:docMk/>
-            <pc:sldMk cId="1861646120" sldId="293"/>
-            <ac:spMk id="3" creationId="{B5924E0F-A977-1710-779D-EEB74261AF34}"/>
-          </ac:spMkLst>
-        </pc:spChg>
-      </pc:sldChg>
-      <pc:sldChg chg="modSp mod">
-        <pc:chgData name="Gibbons, Carl" userId="d2b037bc-8fb4-4222-845c-61440543a456" providerId="ADAL" clId="{B22431BF-FF40-422E-84B9-DE35C0B96CC3}" dt="2023-12-30T00:07:46.447" v="5951" actId="20577"/>
-        <pc:sldMkLst>
-          <pc:docMk/>
-          <pc:sldMk cId="2232562783" sldId="294"/>
-        </pc:sldMkLst>
-        <pc:spChg chg="mod">
-          <ac:chgData name="Gibbons, Carl" userId="d2b037bc-8fb4-4222-845c-61440543a456" providerId="ADAL" clId="{B22431BF-FF40-422E-84B9-DE35C0B96CC3}" dt="2023-12-30T00:07:46.447" v="5951" actId="20577"/>
-          <ac:spMkLst>
-            <pc:docMk/>
-            <pc:sldMk cId="2232562783" sldId="294"/>
-            <ac:spMk id="2" creationId="{31B75992-5098-A283-4925-2CCEBB801DC5}"/>
-          </ac:spMkLst>
-        </pc:spChg>
-        <pc:spChg chg="mod">
-          <ac:chgData name="Gibbons, Carl" userId="d2b037bc-8fb4-4222-845c-61440543a456" providerId="ADAL" clId="{B22431BF-FF40-422E-84B9-DE35C0B96CC3}" dt="2023-12-29T23:10:49.132" v="4131" actId="20577"/>
-          <ac:spMkLst>
-            <pc:docMk/>
-            <pc:sldMk cId="2232562783" sldId="294"/>
-            <ac:spMk id="3" creationId="{B5924E0F-A977-1710-779D-EEB74261AF34}"/>
-          </ac:spMkLst>
-        </pc:spChg>
-      </pc:sldChg>
-      <pc:sldChg chg="modSp del mod">
-        <pc:chgData name="Gibbons, Carl" userId="d2b037bc-8fb4-4222-845c-61440543a456" providerId="ADAL" clId="{B22431BF-FF40-422E-84B9-DE35C0B96CC3}" dt="2023-12-30T00:06:31.761" v="5934" actId="47"/>
-        <pc:sldMkLst>
-          <pc:docMk/>
-          <pc:sldMk cId="806767687" sldId="295"/>
-        </pc:sldMkLst>
-        <pc:spChg chg="mod">
-          <ac:chgData name="Gibbons, Carl" userId="d2b037bc-8fb4-4222-845c-61440543a456" providerId="ADAL" clId="{B22431BF-FF40-422E-84B9-DE35C0B96CC3}" dt="2023-12-29T23:17:23.085" v="4333" actId="20577"/>
-          <ac:spMkLst>
-            <pc:docMk/>
-            <pc:sldMk cId="806767687" sldId="295"/>
-            <ac:spMk id="3" creationId="{B5924E0F-A977-1710-779D-EEB74261AF34}"/>
-          </ac:spMkLst>
-        </pc:spChg>
-      </pc:sldChg>
-      <pc:sldChg chg="del">
-        <pc:chgData name="Gibbons, Carl" userId="d2b037bc-8fb4-4222-845c-61440543a456" providerId="ADAL" clId="{B22431BF-FF40-422E-84B9-DE35C0B96CC3}" dt="2023-12-30T00:06:32.570" v="5935" actId="47"/>
-        <pc:sldMkLst>
-          <pc:docMk/>
-          <pc:sldMk cId="3145157247" sldId="296"/>
-        </pc:sldMkLst>
-      </pc:sldChg>
-      <pc:sldChg chg="del">
-        <pc:chgData name="Gibbons, Carl" userId="d2b037bc-8fb4-4222-845c-61440543a456" providerId="ADAL" clId="{B22431BF-FF40-422E-84B9-DE35C0B96CC3}" dt="2023-12-30T00:06:33.242" v="5936" actId="47"/>
-        <pc:sldMkLst>
-          <pc:docMk/>
-          <pc:sldMk cId="2424714671" sldId="297"/>
-        </pc:sldMkLst>
-      </pc:sldChg>
-      <pc:sldChg chg="del">
-        <pc:chgData name="Gibbons, Carl" userId="d2b037bc-8fb4-4222-845c-61440543a456" providerId="ADAL" clId="{B22431BF-FF40-422E-84B9-DE35C0B96CC3}" dt="2023-12-30T00:06:33.834" v="5937" actId="47"/>
-        <pc:sldMkLst>
-          <pc:docMk/>
-          <pc:sldMk cId="3450195044" sldId="298"/>
-        </pc:sldMkLst>
-      </pc:sldChg>
-      <pc:sldChg chg="del">
-        <pc:chgData name="Gibbons, Carl" userId="d2b037bc-8fb4-4222-845c-61440543a456" providerId="ADAL" clId="{B22431BF-FF40-422E-84B9-DE35C0B96CC3}" dt="2023-12-30T00:06:34.432" v="5938" actId="47"/>
-        <pc:sldMkLst>
-          <pc:docMk/>
-          <pc:sldMk cId="3633122843" sldId="299"/>
-        </pc:sldMkLst>
-      </pc:sldChg>
-      <pc:sldChg chg="modSp mod">
-        <pc:chgData name="Gibbons, Carl" userId="d2b037bc-8fb4-4222-845c-61440543a456" providerId="ADAL" clId="{B22431BF-FF40-422E-84B9-DE35C0B96CC3}" dt="2023-12-30T00:07:51.836" v="5963" actId="20577"/>
-        <pc:sldMkLst>
-          <pc:docMk/>
-          <pc:sldMk cId="845747584" sldId="300"/>
-        </pc:sldMkLst>
-        <pc:spChg chg="mod">
-          <ac:chgData name="Gibbons, Carl" userId="d2b037bc-8fb4-4222-845c-61440543a456" providerId="ADAL" clId="{B22431BF-FF40-422E-84B9-DE35C0B96CC3}" dt="2023-12-30T00:07:51.836" v="5963" actId="20577"/>
-          <ac:spMkLst>
-            <pc:docMk/>
-            <pc:sldMk cId="845747584" sldId="300"/>
-            <ac:spMk id="2" creationId="{31B75992-5098-A283-4925-2CCEBB801DC5}"/>
-          </ac:spMkLst>
-        </pc:spChg>
-        <pc:spChg chg="mod">
-          <ac:chgData name="Gibbons, Carl" userId="d2b037bc-8fb4-4222-845c-61440543a456" providerId="ADAL" clId="{B22431BF-FF40-422E-84B9-DE35C0B96CC3}" dt="2023-12-29T23:21:57.151" v="4600" actId="20577"/>
-          <ac:spMkLst>
-            <pc:docMk/>
-            <pc:sldMk cId="845747584" sldId="300"/>
-            <ac:spMk id="3" creationId="{B5924E0F-A977-1710-779D-EEB74261AF34}"/>
-          </ac:spMkLst>
-        </pc:spChg>
-      </pc:sldChg>
-      <pc:sldChg chg="modSp mod">
-        <pc:chgData name="Gibbons, Carl" userId="d2b037bc-8fb4-4222-845c-61440543a456" providerId="ADAL" clId="{B22431BF-FF40-422E-84B9-DE35C0B96CC3}" dt="2023-12-30T00:07:56.869" v="5975" actId="20577"/>
-        <pc:sldMkLst>
-          <pc:docMk/>
-          <pc:sldMk cId="3372579319" sldId="301"/>
-        </pc:sldMkLst>
-        <pc:spChg chg="mod">
-          <ac:chgData name="Gibbons, Carl" userId="d2b037bc-8fb4-4222-845c-61440543a456" providerId="ADAL" clId="{B22431BF-FF40-422E-84B9-DE35C0B96CC3}" dt="2023-12-30T00:07:56.869" v="5975" actId="20577"/>
-          <ac:spMkLst>
-            <pc:docMk/>
-            <pc:sldMk cId="3372579319" sldId="301"/>
-            <ac:spMk id="2" creationId="{31B75992-5098-A283-4925-2CCEBB801DC5}"/>
-          </ac:spMkLst>
-        </pc:spChg>
-        <pc:spChg chg="mod">
-          <ac:chgData name="Gibbons, Carl" userId="d2b037bc-8fb4-4222-845c-61440543a456" providerId="ADAL" clId="{B22431BF-FF40-422E-84B9-DE35C0B96CC3}" dt="2023-12-30T00:06:13.959" v="5932" actId="20577"/>
-          <ac:spMkLst>
-            <pc:docMk/>
-            <pc:sldMk cId="3372579319" sldId="301"/>
-            <ac:spMk id="3" creationId="{B5924E0F-A977-1710-779D-EEB74261AF34}"/>
-          </ac:spMkLst>
-        </pc:spChg>
-      </pc:sldChg>
-      <pc:sldChg chg="modSp del mod">
-        <pc:chgData name="Gibbons, Carl" userId="d2b037bc-8fb4-4222-845c-61440543a456" providerId="ADAL" clId="{B22431BF-FF40-422E-84B9-DE35C0B96CC3}" dt="2023-12-30T00:06:30.511" v="5933" actId="47"/>
-        <pc:sldMkLst>
-          <pc:docMk/>
-          <pc:sldMk cId="3488854045" sldId="302"/>
-        </pc:sldMkLst>
-        <pc:spChg chg="mod">
-          <ac:chgData name="Gibbons, Carl" userId="d2b037bc-8fb4-4222-845c-61440543a456" providerId="ADAL" clId="{B22431BF-FF40-422E-84B9-DE35C0B96CC3}" dt="2023-12-29T23:32:30.137" v="5532" actId="20577"/>
-          <ac:spMkLst>
-            <pc:docMk/>
-            <pc:sldMk cId="3488854045" sldId="302"/>
-            <ac:spMk id="2" creationId="{31B75992-5098-A283-4925-2CCEBB801DC5}"/>
-          </ac:spMkLst>
-        </pc:spChg>
-        <pc:spChg chg="mod">
-          <ac:chgData name="Gibbons, Carl" userId="d2b037bc-8fb4-4222-845c-61440543a456" providerId="ADAL" clId="{B22431BF-FF40-422E-84B9-DE35C0B96CC3}" dt="2023-12-29T23:35:41.617" v="5912" actId="20577"/>
-          <ac:spMkLst>
-            <pc:docMk/>
-            <pc:sldMk cId="3488854045" sldId="302"/>
-            <ac:spMk id="3" creationId="{B5924E0F-A977-1710-779D-EEB74261AF34}"/>
-          </ac:spMkLst>
-        </pc:spChg>
-      </pc:sldChg>
-    </pc:docChg>
-  </pc:docChgLst>
-  <pc:docChgLst>
-    <pc:chgData name="Gibbons, Carl" userId="d2b037bc-8fb4-4222-845c-61440543a456" providerId="ADAL" clId="{CA56C342-F1F4-4920-9E02-F107DF806007}"/>
-    <pc:docChg chg="modSld">
-      <pc:chgData name="Gibbons, Carl" userId="d2b037bc-8fb4-4222-845c-61440543a456" providerId="ADAL" clId="{CA56C342-F1F4-4920-9E02-F107DF806007}" dt="2024-05-17T02:54:20.732" v="44" actId="5793"/>
-      <pc:docMkLst>
-        <pc:docMk/>
-      </pc:docMkLst>
-      <pc:sldChg chg="modSp mod">
-        <pc:chgData name="Gibbons, Carl" userId="d2b037bc-8fb4-4222-845c-61440543a456" providerId="ADAL" clId="{CA56C342-F1F4-4920-9E02-F107DF806007}" dt="2024-05-17T02:49:40.889" v="4" actId="20577"/>
-        <pc:sldMkLst>
-          <pc:docMk/>
-          <pc:sldMk cId="2312486803" sldId="261"/>
-        </pc:sldMkLst>
-        <pc:spChg chg="mod">
-          <ac:chgData name="Gibbons, Carl" userId="d2b037bc-8fb4-4222-845c-61440543a456" providerId="ADAL" clId="{CA56C342-F1F4-4920-9E02-F107DF806007}" dt="2024-05-17T02:49:40.889" v="4" actId="20577"/>
-          <ac:spMkLst>
-            <pc:docMk/>
-            <pc:sldMk cId="2312486803" sldId="261"/>
-            <ac:spMk id="3" creationId="{B5924E0F-A977-1710-779D-EEB74261AF34}"/>
-          </ac:spMkLst>
-        </pc:spChg>
-      </pc:sldChg>
-      <pc:sldChg chg="modSp mod">
-        <pc:chgData name="Gibbons, Carl" userId="d2b037bc-8fb4-4222-845c-61440543a456" providerId="ADAL" clId="{CA56C342-F1F4-4920-9E02-F107DF806007}" dt="2024-05-17T02:54:20.732" v="44" actId="5793"/>
-        <pc:sldMkLst>
-          <pc:docMk/>
-          <pc:sldMk cId="1719402288" sldId="263"/>
-        </pc:sldMkLst>
-        <pc:spChg chg="mod">
-          <ac:chgData name="Gibbons, Carl" userId="d2b037bc-8fb4-4222-845c-61440543a456" providerId="ADAL" clId="{CA56C342-F1F4-4920-9E02-F107DF806007}" dt="2024-05-17T02:54:20.732" v="44" actId="5793"/>
-          <ac:spMkLst>
-            <pc:docMk/>
-            <pc:sldMk cId="1719402288" sldId="263"/>
-            <ac:spMk id="3" creationId="{B5924E0F-A977-1710-779D-EEB74261AF34}"/>
-          </ac:spMkLst>
-        </pc:spChg>
-      </pc:sldChg>
-      <pc:sldChg chg="modSp mod">
-        <pc:chgData name="Gibbons, Carl" userId="d2b037bc-8fb4-4222-845c-61440543a456" providerId="ADAL" clId="{CA56C342-F1F4-4920-9E02-F107DF806007}" dt="2024-05-17T02:50:22.746" v="8" actId="20577"/>
-        <pc:sldMkLst>
-          <pc:docMk/>
-          <pc:sldMk cId="2993794741" sldId="265"/>
-        </pc:sldMkLst>
-        <pc:spChg chg="mod">
-          <ac:chgData name="Gibbons, Carl" userId="d2b037bc-8fb4-4222-845c-61440543a456" providerId="ADAL" clId="{CA56C342-F1F4-4920-9E02-F107DF806007}" dt="2024-05-17T02:50:22.746" v="8" actId="20577"/>
-          <ac:spMkLst>
-            <pc:docMk/>
-            <pc:sldMk cId="2993794741" sldId="265"/>
-            <ac:spMk id="3" creationId="{B5924E0F-A977-1710-779D-EEB74261AF34}"/>
-          </ac:spMkLst>
-        </pc:spChg>
-      </pc:sldChg>
-    </pc:docChg>
-  </pc:docChgLst>
-  <pc:docChgLst>
-    <pc:chgData name="Gibbons, Carl" userId="d2b037bc-8fb4-4222-845c-61440543a456" providerId="ADAL" clId="{14F797DE-E75B-4062-A6FB-AA9F07155580}"/>
-    <pc:docChg chg="undo custSel addSld modSld">
-      <pc:chgData name="Gibbons, Carl" userId="d2b037bc-8fb4-4222-845c-61440543a456" providerId="ADAL" clId="{14F797DE-E75B-4062-A6FB-AA9F07155580}" dt="2023-12-29T21:55:15.574" v="6853" actId="255"/>
-      <pc:docMkLst>
-        <pc:docMk/>
-      </pc:docMkLst>
-      <pc:sldChg chg="modSp mod">
-        <pc:chgData name="Gibbons, Carl" userId="d2b037bc-8fb4-4222-845c-61440543a456" providerId="ADAL" clId="{14F797DE-E75B-4062-A6FB-AA9F07155580}" dt="2023-12-29T17:10:38.181" v="10" actId="20577"/>
-        <pc:sldMkLst>
-          <pc:docMk/>
-          <pc:sldMk cId="3308175748" sldId="256"/>
-        </pc:sldMkLst>
-        <pc:spChg chg="mod">
-          <ac:chgData name="Gibbons, Carl" userId="d2b037bc-8fb4-4222-845c-61440543a456" providerId="ADAL" clId="{14F797DE-E75B-4062-A6FB-AA9F07155580}" dt="2023-12-29T17:10:38.181" v="10" actId="20577"/>
-          <ac:spMkLst>
-            <pc:docMk/>
-            <pc:sldMk cId="3308175748" sldId="256"/>
-            <ac:spMk id="3" creationId="{EEC4D41B-E776-05F2-BE0B-89BB339485AB}"/>
-          </ac:spMkLst>
-        </pc:spChg>
-      </pc:sldChg>
-      <pc:sldChg chg="modSp mod">
-        <pc:chgData name="Gibbons, Carl" userId="d2b037bc-8fb4-4222-845c-61440543a456" providerId="ADAL" clId="{14F797DE-E75B-4062-A6FB-AA9F07155580}" dt="2023-12-29T17:51:52.012" v="2089" actId="20577"/>
-        <pc:sldMkLst>
-          <pc:docMk/>
-          <pc:sldMk cId="2312486803" sldId="261"/>
-        </pc:sldMkLst>
-        <pc:spChg chg="mod">
-          <ac:chgData name="Gibbons, Carl" userId="d2b037bc-8fb4-4222-845c-61440543a456" providerId="ADAL" clId="{14F797DE-E75B-4062-A6FB-AA9F07155580}" dt="2023-12-29T17:23:59.510" v="341" actId="20577"/>
-          <ac:spMkLst>
-            <pc:docMk/>
-            <pc:sldMk cId="2312486803" sldId="261"/>
-            <ac:spMk id="2" creationId="{31B75992-5098-A283-4925-2CCEBB801DC5}"/>
-          </ac:spMkLst>
-        </pc:spChg>
-        <pc:spChg chg="mod">
-          <ac:chgData name="Gibbons, Carl" userId="d2b037bc-8fb4-4222-845c-61440543a456" providerId="ADAL" clId="{14F797DE-E75B-4062-A6FB-AA9F07155580}" dt="2023-12-29T17:51:52.012" v="2089" actId="20577"/>
-          <ac:spMkLst>
-            <pc:docMk/>
-            <pc:sldMk cId="2312486803" sldId="261"/>
-            <ac:spMk id="3" creationId="{B5924E0F-A977-1710-779D-EEB74261AF34}"/>
-          </ac:spMkLst>
-        </pc:spChg>
-      </pc:sldChg>
-      <pc:sldChg chg="addSp modSp mod">
-        <pc:chgData name="Gibbons, Carl" userId="d2b037bc-8fb4-4222-845c-61440543a456" providerId="ADAL" clId="{14F797DE-E75B-4062-A6FB-AA9F07155580}" dt="2023-12-29T21:53:53.831" v="6845" actId="20577"/>
-        <pc:sldMkLst>
-          <pc:docMk/>
-          <pc:sldMk cId="657795359" sldId="277"/>
-        </pc:sldMkLst>
-        <pc:spChg chg="mod">
-          <ac:chgData name="Gibbons, Carl" userId="d2b037bc-8fb4-4222-845c-61440543a456" providerId="ADAL" clId="{14F797DE-E75B-4062-A6FB-AA9F07155580}" dt="2023-12-29T21:45:47.422" v="6393" actId="20577"/>
-          <ac:spMkLst>
-            <pc:docMk/>
-            <pc:sldMk cId="657795359" sldId="277"/>
-            <ac:spMk id="2" creationId="{1862E903-3C56-BB42-2361-009F2336475A}"/>
-          </ac:spMkLst>
-        </pc:spChg>
-        <pc:spChg chg="add mod">
-          <ac:chgData name="Gibbons, Carl" userId="d2b037bc-8fb4-4222-845c-61440543a456" providerId="ADAL" clId="{14F797DE-E75B-4062-A6FB-AA9F07155580}" dt="2023-12-29T21:53:53.831" v="6845" actId="20577"/>
-          <ac:spMkLst>
-            <pc:docMk/>
-            <pc:sldMk cId="657795359" sldId="277"/>
-            <ac:spMk id="3" creationId="{D9D594D6-F4EE-B0AB-C128-26D2D32F8E21}"/>
-          </ac:spMkLst>
-        </pc:spChg>
-      </pc:sldChg>
-      <pc:sldChg chg="modSp mod">
-        <pc:chgData name="Gibbons, Carl" userId="d2b037bc-8fb4-4222-845c-61440543a456" providerId="ADAL" clId="{14F797DE-E75B-4062-A6FB-AA9F07155580}" dt="2023-12-29T18:26:31.431" v="3669" actId="20577"/>
-        <pc:sldMkLst>
-          <pc:docMk/>
-          <pc:sldMk cId="3989541258" sldId="278"/>
-        </pc:sldMkLst>
-        <pc:spChg chg="mod">
-          <ac:chgData name="Gibbons, Carl" userId="d2b037bc-8fb4-4222-845c-61440543a456" providerId="ADAL" clId="{14F797DE-E75B-4062-A6FB-AA9F07155580}" dt="2023-12-29T17:53:20.837" v="2147" actId="20577"/>
-          <ac:spMkLst>
-            <pc:docMk/>
-            <pc:sldMk cId="3989541258" sldId="278"/>
-            <ac:spMk id="2" creationId="{31B75992-5098-A283-4925-2CCEBB801DC5}"/>
-          </ac:spMkLst>
-        </pc:spChg>
-        <pc:spChg chg="mod">
-          <ac:chgData name="Gibbons, Carl" userId="d2b037bc-8fb4-4222-845c-61440543a456" providerId="ADAL" clId="{14F797DE-E75B-4062-A6FB-AA9F07155580}" dt="2023-12-29T18:26:31.431" v="3669" actId="20577"/>
-          <ac:spMkLst>
-            <pc:docMk/>
-            <pc:sldMk cId="3989541258" sldId="278"/>
-            <ac:spMk id="3" creationId="{B5924E0F-A977-1710-779D-EEB74261AF34}"/>
-          </ac:spMkLst>
-        </pc:spChg>
-      </pc:sldChg>
-      <pc:sldChg chg="modSp mod">
-        <pc:chgData name="Gibbons, Carl" userId="d2b037bc-8fb4-4222-845c-61440543a456" providerId="ADAL" clId="{14F797DE-E75B-4062-A6FB-AA9F07155580}" dt="2023-12-29T21:55:15.574" v="6853" actId="255"/>
-        <pc:sldMkLst>
-          <pc:docMk/>
-          <pc:sldMk cId="1861646120" sldId="293"/>
-        </pc:sldMkLst>
-        <pc:spChg chg="mod">
-          <ac:chgData name="Gibbons, Carl" userId="d2b037bc-8fb4-4222-845c-61440543a456" providerId="ADAL" clId="{14F797DE-E75B-4062-A6FB-AA9F07155580}" dt="2023-12-29T18:01:10.039" v="2767" actId="20577"/>
-          <ac:spMkLst>
-            <pc:docMk/>
-            <pc:sldMk cId="1861646120" sldId="293"/>
-            <ac:spMk id="2" creationId="{31B75992-5098-A283-4925-2CCEBB801DC5}"/>
-          </ac:spMkLst>
-        </pc:spChg>
-        <pc:spChg chg="mod">
-          <ac:chgData name="Gibbons, Carl" userId="d2b037bc-8fb4-4222-845c-61440543a456" providerId="ADAL" clId="{14F797DE-E75B-4062-A6FB-AA9F07155580}" dt="2023-12-29T21:55:15.574" v="6853" actId="255"/>
-          <ac:spMkLst>
-            <pc:docMk/>
-            <pc:sldMk cId="1861646120" sldId="293"/>
-            <ac:spMk id="3" creationId="{B5924E0F-A977-1710-779D-EEB74261AF34}"/>
-          </ac:spMkLst>
-        </pc:spChg>
-      </pc:sldChg>
-      <pc:sldChg chg="modSp mod">
-        <pc:chgData name="Gibbons, Carl" userId="d2b037bc-8fb4-4222-845c-61440543a456" providerId="ADAL" clId="{14F797DE-E75B-4062-A6FB-AA9F07155580}" dt="2023-12-29T21:55:08.313" v="6852" actId="255"/>
-        <pc:sldMkLst>
-          <pc:docMk/>
-          <pc:sldMk cId="2232562783" sldId="294"/>
-        </pc:sldMkLst>
-        <pc:spChg chg="mod">
-          <ac:chgData name="Gibbons, Carl" userId="d2b037bc-8fb4-4222-845c-61440543a456" providerId="ADAL" clId="{14F797DE-E75B-4062-A6FB-AA9F07155580}" dt="2023-12-29T18:24:14.937" v="3546" actId="20577"/>
-          <ac:spMkLst>
-            <pc:docMk/>
-            <pc:sldMk cId="2232562783" sldId="294"/>
-            <ac:spMk id="2" creationId="{31B75992-5098-A283-4925-2CCEBB801DC5}"/>
-          </ac:spMkLst>
-        </pc:spChg>
-        <pc:spChg chg="mod">
-          <ac:chgData name="Gibbons, Carl" userId="d2b037bc-8fb4-4222-845c-61440543a456" providerId="ADAL" clId="{14F797DE-E75B-4062-A6FB-AA9F07155580}" dt="2023-12-29T21:55:08.313" v="6852" actId="255"/>
-          <ac:spMkLst>
-            <pc:docMk/>
-            <pc:sldMk cId="2232562783" sldId="294"/>
-            <ac:spMk id="3" creationId="{B5924E0F-A977-1710-779D-EEB74261AF34}"/>
-          </ac:spMkLst>
-        </pc:spChg>
-      </pc:sldChg>
-      <pc:sldChg chg="modSp add mod">
-        <pc:chgData name="Gibbons, Carl" userId="d2b037bc-8fb4-4222-845c-61440543a456" providerId="ADAL" clId="{14F797DE-E75B-4062-A6FB-AA9F07155580}" dt="2023-12-29T21:55:02.689" v="6851" actId="255"/>
-        <pc:sldMkLst>
-          <pc:docMk/>
-          <pc:sldMk cId="806767687" sldId="295"/>
-        </pc:sldMkLst>
-        <pc:spChg chg="mod">
-          <ac:chgData name="Gibbons, Carl" userId="d2b037bc-8fb4-4222-845c-61440543a456" providerId="ADAL" clId="{14F797DE-E75B-4062-A6FB-AA9F07155580}" dt="2023-12-29T18:50:33.208" v="4036" actId="113"/>
-          <ac:spMkLst>
-            <pc:docMk/>
-            <pc:sldMk cId="806767687" sldId="295"/>
-            <ac:spMk id="2" creationId="{31B75992-5098-A283-4925-2CCEBB801DC5}"/>
-          </ac:spMkLst>
-        </pc:spChg>
-        <pc:spChg chg="mod">
-          <ac:chgData name="Gibbons, Carl" userId="d2b037bc-8fb4-4222-845c-61440543a456" providerId="ADAL" clId="{14F797DE-E75B-4062-A6FB-AA9F07155580}" dt="2023-12-29T21:55:02.689" v="6851" actId="255"/>
-          <ac:spMkLst>
-            <pc:docMk/>
-            <pc:sldMk cId="806767687" sldId="295"/>
-            <ac:spMk id="3" creationId="{B5924E0F-A977-1710-779D-EEB74261AF34}"/>
-          </ac:spMkLst>
-        </pc:spChg>
-      </pc:sldChg>
-      <pc:sldChg chg="modSp mod">
-        <pc:chgData name="Gibbons, Carl" userId="d2b037bc-8fb4-4222-845c-61440543a456" providerId="ADAL" clId="{14F797DE-E75B-4062-A6FB-AA9F07155580}" dt="2023-12-29T21:54:48.370" v="6850" actId="255"/>
-        <pc:sldMkLst>
-          <pc:docMk/>
-          <pc:sldMk cId="3145157247" sldId="296"/>
-        </pc:sldMkLst>
-        <pc:spChg chg="mod">
-          <ac:chgData name="Gibbons, Carl" userId="d2b037bc-8fb4-4222-845c-61440543a456" providerId="ADAL" clId="{14F797DE-E75B-4062-A6FB-AA9F07155580}" dt="2023-12-29T21:07:20.782" v="4695" actId="20577"/>
-          <ac:spMkLst>
-            <pc:docMk/>
-            <pc:sldMk cId="3145157247" sldId="296"/>
-            <ac:spMk id="2" creationId="{31B75992-5098-A283-4925-2CCEBB801DC5}"/>
-          </ac:spMkLst>
-        </pc:spChg>
-        <pc:spChg chg="mod">
-          <ac:chgData name="Gibbons, Carl" userId="d2b037bc-8fb4-4222-845c-61440543a456" providerId="ADAL" clId="{14F797DE-E75B-4062-A6FB-AA9F07155580}" dt="2023-12-29T21:54:48.370" v="6850" actId="255"/>
-          <ac:spMkLst>
-            <pc:docMk/>
-            <pc:sldMk cId="3145157247" sldId="296"/>
-            <ac:spMk id="3" creationId="{B5924E0F-A977-1710-779D-EEB74261AF34}"/>
-          </ac:spMkLst>
-        </pc:spChg>
-      </pc:sldChg>
-      <pc:sldChg chg="modSp mod">
-        <pc:chgData name="Gibbons, Carl" userId="d2b037bc-8fb4-4222-845c-61440543a456" providerId="ADAL" clId="{14F797DE-E75B-4062-A6FB-AA9F07155580}" dt="2023-12-29T21:54:42.630" v="6849" actId="255"/>
-        <pc:sldMkLst>
-          <pc:docMk/>
-          <pc:sldMk cId="2424714671" sldId="297"/>
-        </pc:sldMkLst>
-        <pc:spChg chg="mod">
-          <ac:chgData name="Gibbons, Carl" userId="d2b037bc-8fb4-4222-845c-61440543a456" providerId="ADAL" clId="{14F797DE-E75B-4062-A6FB-AA9F07155580}" dt="2023-12-29T21:07:54.964" v="4712" actId="20577"/>
-          <ac:spMkLst>
-            <pc:docMk/>
-            <pc:sldMk cId="2424714671" sldId="297"/>
-            <ac:spMk id="2" creationId="{31B75992-5098-A283-4925-2CCEBB801DC5}"/>
-          </ac:spMkLst>
-        </pc:spChg>
-        <pc:spChg chg="mod">
-          <ac:chgData name="Gibbons, Carl" userId="d2b037bc-8fb4-4222-845c-61440543a456" providerId="ADAL" clId="{14F797DE-E75B-4062-A6FB-AA9F07155580}" dt="2023-12-29T21:54:42.630" v="6849" actId="255"/>
-          <ac:spMkLst>
-            <pc:docMk/>
-            <pc:sldMk cId="2424714671" sldId="297"/>
-            <ac:spMk id="3" creationId="{B5924E0F-A977-1710-779D-EEB74261AF34}"/>
-          </ac:spMkLst>
-        </pc:spChg>
-      </pc:sldChg>
-      <pc:sldChg chg="modSp mod">
-        <pc:chgData name="Gibbons, Carl" userId="d2b037bc-8fb4-4222-845c-61440543a456" providerId="ADAL" clId="{14F797DE-E75B-4062-A6FB-AA9F07155580}" dt="2023-12-29T21:54:28.975" v="6848" actId="255"/>
-        <pc:sldMkLst>
-          <pc:docMk/>
-          <pc:sldMk cId="3450195044" sldId="298"/>
-        </pc:sldMkLst>
-        <pc:spChg chg="mod">
-          <ac:chgData name="Gibbons, Carl" userId="d2b037bc-8fb4-4222-845c-61440543a456" providerId="ADAL" clId="{14F797DE-E75B-4062-A6FB-AA9F07155580}" dt="2023-12-29T21:23:42.216" v="5202" actId="20577"/>
-          <ac:spMkLst>
-            <pc:docMk/>
-            <pc:sldMk cId="3450195044" sldId="298"/>
-            <ac:spMk id="2" creationId="{31B75992-5098-A283-4925-2CCEBB801DC5}"/>
-          </ac:spMkLst>
-        </pc:spChg>
-        <pc:spChg chg="mod">
-          <ac:chgData name="Gibbons, Carl" userId="d2b037bc-8fb4-4222-845c-61440543a456" providerId="ADAL" clId="{14F797DE-E75B-4062-A6FB-AA9F07155580}" dt="2023-12-29T21:54:28.975" v="6848" actId="255"/>
-          <ac:spMkLst>
-            <pc:docMk/>
-            <pc:sldMk cId="3450195044" sldId="298"/>
-            <ac:spMk id="3" creationId="{B5924E0F-A977-1710-779D-EEB74261AF34}"/>
-          </ac:spMkLst>
-        </pc:spChg>
-      </pc:sldChg>
-      <pc:sldChg chg="modSp mod">
-        <pc:chgData name="Gibbons, Carl" userId="d2b037bc-8fb4-4222-845c-61440543a456" providerId="ADAL" clId="{14F797DE-E75B-4062-A6FB-AA9F07155580}" dt="2023-12-29T21:54:18.720" v="6846" actId="255"/>
-        <pc:sldMkLst>
-          <pc:docMk/>
-          <pc:sldMk cId="3633122843" sldId="299"/>
-        </pc:sldMkLst>
-        <pc:spChg chg="mod">
-          <ac:chgData name="Gibbons, Carl" userId="d2b037bc-8fb4-4222-845c-61440543a456" providerId="ADAL" clId="{14F797DE-E75B-4062-A6FB-AA9F07155580}" dt="2023-12-29T21:31:23.761" v="5684" actId="20577"/>
-          <ac:spMkLst>
-            <pc:docMk/>
-            <pc:sldMk cId="3633122843" sldId="299"/>
-            <ac:spMk id="2" creationId="{31B75992-5098-A283-4925-2CCEBB801DC5}"/>
-          </ac:spMkLst>
-        </pc:spChg>
-        <pc:spChg chg="mod">
-          <ac:chgData name="Gibbons, Carl" userId="d2b037bc-8fb4-4222-845c-61440543a456" providerId="ADAL" clId="{14F797DE-E75B-4062-A6FB-AA9F07155580}" dt="2023-12-29T21:54:18.720" v="6846" actId="255"/>
-          <ac:spMkLst>
-            <pc:docMk/>
-            <pc:sldMk cId="3633122843" sldId="299"/>
-            <ac:spMk id="3" creationId="{B5924E0F-A977-1710-779D-EEB74261AF34}"/>
-          </ac:spMkLst>
-        </pc:spChg>
-      </pc:sldChg>
-    </pc:docChg>
-  </pc:docChgLst>
-  <pc:docChgLst>
-    <pc:chgData name="Gibbons, Carl" userId="d2b037bc-8fb4-4222-845c-61440543a456" providerId="ADAL" clId="{C1E6ABF6-BAED-4B26-97DB-20A1E8B7A1A4}"/>
-    <pc:docChg chg="custSel modSld">
-      <pc:chgData name="Gibbons, Carl" userId="d2b037bc-8fb4-4222-845c-61440543a456" providerId="ADAL" clId="{C1E6ABF6-BAED-4B26-97DB-20A1E8B7A1A4}" dt="2023-12-06T02:23:48.337" v="274" actId="20577"/>
-      <pc:docMkLst>
-        <pc:docMk/>
-      </pc:docMkLst>
-      <pc:sldChg chg="modSp mod">
-        <pc:chgData name="Gibbons, Carl" userId="d2b037bc-8fb4-4222-845c-61440543a456" providerId="ADAL" clId="{C1E6ABF6-BAED-4B26-97DB-20A1E8B7A1A4}" dt="2023-11-21T16:22:17.597" v="97" actId="20577"/>
-        <pc:sldMkLst>
-          <pc:docMk/>
-          <pc:sldMk cId="3308175748" sldId="256"/>
-        </pc:sldMkLst>
-        <pc:spChg chg="mod">
-          <ac:chgData name="Gibbons, Carl" userId="d2b037bc-8fb4-4222-845c-61440543a456" providerId="ADAL" clId="{C1E6ABF6-BAED-4B26-97DB-20A1E8B7A1A4}" dt="2023-11-21T05:49:34.464" v="2"/>
-          <ac:spMkLst>
-            <pc:docMk/>
-            <pc:sldMk cId="3308175748" sldId="256"/>
-            <ac:spMk id="2" creationId="{ACEA2649-DC6B-3373-A7E6-7F0E103D8B8B}"/>
-          </ac:spMkLst>
-        </pc:spChg>
-        <pc:spChg chg="mod">
-          <ac:chgData name="Gibbons, Carl" userId="d2b037bc-8fb4-4222-845c-61440543a456" providerId="ADAL" clId="{C1E6ABF6-BAED-4B26-97DB-20A1E8B7A1A4}" dt="2023-11-21T16:22:17.597" v="97" actId="20577"/>
-          <ac:spMkLst>
-            <pc:docMk/>
-            <pc:sldMk cId="3308175748" sldId="256"/>
-            <ac:spMk id="3" creationId="{EEC4D41B-E776-05F2-BE0B-89BB339485AB}"/>
-          </ac:spMkLst>
-        </pc:spChg>
-        <pc:spChg chg="mod">
-          <ac:chgData name="Gibbons, Carl" userId="d2b037bc-8fb4-4222-845c-61440543a456" providerId="ADAL" clId="{C1E6ABF6-BAED-4B26-97DB-20A1E8B7A1A4}" dt="2023-11-21T05:49:34.464" v="2"/>
-          <ac:spMkLst>
-            <pc:docMk/>
-            <pc:sldMk cId="3308175748" sldId="256"/>
-            <ac:spMk id="4" creationId="{4664ABB7-0B55-0242-2E51-B3286EE7B5EB}"/>
-          </ac:spMkLst>
-        </pc:spChg>
-      </pc:sldChg>
-      <pc:sldChg chg="modSp">
-        <pc:chgData name="Gibbons, Carl" userId="d2b037bc-8fb4-4222-845c-61440543a456" providerId="ADAL" clId="{C1E6ABF6-BAED-4B26-97DB-20A1E8B7A1A4}" dt="2023-11-21T05:49:34.464" v="2"/>
-        <pc:sldMkLst>
-          <pc:docMk/>
-          <pc:sldMk cId="2312486803" sldId="261"/>
-        </pc:sldMkLst>
-        <pc:spChg chg="mod">
-          <ac:chgData name="Gibbons, Carl" userId="d2b037bc-8fb4-4222-845c-61440543a456" providerId="ADAL" clId="{C1E6ABF6-BAED-4B26-97DB-20A1E8B7A1A4}" dt="2023-11-21T05:49:34.464" v="2"/>
-          <ac:spMkLst>
-            <pc:docMk/>
-            <pc:sldMk cId="2312486803" sldId="261"/>
-            <ac:spMk id="2" creationId="{31B75992-5098-A283-4925-2CCEBB801DC5}"/>
-          </ac:spMkLst>
-        </pc:spChg>
-      </pc:sldChg>
-      <pc:sldChg chg="modSp mod">
-        <pc:chgData name="Gibbons, Carl" userId="d2b037bc-8fb4-4222-845c-61440543a456" providerId="ADAL" clId="{C1E6ABF6-BAED-4B26-97DB-20A1E8B7A1A4}" dt="2023-11-21T07:48:19.790" v="77" actId="20577"/>
-        <pc:sldMkLst>
-          <pc:docMk/>
-          <pc:sldMk cId="378743348" sldId="270"/>
-        </pc:sldMkLst>
-        <pc:spChg chg="mod">
-          <ac:chgData name="Gibbons, Carl" userId="d2b037bc-8fb4-4222-845c-61440543a456" providerId="ADAL" clId="{C1E6ABF6-BAED-4B26-97DB-20A1E8B7A1A4}" dt="2023-11-21T07:48:19.790" v="77" actId="20577"/>
-          <ac:spMkLst>
-            <pc:docMk/>
-            <pc:sldMk cId="378743348" sldId="270"/>
-            <ac:spMk id="3" creationId="{80041865-9773-290D-EB35-F8AF8BFC505C}"/>
-          </ac:spMkLst>
-        </pc:spChg>
-      </pc:sldChg>
-      <pc:sldChg chg="modSp mod">
-        <pc:chgData name="Gibbons, Carl" userId="d2b037bc-8fb4-4222-845c-61440543a456" providerId="ADAL" clId="{C1E6ABF6-BAED-4B26-97DB-20A1E8B7A1A4}" dt="2023-12-06T02:23:48.337" v="274" actId="20577"/>
-        <pc:sldMkLst>
-          <pc:docMk/>
-          <pc:sldMk cId="657795359" sldId="277"/>
-        </pc:sldMkLst>
-        <pc:spChg chg="mod">
-          <ac:chgData name="Gibbons, Carl" userId="d2b037bc-8fb4-4222-845c-61440543a456" providerId="ADAL" clId="{C1E6ABF6-BAED-4B26-97DB-20A1E8B7A1A4}" dt="2023-11-21T05:49:34.464" v="2"/>
-          <ac:spMkLst>
-            <pc:docMk/>
-            <pc:sldMk cId="657795359" sldId="277"/>
-            <ac:spMk id="2" creationId="{1862E903-3C56-BB42-2361-009F2336475A}"/>
-          </ac:spMkLst>
-        </pc:spChg>
-        <pc:spChg chg="mod">
-          <ac:chgData name="Gibbons, Carl" userId="d2b037bc-8fb4-4222-845c-61440543a456" providerId="ADAL" clId="{C1E6ABF6-BAED-4B26-97DB-20A1E8B7A1A4}" dt="2023-12-06T02:23:48.337" v="274" actId="20577"/>
-          <ac:spMkLst>
-            <pc:docMk/>
-            <pc:sldMk cId="657795359" sldId="277"/>
-            <ac:spMk id="3" creationId="{90179172-96B3-95D0-A137-257770BE7642}"/>
-          </ac:spMkLst>
-        </pc:spChg>
-      </pc:sldChg>
-    </pc:docChg>
-  </pc:docChgLst>
-  <pc:docChgLst>
-    <pc:chgData name="Gibbons, Carl" userId="d2b037bc-8fb4-4222-845c-61440543a456" providerId="ADAL" clId="{3CE3119B-1917-4F7B-A5AD-6C146E3F914B}"/>
-    <pc:docChg chg="undo custSel addSld delSld modSld sldOrd">
-      <pc:chgData name="Gibbons, Carl" userId="d2b037bc-8fb4-4222-845c-61440543a456" providerId="ADAL" clId="{3CE3119B-1917-4F7B-A5AD-6C146E3F914B}" dt="2023-12-28T21:57:42.900" v="13126" actId="20577"/>
-      <pc:docMkLst>
-        <pc:docMk/>
-      </pc:docMkLst>
-      <pc:sldChg chg="modSp mod">
-        <pc:chgData name="Gibbons, Carl" userId="d2b037bc-8fb4-4222-845c-61440543a456" providerId="ADAL" clId="{3CE3119B-1917-4F7B-A5AD-6C146E3F914B}" dt="2023-12-24T03:25:35.899" v="17" actId="20577"/>
-        <pc:sldMkLst>
-          <pc:docMk/>
-          <pc:sldMk cId="3308175748" sldId="256"/>
-        </pc:sldMkLst>
-        <pc:spChg chg="mod">
-          <ac:chgData name="Gibbons, Carl" userId="d2b037bc-8fb4-4222-845c-61440543a456" providerId="ADAL" clId="{3CE3119B-1917-4F7B-A5AD-6C146E3F914B}" dt="2023-12-24T03:25:35.899" v="17" actId="20577"/>
-          <ac:spMkLst>
-            <pc:docMk/>
-            <pc:sldMk cId="3308175748" sldId="256"/>
-            <ac:spMk id="3" creationId="{EEC4D41B-E776-05F2-BE0B-89BB339485AB}"/>
-          </ac:spMkLst>
-        </pc:spChg>
-      </pc:sldChg>
-      <pc:sldChg chg="del">
-        <pc:chgData name="Gibbons, Carl" userId="d2b037bc-8fb4-4222-845c-61440543a456" providerId="ADAL" clId="{3CE3119B-1917-4F7B-A5AD-6C146E3F914B}" dt="2023-12-24T04:15:13.652" v="2206" actId="47"/>
-        <pc:sldMkLst>
-          <pc:docMk/>
-          <pc:sldMk cId="519357719" sldId="260"/>
-        </pc:sldMkLst>
-      </pc:sldChg>
-      <pc:sldChg chg="delSp modSp mod">
-        <pc:chgData name="Gibbons, Carl" userId="d2b037bc-8fb4-4222-845c-61440543a456" providerId="ADAL" clId="{3CE3119B-1917-4F7B-A5AD-6C146E3F914B}" dt="2023-12-28T19:44:28.921" v="4873" actId="20577"/>
-        <pc:sldMkLst>
-          <pc:docMk/>
-          <pc:sldMk cId="2312486803" sldId="261"/>
-        </pc:sldMkLst>
-        <pc:spChg chg="mod">
-          <ac:chgData name="Gibbons, Carl" userId="d2b037bc-8fb4-4222-845c-61440543a456" providerId="ADAL" clId="{3CE3119B-1917-4F7B-A5AD-6C146E3F914B}" dt="2023-12-24T03:44:40.577" v="592" actId="20577"/>
-          <ac:spMkLst>
-            <pc:docMk/>
-            <pc:sldMk cId="2312486803" sldId="261"/>
-            <ac:spMk id="2" creationId="{31B75992-5098-A283-4925-2CCEBB801DC5}"/>
-          </ac:spMkLst>
-        </pc:spChg>
-        <pc:spChg chg="mod">
-          <ac:chgData name="Gibbons, Carl" userId="d2b037bc-8fb4-4222-845c-61440543a456" providerId="ADAL" clId="{3CE3119B-1917-4F7B-A5AD-6C146E3F914B}" dt="2023-12-28T19:44:28.921" v="4873" actId="20577"/>
-          <ac:spMkLst>
-            <pc:docMk/>
-            <pc:sldMk cId="2312486803" sldId="261"/>
-            <ac:spMk id="3" creationId="{B5924E0F-A977-1710-779D-EEB74261AF34}"/>
-          </ac:spMkLst>
-        </pc:spChg>
-        <pc:picChg chg="del">
-          <ac:chgData name="Gibbons, Carl" userId="d2b037bc-8fb4-4222-845c-61440543a456" providerId="ADAL" clId="{3CE3119B-1917-4F7B-A5AD-6C146E3F914B}" dt="2023-12-24T03:25:42.885" v="18" actId="478"/>
-          <ac:picMkLst>
-            <pc:docMk/>
-            <pc:sldMk cId="2312486803" sldId="261"/>
-            <ac:picMk id="5" creationId="{95F1B758-8221-A28F-F68D-1A79ADBC274D}"/>
-          </ac:picMkLst>
-        </pc:picChg>
-      </pc:sldChg>
-      <pc:sldChg chg="del">
-        <pc:chgData name="Gibbons, Carl" userId="d2b037bc-8fb4-4222-845c-61440543a456" providerId="ADAL" clId="{3CE3119B-1917-4F7B-A5AD-6C146E3F914B}" dt="2023-12-24T04:15:12.349" v="2205" actId="47"/>
-        <pc:sldMkLst>
-          <pc:docMk/>
-          <pc:sldMk cId="378743348" sldId="270"/>
-        </pc:sldMkLst>
-      </pc:sldChg>
-      <pc:sldChg chg="modSp mod">
-        <pc:chgData name="Gibbons, Carl" userId="d2b037bc-8fb4-4222-845c-61440543a456" providerId="ADAL" clId="{3CE3119B-1917-4F7B-A5AD-6C146E3F914B}" dt="2023-12-28T21:57:42.900" v="13126" actId="20577"/>
-        <pc:sldMkLst>
-          <pc:docMk/>
-          <pc:sldMk cId="657795359" sldId="277"/>
-        </pc:sldMkLst>
-        <pc:spChg chg="mod">
-          <ac:chgData name="Gibbons, Carl" userId="d2b037bc-8fb4-4222-845c-61440543a456" providerId="ADAL" clId="{3CE3119B-1917-4F7B-A5AD-6C146E3F914B}" dt="2023-12-28T21:57:42.900" v="13126" actId="20577"/>
-          <ac:spMkLst>
-            <pc:docMk/>
-            <pc:sldMk cId="657795359" sldId="277"/>
-            <ac:spMk id="2" creationId="{1862E903-3C56-BB42-2361-009F2336475A}"/>
-          </ac:spMkLst>
-        </pc:spChg>
-        <pc:spChg chg="mod">
-          <ac:chgData name="Gibbons, Carl" userId="d2b037bc-8fb4-4222-845c-61440543a456" providerId="ADAL" clId="{3CE3119B-1917-4F7B-A5AD-6C146E3F914B}" dt="2023-12-28T21:57:39.566" v="13125" actId="20577"/>
-          <ac:spMkLst>
-            <pc:docMk/>
-            <pc:sldMk cId="657795359" sldId="277"/>
-            <ac:spMk id="3" creationId="{90179172-96B3-95D0-A137-257770BE7642}"/>
-          </ac:spMkLst>
-        </pc:spChg>
-      </pc:sldChg>
-      <pc:sldChg chg="del">
-        <pc:chgData name="Gibbons, Carl" userId="d2b037bc-8fb4-4222-845c-61440543a456" providerId="ADAL" clId="{3CE3119B-1917-4F7B-A5AD-6C146E3F914B}" dt="2023-12-24T04:15:14.863" v="2207" actId="47"/>
-        <pc:sldMkLst>
-          <pc:docMk/>
-          <pc:sldMk cId="376509629" sldId="278"/>
-        </pc:sldMkLst>
-      </pc:sldChg>
-      <pc:sldChg chg="del">
-        <pc:chgData name="Gibbons, Carl" userId="d2b037bc-8fb4-4222-845c-61440543a456" providerId="ADAL" clId="{3CE3119B-1917-4F7B-A5AD-6C146E3F914B}" dt="2023-12-24T04:15:16.084" v="2208" actId="47"/>
-        <pc:sldMkLst>
-          <pc:docMk/>
-          <pc:sldMk cId="3153831418" sldId="279"/>
-        </pc:sldMkLst>
-      </pc:sldChg>
-      <pc:sldChg chg="del">
-        <pc:chgData name="Gibbons, Carl" userId="d2b037bc-8fb4-4222-845c-61440543a456" providerId="ADAL" clId="{3CE3119B-1917-4F7B-A5AD-6C146E3F914B}" dt="2023-12-24T04:15:16.999" v="2209" actId="47"/>
-        <pc:sldMkLst>
-          <pc:docMk/>
-          <pc:sldMk cId="1730491475" sldId="280"/>
-        </pc:sldMkLst>
-      </pc:sldChg>
-      <pc:sldChg chg="del">
-        <pc:chgData name="Gibbons, Carl" userId="d2b037bc-8fb4-4222-845c-61440543a456" providerId="ADAL" clId="{3CE3119B-1917-4F7B-A5AD-6C146E3F914B}" dt="2023-12-24T04:15:17.902" v="2210" actId="47"/>
-        <pc:sldMkLst>
-          <pc:docMk/>
-          <pc:sldMk cId="2142935958" sldId="281"/>
-        </pc:sldMkLst>
-      </pc:sldChg>
-      <pc:sldChg chg="del">
-        <pc:chgData name="Gibbons, Carl" userId="d2b037bc-8fb4-4222-845c-61440543a456" providerId="ADAL" clId="{3CE3119B-1917-4F7B-A5AD-6C146E3F914B}" dt="2023-12-24T04:15:18.904" v="2211" actId="47"/>
-        <pc:sldMkLst>
-          <pc:docMk/>
-          <pc:sldMk cId="1371681654" sldId="282"/>
-        </pc:sldMkLst>
-      </pc:sldChg>
-      <pc:sldChg chg="addSp modSp mod">
-        <pc:chgData name="Gibbons, Carl" userId="d2b037bc-8fb4-4222-845c-61440543a456" providerId="ADAL" clId="{3CE3119B-1917-4F7B-A5AD-6C146E3F914B}" dt="2023-12-24T04:21:46.824" v="2699" actId="20577"/>
-        <pc:sldMkLst>
-          <pc:docMk/>
-          <pc:sldMk cId="2959024232" sldId="283"/>
-        </pc:sldMkLst>
-        <pc:spChg chg="mod">
-          <ac:chgData name="Gibbons, Carl" userId="d2b037bc-8fb4-4222-845c-61440543a456" providerId="ADAL" clId="{3CE3119B-1917-4F7B-A5AD-6C146E3F914B}" dt="2023-12-24T03:51:38.841" v="820" actId="20577"/>
-          <ac:spMkLst>
-            <pc:docMk/>
-            <pc:sldMk cId="2959024232" sldId="283"/>
-            <ac:spMk id="2" creationId="{31B75992-5098-A283-4925-2CCEBB801DC5}"/>
-          </ac:spMkLst>
-        </pc:spChg>
-        <pc:spChg chg="mod">
-          <ac:chgData name="Gibbons, Carl" userId="d2b037bc-8fb4-4222-845c-61440543a456" providerId="ADAL" clId="{3CE3119B-1917-4F7B-A5AD-6C146E3F914B}" dt="2023-12-24T03:50:43.198" v="773" actId="20577"/>
-          <ac:spMkLst>
-            <pc:docMk/>
-            <pc:sldMk cId="2959024232" sldId="283"/>
-            <ac:spMk id="3" creationId="{B5924E0F-A977-1710-779D-EEB74261AF34}"/>
-          </ac:spMkLst>
-        </pc:spChg>
-        <pc:spChg chg="add mod">
-          <ac:chgData name="Gibbons, Carl" userId="d2b037bc-8fb4-4222-845c-61440543a456" providerId="ADAL" clId="{3CE3119B-1917-4F7B-A5AD-6C146E3F914B}" dt="2023-12-24T03:51:05.835" v="812" actId="20577"/>
-          <ac:spMkLst>
-            <pc:docMk/>
-            <pc:sldMk cId="2959024232" sldId="283"/>
-            <ac:spMk id="4" creationId="{6B5EF911-ED83-01C5-8F00-FD1AD80E90D2}"/>
-          </ac:spMkLst>
-        </pc:spChg>
-        <pc:spChg chg="add mod">
-          <ac:chgData name="Gibbons, Carl" userId="d2b037bc-8fb4-4222-845c-61440543a456" providerId="ADAL" clId="{3CE3119B-1917-4F7B-A5AD-6C146E3F914B}" dt="2023-12-24T04:21:46.824" v="2699" actId="20577"/>
-          <ac:spMkLst>
-            <pc:docMk/>
-            <pc:sldMk cId="2959024232" sldId="283"/>
-            <ac:spMk id="5" creationId="{746F0B3D-627C-BF49-CF83-A524927EBEDE}"/>
-          </ac:spMkLst>
-        </pc:spChg>
-      </pc:sldChg>
-      <pc:sldChg chg="delSp modSp mod">
-        <pc:chgData name="Gibbons, Carl" userId="d2b037bc-8fb4-4222-845c-61440543a456" providerId="ADAL" clId="{3CE3119B-1917-4F7B-A5AD-6C146E3F914B}" dt="2023-12-28T21:03:44.041" v="10649" actId="20577"/>
-        <pc:sldMkLst>
-          <pc:docMk/>
-          <pc:sldMk cId="3114675387" sldId="284"/>
-        </pc:sldMkLst>
-        <pc:spChg chg="mod">
-          <ac:chgData name="Gibbons, Carl" userId="d2b037bc-8fb4-4222-845c-61440543a456" providerId="ADAL" clId="{3CE3119B-1917-4F7B-A5AD-6C146E3F914B}" dt="2023-12-24T04:15:28.805" v="2213" actId="20577"/>
-          <ac:spMkLst>
-            <pc:docMk/>
-            <pc:sldMk cId="3114675387" sldId="284"/>
-            <ac:spMk id="2" creationId="{31B75992-5098-A283-4925-2CCEBB801DC5}"/>
-          </ac:spMkLst>
-        </pc:spChg>
-        <pc:spChg chg="mod">
-          <ac:chgData name="Gibbons, Carl" userId="d2b037bc-8fb4-4222-845c-61440543a456" providerId="ADAL" clId="{3CE3119B-1917-4F7B-A5AD-6C146E3F914B}" dt="2023-12-28T21:03:44.041" v="10649" actId="20577"/>
-          <ac:spMkLst>
-            <pc:docMk/>
-            <pc:sldMk cId="3114675387" sldId="284"/>
-            <ac:spMk id="3" creationId="{B5924E0F-A977-1710-779D-EEB74261AF34}"/>
-          </ac:spMkLst>
-        </pc:spChg>
-        <pc:spChg chg="del mod">
-          <ac:chgData name="Gibbons, Carl" userId="d2b037bc-8fb4-4222-845c-61440543a456" providerId="ADAL" clId="{3CE3119B-1917-4F7B-A5AD-6C146E3F914B}" dt="2023-12-24T04:17:34.876" v="2369" actId="478"/>
-          <ac:spMkLst>
-            <pc:docMk/>
-            <pc:sldMk cId="3114675387" sldId="284"/>
-            <ac:spMk id="4" creationId="{6B5EF911-ED83-01C5-8F00-FD1AD80E90D2}"/>
-          </ac:spMkLst>
-        </pc:spChg>
-        <pc:spChg chg="mod">
-          <ac:chgData name="Gibbons, Carl" userId="d2b037bc-8fb4-4222-845c-61440543a456" providerId="ADAL" clId="{3CE3119B-1917-4F7B-A5AD-6C146E3F914B}" dt="2023-12-24T04:25:41.312" v="2946" actId="20577"/>
-          <ac:spMkLst>
-            <pc:docMk/>
-            <pc:sldMk cId="3114675387" sldId="284"/>
-            <ac:spMk id="5" creationId="{746F0B3D-627C-BF49-CF83-A524927EBEDE}"/>
-          </ac:spMkLst>
-        </pc:spChg>
-      </pc:sldChg>
-      <pc:sldChg chg="modSp mod">
-        <pc:chgData name="Gibbons, Carl" userId="d2b037bc-8fb4-4222-845c-61440543a456" providerId="ADAL" clId="{3CE3119B-1917-4F7B-A5AD-6C146E3F914B}" dt="2023-12-28T20:27:51.520" v="8472" actId="20577"/>
-        <pc:sldMkLst>
-          <pc:docMk/>
-          <pc:sldMk cId="1243134729" sldId="285"/>
-        </pc:sldMkLst>
-        <pc:spChg chg="mod">
-          <ac:chgData name="Gibbons, Carl" userId="d2b037bc-8fb4-4222-845c-61440543a456" providerId="ADAL" clId="{3CE3119B-1917-4F7B-A5AD-6C146E3F914B}" dt="2023-12-28T18:55:00.802" v="3019" actId="20577"/>
-          <ac:spMkLst>
-            <pc:docMk/>
-            <pc:sldMk cId="1243134729" sldId="285"/>
-            <ac:spMk id="2" creationId="{31B75992-5098-A283-4925-2CCEBB801DC5}"/>
-          </ac:spMkLst>
-        </pc:spChg>
-        <pc:spChg chg="mod">
-          <ac:chgData name="Gibbons, Carl" userId="d2b037bc-8fb4-4222-845c-61440543a456" providerId="ADAL" clId="{3CE3119B-1917-4F7B-A5AD-6C146E3F914B}" dt="2023-12-28T19:11:28.137" v="4139" actId="20577"/>
-          <ac:spMkLst>
-            <pc:docMk/>
-            <pc:sldMk cId="1243134729" sldId="285"/>
-            <ac:spMk id="3" creationId="{B5924E0F-A977-1710-779D-EEB74261AF34}"/>
-          </ac:spMkLst>
-        </pc:spChg>
-        <pc:spChg chg="mod">
-          <ac:chgData name="Gibbons, Carl" userId="d2b037bc-8fb4-4222-845c-61440543a456" providerId="ADAL" clId="{3CE3119B-1917-4F7B-A5AD-6C146E3F914B}" dt="2023-12-28T20:27:51.520" v="8472" actId="20577"/>
-          <ac:spMkLst>
-            <pc:docMk/>
-            <pc:sldMk cId="1243134729" sldId="285"/>
-            <ac:spMk id="5" creationId="{746F0B3D-627C-BF49-CF83-A524927EBEDE}"/>
-          </ac:spMkLst>
-        </pc:spChg>
-      </pc:sldChg>
-      <pc:sldChg chg="modSp mod ord">
-        <pc:chgData name="Gibbons, Carl" userId="d2b037bc-8fb4-4222-845c-61440543a456" providerId="ADAL" clId="{3CE3119B-1917-4F7B-A5AD-6C146E3F914B}" dt="2023-12-28T20:26:55.852" v="8407" actId="20577"/>
-        <pc:sldMkLst>
-          <pc:docMk/>
-          <pc:sldMk cId="954591853" sldId="286"/>
-        </pc:sldMkLst>
-        <pc:spChg chg="mod">
-          <ac:chgData name="Gibbons, Carl" userId="d2b037bc-8fb4-4222-845c-61440543a456" providerId="ADAL" clId="{3CE3119B-1917-4F7B-A5AD-6C146E3F914B}" dt="2023-12-28T19:12:25.523" v="4250" actId="20577"/>
-          <ac:spMkLst>
-            <pc:docMk/>
-            <pc:sldMk cId="954591853" sldId="286"/>
-            <ac:spMk id="2" creationId="{31B75992-5098-A283-4925-2CCEBB801DC5}"/>
-          </ac:spMkLst>
-        </pc:spChg>
-        <pc:spChg chg="mod">
-          <ac:chgData name="Gibbons, Carl" userId="d2b037bc-8fb4-4222-845c-61440543a456" providerId="ADAL" clId="{3CE3119B-1917-4F7B-A5AD-6C146E3F914B}" dt="2023-12-28T20:11:15.517" v="7216" actId="20577"/>
-          <ac:spMkLst>
-            <pc:docMk/>
-            <pc:sldMk cId="954591853" sldId="286"/>
-            <ac:spMk id="3" creationId="{B5924E0F-A977-1710-779D-EEB74261AF34}"/>
-          </ac:spMkLst>
-        </pc:spChg>
-        <pc:spChg chg="mod">
-          <ac:chgData name="Gibbons, Carl" userId="d2b037bc-8fb4-4222-845c-61440543a456" providerId="ADAL" clId="{3CE3119B-1917-4F7B-A5AD-6C146E3F914B}" dt="2023-12-28T20:26:55.852" v="8407" actId="20577"/>
-          <ac:spMkLst>
-            <pc:docMk/>
-            <pc:sldMk cId="954591853" sldId="286"/>
-            <ac:spMk id="5" creationId="{746F0B3D-627C-BF49-CF83-A524927EBEDE}"/>
-          </ac:spMkLst>
-        </pc:spChg>
-      </pc:sldChg>
-      <pc:sldChg chg="addSp modSp mod">
-        <pc:chgData name="Gibbons, Carl" userId="d2b037bc-8fb4-4222-845c-61440543a456" providerId="ADAL" clId="{3CE3119B-1917-4F7B-A5AD-6C146E3F914B}" dt="2023-12-28T20:10:30.792" v="7202" actId="122"/>
-        <pc:sldMkLst>
-          <pc:docMk/>
-          <pc:sldMk cId="2614091779" sldId="287"/>
-        </pc:sldMkLst>
-        <pc:spChg chg="mod">
-          <ac:chgData name="Gibbons, Carl" userId="d2b037bc-8fb4-4222-845c-61440543a456" providerId="ADAL" clId="{3CE3119B-1917-4F7B-A5AD-6C146E3F914B}" dt="2023-12-28T19:52:51.742" v="5814" actId="20577"/>
-          <ac:spMkLst>
-            <pc:docMk/>
-            <pc:sldMk cId="2614091779" sldId="287"/>
-            <ac:spMk id="2" creationId="{31B75992-5098-A283-4925-2CCEBB801DC5}"/>
-          </ac:spMkLst>
-        </pc:spChg>
-        <pc:spChg chg="mod">
-          <ac:chgData name="Gibbons, Carl" userId="d2b037bc-8fb4-4222-845c-61440543a456" providerId="ADAL" clId="{3CE3119B-1917-4F7B-A5AD-6C146E3F914B}" dt="2023-12-28T19:48:55.211" v="5618" actId="14100"/>
-          <ac:spMkLst>
-            <pc:docMk/>
-            <pc:sldMk cId="2614091779" sldId="287"/>
-            <ac:spMk id="3" creationId="{B5924E0F-A977-1710-779D-EEB74261AF34}"/>
-          </ac:spMkLst>
-        </pc:spChg>
-        <pc:graphicFrameChg chg="add mod modGraphic">
-          <ac:chgData name="Gibbons, Carl" userId="d2b037bc-8fb4-4222-845c-61440543a456" providerId="ADAL" clId="{3CE3119B-1917-4F7B-A5AD-6C146E3F914B}" dt="2023-12-28T20:10:30.792" v="7202" actId="122"/>
-          <ac:graphicFrameMkLst>
-            <pc:docMk/>
-            <pc:sldMk cId="2614091779" sldId="287"/>
-            <ac:graphicFrameMk id="4" creationId="{3CFEF9C3-22C7-2157-EBC8-9116E36A6081}"/>
-          </ac:graphicFrameMkLst>
-        </pc:graphicFrameChg>
-      </pc:sldChg>
-      <pc:sldChg chg="delSp modSp mod">
-        <pc:chgData name="Gibbons, Carl" userId="d2b037bc-8fb4-4222-845c-61440543a456" providerId="ADAL" clId="{3CE3119B-1917-4F7B-A5AD-6C146E3F914B}" dt="2023-12-28T20:10:52.990" v="7204" actId="114"/>
-        <pc:sldMkLst>
-          <pc:docMk/>
-          <pc:sldMk cId="1341659426" sldId="288"/>
-        </pc:sldMkLst>
-        <pc:spChg chg="mod">
-          <ac:chgData name="Gibbons, Carl" userId="d2b037bc-8fb4-4222-845c-61440543a456" providerId="ADAL" clId="{3CE3119B-1917-4F7B-A5AD-6C146E3F914B}" dt="2023-12-28T19:53:19.425" v="5816" actId="20577"/>
-          <ac:spMkLst>
-            <pc:docMk/>
-            <pc:sldMk cId="1341659426" sldId="288"/>
-            <ac:spMk id="2" creationId="{31B75992-5098-A283-4925-2CCEBB801DC5}"/>
-          </ac:spMkLst>
-        </pc:spChg>
-        <pc:spChg chg="mod">
-          <ac:chgData name="Gibbons, Carl" userId="d2b037bc-8fb4-4222-845c-61440543a456" providerId="ADAL" clId="{3CE3119B-1917-4F7B-A5AD-6C146E3F914B}" dt="2023-12-28T20:10:52.990" v="7204" actId="114"/>
-          <ac:spMkLst>
-            <pc:docMk/>
-            <pc:sldMk cId="1341659426" sldId="288"/>
-            <ac:spMk id="3" creationId="{B5924E0F-A977-1710-779D-EEB74261AF34}"/>
-          </ac:spMkLst>
-        </pc:spChg>
-        <pc:graphicFrameChg chg="del modGraphic">
-          <ac:chgData name="Gibbons, Carl" userId="d2b037bc-8fb4-4222-845c-61440543a456" providerId="ADAL" clId="{3CE3119B-1917-4F7B-A5AD-6C146E3F914B}" dt="2023-12-28T19:53:27.454" v="5818" actId="21"/>
-          <ac:graphicFrameMkLst>
-            <pc:docMk/>
-            <pc:sldMk cId="1341659426" sldId="288"/>
-            <ac:graphicFrameMk id="4" creationId="{3CFEF9C3-22C7-2157-EBC8-9116E36A6081}"/>
-          </ac:graphicFrameMkLst>
-        </pc:graphicFrameChg>
-      </pc:sldChg>
-      <pc:sldChg chg="addSp modSp new mod">
-        <pc:chgData name="Gibbons, Carl" userId="d2b037bc-8fb4-4222-845c-61440543a456" providerId="ADAL" clId="{3CE3119B-1917-4F7B-A5AD-6C146E3F914B}" dt="2023-12-28T21:20:58.470" v="11391" actId="27636"/>
-        <pc:sldMkLst>
-          <pc:docMk/>
-          <pc:sldMk cId="2966054478" sldId="289"/>
-        </pc:sldMkLst>
-        <pc:spChg chg="mod">
-          <ac:chgData name="Gibbons, Carl" userId="d2b037bc-8fb4-4222-845c-61440543a456" providerId="ADAL" clId="{3CE3119B-1917-4F7B-A5AD-6C146E3F914B}" dt="2023-12-28T21:20:58.470" v="11391" actId="27636"/>
-          <ac:spMkLst>
-            <pc:docMk/>
-            <pc:sldMk cId="2966054478" sldId="289"/>
-            <ac:spMk id="2" creationId="{264BAEB2-591D-DEE6-3C00-0BAAC69880F0}"/>
-          </ac:spMkLst>
-        </pc:spChg>
-        <pc:spChg chg="add mod">
-          <ac:chgData name="Gibbons, Carl" userId="d2b037bc-8fb4-4222-845c-61440543a456" providerId="ADAL" clId="{3CE3119B-1917-4F7B-A5AD-6C146E3F914B}" dt="2023-12-28T21:02:37.455" v="10592" actId="20577"/>
-          <ac:spMkLst>
-            <pc:docMk/>
-            <pc:sldMk cId="2966054478" sldId="289"/>
-            <ac:spMk id="3" creationId="{0620B8A1-699E-C7B4-0A32-7D9C4529CA27}"/>
-          </ac:spMkLst>
-        </pc:spChg>
-      </pc:sldChg>
-      <pc:sldChg chg="modSp mod">
-        <pc:chgData name="Gibbons, Carl" userId="d2b037bc-8fb4-4222-845c-61440543a456" providerId="ADAL" clId="{3CE3119B-1917-4F7B-A5AD-6C146E3F914B}" dt="2023-12-28T20:25:14.044" v="8347" actId="20577"/>
-        <pc:sldMkLst>
-          <pc:docMk/>
-          <pc:sldMk cId="1014272238" sldId="290"/>
-        </pc:sldMkLst>
-        <pc:spChg chg="mod">
-          <ac:chgData name="Gibbons, Carl" userId="d2b037bc-8fb4-4222-845c-61440543a456" providerId="ADAL" clId="{3CE3119B-1917-4F7B-A5AD-6C146E3F914B}" dt="2023-12-28T20:14:14.888" v="7303" actId="20577"/>
-          <ac:spMkLst>
-            <pc:docMk/>
-            <pc:sldMk cId="1014272238" sldId="290"/>
-            <ac:spMk id="2" creationId="{31B75992-5098-A283-4925-2CCEBB801DC5}"/>
-          </ac:spMkLst>
-        </pc:spChg>
-        <pc:spChg chg="mod">
-          <ac:chgData name="Gibbons, Carl" userId="d2b037bc-8fb4-4222-845c-61440543a456" providerId="ADAL" clId="{3CE3119B-1917-4F7B-A5AD-6C146E3F914B}" dt="2023-12-28T20:25:14.044" v="8347" actId="20577"/>
-          <ac:spMkLst>
-            <pc:docMk/>
-            <pc:sldMk cId="1014272238" sldId="290"/>
-            <ac:spMk id="3" creationId="{B5924E0F-A977-1710-779D-EEB74261AF34}"/>
-          </ac:spMkLst>
-        </pc:spChg>
-      </pc:sldChg>
-      <pc:sldChg chg="modSp mod">
-        <pc:chgData name="Gibbons, Carl" userId="d2b037bc-8fb4-4222-845c-61440543a456" providerId="ADAL" clId="{3CE3119B-1917-4F7B-A5AD-6C146E3F914B}" dt="2023-12-28T21:21:03.949" v="11393" actId="27636"/>
-        <pc:sldMkLst>
-          <pc:docMk/>
-          <pc:sldMk cId="3689580349" sldId="291"/>
-        </pc:sldMkLst>
-        <pc:spChg chg="mod">
-          <ac:chgData name="Gibbons, Carl" userId="d2b037bc-8fb4-4222-845c-61440543a456" providerId="ADAL" clId="{3CE3119B-1917-4F7B-A5AD-6C146E3F914B}" dt="2023-12-28T21:21:03.949" v="11393" actId="27636"/>
-          <ac:spMkLst>
-            <pc:docMk/>
-            <pc:sldMk cId="3689580349" sldId="291"/>
-            <ac:spMk id="2" creationId="{264BAEB2-591D-DEE6-3C00-0BAAC69880F0}"/>
-          </ac:spMkLst>
-        </pc:spChg>
-        <pc:spChg chg="mod">
-          <ac:chgData name="Gibbons, Carl" userId="d2b037bc-8fb4-4222-845c-61440543a456" providerId="ADAL" clId="{3CE3119B-1917-4F7B-A5AD-6C146E3F914B}" dt="2023-12-28T21:02:59.174" v="10621" actId="20577"/>
-          <ac:spMkLst>
-            <pc:docMk/>
-            <pc:sldMk cId="3689580349" sldId="291"/>
-            <ac:spMk id="3" creationId="{0620B8A1-699E-C7B4-0A32-7D9C4529CA27}"/>
-          </ac:spMkLst>
-        </pc:spChg>
-      </pc:sldChg>
-      <pc:sldChg chg="modSp mod">
-        <pc:chgData name="Gibbons, Carl" userId="d2b037bc-8fb4-4222-845c-61440543a456" providerId="ADAL" clId="{3CE3119B-1917-4F7B-A5AD-6C146E3F914B}" dt="2023-12-28T21:30:34.709" v="11884" actId="20577"/>
-        <pc:sldMkLst>
-          <pc:docMk/>
-          <pc:sldMk cId="2738411615" sldId="292"/>
-        </pc:sldMkLst>
-        <pc:spChg chg="mod">
-          <ac:chgData name="Gibbons, Carl" userId="d2b037bc-8fb4-4222-845c-61440543a456" providerId="ADAL" clId="{3CE3119B-1917-4F7B-A5AD-6C146E3F914B}" dt="2023-12-28T21:27:00.893" v="11646" actId="20577"/>
-          <ac:spMkLst>
-            <pc:docMk/>
-            <pc:sldMk cId="2738411615" sldId="292"/>
-            <ac:spMk id="2" creationId="{31B75992-5098-A283-4925-2CCEBB801DC5}"/>
-          </ac:spMkLst>
-        </pc:spChg>
-        <pc:spChg chg="mod">
-          <ac:chgData name="Gibbons, Carl" userId="d2b037bc-8fb4-4222-845c-61440543a456" providerId="ADAL" clId="{3CE3119B-1917-4F7B-A5AD-6C146E3F914B}" dt="2023-12-28T21:30:34.709" v="11884" actId="20577"/>
-          <ac:spMkLst>
-            <pc:docMk/>
-            <pc:sldMk cId="2738411615" sldId="292"/>
-            <ac:spMk id="3" creationId="{B5924E0F-A977-1710-779D-EEB74261AF34}"/>
-          </ac:spMkLst>
-        </pc:spChg>
-      </pc:sldChg>
-      <pc:sldChg chg="modSp mod">
-        <pc:chgData name="Gibbons, Carl" userId="d2b037bc-8fb4-4222-845c-61440543a456" providerId="ADAL" clId="{3CE3119B-1917-4F7B-A5AD-6C146E3F914B}" dt="2023-12-28T21:56:49.002" v="13100" actId="20577"/>
-        <pc:sldMkLst>
-          <pc:docMk/>
-          <pc:sldMk cId="852415543" sldId="293"/>
-        </pc:sldMkLst>
-        <pc:spChg chg="mod">
-          <ac:chgData name="Gibbons, Carl" userId="d2b037bc-8fb4-4222-845c-61440543a456" providerId="ADAL" clId="{3CE3119B-1917-4F7B-A5AD-6C146E3F914B}" dt="2023-12-28T21:32:23.582" v="11900" actId="20577"/>
-          <ac:spMkLst>
-            <pc:docMk/>
-            <pc:sldMk cId="852415543" sldId="293"/>
-            <ac:spMk id="2" creationId="{264BAEB2-591D-DEE6-3C00-0BAAC69880F0}"/>
-          </ac:spMkLst>
-        </pc:spChg>
-        <pc:spChg chg="mod">
-          <ac:chgData name="Gibbons, Carl" userId="d2b037bc-8fb4-4222-845c-61440543a456" providerId="ADAL" clId="{3CE3119B-1917-4F7B-A5AD-6C146E3F914B}" dt="2023-12-28T21:56:49.002" v="13100" actId="20577"/>
-          <ac:spMkLst>
-            <pc:docMk/>
-            <pc:sldMk cId="852415543" sldId="293"/>
-            <ac:spMk id="3" creationId="{0620B8A1-699E-C7B4-0A32-7D9C4529CA27}"/>
-          </ac:spMkLst>
-        </pc:spChg>
-      </pc:sldChg>
-      <pc:sldMasterChg chg="delSldLayout">
-        <pc:chgData name="Gibbons, Carl" userId="d2b037bc-8fb4-4222-845c-61440543a456" providerId="ADAL" clId="{3CE3119B-1917-4F7B-A5AD-6C146E3F914B}" dt="2023-12-24T04:15:18.904" v="2211" actId="47"/>
-        <pc:sldMasterMkLst>
-          <pc:docMk/>
-          <pc:sldMasterMk cId="3616380004" sldId="2147483712"/>
-        </pc:sldMasterMkLst>
-        <pc:sldLayoutChg chg="del">
-          <pc:chgData name="Gibbons, Carl" userId="d2b037bc-8fb4-4222-845c-61440543a456" providerId="ADAL" clId="{3CE3119B-1917-4F7B-A5AD-6C146E3F914B}" dt="2023-12-24T04:15:18.904" v="2211" actId="47"/>
-          <pc:sldLayoutMkLst>
-            <pc:docMk/>
-            <pc:sldMasterMk cId="3616380004" sldId="2147483712"/>
-            <pc:sldLayoutMk cId="2633931619" sldId="2147483725"/>
-          </pc:sldLayoutMkLst>
-        </pc:sldLayoutChg>
-      </pc:sldMasterChg>
     </pc:docChg>
   </pc:docChgLst>
   <pc:docChgLst>
@@ -2557,7 +2559,7 @@
           <a:p>
             <a:fld id="{421996D4-4A1C-4BBC-AA2B-FD5B7FC395A0}" type="datetime1">
               <a:rPr lang="en-US" smtClean="0"/>
-              <a:t>5/16/2024</a:t>
+              <a:t>10/17/2024</a:t>
             </a:fld>
             <a:endParaRPr lang="en-US"/>
           </a:p>
@@ -2755,7 +2757,7 @@
           <a:p>
             <a:fld id="{CB43818D-5554-4105-BE04-CEE32DEBDA0A}" type="datetime1">
               <a:rPr lang="en-US" smtClean="0"/>
-              <a:t>5/16/2024</a:t>
+              <a:t>10/17/2024</a:t>
             </a:fld>
             <a:endParaRPr lang="en-US"/>
           </a:p>
@@ -2963,7 +2965,7 @@
           <a:p>
             <a:fld id="{AFAC11C6-1708-41BC-9474-3D7842023D96}" type="datetime1">
               <a:rPr lang="en-US" smtClean="0"/>
-              <a:t>5/16/2024</a:t>
+              <a:t>10/17/2024</a:t>
             </a:fld>
             <a:endParaRPr lang="en-US"/>
           </a:p>
@@ -3242,7 +3244,7 @@
           <a:p>
             <a:fld id="{490605F8-8C86-41F5-9F5E-04EDB8C2540B}" type="datetime1">
               <a:rPr lang="en-US" smtClean="0"/>
-              <a:t>5/16/2024</a:t>
+              <a:t>10/17/2024</a:t>
             </a:fld>
             <a:endParaRPr lang="en-US"/>
           </a:p>
@@ -3517,7 +3519,7 @@
           <a:p>
             <a:fld id="{CA355DA2-1E89-41CC-B722-CBFC08F260AE}" type="datetime1">
               <a:rPr lang="en-US" smtClean="0"/>
-              <a:t>5/16/2024</a:t>
+              <a:t>10/17/2024</a:t>
             </a:fld>
             <a:endParaRPr lang="en-US"/>
           </a:p>
@@ -3782,7 +3784,7 @@
           <a:p>
             <a:fld id="{7F6AFD48-C472-404E-B7B5-BA44CCF2F55D}" type="datetime1">
               <a:rPr lang="en-US" smtClean="0"/>
-              <a:t>5/16/2024</a:t>
+              <a:t>10/17/2024</a:t>
             </a:fld>
             <a:endParaRPr lang="en-US"/>
           </a:p>
@@ -4194,7 +4196,7 @@
           <a:p>
             <a:fld id="{B33F52E9-9255-4CAF-909C-660126F1B079}" type="datetime1">
               <a:rPr lang="en-US" smtClean="0"/>
-              <a:t>5/16/2024</a:t>
+              <a:t>10/17/2024</a:t>
             </a:fld>
             <a:endParaRPr lang="en-US"/>
           </a:p>
@@ -4335,7 +4337,7 @@
           <a:p>
             <a:fld id="{67F9F019-D13C-4797-8A9F-7B02D5B8121E}" type="datetime1">
               <a:rPr lang="en-US" smtClean="0"/>
-              <a:t>5/16/2024</a:t>
+              <a:t>10/17/2024</a:t>
             </a:fld>
             <a:endParaRPr lang="en-US"/>
           </a:p>
@@ -4448,7 +4450,7 @@
           <a:p>
             <a:fld id="{FDA143B9-A6C4-436D-945A-FF5B3EA2EF39}" type="datetime1">
               <a:rPr lang="en-US" smtClean="0"/>
-              <a:t>5/16/2024</a:t>
+              <a:t>10/17/2024</a:t>
             </a:fld>
             <a:endParaRPr lang="en-US"/>
           </a:p>
@@ -4759,7 +4761,7 @@
           <a:p>
             <a:fld id="{457E18FE-B6F9-4F6A-835B-8251F04458A0}" type="datetime1">
               <a:rPr lang="en-US" smtClean="0"/>
-              <a:t>5/16/2024</a:t>
+              <a:t>10/17/2024</a:t>
             </a:fld>
             <a:endParaRPr lang="en-US"/>
           </a:p>
@@ -5047,7 +5049,7 @@
           <a:p>
             <a:fld id="{5F2690CE-112A-455B-AD5F-E26CEA6A5331}" type="datetime1">
               <a:rPr lang="en-US" smtClean="0"/>
-              <a:t>5/16/2024</a:t>
+              <a:t>10/17/2024</a:t>
             </a:fld>
             <a:endParaRPr lang="en-US"/>
           </a:p>
@@ -5288,7 +5290,7 @@
           <a:p>
             <a:fld id="{9C4E342D-98AB-407C-88D4-A20ED0F70E1C}" type="datetime1">
               <a:rPr lang="en-US" smtClean="0"/>
-              <a:t>5/16/2024</a:t>
+              <a:t>10/17/2024</a:t>
             </a:fld>
             <a:endParaRPr lang="en-US"/>
           </a:p>
@@ -5729,8 +5731,19 @@
           <a:lstStyle/>
           <a:p>
             <a:r>
+              <a:rPr lang="en-US"/>
+              <a:t>CYBER 360: </a:t>
+            </a:r>
+            <a:br>
+              <a:rPr lang="en-US"/>
+            </a:br>
+            <a:r>
+              <a:rPr lang="en-US"/>
+              <a:t>Advanced </a:t>
+            </a:r>
+            <a:r>
               <a:rPr lang="en-US" dirty="0"/>
-              <a:t>CIT 361/CYBER 360: Advanced Scripting</a:t>
+              <a:t>Scripting</a:t>
             </a:r>
           </a:p>
         </p:txBody>
@@ -5824,10 +5837,10 @@
       </p:grpSpPr>
       <p:sp>
         <p:nvSpPr>
-          <p:cNvPr id="2" name="Text Placeholder 1">
-            <a:extLst>
-              <a:ext uri="{FF2B5EF4-FFF2-40B4-BE49-F238E27FC236}">
-                <a16:creationId xmlns:a16="http://schemas.microsoft.com/office/drawing/2014/main" id="{31B75992-5098-A283-4925-2CCEBB801DC5}"/>
+          <p:cNvPr id="2" name="Title 1">
+            <a:extLst>
+              <a:ext uri="{FF2B5EF4-FFF2-40B4-BE49-F238E27FC236}">
+                <a16:creationId xmlns:a16="http://schemas.microsoft.com/office/drawing/2014/main" id="{5CC3177C-0CE5-487C-FA96-AEB030A2557A}"/>
               </a:ext>
             </a:extLst>
           </p:cNvPr>
@@ -5835,29 +5848,555 @@
             <a:spLocks noGrp="1"/>
           </p:cNvSpPr>
           <p:nvPr>
-            <p:ph type="body" sz="quarter" idx="10"/>
+            <p:ph type="title"/>
           </p:nvPr>
         </p:nvSpPr>
         <p:spPr/>
         <p:txBody>
-          <a:bodyPr>
-            <a:normAutofit/>
-          </a:bodyPr>
+          <a:bodyPr/>
           <a:lstStyle/>
           <a:p>
-            <a:r>
-              <a:rPr lang="en-US" sz="4000" dirty="0"/>
-              <a:t>Reading plaintext data</a:t>
+            <a:pPr algn="ctr"/>
+            <a:r>
+              <a:rPr lang="en-US" dirty="0"/>
+              <a:t>Review: layered network models (1)</a:t>
             </a:r>
           </a:p>
         </p:txBody>
       </p:sp>
       <p:sp>
         <p:nvSpPr>
-          <p:cNvPr id="3" name="TextBox 2">
-            <a:extLst>
-              <a:ext uri="{FF2B5EF4-FFF2-40B4-BE49-F238E27FC236}">
-                <a16:creationId xmlns:a16="http://schemas.microsoft.com/office/drawing/2014/main" id="{B5924E0F-A977-1710-779D-EEB74261AF34}"/>
+          <p:cNvPr id="4" name="Slide Number Placeholder 3">
+            <a:extLst>
+              <a:ext uri="{FF2B5EF4-FFF2-40B4-BE49-F238E27FC236}">
+                <a16:creationId xmlns:a16="http://schemas.microsoft.com/office/drawing/2014/main" id="{58027B5A-9856-8ACC-11FC-590204082138}"/>
+              </a:ext>
+            </a:extLst>
+          </p:cNvPr>
+          <p:cNvSpPr>
+            <a:spLocks noGrp="1"/>
+          </p:cNvSpPr>
+          <p:nvPr>
+            <p:ph type="sldNum" sz="quarter" idx="12"/>
+          </p:nvPr>
+        </p:nvSpPr>
+        <p:spPr/>
+        <p:txBody>
+          <a:bodyPr/>
+          <a:lstStyle/>
+          <a:p>
+            <a:fld id="{B46E5E13-EE34-439C-B49B-F0CB75B28E1B}" type="slidenum">
+              <a:rPr lang="en-US" smtClean="0"/>
+              <a:t>2</a:t>
+            </a:fld>
+            <a:endParaRPr lang="en-US"/>
+          </a:p>
+        </p:txBody>
+      </p:sp>
+      <p:sp>
+        <p:nvSpPr>
+          <p:cNvPr id="5" name="Content Placeholder 2">
+            <a:extLst>
+              <a:ext uri="{FF2B5EF4-FFF2-40B4-BE49-F238E27FC236}">
+                <a16:creationId xmlns:a16="http://schemas.microsoft.com/office/drawing/2014/main" id="{F1BA4EBA-45A7-81B8-3AE5-81881DB2E5AD}"/>
+              </a:ext>
+            </a:extLst>
+          </p:cNvPr>
+          <p:cNvSpPr txBox="1">
+            <a:spLocks/>
+          </p:cNvSpPr>
+          <p:nvPr/>
+        </p:nvSpPr>
+        <p:spPr>
+          <a:xfrm>
+            <a:off x="5027226" y="1690688"/>
+            <a:ext cx="2635727" cy="4351338"/>
+          </a:xfrm>
+          <a:prstGeom prst="rect">
+            <a:avLst/>
+          </a:prstGeom>
+          <a:ln w="25400">
+            <a:solidFill>
+              <a:schemeClr val="accent1"/>
+            </a:solidFill>
+          </a:ln>
+        </p:spPr>
+        <p:txBody>
+          <a:bodyPr vert="horz" lIns="91440" tIns="45720" rIns="91440" bIns="45720" rtlCol="0">
+            <a:normAutofit/>
+          </a:bodyPr>
+          <a:lstStyle>
+            <a:lvl1pPr marL="228600" indent="-228600" algn="l" defTabSz="914400" rtl="0" eaLnBrk="1" latinLnBrk="0" hangingPunct="1">
+              <a:lnSpc>
+                <a:spcPct val="90000"/>
+              </a:lnSpc>
+              <a:spcBef>
+                <a:spcPts val="1000"/>
+              </a:spcBef>
+              <a:buFont typeface="Arial" panose="020B0604020202020204" pitchFamily="34" charset="0"/>
+              <a:buChar char="•"/>
+              <a:defRPr sz="2800" kern="1200">
+                <a:solidFill>
+                  <a:schemeClr val="tx1"/>
+                </a:solidFill>
+                <a:latin typeface="+mn-lt"/>
+                <a:ea typeface="+mn-ea"/>
+                <a:cs typeface="+mn-cs"/>
+              </a:defRPr>
+            </a:lvl1pPr>
+            <a:lvl2pPr marL="685800" indent="-228600" algn="l" defTabSz="914400" rtl="0" eaLnBrk="1" latinLnBrk="0" hangingPunct="1">
+              <a:lnSpc>
+                <a:spcPct val="90000"/>
+              </a:lnSpc>
+              <a:spcBef>
+                <a:spcPts val="500"/>
+              </a:spcBef>
+              <a:buFont typeface="Arial" panose="020B0604020202020204" pitchFamily="34" charset="0"/>
+              <a:buChar char="•"/>
+              <a:defRPr sz="2400" kern="1200">
+                <a:solidFill>
+                  <a:schemeClr val="tx1"/>
+                </a:solidFill>
+                <a:latin typeface="+mn-lt"/>
+                <a:ea typeface="+mn-ea"/>
+                <a:cs typeface="+mn-cs"/>
+              </a:defRPr>
+            </a:lvl2pPr>
+            <a:lvl3pPr marL="1143000" indent="-228600" algn="l" defTabSz="914400" rtl="0" eaLnBrk="1" latinLnBrk="0" hangingPunct="1">
+              <a:lnSpc>
+                <a:spcPct val="90000"/>
+              </a:lnSpc>
+              <a:spcBef>
+                <a:spcPts val="500"/>
+              </a:spcBef>
+              <a:buFont typeface="Arial" panose="020B0604020202020204" pitchFamily="34" charset="0"/>
+              <a:buChar char="•"/>
+              <a:defRPr sz="2000" kern="1200">
+                <a:solidFill>
+                  <a:schemeClr val="tx1"/>
+                </a:solidFill>
+                <a:latin typeface="+mn-lt"/>
+                <a:ea typeface="+mn-ea"/>
+                <a:cs typeface="+mn-cs"/>
+              </a:defRPr>
+            </a:lvl3pPr>
+            <a:lvl4pPr marL="1600200" indent="-228600" algn="l" defTabSz="914400" rtl="0" eaLnBrk="1" latinLnBrk="0" hangingPunct="1">
+              <a:lnSpc>
+                <a:spcPct val="90000"/>
+              </a:lnSpc>
+              <a:spcBef>
+                <a:spcPts val="500"/>
+              </a:spcBef>
+              <a:buFont typeface="Arial" panose="020B0604020202020204" pitchFamily="34" charset="0"/>
+              <a:buChar char="•"/>
+              <a:defRPr sz="1800" kern="1200">
+                <a:solidFill>
+                  <a:schemeClr val="tx1"/>
+                </a:solidFill>
+                <a:latin typeface="+mn-lt"/>
+                <a:ea typeface="+mn-ea"/>
+                <a:cs typeface="+mn-cs"/>
+              </a:defRPr>
+            </a:lvl4pPr>
+            <a:lvl5pPr marL="2057400" indent="-228600" algn="l" defTabSz="914400" rtl="0" eaLnBrk="1" latinLnBrk="0" hangingPunct="1">
+              <a:lnSpc>
+                <a:spcPct val="90000"/>
+              </a:lnSpc>
+              <a:spcBef>
+                <a:spcPts val="500"/>
+              </a:spcBef>
+              <a:buFont typeface="Arial" panose="020B0604020202020204" pitchFamily="34" charset="0"/>
+              <a:buChar char="•"/>
+              <a:defRPr sz="1800" kern="1200">
+                <a:solidFill>
+                  <a:schemeClr val="tx1"/>
+                </a:solidFill>
+                <a:latin typeface="+mn-lt"/>
+                <a:ea typeface="+mn-ea"/>
+                <a:cs typeface="+mn-cs"/>
+              </a:defRPr>
+            </a:lvl5pPr>
+            <a:lvl6pPr marL="2514600" indent="-228600" algn="l" defTabSz="914400" rtl="0" eaLnBrk="1" latinLnBrk="0" hangingPunct="1">
+              <a:lnSpc>
+                <a:spcPct val="90000"/>
+              </a:lnSpc>
+              <a:spcBef>
+                <a:spcPts val="500"/>
+              </a:spcBef>
+              <a:buFont typeface="Arial" panose="020B0604020202020204" pitchFamily="34" charset="0"/>
+              <a:buChar char="•"/>
+              <a:defRPr sz="1800" kern="1200">
+                <a:solidFill>
+                  <a:schemeClr val="tx1"/>
+                </a:solidFill>
+                <a:latin typeface="+mn-lt"/>
+                <a:ea typeface="+mn-ea"/>
+                <a:cs typeface="+mn-cs"/>
+              </a:defRPr>
+            </a:lvl6pPr>
+            <a:lvl7pPr marL="2971800" indent="-228600" algn="l" defTabSz="914400" rtl="0" eaLnBrk="1" latinLnBrk="0" hangingPunct="1">
+              <a:lnSpc>
+                <a:spcPct val="90000"/>
+              </a:lnSpc>
+              <a:spcBef>
+                <a:spcPts val="500"/>
+              </a:spcBef>
+              <a:buFont typeface="Arial" panose="020B0604020202020204" pitchFamily="34" charset="0"/>
+              <a:buChar char="•"/>
+              <a:defRPr sz="1800" kern="1200">
+                <a:solidFill>
+                  <a:schemeClr val="tx1"/>
+                </a:solidFill>
+                <a:latin typeface="+mn-lt"/>
+                <a:ea typeface="+mn-ea"/>
+                <a:cs typeface="+mn-cs"/>
+              </a:defRPr>
+            </a:lvl7pPr>
+            <a:lvl8pPr marL="3429000" indent="-228600" algn="l" defTabSz="914400" rtl="0" eaLnBrk="1" latinLnBrk="0" hangingPunct="1">
+              <a:lnSpc>
+                <a:spcPct val="90000"/>
+              </a:lnSpc>
+              <a:spcBef>
+                <a:spcPts val="500"/>
+              </a:spcBef>
+              <a:buFont typeface="Arial" panose="020B0604020202020204" pitchFamily="34" charset="0"/>
+              <a:buChar char="•"/>
+              <a:defRPr sz="1800" kern="1200">
+                <a:solidFill>
+                  <a:schemeClr val="tx1"/>
+                </a:solidFill>
+                <a:latin typeface="+mn-lt"/>
+                <a:ea typeface="+mn-ea"/>
+                <a:cs typeface="+mn-cs"/>
+              </a:defRPr>
+            </a:lvl8pPr>
+            <a:lvl9pPr marL="3886200" indent="-228600" algn="l" defTabSz="914400" rtl="0" eaLnBrk="1" latinLnBrk="0" hangingPunct="1">
+              <a:lnSpc>
+                <a:spcPct val="90000"/>
+              </a:lnSpc>
+              <a:spcBef>
+                <a:spcPts val="500"/>
+              </a:spcBef>
+              <a:buFont typeface="Arial" panose="020B0604020202020204" pitchFamily="34" charset="0"/>
+              <a:buChar char="•"/>
+              <a:defRPr sz="1800" kern="1200">
+                <a:solidFill>
+                  <a:schemeClr val="tx1"/>
+                </a:solidFill>
+                <a:latin typeface="+mn-lt"/>
+                <a:ea typeface="+mn-ea"/>
+                <a:cs typeface="+mn-cs"/>
+              </a:defRPr>
+            </a:lvl9pPr>
+          </a:lstStyle>
+          <a:p>
+            <a:pPr marL="0" indent="0">
+              <a:buNone/>
+            </a:pPr>
+            <a:r>
+              <a:rPr lang="en-US" dirty="0"/>
+              <a:t>OSI layers:</a:t>
+            </a:r>
+          </a:p>
+          <a:p>
+            <a:r>
+              <a:rPr lang="en-US" dirty="0"/>
+              <a:t>7: Application</a:t>
+            </a:r>
+          </a:p>
+          <a:p>
+            <a:r>
+              <a:rPr lang="en-US" dirty="0"/>
+              <a:t>6: Presentation</a:t>
+            </a:r>
+          </a:p>
+          <a:p>
+            <a:r>
+              <a:rPr lang="en-US" dirty="0"/>
+              <a:t>5: Session</a:t>
+            </a:r>
+          </a:p>
+          <a:p>
+            <a:r>
+              <a:rPr lang="en-US" dirty="0"/>
+              <a:t>4: Transport</a:t>
+            </a:r>
+          </a:p>
+          <a:p>
+            <a:r>
+              <a:rPr lang="en-US" dirty="0"/>
+              <a:t>3: Network</a:t>
+            </a:r>
+          </a:p>
+          <a:p>
+            <a:r>
+              <a:rPr lang="en-US" dirty="0"/>
+              <a:t>2: Data Link</a:t>
+            </a:r>
+          </a:p>
+          <a:p>
+            <a:r>
+              <a:rPr lang="en-US" dirty="0"/>
+              <a:t>1: Physical</a:t>
+            </a:r>
+          </a:p>
+        </p:txBody>
+      </p:sp>
+      <p:sp>
+        <p:nvSpPr>
+          <p:cNvPr id="6" name="Content Placeholder 2">
+            <a:extLst>
+              <a:ext uri="{FF2B5EF4-FFF2-40B4-BE49-F238E27FC236}">
+                <a16:creationId xmlns:a16="http://schemas.microsoft.com/office/drawing/2014/main" id="{02AC3B94-38AA-6BFF-D6C1-906D0CD0BC4B}"/>
+              </a:ext>
+            </a:extLst>
+          </p:cNvPr>
+          <p:cNvSpPr txBox="1">
+            <a:spLocks/>
+          </p:cNvSpPr>
+          <p:nvPr/>
+        </p:nvSpPr>
+        <p:spPr>
+          <a:xfrm>
+            <a:off x="2119404" y="1690688"/>
+            <a:ext cx="2447925" cy="4351338"/>
+          </a:xfrm>
+          <a:prstGeom prst="rect">
+            <a:avLst/>
+          </a:prstGeom>
+          <a:ln w="25400">
+            <a:solidFill>
+              <a:schemeClr val="accent1"/>
+            </a:solidFill>
+          </a:ln>
+        </p:spPr>
+        <p:txBody>
+          <a:bodyPr vert="horz" lIns="91440" tIns="45720" rIns="91440" bIns="45720" rtlCol="0">
+            <a:normAutofit/>
+          </a:bodyPr>
+          <a:lstStyle>
+            <a:lvl1pPr marL="228600" indent="-228600" algn="l" defTabSz="914400" rtl="0" eaLnBrk="1" latinLnBrk="0" hangingPunct="1">
+              <a:lnSpc>
+                <a:spcPct val="90000"/>
+              </a:lnSpc>
+              <a:spcBef>
+                <a:spcPts val="1000"/>
+              </a:spcBef>
+              <a:buFont typeface="Arial" panose="020B0604020202020204" pitchFamily="34" charset="0"/>
+              <a:buChar char="•"/>
+              <a:defRPr sz="2800" kern="1200">
+                <a:solidFill>
+                  <a:schemeClr val="tx1"/>
+                </a:solidFill>
+                <a:latin typeface="+mn-lt"/>
+                <a:ea typeface="+mn-ea"/>
+                <a:cs typeface="+mn-cs"/>
+              </a:defRPr>
+            </a:lvl1pPr>
+            <a:lvl2pPr marL="685800" indent="-228600" algn="l" defTabSz="914400" rtl="0" eaLnBrk="1" latinLnBrk="0" hangingPunct="1">
+              <a:lnSpc>
+                <a:spcPct val="90000"/>
+              </a:lnSpc>
+              <a:spcBef>
+                <a:spcPts val="500"/>
+              </a:spcBef>
+              <a:buFont typeface="Arial" panose="020B0604020202020204" pitchFamily="34" charset="0"/>
+              <a:buChar char="•"/>
+              <a:defRPr sz="2400" kern="1200">
+                <a:solidFill>
+                  <a:schemeClr val="tx1"/>
+                </a:solidFill>
+                <a:latin typeface="+mn-lt"/>
+                <a:ea typeface="+mn-ea"/>
+                <a:cs typeface="+mn-cs"/>
+              </a:defRPr>
+            </a:lvl2pPr>
+            <a:lvl3pPr marL="1143000" indent="-228600" algn="l" defTabSz="914400" rtl="0" eaLnBrk="1" latinLnBrk="0" hangingPunct="1">
+              <a:lnSpc>
+                <a:spcPct val="90000"/>
+              </a:lnSpc>
+              <a:spcBef>
+                <a:spcPts val="500"/>
+              </a:spcBef>
+              <a:buFont typeface="Arial" panose="020B0604020202020204" pitchFamily="34" charset="0"/>
+              <a:buChar char="•"/>
+              <a:defRPr sz="2000" kern="1200">
+                <a:solidFill>
+                  <a:schemeClr val="tx1"/>
+                </a:solidFill>
+                <a:latin typeface="+mn-lt"/>
+                <a:ea typeface="+mn-ea"/>
+                <a:cs typeface="+mn-cs"/>
+              </a:defRPr>
+            </a:lvl3pPr>
+            <a:lvl4pPr marL="1600200" indent="-228600" algn="l" defTabSz="914400" rtl="0" eaLnBrk="1" latinLnBrk="0" hangingPunct="1">
+              <a:lnSpc>
+                <a:spcPct val="90000"/>
+              </a:lnSpc>
+              <a:spcBef>
+                <a:spcPts val="500"/>
+              </a:spcBef>
+              <a:buFont typeface="Arial" panose="020B0604020202020204" pitchFamily="34" charset="0"/>
+              <a:buChar char="•"/>
+              <a:defRPr sz="1800" kern="1200">
+                <a:solidFill>
+                  <a:schemeClr val="tx1"/>
+                </a:solidFill>
+                <a:latin typeface="+mn-lt"/>
+                <a:ea typeface="+mn-ea"/>
+                <a:cs typeface="+mn-cs"/>
+              </a:defRPr>
+            </a:lvl4pPr>
+            <a:lvl5pPr marL="2057400" indent="-228600" algn="l" defTabSz="914400" rtl="0" eaLnBrk="1" latinLnBrk="0" hangingPunct="1">
+              <a:lnSpc>
+                <a:spcPct val="90000"/>
+              </a:lnSpc>
+              <a:spcBef>
+                <a:spcPts val="500"/>
+              </a:spcBef>
+              <a:buFont typeface="Arial" panose="020B0604020202020204" pitchFamily="34" charset="0"/>
+              <a:buChar char="•"/>
+              <a:defRPr sz="1800" kern="1200">
+                <a:solidFill>
+                  <a:schemeClr val="tx1"/>
+                </a:solidFill>
+                <a:latin typeface="+mn-lt"/>
+                <a:ea typeface="+mn-ea"/>
+                <a:cs typeface="+mn-cs"/>
+              </a:defRPr>
+            </a:lvl5pPr>
+            <a:lvl6pPr marL="2514600" indent="-228600" algn="l" defTabSz="914400" rtl="0" eaLnBrk="1" latinLnBrk="0" hangingPunct="1">
+              <a:lnSpc>
+                <a:spcPct val="90000"/>
+              </a:lnSpc>
+              <a:spcBef>
+                <a:spcPts val="500"/>
+              </a:spcBef>
+              <a:buFont typeface="Arial" panose="020B0604020202020204" pitchFamily="34" charset="0"/>
+              <a:buChar char="•"/>
+              <a:defRPr sz="1800" kern="1200">
+                <a:solidFill>
+                  <a:schemeClr val="tx1"/>
+                </a:solidFill>
+                <a:latin typeface="+mn-lt"/>
+                <a:ea typeface="+mn-ea"/>
+                <a:cs typeface="+mn-cs"/>
+              </a:defRPr>
+            </a:lvl6pPr>
+            <a:lvl7pPr marL="2971800" indent="-228600" algn="l" defTabSz="914400" rtl="0" eaLnBrk="1" latinLnBrk="0" hangingPunct="1">
+              <a:lnSpc>
+                <a:spcPct val="90000"/>
+              </a:lnSpc>
+              <a:spcBef>
+                <a:spcPts val="500"/>
+              </a:spcBef>
+              <a:buFont typeface="Arial" panose="020B0604020202020204" pitchFamily="34" charset="0"/>
+              <a:buChar char="•"/>
+              <a:defRPr sz="1800" kern="1200">
+                <a:solidFill>
+                  <a:schemeClr val="tx1"/>
+                </a:solidFill>
+                <a:latin typeface="+mn-lt"/>
+                <a:ea typeface="+mn-ea"/>
+                <a:cs typeface="+mn-cs"/>
+              </a:defRPr>
+            </a:lvl7pPr>
+            <a:lvl8pPr marL="3429000" indent="-228600" algn="l" defTabSz="914400" rtl="0" eaLnBrk="1" latinLnBrk="0" hangingPunct="1">
+              <a:lnSpc>
+                <a:spcPct val="90000"/>
+              </a:lnSpc>
+              <a:spcBef>
+                <a:spcPts val="500"/>
+              </a:spcBef>
+              <a:buFont typeface="Arial" panose="020B0604020202020204" pitchFamily="34" charset="0"/>
+              <a:buChar char="•"/>
+              <a:defRPr sz="1800" kern="1200">
+                <a:solidFill>
+                  <a:schemeClr val="tx1"/>
+                </a:solidFill>
+                <a:latin typeface="+mn-lt"/>
+                <a:ea typeface="+mn-ea"/>
+                <a:cs typeface="+mn-cs"/>
+              </a:defRPr>
+            </a:lvl8pPr>
+            <a:lvl9pPr marL="3886200" indent="-228600" algn="l" defTabSz="914400" rtl="0" eaLnBrk="1" latinLnBrk="0" hangingPunct="1">
+              <a:lnSpc>
+                <a:spcPct val="90000"/>
+              </a:lnSpc>
+              <a:spcBef>
+                <a:spcPts val="500"/>
+              </a:spcBef>
+              <a:buFont typeface="Arial" panose="020B0604020202020204" pitchFamily="34" charset="0"/>
+              <a:buChar char="•"/>
+              <a:defRPr sz="1800" kern="1200">
+                <a:solidFill>
+                  <a:schemeClr val="tx1"/>
+                </a:solidFill>
+                <a:latin typeface="+mn-lt"/>
+                <a:ea typeface="+mn-ea"/>
+                <a:cs typeface="+mn-cs"/>
+              </a:defRPr>
+            </a:lvl9pPr>
+          </a:lstStyle>
+          <a:p>
+            <a:pPr marL="0" indent="0">
+              <a:buNone/>
+            </a:pPr>
+            <a:r>
+              <a:rPr lang="en-US" dirty="0"/>
+              <a:t>TCP/IP layers:</a:t>
+            </a:r>
+          </a:p>
+          <a:p>
+            <a:r>
+              <a:rPr lang="en-US" dirty="0"/>
+              <a:t>7: Application </a:t>
+            </a:r>
+          </a:p>
+          <a:p>
+            <a:pPr marL="0" indent="0">
+              <a:buNone/>
+            </a:pPr>
+            <a:endParaRPr lang="en-US" dirty="0"/>
+          </a:p>
+          <a:p>
+            <a:pPr marL="0" indent="0">
+              <a:buNone/>
+            </a:pPr>
+            <a:endParaRPr lang="en-US" dirty="0"/>
+          </a:p>
+          <a:p>
+            <a:r>
+              <a:rPr lang="en-US" dirty="0"/>
+              <a:t>4: Transport </a:t>
+            </a:r>
+          </a:p>
+          <a:p>
+            <a:r>
+              <a:rPr lang="en-US" dirty="0"/>
+              <a:t>3: Internet </a:t>
+            </a:r>
+          </a:p>
+          <a:p>
+            <a:r>
+              <a:rPr lang="en-US" dirty="0"/>
+              <a:t>2: Data Link </a:t>
+            </a:r>
+          </a:p>
+          <a:p>
+            <a:pPr marL="0" indent="0">
+              <a:buNone/>
+            </a:pPr>
+            <a:endParaRPr lang="en-US" dirty="0"/>
+          </a:p>
+        </p:txBody>
+      </p:sp>
+      <p:sp>
+        <p:nvSpPr>
+          <p:cNvPr id="7" name="TextBox 6">
+            <a:extLst>
+              <a:ext uri="{FF2B5EF4-FFF2-40B4-BE49-F238E27FC236}">
+                <a16:creationId xmlns:a16="http://schemas.microsoft.com/office/drawing/2014/main" id="{52EA967A-5584-4921-086F-4E1AE7308DCC}"/>
               </a:ext>
             </a:extLst>
           </p:cNvPr>
@@ -5866,13 +6405,18 @@
         </p:nvSpPr>
         <p:spPr>
           <a:xfrm>
-            <a:off x="1260764" y="1054728"/>
-            <a:ext cx="9662835" cy="4247317"/>
+            <a:off x="553628" y="1253529"/>
+            <a:ext cx="1447126" cy="923330"/>
           </a:xfrm>
           <a:prstGeom prst="rect">
             <a:avLst/>
           </a:prstGeom>
           <a:noFill/>
+          <a:ln w="19050">
+            <a:solidFill>
+              <a:schemeClr val="accent1"/>
+            </a:solidFill>
+          </a:ln>
         </p:spPr>
         <p:txBody>
           <a:bodyPr wrap="square" rtlCol="0">
@@ -5880,216 +6424,396 @@
           </a:bodyPr>
           <a:lstStyle/>
           <a:p>
-            <a:pPr marL="800100" lvl="1" indent="-342900">
-              <a:buFont typeface="Arial" panose="020B0604020202020204" pitchFamily="34" charset="0"/>
-              <a:buChar char="•"/>
-            </a:pPr>
-            <a:endParaRPr lang="en-US" dirty="0"/>
-          </a:p>
-          <a:p>
-            <a:pPr marL="342900" indent="-342900">
-              <a:buFont typeface="Arial" panose="020B0604020202020204" pitchFamily="34" charset="0"/>
-              <a:buChar char="•"/>
-            </a:pPr>
-            <a:r>
-              <a:rPr lang="en-US" dirty="0"/>
-              <a:t>Use </a:t>
-            </a:r>
-            <a:r>
-              <a:rPr lang="en-US" b="1" dirty="0"/>
-              <a:t>Get-Content</a:t>
-            </a:r>
-            <a:r>
-              <a:rPr lang="en-US" dirty="0"/>
-              <a:t> to read data from a file. Example:</a:t>
-            </a:r>
-          </a:p>
-          <a:p>
-            <a:pPr marL="800100" lvl="1" indent="-342900">
-              <a:buFont typeface="Arial" panose="020B0604020202020204" pitchFamily="34" charset="0"/>
-              <a:buChar char="•"/>
-            </a:pPr>
-            <a:r>
-              <a:rPr lang="en-US" dirty="0">
-                <a:latin typeface="Lucida Console" panose="020B0609040504020204" pitchFamily="49" charset="0"/>
-              </a:rPr>
-              <a:t>Get-Content –Path file.txt</a:t>
-            </a:r>
-          </a:p>
-          <a:p>
-            <a:pPr marL="342900" indent="-342900">
-              <a:buFont typeface="Arial" panose="020B0604020202020204" pitchFamily="34" charset="0"/>
-              <a:buChar char="•"/>
-            </a:pPr>
-            <a:r>
-              <a:rPr lang="en-US" dirty="0"/>
-              <a:t>If the </a:t>
-            </a:r>
-            <a:r>
-              <a:rPr lang="en-US" b="1" dirty="0"/>
-              <a:t>–Path</a:t>
-            </a:r>
-            <a:r>
-              <a:rPr lang="en-US" dirty="0"/>
-              <a:t> parameter is given an array of files instead of just one file, it will concatenate the files’ contents into the output stream.</a:t>
-            </a:r>
-          </a:p>
-          <a:p>
-            <a:pPr marL="342900" indent="-342900">
-              <a:buFont typeface="Arial" panose="020B0604020202020204" pitchFamily="34" charset="0"/>
-              <a:buChar char="•"/>
-            </a:pPr>
-            <a:r>
-              <a:rPr lang="en-US" dirty="0"/>
-              <a:t>Other useful named parameters:</a:t>
-            </a:r>
-          </a:p>
-          <a:p>
-            <a:pPr marL="800100" lvl="1" indent="-342900">
-              <a:buFont typeface="Arial" panose="020B0604020202020204" pitchFamily="34" charset="0"/>
-              <a:buChar char="•"/>
-            </a:pPr>
-            <a:r>
-              <a:rPr lang="en-US" dirty="0">
-                <a:latin typeface="Lucida Console" panose="020B0609040504020204" pitchFamily="49" charset="0"/>
-              </a:rPr>
-              <a:t>-Head </a:t>
-            </a:r>
             <a:r>
               <a:rPr lang="en-US" i="1" dirty="0"/>
-              <a:t>&lt;n&gt;</a:t>
-            </a:r>
-            <a:r>
-              <a:rPr lang="en-US" dirty="0"/>
-              <a:t>    # just the first n lines. </a:t>
-            </a:r>
-            <a:r>
-              <a:rPr lang="en-US" dirty="0">
-                <a:latin typeface="Lucida Console" panose="020B0609040504020204" pitchFamily="49" charset="0"/>
-              </a:rPr>
-              <a:t>–First</a:t>
-            </a:r>
-            <a:r>
-              <a:rPr lang="en-US" dirty="0"/>
-              <a:t>, </a:t>
-            </a:r>
-            <a:r>
-              <a:rPr lang="en-US" dirty="0">
-                <a:latin typeface="Lucida Console" panose="020B0609040504020204" pitchFamily="49" charset="0"/>
-              </a:rPr>
-              <a:t>-</a:t>
-            </a:r>
-            <a:r>
-              <a:rPr lang="en-US" dirty="0" err="1">
-                <a:latin typeface="Lucida Console" panose="020B0609040504020204" pitchFamily="49" charset="0"/>
-              </a:rPr>
-              <a:t>TotalCount</a:t>
-            </a:r>
-            <a:r>
-              <a:rPr lang="en-US" dirty="0"/>
-              <a:t>  do the same thing.</a:t>
-            </a:r>
-          </a:p>
-          <a:p>
-            <a:pPr marL="800100" lvl="1" indent="-342900">
-              <a:buFont typeface="Arial" panose="020B0604020202020204" pitchFamily="34" charset="0"/>
-              <a:buChar char="•"/>
-            </a:pPr>
-            <a:r>
-              <a:rPr lang="en-US" dirty="0">
-                <a:latin typeface="Lucida Console" panose="020B0609040504020204" pitchFamily="49" charset="0"/>
-              </a:rPr>
-              <a:t>-Tail </a:t>
-            </a:r>
-            <a:r>
+              <a:t>Examples:</a:t>
+            </a:r>
+            <a:br>
               <a:rPr lang="en-US" i="1" dirty="0"/>
-              <a:t>&lt;n&gt;</a:t>
-            </a:r>
-            <a:r>
-              <a:rPr lang="en-US" dirty="0"/>
-              <a:t>    # just the last n lines.</a:t>
-            </a:r>
-          </a:p>
-          <a:p>
-            <a:pPr marL="800100" lvl="1" indent="-342900">
-              <a:buFont typeface="Arial" panose="020B0604020202020204" pitchFamily="34" charset="0"/>
-              <a:buChar char="•"/>
-            </a:pPr>
-            <a:r>
-              <a:rPr lang="en-US" dirty="0">
-                <a:latin typeface="Lucida Console" panose="020B0609040504020204" pitchFamily="49" charset="0"/>
-              </a:rPr>
-              <a:t>-Raw</a:t>
-            </a:r>
-            <a:r>
-              <a:rPr lang="en-US" dirty="0"/>
-              <a:t>    # read entire file as one long string, instead of one line at a time as an array of strings</a:t>
-            </a:r>
-          </a:p>
-          <a:p>
-            <a:pPr marL="800100" lvl="1" indent="-342900">
-              <a:buFont typeface="Arial" panose="020B0604020202020204" pitchFamily="34" charset="0"/>
-              <a:buChar char="•"/>
-            </a:pPr>
-            <a:r>
-              <a:rPr lang="en-US" dirty="0">
-                <a:latin typeface="Lucida Console" panose="020B0609040504020204" pitchFamily="49" charset="0"/>
-              </a:rPr>
-              <a:t>-</a:t>
-            </a:r>
-            <a:r>
-              <a:rPr lang="en-US" dirty="0" err="1">
-                <a:latin typeface="Lucida Console" panose="020B0609040504020204" pitchFamily="49" charset="0"/>
-              </a:rPr>
-              <a:t>ReadCount</a:t>
-            </a:r>
-            <a:r>
-              <a:rPr lang="en-US" dirty="0"/>
-              <a:t>    # buffer size, to control the flow of strings into the pipeline. 1 by default, meaning that only one line at a time is output to the next command after the pipe. Set to -1 to turn of flow buffering and “fire-hose” the entire contents through the pipe all at once.</a:t>
-            </a:r>
-          </a:p>
-          <a:p>
-            <a:pPr marL="800100" lvl="1" indent="-342900">
-              <a:buFont typeface="Arial" panose="020B0604020202020204" pitchFamily="34" charset="0"/>
-              <a:buChar char="•"/>
-            </a:pPr>
-            <a:r>
-              <a:rPr lang="en-US" dirty="0">
-                <a:latin typeface="Lucida Console" panose="020B0609040504020204" pitchFamily="49" charset="0"/>
-              </a:rPr>
-              <a:t>-Encoding</a:t>
-            </a:r>
-            <a:r>
-              <a:rPr lang="en-US" dirty="0"/>
-              <a:t>    # if the text data isn’t Unicode (with no byte-order marks), you can specify other text encodings.  </a:t>
-            </a:r>
-            <a:r>
-              <a:rPr lang="en-US" dirty="0">
-                <a:latin typeface="Lucida Console" panose="020B0609040504020204" pitchFamily="49" charset="0"/>
-              </a:rPr>
-              <a:t>Get-Help </a:t>
-            </a:r>
-            <a:r>
-              <a:rPr lang="en-US" dirty="0" err="1">
-                <a:latin typeface="Lucida Console" panose="020B0609040504020204" pitchFamily="49" charset="0"/>
-              </a:rPr>
-              <a:t>about_Character_Encoding</a:t>
-            </a:r>
-            <a:endParaRPr lang="en-US" dirty="0"/>
-          </a:p>
-          <a:p>
-            <a:pPr marL="342900" indent="-342900">
-              <a:buFont typeface="Arial" panose="020B0604020202020204" pitchFamily="34" charset="0"/>
-              <a:buChar char="•"/>
-            </a:pPr>
-            <a:endParaRPr lang="en-US" dirty="0"/>
+            </a:br>
+            <a:r>
+              <a:rPr lang="en-US" i="1" dirty="0"/>
+              <a:t>HTTP, SSH,</a:t>
+            </a:r>
+            <a:br>
+              <a:rPr lang="en-US" i="1" dirty="0"/>
+            </a:br>
+            <a:r>
+              <a:rPr lang="en-US" i="1" dirty="0"/>
+              <a:t>DNS, etc.</a:t>
+            </a:r>
           </a:p>
         </p:txBody>
       </p:sp>
+      <p:sp>
+        <p:nvSpPr>
+          <p:cNvPr id="8" name="TextBox 7">
+            <a:extLst>
+              <a:ext uri="{FF2B5EF4-FFF2-40B4-BE49-F238E27FC236}">
+                <a16:creationId xmlns:a16="http://schemas.microsoft.com/office/drawing/2014/main" id="{2A3A489B-F28D-E604-C232-0BE45F6CF245}"/>
+              </a:ext>
+            </a:extLst>
+          </p:cNvPr>
+          <p:cNvSpPr txBox="1"/>
+          <p:nvPr/>
+        </p:nvSpPr>
+        <p:spPr>
+          <a:xfrm>
+            <a:off x="553628" y="3727686"/>
+            <a:ext cx="1447127" cy="369332"/>
+          </a:xfrm>
+          <a:prstGeom prst="rect">
+            <a:avLst/>
+          </a:prstGeom>
+          <a:noFill/>
+          <a:ln w="19050">
+            <a:solidFill>
+              <a:schemeClr val="accent1"/>
+            </a:solidFill>
+          </a:ln>
+        </p:spPr>
+        <p:txBody>
+          <a:bodyPr wrap="none" rtlCol="0">
+            <a:spAutoFit/>
+          </a:bodyPr>
+          <a:lstStyle/>
+          <a:p>
+            <a:r>
+              <a:rPr lang="en-US" i="1" dirty="0"/>
+              <a:t>TCP, UDP, etc.</a:t>
+            </a:r>
+          </a:p>
+        </p:txBody>
+      </p:sp>
+      <p:sp>
+        <p:nvSpPr>
+          <p:cNvPr id="9" name="TextBox 8">
+            <a:extLst>
+              <a:ext uri="{FF2B5EF4-FFF2-40B4-BE49-F238E27FC236}">
+                <a16:creationId xmlns:a16="http://schemas.microsoft.com/office/drawing/2014/main" id="{83AEC51D-BE7F-A440-1A53-B8C4D7E1E563}"/>
+              </a:ext>
+            </a:extLst>
+          </p:cNvPr>
+          <p:cNvSpPr txBox="1"/>
+          <p:nvPr/>
+        </p:nvSpPr>
+        <p:spPr>
+          <a:xfrm>
+            <a:off x="570346" y="4298592"/>
+            <a:ext cx="1430409" cy="369332"/>
+          </a:xfrm>
+          <a:prstGeom prst="rect">
+            <a:avLst/>
+          </a:prstGeom>
+          <a:noFill/>
+          <a:ln w="19050">
+            <a:solidFill>
+              <a:schemeClr val="accent1"/>
+            </a:solidFill>
+          </a:ln>
+        </p:spPr>
+        <p:txBody>
+          <a:bodyPr wrap="square" rtlCol="0">
+            <a:spAutoFit/>
+          </a:bodyPr>
+          <a:lstStyle/>
+          <a:p>
+            <a:r>
+              <a:rPr lang="en-US" i="1" dirty="0"/>
+              <a:t>IPv4/v6, etc.</a:t>
+            </a:r>
+          </a:p>
+        </p:txBody>
+      </p:sp>
+      <p:sp>
+        <p:nvSpPr>
+          <p:cNvPr id="10" name="TextBox 9">
+            <a:extLst>
+              <a:ext uri="{FF2B5EF4-FFF2-40B4-BE49-F238E27FC236}">
+                <a16:creationId xmlns:a16="http://schemas.microsoft.com/office/drawing/2014/main" id="{685C7B6F-6C31-60AA-161F-FEA3F25B8635}"/>
+              </a:ext>
+            </a:extLst>
+          </p:cNvPr>
+          <p:cNvSpPr txBox="1"/>
+          <p:nvPr/>
+        </p:nvSpPr>
+        <p:spPr>
+          <a:xfrm>
+            <a:off x="553628" y="4879023"/>
+            <a:ext cx="1447127" cy="646331"/>
+          </a:xfrm>
+          <a:prstGeom prst="rect">
+            <a:avLst/>
+          </a:prstGeom>
+          <a:noFill/>
+          <a:ln w="19050">
+            <a:solidFill>
+              <a:schemeClr val="accent1"/>
+            </a:solidFill>
+          </a:ln>
+        </p:spPr>
+        <p:txBody>
+          <a:bodyPr wrap="square" rtlCol="0">
+            <a:spAutoFit/>
+          </a:bodyPr>
+          <a:lstStyle/>
+          <a:p>
+            <a:r>
+              <a:rPr lang="en-US" i="1" dirty="0"/>
+              <a:t>Ethernet,</a:t>
+            </a:r>
+            <a:br>
+              <a:rPr lang="en-US" i="1" dirty="0"/>
+            </a:br>
+            <a:r>
+              <a:rPr lang="en-US" i="1" dirty="0" err="1"/>
+              <a:t>WiFi</a:t>
+            </a:r>
+            <a:r>
+              <a:rPr lang="en-US" i="1" dirty="0"/>
+              <a:t>, etc.</a:t>
+            </a:r>
+          </a:p>
+        </p:txBody>
+      </p:sp>
+      <p:cxnSp>
+        <p:nvCxnSpPr>
+          <p:cNvPr id="14" name="Straight Connector 13">
+            <a:extLst>
+              <a:ext uri="{FF2B5EF4-FFF2-40B4-BE49-F238E27FC236}">
+                <a16:creationId xmlns:a16="http://schemas.microsoft.com/office/drawing/2014/main" id="{350B6C75-A73B-E189-8635-44FB517C9689}"/>
+              </a:ext>
+            </a:extLst>
+          </p:cNvPr>
+          <p:cNvCxnSpPr>
+            <a:cxnSpLocks/>
+          </p:cNvCxnSpPr>
+          <p:nvPr/>
+        </p:nvCxnSpPr>
+        <p:spPr>
+          <a:xfrm>
+            <a:off x="4567329" y="2466975"/>
+            <a:ext cx="459897" cy="0"/>
+          </a:xfrm>
+          <a:prstGeom prst="line">
+            <a:avLst/>
+          </a:prstGeom>
+          <a:ln w="38100"/>
+        </p:spPr>
+        <p:style>
+          <a:lnRef idx="1">
+            <a:schemeClr val="accent1"/>
+          </a:lnRef>
+          <a:fillRef idx="0">
+            <a:schemeClr val="accent1"/>
+          </a:fillRef>
+          <a:effectRef idx="0">
+            <a:schemeClr val="accent1"/>
+          </a:effectRef>
+          <a:fontRef idx="minor">
+            <a:schemeClr val="tx1"/>
+          </a:fontRef>
+        </p:style>
+      </p:cxnSp>
+      <p:cxnSp>
+        <p:nvCxnSpPr>
+          <p:cNvPr id="15" name="Straight Connector 14">
+            <a:extLst>
+              <a:ext uri="{FF2B5EF4-FFF2-40B4-BE49-F238E27FC236}">
+                <a16:creationId xmlns:a16="http://schemas.microsoft.com/office/drawing/2014/main" id="{DF6C0A93-3A39-DD33-CF06-F3DADD5C2162}"/>
+              </a:ext>
+            </a:extLst>
+          </p:cNvPr>
+          <p:cNvCxnSpPr>
+            <a:cxnSpLocks/>
+          </p:cNvCxnSpPr>
+          <p:nvPr/>
+        </p:nvCxnSpPr>
+        <p:spPr>
+          <a:xfrm>
+            <a:off x="4567329" y="2466975"/>
+            <a:ext cx="459897" cy="504627"/>
+          </a:xfrm>
+          <a:prstGeom prst="line">
+            <a:avLst/>
+          </a:prstGeom>
+          <a:ln w="38100"/>
+        </p:spPr>
+        <p:style>
+          <a:lnRef idx="1">
+            <a:schemeClr val="accent1"/>
+          </a:lnRef>
+          <a:fillRef idx="0">
+            <a:schemeClr val="accent1"/>
+          </a:fillRef>
+          <a:effectRef idx="0">
+            <a:schemeClr val="accent1"/>
+          </a:effectRef>
+          <a:fontRef idx="minor">
+            <a:schemeClr val="tx1"/>
+          </a:fontRef>
+        </p:style>
+      </p:cxnSp>
+      <p:cxnSp>
+        <p:nvCxnSpPr>
+          <p:cNvPr id="16" name="Straight Connector 15">
+            <a:extLst>
+              <a:ext uri="{FF2B5EF4-FFF2-40B4-BE49-F238E27FC236}">
+                <a16:creationId xmlns:a16="http://schemas.microsoft.com/office/drawing/2014/main" id="{EBBB32B0-53B0-6BF0-C333-29828629F2A2}"/>
+              </a:ext>
+            </a:extLst>
+          </p:cNvPr>
+          <p:cNvCxnSpPr>
+            <a:cxnSpLocks/>
+          </p:cNvCxnSpPr>
+          <p:nvPr/>
+        </p:nvCxnSpPr>
+        <p:spPr>
+          <a:xfrm>
+            <a:off x="4567329" y="2466975"/>
+            <a:ext cx="459897" cy="971352"/>
+          </a:xfrm>
+          <a:prstGeom prst="line">
+            <a:avLst/>
+          </a:prstGeom>
+          <a:ln w="38100"/>
+        </p:spPr>
+        <p:style>
+          <a:lnRef idx="1">
+            <a:schemeClr val="accent1"/>
+          </a:lnRef>
+          <a:fillRef idx="0">
+            <a:schemeClr val="accent1"/>
+          </a:fillRef>
+          <a:effectRef idx="0">
+            <a:schemeClr val="accent1"/>
+          </a:effectRef>
+          <a:fontRef idx="minor">
+            <a:schemeClr val="tx1"/>
+          </a:fontRef>
+        </p:style>
+      </p:cxnSp>
+      <p:cxnSp>
+        <p:nvCxnSpPr>
+          <p:cNvPr id="18" name="Straight Connector 17">
+            <a:extLst>
+              <a:ext uri="{FF2B5EF4-FFF2-40B4-BE49-F238E27FC236}">
+                <a16:creationId xmlns:a16="http://schemas.microsoft.com/office/drawing/2014/main" id="{F0D8FA20-A852-5F14-DFFC-11186E3DD75C}"/>
+              </a:ext>
+            </a:extLst>
+          </p:cNvPr>
+          <p:cNvCxnSpPr>
+            <a:cxnSpLocks/>
+          </p:cNvCxnSpPr>
+          <p:nvPr/>
+        </p:nvCxnSpPr>
+        <p:spPr>
+          <a:xfrm>
+            <a:off x="4554390" y="3943151"/>
+            <a:ext cx="472836" cy="0"/>
+          </a:xfrm>
+          <a:prstGeom prst="line">
+            <a:avLst/>
+          </a:prstGeom>
+          <a:ln w="38100"/>
+        </p:spPr>
+        <p:style>
+          <a:lnRef idx="1">
+            <a:schemeClr val="accent1"/>
+          </a:lnRef>
+          <a:fillRef idx="0">
+            <a:schemeClr val="accent1"/>
+          </a:fillRef>
+          <a:effectRef idx="0">
+            <a:schemeClr val="accent1"/>
+          </a:effectRef>
+          <a:fontRef idx="minor">
+            <a:schemeClr val="tx1"/>
+          </a:fontRef>
+        </p:style>
+      </p:cxnSp>
+      <p:cxnSp>
+        <p:nvCxnSpPr>
+          <p:cNvPr id="19" name="Straight Connector 18">
+            <a:extLst>
+              <a:ext uri="{FF2B5EF4-FFF2-40B4-BE49-F238E27FC236}">
+                <a16:creationId xmlns:a16="http://schemas.microsoft.com/office/drawing/2014/main" id="{2BB2AF7F-6A20-83D3-DCAD-51D89F8CF37E}"/>
+              </a:ext>
+            </a:extLst>
+          </p:cNvPr>
+          <p:cNvCxnSpPr>
+            <a:cxnSpLocks/>
+          </p:cNvCxnSpPr>
+          <p:nvPr/>
+        </p:nvCxnSpPr>
+        <p:spPr>
+          <a:xfrm>
+            <a:off x="4554390" y="4467026"/>
+            <a:ext cx="472836" cy="16232"/>
+          </a:xfrm>
+          <a:prstGeom prst="line">
+            <a:avLst/>
+          </a:prstGeom>
+          <a:ln w="38100"/>
+        </p:spPr>
+        <p:style>
+          <a:lnRef idx="1">
+            <a:schemeClr val="accent1"/>
+          </a:lnRef>
+          <a:fillRef idx="0">
+            <a:schemeClr val="accent1"/>
+          </a:fillRef>
+          <a:effectRef idx="0">
+            <a:schemeClr val="accent1"/>
+          </a:effectRef>
+          <a:fontRef idx="minor">
+            <a:schemeClr val="tx1"/>
+          </a:fontRef>
+        </p:style>
+      </p:cxnSp>
+      <p:cxnSp>
+        <p:nvCxnSpPr>
+          <p:cNvPr id="20" name="Straight Connector 19">
+            <a:extLst>
+              <a:ext uri="{FF2B5EF4-FFF2-40B4-BE49-F238E27FC236}">
+                <a16:creationId xmlns:a16="http://schemas.microsoft.com/office/drawing/2014/main" id="{33B96576-EA62-A302-413C-7B9CAE82FA23}"/>
+              </a:ext>
+            </a:extLst>
+          </p:cNvPr>
+          <p:cNvCxnSpPr>
+            <a:cxnSpLocks/>
+          </p:cNvCxnSpPr>
+          <p:nvPr/>
+        </p:nvCxnSpPr>
+        <p:spPr>
+          <a:xfrm>
+            <a:off x="4554390" y="4971851"/>
+            <a:ext cx="472836" cy="0"/>
+          </a:xfrm>
+          <a:prstGeom prst="line">
+            <a:avLst/>
+          </a:prstGeom>
+          <a:ln w="38100"/>
+        </p:spPr>
+        <p:style>
+          <a:lnRef idx="1">
+            <a:schemeClr val="accent1"/>
+          </a:lnRef>
+          <a:fillRef idx="0">
+            <a:schemeClr val="accent1"/>
+          </a:fillRef>
+          <a:effectRef idx="0">
+            <a:schemeClr val="accent1"/>
+          </a:effectRef>
+          <a:fontRef idx="minor">
+            <a:schemeClr val="tx1"/>
+          </a:fontRef>
+        </p:style>
+      </p:cxnSp>
     </p:spTree>
     <p:extLst>
       <p:ext uri="{BB962C8B-B14F-4D97-AF65-F5344CB8AC3E}">
-        <p14:creationId xmlns:p14="http://schemas.microsoft.com/office/powerpoint/2010/main" val="2312486803"/>
+        <p14:creationId xmlns:p14="http://schemas.microsoft.com/office/powerpoint/2010/main" val="3765228740"/>
       </p:ext>
     </p:extLst>
   </p:cSld>
@@ -6104,7 +6828,13 @@
   <p:cSld>
     <p:spTree>
       <p:nvGrpSpPr>
-        <p:cNvPr id="1" name=""/>
+        <p:cNvPr id="1" name="">
+          <a:extLst>
+            <a:ext uri="{FF2B5EF4-FFF2-40B4-BE49-F238E27FC236}">
+              <a16:creationId xmlns:a16="http://schemas.microsoft.com/office/drawing/2014/main" id="{5CEA114B-D52A-D68E-59BB-D4091CD617C1}"/>
+            </a:ext>
+          </a:extLst>
+        </p:cNvPr>
         <p:cNvGrpSpPr/>
         <p:nvPr/>
       </p:nvGrpSpPr>
@@ -6118,10 +6848,10 @@
       </p:grpSpPr>
       <p:sp>
         <p:nvSpPr>
-          <p:cNvPr id="2" name="Text Placeholder 1">
-            <a:extLst>
-              <a:ext uri="{FF2B5EF4-FFF2-40B4-BE49-F238E27FC236}">
-                <a16:creationId xmlns:a16="http://schemas.microsoft.com/office/drawing/2014/main" id="{31B75992-5098-A283-4925-2CCEBB801DC5}"/>
+          <p:cNvPr id="2" name="Title 1">
+            <a:extLst>
+              <a:ext uri="{FF2B5EF4-FFF2-40B4-BE49-F238E27FC236}">
+                <a16:creationId xmlns:a16="http://schemas.microsoft.com/office/drawing/2014/main" id="{93302E95-9877-940A-114C-C22AC5F2E7D4}"/>
               </a:ext>
             </a:extLst>
           </p:cNvPr>
@@ -6129,29 +6859,644 @@
             <a:spLocks noGrp="1"/>
           </p:cNvSpPr>
           <p:nvPr>
-            <p:ph type="body" sz="quarter" idx="10"/>
+            <p:ph type="title"/>
           </p:nvPr>
         </p:nvSpPr>
         <p:spPr/>
         <p:txBody>
-          <a:bodyPr>
-            <a:normAutofit/>
-          </a:bodyPr>
+          <a:bodyPr/>
           <a:lstStyle/>
           <a:p>
-            <a:r>
-              <a:rPr lang="en-US" sz="4000" dirty="0"/>
-              <a:t>Writing plaintext data</a:t>
+            <a:pPr algn="ctr"/>
+            <a:r>
+              <a:rPr lang="en-US" dirty="0"/>
+              <a:t>Review: layered network models (2)</a:t>
             </a:r>
           </a:p>
         </p:txBody>
       </p:sp>
       <p:sp>
         <p:nvSpPr>
-          <p:cNvPr id="3" name="TextBox 2">
-            <a:extLst>
-              <a:ext uri="{FF2B5EF4-FFF2-40B4-BE49-F238E27FC236}">
-                <a16:creationId xmlns:a16="http://schemas.microsoft.com/office/drawing/2014/main" id="{B5924E0F-A977-1710-779D-EEB74261AF34}"/>
+          <p:cNvPr id="3" name="Content Placeholder 2">
+            <a:extLst>
+              <a:ext uri="{FF2B5EF4-FFF2-40B4-BE49-F238E27FC236}">
+                <a16:creationId xmlns:a16="http://schemas.microsoft.com/office/drawing/2014/main" id="{3B8F0149-5991-6134-30E1-9DB7E5396DFC}"/>
+              </a:ext>
+            </a:extLst>
+          </p:cNvPr>
+          <p:cNvSpPr>
+            <a:spLocks noGrp="1"/>
+          </p:cNvSpPr>
+          <p:nvPr>
+            <p:ph idx="1"/>
+          </p:nvPr>
+        </p:nvSpPr>
+        <p:spPr>
+          <a:xfrm>
+            <a:off x="8082851" y="1690688"/>
+            <a:ext cx="3555521" cy="4351338"/>
+          </a:xfrm>
+          <a:ln w="25400">
+            <a:solidFill>
+              <a:schemeClr val="accent1"/>
+            </a:solidFill>
+          </a:ln>
+        </p:spPr>
+        <p:txBody>
+          <a:bodyPr>
+            <a:normAutofit fontScale="92500" lnSpcReduction="10000"/>
+          </a:bodyPr>
+          <a:lstStyle/>
+          <a:p>
+            <a:pPr marL="0" indent="0">
+              <a:buNone/>
+            </a:pPr>
+            <a:r>
+              <a:rPr lang="en-US" sz="2400" b="1" i="1" dirty="0"/>
+              <a:t>Data presentation</a:t>
+            </a:r>
+            <a:r>
+              <a:rPr lang="en-US" sz="2400" i="1" dirty="0"/>
+              <a:t> is the responsibility of the application developer or script writer.</a:t>
+            </a:r>
+          </a:p>
+          <a:p>
+            <a:pPr marL="0" indent="0">
+              <a:buNone/>
+            </a:pPr>
+            <a:br>
+              <a:rPr lang="en-US" sz="2400" dirty="0"/>
+            </a:br>
+            <a:r>
+              <a:rPr lang="en-US" sz="2400" i="1" dirty="0"/>
+              <a:t>Common text-based data presentation formats:</a:t>
+            </a:r>
+          </a:p>
+          <a:p>
+            <a:r>
+              <a:rPr lang="en-US" sz="2400" dirty="0"/>
+              <a:t>Plain text (Unicode, ASCII)</a:t>
+            </a:r>
+          </a:p>
+          <a:p>
+            <a:r>
+              <a:rPr lang="en-US" sz="2400" dirty="0"/>
+              <a:t>CSV (comma separated)</a:t>
+            </a:r>
+          </a:p>
+          <a:p>
+            <a:r>
+              <a:rPr lang="en-US" sz="2400" dirty="0"/>
+              <a:t>XML (extensible markup)</a:t>
+            </a:r>
+          </a:p>
+          <a:p>
+            <a:r>
+              <a:rPr lang="en-US" sz="2400" dirty="0"/>
+              <a:t>JSON (JavaScript objects)</a:t>
+            </a:r>
+          </a:p>
+          <a:p>
+            <a:r>
+              <a:rPr lang="en-US" sz="2400" dirty="0"/>
+              <a:t>YAML</a:t>
+            </a:r>
+          </a:p>
+        </p:txBody>
+      </p:sp>
+      <p:sp>
+        <p:nvSpPr>
+          <p:cNvPr id="4" name="Slide Number Placeholder 3">
+            <a:extLst>
+              <a:ext uri="{FF2B5EF4-FFF2-40B4-BE49-F238E27FC236}">
+                <a16:creationId xmlns:a16="http://schemas.microsoft.com/office/drawing/2014/main" id="{7D2F8EDD-FA51-6C1C-8CEB-CE84FB215367}"/>
+              </a:ext>
+            </a:extLst>
+          </p:cNvPr>
+          <p:cNvSpPr>
+            <a:spLocks noGrp="1"/>
+          </p:cNvSpPr>
+          <p:nvPr>
+            <p:ph type="sldNum" sz="quarter" idx="12"/>
+          </p:nvPr>
+        </p:nvSpPr>
+        <p:spPr/>
+        <p:txBody>
+          <a:bodyPr/>
+          <a:lstStyle/>
+          <a:p>
+            <a:fld id="{B46E5E13-EE34-439C-B49B-F0CB75B28E1B}" type="slidenum">
+              <a:rPr lang="en-US" smtClean="0"/>
+              <a:t>3</a:t>
+            </a:fld>
+            <a:endParaRPr lang="en-US"/>
+          </a:p>
+        </p:txBody>
+      </p:sp>
+      <p:sp>
+        <p:nvSpPr>
+          <p:cNvPr id="5" name="Content Placeholder 2">
+            <a:extLst>
+              <a:ext uri="{FF2B5EF4-FFF2-40B4-BE49-F238E27FC236}">
+                <a16:creationId xmlns:a16="http://schemas.microsoft.com/office/drawing/2014/main" id="{43A7E708-B3EA-BE21-CA14-1CF5EE6CFD59}"/>
+              </a:ext>
+            </a:extLst>
+          </p:cNvPr>
+          <p:cNvSpPr txBox="1">
+            <a:spLocks/>
+          </p:cNvSpPr>
+          <p:nvPr/>
+        </p:nvSpPr>
+        <p:spPr>
+          <a:xfrm>
+            <a:off x="5027226" y="1690688"/>
+            <a:ext cx="2635727" cy="4351338"/>
+          </a:xfrm>
+          <a:prstGeom prst="rect">
+            <a:avLst/>
+          </a:prstGeom>
+          <a:ln w="25400">
+            <a:solidFill>
+              <a:schemeClr val="accent1"/>
+            </a:solidFill>
+          </a:ln>
+        </p:spPr>
+        <p:txBody>
+          <a:bodyPr vert="horz" lIns="91440" tIns="45720" rIns="91440" bIns="45720" rtlCol="0">
+            <a:normAutofit/>
+          </a:bodyPr>
+          <a:lstStyle>
+            <a:lvl1pPr marL="228600" indent="-228600" algn="l" defTabSz="914400" rtl="0" eaLnBrk="1" latinLnBrk="0" hangingPunct="1">
+              <a:lnSpc>
+                <a:spcPct val="90000"/>
+              </a:lnSpc>
+              <a:spcBef>
+                <a:spcPts val="1000"/>
+              </a:spcBef>
+              <a:buFont typeface="Arial" panose="020B0604020202020204" pitchFamily="34" charset="0"/>
+              <a:buChar char="•"/>
+              <a:defRPr sz="2800" kern="1200">
+                <a:solidFill>
+                  <a:schemeClr val="tx1"/>
+                </a:solidFill>
+                <a:latin typeface="+mn-lt"/>
+                <a:ea typeface="+mn-ea"/>
+                <a:cs typeface="+mn-cs"/>
+              </a:defRPr>
+            </a:lvl1pPr>
+            <a:lvl2pPr marL="685800" indent="-228600" algn="l" defTabSz="914400" rtl="0" eaLnBrk="1" latinLnBrk="0" hangingPunct="1">
+              <a:lnSpc>
+                <a:spcPct val="90000"/>
+              </a:lnSpc>
+              <a:spcBef>
+                <a:spcPts val="500"/>
+              </a:spcBef>
+              <a:buFont typeface="Arial" panose="020B0604020202020204" pitchFamily="34" charset="0"/>
+              <a:buChar char="•"/>
+              <a:defRPr sz="2400" kern="1200">
+                <a:solidFill>
+                  <a:schemeClr val="tx1"/>
+                </a:solidFill>
+                <a:latin typeface="+mn-lt"/>
+                <a:ea typeface="+mn-ea"/>
+                <a:cs typeface="+mn-cs"/>
+              </a:defRPr>
+            </a:lvl2pPr>
+            <a:lvl3pPr marL="1143000" indent="-228600" algn="l" defTabSz="914400" rtl="0" eaLnBrk="1" latinLnBrk="0" hangingPunct="1">
+              <a:lnSpc>
+                <a:spcPct val="90000"/>
+              </a:lnSpc>
+              <a:spcBef>
+                <a:spcPts val="500"/>
+              </a:spcBef>
+              <a:buFont typeface="Arial" panose="020B0604020202020204" pitchFamily="34" charset="0"/>
+              <a:buChar char="•"/>
+              <a:defRPr sz="2000" kern="1200">
+                <a:solidFill>
+                  <a:schemeClr val="tx1"/>
+                </a:solidFill>
+                <a:latin typeface="+mn-lt"/>
+                <a:ea typeface="+mn-ea"/>
+                <a:cs typeface="+mn-cs"/>
+              </a:defRPr>
+            </a:lvl3pPr>
+            <a:lvl4pPr marL="1600200" indent="-228600" algn="l" defTabSz="914400" rtl="0" eaLnBrk="1" latinLnBrk="0" hangingPunct="1">
+              <a:lnSpc>
+                <a:spcPct val="90000"/>
+              </a:lnSpc>
+              <a:spcBef>
+                <a:spcPts val="500"/>
+              </a:spcBef>
+              <a:buFont typeface="Arial" panose="020B0604020202020204" pitchFamily="34" charset="0"/>
+              <a:buChar char="•"/>
+              <a:defRPr sz="1800" kern="1200">
+                <a:solidFill>
+                  <a:schemeClr val="tx1"/>
+                </a:solidFill>
+                <a:latin typeface="+mn-lt"/>
+                <a:ea typeface="+mn-ea"/>
+                <a:cs typeface="+mn-cs"/>
+              </a:defRPr>
+            </a:lvl4pPr>
+            <a:lvl5pPr marL="2057400" indent="-228600" algn="l" defTabSz="914400" rtl="0" eaLnBrk="1" latinLnBrk="0" hangingPunct="1">
+              <a:lnSpc>
+                <a:spcPct val="90000"/>
+              </a:lnSpc>
+              <a:spcBef>
+                <a:spcPts val="500"/>
+              </a:spcBef>
+              <a:buFont typeface="Arial" panose="020B0604020202020204" pitchFamily="34" charset="0"/>
+              <a:buChar char="•"/>
+              <a:defRPr sz="1800" kern="1200">
+                <a:solidFill>
+                  <a:schemeClr val="tx1"/>
+                </a:solidFill>
+                <a:latin typeface="+mn-lt"/>
+                <a:ea typeface="+mn-ea"/>
+                <a:cs typeface="+mn-cs"/>
+              </a:defRPr>
+            </a:lvl5pPr>
+            <a:lvl6pPr marL="2514600" indent="-228600" algn="l" defTabSz="914400" rtl="0" eaLnBrk="1" latinLnBrk="0" hangingPunct="1">
+              <a:lnSpc>
+                <a:spcPct val="90000"/>
+              </a:lnSpc>
+              <a:spcBef>
+                <a:spcPts val="500"/>
+              </a:spcBef>
+              <a:buFont typeface="Arial" panose="020B0604020202020204" pitchFamily="34" charset="0"/>
+              <a:buChar char="•"/>
+              <a:defRPr sz="1800" kern="1200">
+                <a:solidFill>
+                  <a:schemeClr val="tx1"/>
+                </a:solidFill>
+                <a:latin typeface="+mn-lt"/>
+                <a:ea typeface="+mn-ea"/>
+                <a:cs typeface="+mn-cs"/>
+              </a:defRPr>
+            </a:lvl6pPr>
+            <a:lvl7pPr marL="2971800" indent="-228600" algn="l" defTabSz="914400" rtl="0" eaLnBrk="1" latinLnBrk="0" hangingPunct="1">
+              <a:lnSpc>
+                <a:spcPct val="90000"/>
+              </a:lnSpc>
+              <a:spcBef>
+                <a:spcPts val="500"/>
+              </a:spcBef>
+              <a:buFont typeface="Arial" panose="020B0604020202020204" pitchFamily="34" charset="0"/>
+              <a:buChar char="•"/>
+              <a:defRPr sz="1800" kern="1200">
+                <a:solidFill>
+                  <a:schemeClr val="tx1"/>
+                </a:solidFill>
+                <a:latin typeface="+mn-lt"/>
+                <a:ea typeface="+mn-ea"/>
+                <a:cs typeface="+mn-cs"/>
+              </a:defRPr>
+            </a:lvl7pPr>
+            <a:lvl8pPr marL="3429000" indent="-228600" algn="l" defTabSz="914400" rtl="0" eaLnBrk="1" latinLnBrk="0" hangingPunct="1">
+              <a:lnSpc>
+                <a:spcPct val="90000"/>
+              </a:lnSpc>
+              <a:spcBef>
+                <a:spcPts val="500"/>
+              </a:spcBef>
+              <a:buFont typeface="Arial" panose="020B0604020202020204" pitchFamily="34" charset="0"/>
+              <a:buChar char="•"/>
+              <a:defRPr sz="1800" kern="1200">
+                <a:solidFill>
+                  <a:schemeClr val="tx1"/>
+                </a:solidFill>
+                <a:latin typeface="+mn-lt"/>
+                <a:ea typeface="+mn-ea"/>
+                <a:cs typeface="+mn-cs"/>
+              </a:defRPr>
+            </a:lvl8pPr>
+            <a:lvl9pPr marL="3886200" indent="-228600" algn="l" defTabSz="914400" rtl="0" eaLnBrk="1" latinLnBrk="0" hangingPunct="1">
+              <a:lnSpc>
+                <a:spcPct val="90000"/>
+              </a:lnSpc>
+              <a:spcBef>
+                <a:spcPts val="500"/>
+              </a:spcBef>
+              <a:buFont typeface="Arial" panose="020B0604020202020204" pitchFamily="34" charset="0"/>
+              <a:buChar char="•"/>
+              <a:defRPr sz="1800" kern="1200">
+                <a:solidFill>
+                  <a:schemeClr val="tx1"/>
+                </a:solidFill>
+                <a:latin typeface="+mn-lt"/>
+                <a:ea typeface="+mn-ea"/>
+                <a:cs typeface="+mn-cs"/>
+              </a:defRPr>
+            </a:lvl9pPr>
+          </a:lstStyle>
+          <a:p>
+            <a:pPr marL="0" indent="0">
+              <a:buNone/>
+            </a:pPr>
+            <a:r>
+              <a:rPr lang="en-US" dirty="0"/>
+              <a:t>OSI layers:</a:t>
+            </a:r>
+          </a:p>
+          <a:p>
+            <a:r>
+              <a:rPr lang="en-US" dirty="0"/>
+              <a:t>7: Application</a:t>
+            </a:r>
+          </a:p>
+          <a:p>
+            <a:r>
+              <a:rPr lang="en-US" dirty="0"/>
+              <a:t>6: Presentation</a:t>
+            </a:r>
+          </a:p>
+          <a:p>
+            <a:r>
+              <a:rPr lang="en-US" dirty="0"/>
+              <a:t>5: Session</a:t>
+            </a:r>
+          </a:p>
+          <a:p>
+            <a:r>
+              <a:rPr lang="en-US" dirty="0"/>
+              <a:t>4: Transport</a:t>
+            </a:r>
+          </a:p>
+          <a:p>
+            <a:r>
+              <a:rPr lang="en-US" dirty="0"/>
+              <a:t>3: Network</a:t>
+            </a:r>
+          </a:p>
+          <a:p>
+            <a:r>
+              <a:rPr lang="en-US" dirty="0"/>
+              <a:t>2: Data Link</a:t>
+            </a:r>
+          </a:p>
+          <a:p>
+            <a:r>
+              <a:rPr lang="en-US" dirty="0"/>
+              <a:t>1: Physical</a:t>
+            </a:r>
+          </a:p>
+        </p:txBody>
+      </p:sp>
+      <p:sp>
+        <p:nvSpPr>
+          <p:cNvPr id="6" name="Content Placeholder 2">
+            <a:extLst>
+              <a:ext uri="{FF2B5EF4-FFF2-40B4-BE49-F238E27FC236}">
+                <a16:creationId xmlns:a16="http://schemas.microsoft.com/office/drawing/2014/main" id="{A21539EE-1A98-DA91-2B48-45AB1F62EE19}"/>
+              </a:ext>
+            </a:extLst>
+          </p:cNvPr>
+          <p:cNvSpPr txBox="1">
+            <a:spLocks/>
+          </p:cNvSpPr>
+          <p:nvPr/>
+        </p:nvSpPr>
+        <p:spPr>
+          <a:xfrm>
+            <a:off x="2119404" y="1690688"/>
+            <a:ext cx="2447925" cy="4351338"/>
+          </a:xfrm>
+          <a:prstGeom prst="rect">
+            <a:avLst/>
+          </a:prstGeom>
+          <a:ln w="25400">
+            <a:solidFill>
+              <a:schemeClr val="accent1"/>
+            </a:solidFill>
+          </a:ln>
+        </p:spPr>
+        <p:txBody>
+          <a:bodyPr vert="horz" lIns="91440" tIns="45720" rIns="91440" bIns="45720" rtlCol="0">
+            <a:normAutofit/>
+          </a:bodyPr>
+          <a:lstStyle>
+            <a:lvl1pPr marL="228600" indent="-228600" algn="l" defTabSz="914400" rtl="0" eaLnBrk="1" latinLnBrk="0" hangingPunct="1">
+              <a:lnSpc>
+                <a:spcPct val="90000"/>
+              </a:lnSpc>
+              <a:spcBef>
+                <a:spcPts val="1000"/>
+              </a:spcBef>
+              <a:buFont typeface="Arial" panose="020B0604020202020204" pitchFamily="34" charset="0"/>
+              <a:buChar char="•"/>
+              <a:defRPr sz="2800" kern="1200">
+                <a:solidFill>
+                  <a:schemeClr val="tx1"/>
+                </a:solidFill>
+                <a:latin typeface="+mn-lt"/>
+                <a:ea typeface="+mn-ea"/>
+                <a:cs typeface="+mn-cs"/>
+              </a:defRPr>
+            </a:lvl1pPr>
+            <a:lvl2pPr marL="685800" indent="-228600" algn="l" defTabSz="914400" rtl="0" eaLnBrk="1" latinLnBrk="0" hangingPunct="1">
+              <a:lnSpc>
+                <a:spcPct val="90000"/>
+              </a:lnSpc>
+              <a:spcBef>
+                <a:spcPts val="500"/>
+              </a:spcBef>
+              <a:buFont typeface="Arial" panose="020B0604020202020204" pitchFamily="34" charset="0"/>
+              <a:buChar char="•"/>
+              <a:defRPr sz="2400" kern="1200">
+                <a:solidFill>
+                  <a:schemeClr val="tx1"/>
+                </a:solidFill>
+                <a:latin typeface="+mn-lt"/>
+                <a:ea typeface="+mn-ea"/>
+                <a:cs typeface="+mn-cs"/>
+              </a:defRPr>
+            </a:lvl2pPr>
+            <a:lvl3pPr marL="1143000" indent="-228600" algn="l" defTabSz="914400" rtl="0" eaLnBrk="1" latinLnBrk="0" hangingPunct="1">
+              <a:lnSpc>
+                <a:spcPct val="90000"/>
+              </a:lnSpc>
+              <a:spcBef>
+                <a:spcPts val="500"/>
+              </a:spcBef>
+              <a:buFont typeface="Arial" panose="020B0604020202020204" pitchFamily="34" charset="0"/>
+              <a:buChar char="•"/>
+              <a:defRPr sz="2000" kern="1200">
+                <a:solidFill>
+                  <a:schemeClr val="tx1"/>
+                </a:solidFill>
+                <a:latin typeface="+mn-lt"/>
+                <a:ea typeface="+mn-ea"/>
+                <a:cs typeface="+mn-cs"/>
+              </a:defRPr>
+            </a:lvl3pPr>
+            <a:lvl4pPr marL="1600200" indent="-228600" algn="l" defTabSz="914400" rtl="0" eaLnBrk="1" latinLnBrk="0" hangingPunct="1">
+              <a:lnSpc>
+                <a:spcPct val="90000"/>
+              </a:lnSpc>
+              <a:spcBef>
+                <a:spcPts val="500"/>
+              </a:spcBef>
+              <a:buFont typeface="Arial" panose="020B0604020202020204" pitchFamily="34" charset="0"/>
+              <a:buChar char="•"/>
+              <a:defRPr sz="1800" kern="1200">
+                <a:solidFill>
+                  <a:schemeClr val="tx1"/>
+                </a:solidFill>
+                <a:latin typeface="+mn-lt"/>
+                <a:ea typeface="+mn-ea"/>
+                <a:cs typeface="+mn-cs"/>
+              </a:defRPr>
+            </a:lvl4pPr>
+            <a:lvl5pPr marL="2057400" indent="-228600" algn="l" defTabSz="914400" rtl="0" eaLnBrk="1" latinLnBrk="0" hangingPunct="1">
+              <a:lnSpc>
+                <a:spcPct val="90000"/>
+              </a:lnSpc>
+              <a:spcBef>
+                <a:spcPts val="500"/>
+              </a:spcBef>
+              <a:buFont typeface="Arial" panose="020B0604020202020204" pitchFamily="34" charset="0"/>
+              <a:buChar char="•"/>
+              <a:defRPr sz="1800" kern="1200">
+                <a:solidFill>
+                  <a:schemeClr val="tx1"/>
+                </a:solidFill>
+                <a:latin typeface="+mn-lt"/>
+                <a:ea typeface="+mn-ea"/>
+                <a:cs typeface="+mn-cs"/>
+              </a:defRPr>
+            </a:lvl5pPr>
+            <a:lvl6pPr marL="2514600" indent="-228600" algn="l" defTabSz="914400" rtl="0" eaLnBrk="1" latinLnBrk="0" hangingPunct="1">
+              <a:lnSpc>
+                <a:spcPct val="90000"/>
+              </a:lnSpc>
+              <a:spcBef>
+                <a:spcPts val="500"/>
+              </a:spcBef>
+              <a:buFont typeface="Arial" panose="020B0604020202020204" pitchFamily="34" charset="0"/>
+              <a:buChar char="•"/>
+              <a:defRPr sz="1800" kern="1200">
+                <a:solidFill>
+                  <a:schemeClr val="tx1"/>
+                </a:solidFill>
+                <a:latin typeface="+mn-lt"/>
+                <a:ea typeface="+mn-ea"/>
+                <a:cs typeface="+mn-cs"/>
+              </a:defRPr>
+            </a:lvl6pPr>
+            <a:lvl7pPr marL="2971800" indent="-228600" algn="l" defTabSz="914400" rtl="0" eaLnBrk="1" latinLnBrk="0" hangingPunct="1">
+              <a:lnSpc>
+                <a:spcPct val="90000"/>
+              </a:lnSpc>
+              <a:spcBef>
+                <a:spcPts val="500"/>
+              </a:spcBef>
+              <a:buFont typeface="Arial" panose="020B0604020202020204" pitchFamily="34" charset="0"/>
+              <a:buChar char="•"/>
+              <a:defRPr sz="1800" kern="1200">
+                <a:solidFill>
+                  <a:schemeClr val="tx1"/>
+                </a:solidFill>
+                <a:latin typeface="+mn-lt"/>
+                <a:ea typeface="+mn-ea"/>
+                <a:cs typeface="+mn-cs"/>
+              </a:defRPr>
+            </a:lvl7pPr>
+            <a:lvl8pPr marL="3429000" indent="-228600" algn="l" defTabSz="914400" rtl="0" eaLnBrk="1" latinLnBrk="0" hangingPunct="1">
+              <a:lnSpc>
+                <a:spcPct val="90000"/>
+              </a:lnSpc>
+              <a:spcBef>
+                <a:spcPts val="500"/>
+              </a:spcBef>
+              <a:buFont typeface="Arial" panose="020B0604020202020204" pitchFamily="34" charset="0"/>
+              <a:buChar char="•"/>
+              <a:defRPr sz="1800" kern="1200">
+                <a:solidFill>
+                  <a:schemeClr val="tx1"/>
+                </a:solidFill>
+                <a:latin typeface="+mn-lt"/>
+                <a:ea typeface="+mn-ea"/>
+                <a:cs typeface="+mn-cs"/>
+              </a:defRPr>
+            </a:lvl8pPr>
+            <a:lvl9pPr marL="3886200" indent="-228600" algn="l" defTabSz="914400" rtl="0" eaLnBrk="1" latinLnBrk="0" hangingPunct="1">
+              <a:lnSpc>
+                <a:spcPct val="90000"/>
+              </a:lnSpc>
+              <a:spcBef>
+                <a:spcPts val="500"/>
+              </a:spcBef>
+              <a:buFont typeface="Arial" panose="020B0604020202020204" pitchFamily="34" charset="0"/>
+              <a:buChar char="•"/>
+              <a:defRPr sz="1800" kern="1200">
+                <a:solidFill>
+                  <a:schemeClr val="tx1"/>
+                </a:solidFill>
+                <a:latin typeface="+mn-lt"/>
+                <a:ea typeface="+mn-ea"/>
+                <a:cs typeface="+mn-cs"/>
+              </a:defRPr>
+            </a:lvl9pPr>
+          </a:lstStyle>
+          <a:p>
+            <a:pPr marL="0" indent="0">
+              <a:buNone/>
+            </a:pPr>
+            <a:r>
+              <a:rPr lang="en-US" dirty="0"/>
+              <a:t>TCP/IP layers:</a:t>
+            </a:r>
+          </a:p>
+          <a:p>
+            <a:r>
+              <a:rPr lang="en-US" dirty="0"/>
+              <a:t>7: Application </a:t>
+            </a:r>
+          </a:p>
+          <a:p>
+            <a:pPr marL="0" indent="0">
+              <a:buNone/>
+            </a:pPr>
+            <a:endParaRPr lang="en-US" dirty="0"/>
+          </a:p>
+          <a:p>
+            <a:pPr marL="0" indent="0">
+              <a:buNone/>
+            </a:pPr>
+            <a:endParaRPr lang="en-US" dirty="0"/>
+          </a:p>
+          <a:p>
+            <a:r>
+              <a:rPr lang="en-US" dirty="0"/>
+              <a:t>4: Transport </a:t>
+            </a:r>
+          </a:p>
+          <a:p>
+            <a:r>
+              <a:rPr lang="en-US" dirty="0"/>
+              <a:t>3: Network </a:t>
+            </a:r>
+          </a:p>
+          <a:p>
+            <a:r>
+              <a:rPr lang="en-US" dirty="0"/>
+              <a:t>2: Data Link </a:t>
+            </a:r>
+          </a:p>
+          <a:p>
+            <a:pPr marL="0" indent="0">
+              <a:buNone/>
+            </a:pPr>
+            <a:endParaRPr lang="en-US" dirty="0"/>
+          </a:p>
+        </p:txBody>
+      </p:sp>
+      <p:sp>
+        <p:nvSpPr>
+          <p:cNvPr id="7" name="TextBox 6">
+            <a:extLst>
+              <a:ext uri="{FF2B5EF4-FFF2-40B4-BE49-F238E27FC236}">
+                <a16:creationId xmlns:a16="http://schemas.microsoft.com/office/drawing/2014/main" id="{BD1177E8-1342-37A7-0056-EE45C21B40E2}"/>
               </a:ext>
             </a:extLst>
           </p:cNvPr>
@@ -6160,13 +7505,18 @@
         </p:nvSpPr>
         <p:spPr>
           <a:xfrm>
-            <a:off x="1260764" y="1054728"/>
-            <a:ext cx="9662835" cy="4801314"/>
+            <a:off x="553628" y="1253529"/>
+            <a:ext cx="1447126" cy="923330"/>
           </a:xfrm>
           <a:prstGeom prst="rect">
             <a:avLst/>
           </a:prstGeom>
           <a:noFill/>
+          <a:ln w="19050">
+            <a:solidFill>
+              <a:schemeClr val="accent1"/>
+            </a:solidFill>
+          </a:ln>
         </p:spPr>
         <p:txBody>
           <a:bodyPr wrap="square" rtlCol="0">
@@ -6174,201 +7524,441 @@
           </a:bodyPr>
           <a:lstStyle/>
           <a:p>
-            <a:pPr marL="800100" lvl="1" indent="-342900">
-              <a:buFont typeface="Arial" panose="020B0604020202020204" pitchFamily="34" charset="0"/>
-              <a:buChar char="•"/>
-            </a:pPr>
-            <a:endParaRPr lang="en-US" dirty="0"/>
-          </a:p>
-          <a:p>
-            <a:pPr marL="342900" indent="-342900">
-              <a:buFont typeface="Arial" panose="020B0604020202020204" pitchFamily="34" charset="0"/>
-              <a:buChar char="•"/>
-            </a:pPr>
-            <a:r>
-              <a:rPr lang="en-US" dirty="0">
-                <a:latin typeface="Lucida Console" panose="020B0609040504020204" pitchFamily="49" charset="0"/>
-              </a:rPr>
-              <a:t>Set-Content</a:t>
-            </a:r>
-          </a:p>
-          <a:p>
-            <a:pPr marL="800100" lvl="1" indent="-342900">
-              <a:buFont typeface="Arial" panose="020B0604020202020204" pitchFamily="34" charset="0"/>
-              <a:buChar char="•"/>
-            </a:pPr>
-            <a:r>
-              <a:rPr lang="en-US" dirty="0" err="1"/>
-              <a:t>Ouptut</a:t>
-            </a:r>
-            <a:r>
-              <a:rPr lang="en-US" dirty="0"/>
-              <a:t> data to a file “as-is.”</a:t>
-            </a:r>
-          </a:p>
-          <a:p>
-            <a:pPr marL="342900" indent="-342900">
-              <a:buFont typeface="Arial" panose="020B0604020202020204" pitchFamily="34" charset="0"/>
-              <a:buChar char="•"/>
-            </a:pPr>
-            <a:r>
-              <a:rPr lang="en-US" dirty="0">
-                <a:latin typeface="Lucida Console" panose="020B0609040504020204" pitchFamily="49" charset="0"/>
-              </a:rPr>
-              <a:t>Out-File</a:t>
-            </a:r>
-          </a:p>
-          <a:p>
-            <a:pPr marL="800100" lvl="1" indent="-342900">
-              <a:buFont typeface="Arial" panose="020B0604020202020204" pitchFamily="34" charset="0"/>
-              <a:buChar char="•"/>
-            </a:pPr>
-            <a:r>
-              <a:rPr lang="en-US" dirty="0"/>
-              <a:t>Let PowerShell process an object before writing its data, so that the output looks the same as it would when viewed in a PowerShell session.</a:t>
-            </a:r>
-          </a:p>
-          <a:p>
-            <a:r>
-              <a:rPr lang="en-US" dirty="0"/>
-              <a:t>Compare:</a:t>
-            </a:r>
-          </a:p>
-          <a:p>
-            <a:pPr marL="800100" lvl="1" indent="-342900">
-              <a:buFont typeface="Arial" panose="020B0604020202020204" pitchFamily="34" charset="0"/>
-              <a:buChar char="•"/>
-            </a:pPr>
-            <a:r>
-              <a:rPr lang="en-US" dirty="0">
-                <a:latin typeface="Lucida Console" panose="020B0609040504020204" pitchFamily="49" charset="0"/>
-              </a:rPr>
-              <a:t>$</a:t>
-            </a:r>
-            <a:r>
-              <a:rPr lang="en-US" dirty="0" err="1">
-                <a:latin typeface="Lucida Console" panose="020B0609040504020204" pitchFamily="49" charset="0"/>
-              </a:rPr>
-              <a:t>PSVersionTable</a:t>
-            </a:r>
-            <a:r>
-              <a:rPr lang="en-US" dirty="0">
-                <a:latin typeface="Lucida Console" panose="020B0609040504020204" pitchFamily="49" charset="0"/>
-              </a:rPr>
-              <a:t> | Set-Content –Path C:\Temp\file1.txt</a:t>
-            </a:r>
-          </a:p>
-          <a:p>
-            <a:pPr marL="800100" lvl="1" indent="-342900">
-              <a:buFont typeface="Arial" panose="020B0604020202020204" pitchFamily="34" charset="0"/>
-              <a:buChar char="•"/>
-            </a:pPr>
-            <a:r>
-              <a:rPr lang="en-US" dirty="0">
-                <a:latin typeface="Lucida Console" panose="020B0609040504020204" pitchFamily="49" charset="0"/>
-              </a:rPr>
-              <a:t>Get-Content C:\Temp\file1.txt</a:t>
-            </a:r>
-          </a:p>
-          <a:p>
-            <a:r>
-              <a:rPr lang="en-US" dirty="0"/>
-              <a:t>with</a:t>
-            </a:r>
-          </a:p>
-          <a:p>
-            <a:pPr marL="800100" lvl="1" indent="-342900">
-              <a:buFont typeface="Arial" panose="020B0604020202020204" pitchFamily="34" charset="0"/>
-              <a:buChar char="•"/>
-            </a:pPr>
-            <a:r>
-              <a:rPr lang="en-US" dirty="0">
-                <a:latin typeface="Lucida Console" panose="020B0609040504020204" pitchFamily="49" charset="0"/>
-              </a:rPr>
-              <a:t>$</a:t>
-            </a:r>
-            <a:r>
-              <a:rPr lang="en-US" dirty="0" err="1">
-                <a:latin typeface="Lucida Console" panose="020B0609040504020204" pitchFamily="49" charset="0"/>
-              </a:rPr>
-              <a:t>PSVersionTable</a:t>
-            </a:r>
-            <a:r>
-              <a:rPr lang="en-US" dirty="0">
-                <a:latin typeface="Lucida Console" panose="020B0609040504020204" pitchFamily="49" charset="0"/>
-              </a:rPr>
-              <a:t> | Out-File –Path C:\Temp\file2.txt</a:t>
-            </a:r>
-          </a:p>
-          <a:p>
-            <a:pPr marL="800100" lvl="1" indent="-342900">
-              <a:buFont typeface="Arial" panose="020B0604020202020204" pitchFamily="34" charset="0"/>
-              <a:buChar char="•"/>
-            </a:pPr>
-            <a:r>
-              <a:rPr lang="en-US" dirty="0">
-                <a:latin typeface="Lucida Console" panose="020B0609040504020204" pitchFamily="49" charset="0"/>
-              </a:rPr>
-              <a:t>Get-Content C:\Temp\file2.txt </a:t>
-            </a:r>
-          </a:p>
-          <a:p>
-            <a:r>
-              <a:rPr lang="en-US" dirty="0"/>
-              <a:t>to see the difference.</a:t>
-            </a:r>
-          </a:p>
-          <a:p>
-            <a:endParaRPr lang="en-US" dirty="0"/>
-          </a:p>
-          <a:p>
-            <a:pPr marL="285750" indent="-285750">
-              <a:buFont typeface="Arial" panose="020B0604020202020204" pitchFamily="34" charset="0"/>
-              <a:buChar char="•"/>
-            </a:pPr>
-            <a:r>
-              <a:rPr lang="en-US" dirty="0"/>
-              <a:t>Other “-content” cmdlets:</a:t>
-            </a:r>
-          </a:p>
-          <a:p>
-            <a:pPr marL="742950" lvl="1" indent="-285750">
-              <a:buFont typeface="Arial" panose="020B0604020202020204" pitchFamily="34" charset="0"/>
-              <a:buChar char="•"/>
-            </a:pPr>
-            <a:r>
-              <a:rPr lang="en-US" dirty="0">
-                <a:latin typeface="Lucida Console" panose="020B0609040504020204" pitchFamily="49" charset="0"/>
-              </a:rPr>
-              <a:t>Add-Content</a:t>
-            </a:r>
-            <a:r>
-              <a:rPr lang="en-US" dirty="0"/>
-              <a:t>    # append text data to an existing file</a:t>
-            </a:r>
-          </a:p>
-          <a:p>
-            <a:pPr marL="742950" lvl="1" indent="-285750">
-              <a:buFont typeface="Arial" panose="020B0604020202020204" pitchFamily="34" charset="0"/>
-              <a:buChar char="•"/>
-            </a:pPr>
-            <a:r>
-              <a:rPr lang="en-US" dirty="0">
-                <a:latin typeface="Lucida Console" panose="020B0609040504020204" pitchFamily="49" charset="0"/>
-              </a:rPr>
-              <a:t>Clear-Content</a:t>
-            </a:r>
-            <a:r>
-              <a:rPr lang="en-US" dirty="0"/>
-              <a:t>    # remove a file’s entire contents; turns it into a file of zero size.</a:t>
+            <a:r>
+              <a:rPr lang="en-US" i="1" dirty="0"/>
+              <a:t>Examples:</a:t>
+            </a:r>
+            <a:br>
+              <a:rPr lang="en-US" i="1" dirty="0"/>
+            </a:br>
+            <a:r>
+              <a:rPr lang="en-US" i="1" dirty="0"/>
+              <a:t>HTTP, SSH,</a:t>
+            </a:r>
+            <a:br>
+              <a:rPr lang="en-US" i="1" dirty="0"/>
+            </a:br>
+            <a:r>
+              <a:rPr lang="en-US" i="1" dirty="0"/>
+              <a:t>DNS, etc.</a:t>
             </a:r>
           </a:p>
         </p:txBody>
       </p:sp>
+      <p:sp>
+        <p:nvSpPr>
+          <p:cNvPr id="8" name="TextBox 7">
+            <a:extLst>
+              <a:ext uri="{FF2B5EF4-FFF2-40B4-BE49-F238E27FC236}">
+                <a16:creationId xmlns:a16="http://schemas.microsoft.com/office/drawing/2014/main" id="{FA6DD19F-AF11-3AE2-25C4-9CF95219B8BB}"/>
+              </a:ext>
+            </a:extLst>
+          </p:cNvPr>
+          <p:cNvSpPr txBox="1"/>
+          <p:nvPr/>
+        </p:nvSpPr>
+        <p:spPr>
+          <a:xfrm>
+            <a:off x="553628" y="3727686"/>
+            <a:ext cx="1447127" cy="369332"/>
+          </a:xfrm>
+          <a:prstGeom prst="rect">
+            <a:avLst/>
+          </a:prstGeom>
+          <a:noFill/>
+          <a:ln w="19050">
+            <a:solidFill>
+              <a:schemeClr val="accent1"/>
+            </a:solidFill>
+          </a:ln>
+        </p:spPr>
+        <p:txBody>
+          <a:bodyPr wrap="none" rtlCol="0">
+            <a:spAutoFit/>
+          </a:bodyPr>
+          <a:lstStyle/>
+          <a:p>
+            <a:r>
+              <a:rPr lang="en-US" i="1" dirty="0"/>
+              <a:t>TCP, UDP, etc.</a:t>
+            </a:r>
+          </a:p>
+        </p:txBody>
+      </p:sp>
+      <p:sp>
+        <p:nvSpPr>
+          <p:cNvPr id="9" name="TextBox 8">
+            <a:extLst>
+              <a:ext uri="{FF2B5EF4-FFF2-40B4-BE49-F238E27FC236}">
+                <a16:creationId xmlns:a16="http://schemas.microsoft.com/office/drawing/2014/main" id="{CE169B35-4106-EE11-E428-0E406DD10762}"/>
+              </a:ext>
+            </a:extLst>
+          </p:cNvPr>
+          <p:cNvSpPr txBox="1"/>
+          <p:nvPr/>
+        </p:nvSpPr>
+        <p:spPr>
+          <a:xfrm>
+            <a:off x="570346" y="4298592"/>
+            <a:ext cx="1430409" cy="369332"/>
+          </a:xfrm>
+          <a:prstGeom prst="rect">
+            <a:avLst/>
+          </a:prstGeom>
+          <a:noFill/>
+          <a:ln w="19050">
+            <a:solidFill>
+              <a:schemeClr val="accent1"/>
+            </a:solidFill>
+          </a:ln>
+        </p:spPr>
+        <p:txBody>
+          <a:bodyPr wrap="square" rtlCol="0">
+            <a:spAutoFit/>
+          </a:bodyPr>
+          <a:lstStyle/>
+          <a:p>
+            <a:r>
+              <a:rPr lang="en-US" i="1" dirty="0"/>
+              <a:t>IPv4/v6, etc.</a:t>
+            </a:r>
+          </a:p>
+        </p:txBody>
+      </p:sp>
+      <p:sp>
+        <p:nvSpPr>
+          <p:cNvPr id="10" name="TextBox 9">
+            <a:extLst>
+              <a:ext uri="{FF2B5EF4-FFF2-40B4-BE49-F238E27FC236}">
+                <a16:creationId xmlns:a16="http://schemas.microsoft.com/office/drawing/2014/main" id="{1A295156-2CE7-355F-6B73-5C3BDE838C1E}"/>
+              </a:ext>
+            </a:extLst>
+          </p:cNvPr>
+          <p:cNvSpPr txBox="1"/>
+          <p:nvPr/>
+        </p:nvSpPr>
+        <p:spPr>
+          <a:xfrm>
+            <a:off x="553628" y="4879023"/>
+            <a:ext cx="1447127" cy="646331"/>
+          </a:xfrm>
+          <a:prstGeom prst="rect">
+            <a:avLst/>
+          </a:prstGeom>
+          <a:noFill/>
+          <a:ln w="19050">
+            <a:solidFill>
+              <a:schemeClr val="accent1"/>
+            </a:solidFill>
+          </a:ln>
+        </p:spPr>
+        <p:txBody>
+          <a:bodyPr wrap="square" rtlCol="0">
+            <a:spAutoFit/>
+          </a:bodyPr>
+          <a:lstStyle/>
+          <a:p>
+            <a:r>
+              <a:rPr lang="en-US" i="1" dirty="0"/>
+              <a:t>Ethernet,</a:t>
+            </a:r>
+            <a:br>
+              <a:rPr lang="en-US" i="1" dirty="0"/>
+            </a:br>
+            <a:r>
+              <a:rPr lang="en-US" i="1" dirty="0" err="1"/>
+              <a:t>WiFi</a:t>
+            </a:r>
+            <a:r>
+              <a:rPr lang="en-US" i="1" dirty="0"/>
+              <a:t>, etc.</a:t>
+            </a:r>
+          </a:p>
+        </p:txBody>
+      </p:sp>
+      <p:cxnSp>
+        <p:nvCxnSpPr>
+          <p:cNvPr id="12" name="Straight Arrow Connector 11">
+            <a:extLst>
+              <a:ext uri="{FF2B5EF4-FFF2-40B4-BE49-F238E27FC236}">
+                <a16:creationId xmlns:a16="http://schemas.microsoft.com/office/drawing/2014/main" id="{5220EDD8-3351-791C-ABC4-30ADAA8088A4}"/>
+              </a:ext>
+            </a:extLst>
+          </p:cNvPr>
+          <p:cNvCxnSpPr>
+            <a:cxnSpLocks/>
+          </p:cNvCxnSpPr>
+          <p:nvPr/>
+        </p:nvCxnSpPr>
+        <p:spPr>
+          <a:xfrm>
+            <a:off x="7662953" y="2923976"/>
+            <a:ext cx="419898" cy="0"/>
+          </a:xfrm>
+          <a:prstGeom prst="straightConnector1">
+            <a:avLst/>
+          </a:prstGeom>
+          <a:ln w="38100">
+            <a:solidFill>
+              <a:schemeClr val="accent2"/>
+            </a:solidFill>
+            <a:headEnd type="triangle"/>
+            <a:tailEnd type="triangle"/>
+          </a:ln>
+        </p:spPr>
+        <p:style>
+          <a:lnRef idx="1">
+            <a:schemeClr val="accent1"/>
+          </a:lnRef>
+          <a:fillRef idx="0">
+            <a:schemeClr val="accent1"/>
+          </a:fillRef>
+          <a:effectRef idx="0">
+            <a:schemeClr val="accent1"/>
+          </a:effectRef>
+          <a:fontRef idx="minor">
+            <a:schemeClr val="tx1"/>
+          </a:fontRef>
+        </p:style>
+      </p:cxnSp>
+      <p:cxnSp>
+        <p:nvCxnSpPr>
+          <p:cNvPr id="14" name="Straight Connector 13">
+            <a:extLst>
+              <a:ext uri="{FF2B5EF4-FFF2-40B4-BE49-F238E27FC236}">
+                <a16:creationId xmlns:a16="http://schemas.microsoft.com/office/drawing/2014/main" id="{A75CF0F9-BF81-7E4A-6694-5F3FEFB2B5C2}"/>
+              </a:ext>
+            </a:extLst>
+          </p:cNvPr>
+          <p:cNvCxnSpPr>
+            <a:cxnSpLocks/>
+          </p:cNvCxnSpPr>
+          <p:nvPr/>
+        </p:nvCxnSpPr>
+        <p:spPr>
+          <a:xfrm>
+            <a:off x="4567329" y="2466975"/>
+            <a:ext cx="459897" cy="0"/>
+          </a:xfrm>
+          <a:prstGeom prst="line">
+            <a:avLst/>
+          </a:prstGeom>
+          <a:ln w="38100"/>
+        </p:spPr>
+        <p:style>
+          <a:lnRef idx="1">
+            <a:schemeClr val="accent1"/>
+          </a:lnRef>
+          <a:fillRef idx="0">
+            <a:schemeClr val="accent1"/>
+          </a:fillRef>
+          <a:effectRef idx="0">
+            <a:schemeClr val="accent1"/>
+          </a:effectRef>
+          <a:fontRef idx="minor">
+            <a:schemeClr val="tx1"/>
+          </a:fontRef>
+        </p:style>
+      </p:cxnSp>
+      <p:cxnSp>
+        <p:nvCxnSpPr>
+          <p:cNvPr id="15" name="Straight Connector 14">
+            <a:extLst>
+              <a:ext uri="{FF2B5EF4-FFF2-40B4-BE49-F238E27FC236}">
+                <a16:creationId xmlns:a16="http://schemas.microsoft.com/office/drawing/2014/main" id="{666C92FD-537E-7432-94EE-57C606BB8D33}"/>
+              </a:ext>
+            </a:extLst>
+          </p:cNvPr>
+          <p:cNvCxnSpPr>
+            <a:cxnSpLocks/>
+          </p:cNvCxnSpPr>
+          <p:nvPr/>
+        </p:nvCxnSpPr>
+        <p:spPr>
+          <a:xfrm>
+            <a:off x="4567329" y="2466975"/>
+            <a:ext cx="459897" cy="504627"/>
+          </a:xfrm>
+          <a:prstGeom prst="line">
+            <a:avLst/>
+          </a:prstGeom>
+          <a:ln w="38100"/>
+        </p:spPr>
+        <p:style>
+          <a:lnRef idx="1">
+            <a:schemeClr val="accent1"/>
+          </a:lnRef>
+          <a:fillRef idx="0">
+            <a:schemeClr val="accent1"/>
+          </a:fillRef>
+          <a:effectRef idx="0">
+            <a:schemeClr val="accent1"/>
+          </a:effectRef>
+          <a:fontRef idx="minor">
+            <a:schemeClr val="tx1"/>
+          </a:fontRef>
+        </p:style>
+      </p:cxnSp>
+      <p:cxnSp>
+        <p:nvCxnSpPr>
+          <p:cNvPr id="16" name="Straight Connector 15">
+            <a:extLst>
+              <a:ext uri="{FF2B5EF4-FFF2-40B4-BE49-F238E27FC236}">
+                <a16:creationId xmlns:a16="http://schemas.microsoft.com/office/drawing/2014/main" id="{1E078753-52AE-EBB8-D4EE-48DED12F6A76}"/>
+              </a:ext>
+            </a:extLst>
+          </p:cNvPr>
+          <p:cNvCxnSpPr>
+            <a:cxnSpLocks/>
+          </p:cNvCxnSpPr>
+          <p:nvPr/>
+        </p:nvCxnSpPr>
+        <p:spPr>
+          <a:xfrm>
+            <a:off x="4567329" y="2466975"/>
+            <a:ext cx="459897" cy="971352"/>
+          </a:xfrm>
+          <a:prstGeom prst="line">
+            <a:avLst/>
+          </a:prstGeom>
+          <a:ln w="38100"/>
+        </p:spPr>
+        <p:style>
+          <a:lnRef idx="1">
+            <a:schemeClr val="accent1"/>
+          </a:lnRef>
+          <a:fillRef idx="0">
+            <a:schemeClr val="accent1"/>
+          </a:fillRef>
+          <a:effectRef idx="0">
+            <a:schemeClr val="accent1"/>
+          </a:effectRef>
+          <a:fontRef idx="minor">
+            <a:schemeClr val="tx1"/>
+          </a:fontRef>
+        </p:style>
+      </p:cxnSp>
+      <p:cxnSp>
+        <p:nvCxnSpPr>
+          <p:cNvPr id="18" name="Straight Connector 17">
+            <a:extLst>
+              <a:ext uri="{FF2B5EF4-FFF2-40B4-BE49-F238E27FC236}">
+                <a16:creationId xmlns:a16="http://schemas.microsoft.com/office/drawing/2014/main" id="{5203D108-7D75-C29B-EF76-3D8CC812A5EE}"/>
+              </a:ext>
+            </a:extLst>
+          </p:cNvPr>
+          <p:cNvCxnSpPr>
+            <a:cxnSpLocks/>
+          </p:cNvCxnSpPr>
+          <p:nvPr/>
+        </p:nvCxnSpPr>
+        <p:spPr>
+          <a:xfrm>
+            <a:off x="4554390" y="3943151"/>
+            <a:ext cx="472836" cy="0"/>
+          </a:xfrm>
+          <a:prstGeom prst="line">
+            <a:avLst/>
+          </a:prstGeom>
+          <a:ln w="38100"/>
+        </p:spPr>
+        <p:style>
+          <a:lnRef idx="1">
+            <a:schemeClr val="accent1"/>
+          </a:lnRef>
+          <a:fillRef idx="0">
+            <a:schemeClr val="accent1"/>
+          </a:fillRef>
+          <a:effectRef idx="0">
+            <a:schemeClr val="accent1"/>
+          </a:effectRef>
+          <a:fontRef idx="minor">
+            <a:schemeClr val="tx1"/>
+          </a:fontRef>
+        </p:style>
+      </p:cxnSp>
+      <p:cxnSp>
+        <p:nvCxnSpPr>
+          <p:cNvPr id="19" name="Straight Connector 18">
+            <a:extLst>
+              <a:ext uri="{FF2B5EF4-FFF2-40B4-BE49-F238E27FC236}">
+                <a16:creationId xmlns:a16="http://schemas.microsoft.com/office/drawing/2014/main" id="{63F3939A-914B-786C-A1D7-446ECD09619E}"/>
+              </a:ext>
+            </a:extLst>
+          </p:cNvPr>
+          <p:cNvCxnSpPr>
+            <a:cxnSpLocks/>
+          </p:cNvCxnSpPr>
+          <p:nvPr/>
+        </p:nvCxnSpPr>
+        <p:spPr>
+          <a:xfrm>
+            <a:off x="4554390" y="4467026"/>
+            <a:ext cx="472836" cy="16232"/>
+          </a:xfrm>
+          <a:prstGeom prst="line">
+            <a:avLst/>
+          </a:prstGeom>
+          <a:ln w="38100"/>
+        </p:spPr>
+        <p:style>
+          <a:lnRef idx="1">
+            <a:schemeClr val="accent1"/>
+          </a:lnRef>
+          <a:fillRef idx="0">
+            <a:schemeClr val="accent1"/>
+          </a:fillRef>
+          <a:effectRef idx="0">
+            <a:schemeClr val="accent1"/>
+          </a:effectRef>
+          <a:fontRef idx="minor">
+            <a:schemeClr val="tx1"/>
+          </a:fontRef>
+        </p:style>
+      </p:cxnSp>
+      <p:cxnSp>
+        <p:nvCxnSpPr>
+          <p:cNvPr id="20" name="Straight Connector 19">
+            <a:extLst>
+              <a:ext uri="{FF2B5EF4-FFF2-40B4-BE49-F238E27FC236}">
+                <a16:creationId xmlns:a16="http://schemas.microsoft.com/office/drawing/2014/main" id="{5133A389-ADF9-2DCF-FB52-5E7F7218FBD5}"/>
+              </a:ext>
+            </a:extLst>
+          </p:cNvPr>
+          <p:cNvCxnSpPr>
+            <a:cxnSpLocks/>
+          </p:cNvCxnSpPr>
+          <p:nvPr/>
+        </p:nvCxnSpPr>
+        <p:spPr>
+          <a:xfrm>
+            <a:off x="4554390" y="4971851"/>
+            <a:ext cx="472836" cy="0"/>
+          </a:xfrm>
+          <a:prstGeom prst="line">
+            <a:avLst/>
+          </a:prstGeom>
+          <a:ln w="38100"/>
+        </p:spPr>
+        <p:style>
+          <a:lnRef idx="1">
+            <a:schemeClr val="accent1"/>
+          </a:lnRef>
+          <a:fillRef idx="0">
+            <a:schemeClr val="accent1"/>
+          </a:fillRef>
+          <a:effectRef idx="0">
+            <a:schemeClr val="accent1"/>
+          </a:effectRef>
+          <a:fontRef idx="minor">
+            <a:schemeClr val="tx1"/>
+          </a:fontRef>
+        </p:style>
+      </p:cxnSp>
     </p:spTree>
     <p:extLst>
       <p:ext uri="{BB962C8B-B14F-4D97-AF65-F5344CB8AC3E}">
-        <p14:creationId xmlns:p14="http://schemas.microsoft.com/office/powerpoint/2010/main" val="2993794741"/>
+        <p14:creationId xmlns:p14="http://schemas.microsoft.com/office/powerpoint/2010/main" val="2151154973"/>
       </p:ext>
     </p:extLst>
   </p:cSld>
@@ -6420,6 +8010,579 @@
           <a:p>
             <a:r>
               <a:rPr lang="en-US" sz="4000" dirty="0"/>
+              <a:t>Reading plain text data</a:t>
+            </a:r>
+          </a:p>
+        </p:txBody>
+      </p:sp>
+      <p:sp>
+        <p:nvSpPr>
+          <p:cNvPr id="3" name="TextBox 2">
+            <a:extLst>
+              <a:ext uri="{FF2B5EF4-FFF2-40B4-BE49-F238E27FC236}">
+                <a16:creationId xmlns:a16="http://schemas.microsoft.com/office/drawing/2014/main" id="{B5924E0F-A977-1710-779D-EEB74261AF34}"/>
+              </a:ext>
+            </a:extLst>
+          </p:cNvPr>
+          <p:cNvSpPr txBox="1"/>
+          <p:nvPr/>
+        </p:nvSpPr>
+        <p:spPr>
+          <a:xfrm>
+            <a:off x="1260764" y="1054728"/>
+            <a:ext cx="9662835" cy="4247317"/>
+          </a:xfrm>
+          <a:prstGeom prst="rect">
+            <a:avLst/>
+          </a:prstGeom>
+          <a:noFill/>
+        </p:spPr>
+        <p:txBody>
+          <a:bodyPr wrap="square" rtlCol="0">
+            <a:spAutoFit/>
+          </a:bodyPr>
+          <a:lstStyle/>
+          <a:p>
+            <a:pPr marL="800100" lvl="1" indent="-342900">
+              <a:buFont typeface="Arial" panose="020B0604020202020204" pitchFamily="34" charset="0"/>
+              <a:buChar char="•"/>
+            </a:pPr>
+            <a:endParaRPr lang="en-US" dirty="0"/>
+          </a:p>
+          <a:p>
+            <a:pPr marL="342900" indent="-342900">
+              <a:buFont typeface="Arial" panose="020B0604020202020204" pitchFamily="34" charset="0"/>
+              <a:buChar char="•"/>
+            </a:pPr>
+            <a:r>
+              <a:rPr lang="en-US" dirty="0"/>
+              <a:t>Use </a:t>
+            </a:r>
+            <a:r>
+              <a:rPr lang="en-US" b="1" dirty="0"/>
+              <a:t>Get-Content</a:t>
+            </a:r>
+            <a:r>
+              <a:rPr lang="en-US" dirty="0"/>
+              <a:t> to read data from a file. Example:</a:t>
+            </a:r>
+          </a:p>
+          <a:p>
+            <a:pPr marL="800100" lvl="1" indent="-342900">
+              <a:buFont typeface="Arial" panose="020B0604020202020204" pitchFamily="34" charset="0"/>
+              <a:buChar char="•"/>
+            </a:pPr>
+            <a:r>
+              <a:rPr lang="en-US" dirty="0">
+                <a:latin typeface="Lucida Console" panose="020B0609040504020204" pitchFamily="49" charset="0"/>
+              </a:rPr>
+              <a:t>Get-Content –Path file.txt</a:t>
+            </a:r>
+          </a:p>
+          <a:p>
+            <a:pPr marL="342900" indent="-342900">
+              <a:buFont typeface="Arial" panose="020B0604020202020204" pitchFamily="34" charset="0"/>
+              <a:buChar char="•"/>
+            </a:pPr>
+            <a:r>
+              <a:rPr lang="en-US" dirty="0"/>
+              <a:t>If the </a:t>
+            </a:r>
+            <a:r>
+              <a:rPr lang="en-US" b="1" dirty="0"/>
+              <a:t>–Path</a:t>
+            </a:r>
+            <a:r>
+              <a:rPr lang="en-US" dirty="0"/>
+              <a:t> parameter is given an array of files instead of just one file, it will concatenate the files’ contents into the output stream.</a:t>
+            </a:r>
+          </a:p>
+          <a:p>
+            <a:pPr marL="342900" indent="-342900">
+              <a:buFont typeface="Arial" panose="020B0604020202020204" pitchFamily="34" charset="0"/>
+              <a:buChar char="•"/>
+            </a:pPr>
+            <a:r>
+              <a:rPr lang="en-US" dirty="0"/>
+              <a:t>Other useful named parameters:</a:t>
+            </a:r>
+          </a:p>
+          <a:p>
+            <a:pPr marL="800100" lvl="1" indent="-342900">
+              <a:buFont typeface="Arial" panose="020B0604020202020204" pitchFamily="34" charset="0"/>
+              <a:buChar char="•"/>
+            </a:pPr>
+            <a:r>
+              <a:rPr lang="en-US" dirty="0">
+                <a:latin typeface="Lucida Console" panose="020B0609040504020204" pitchFamily="49" charset="0"/>
+              </a:rPr>
+              <a:t>-Head </a:t>
+            </a:r>
+            <a:r>
+              <a:rPr lang="en-US" i="1" dirty="0"/>
+              <a:t>&lt;n&gt;</a:t>
+            </a:r>
+            <a:r>
+              <a:rPr lang="en-US" dirty="0"/>
+              <a:t>    # just the first n lines. </a:t>
+            </a:r>
+            <a:r>
+              <a:rPr lang="en-US" dirty="0">
+                <a:latin typeface="Lucida Console" panose="020B0609040504020204" pitchFamily="49" charset="0"/>
+              </a:rPr>
+              <a:t>–First</a:t>
+            </a:r>
+            <a:r>
+              <a:rPr lang="en-US" dirty="0"/>
+              <a:t>, </a:t>
+            </a:r>
+            <a:r>
+              <a:rPr lang="en-US" dirty="0">
+                <a:latin typeface="Lucida Console" panose="020B0609040504020204" pitchFamily="49" charset="0"/>
+              </a:rPr>
+              <a:t>-</a:t>
+            </a:r>
+            <a:r>
+              <a:rPr lang="en-US" dirty="0" err="1">
+                <a:latin typeface="Lucida Console" panose="020B0609040504020204" pitchFamily="49" charset="0"/>
+              </a:rPr>
+              <a:t>TotalCount</a:t>
+            </a:r>
+            <a:r>
+              <a:rPr lang="en-US" dirty="0"/>
+              <a:t>  do the same thing.</a:t>
+            </a:r>
+          </a:p>
+          <a:p>
+            <a:pPr marL="800100" lvl="1" indent="-342900">
+              <a:buFont typeface="Arial" panose="020B0604020202020204" pitchFamily="34" charset="0"/>
+              <a:buChar char="•"/>
+            </a:pPr>
+            <a:r>
+              <a:rPr lang="en-US" dirty="0">
+                <a:latin typeface="Lucida Console" panose="020B0609040504020204" pitchFamily="49" charset="0"/>
+              </a:rPr>
+              <a:t>-Tail </a:t>
+            </a:r>
+            <a:r>
+              <a:rPr lang="en-US" i="1" dirty="0"/>
+              <a:t>&lt;n&gt;</a:t>
+            </a:r>
+            <a:r>
+              <a:rPr lang="en-US" dirty="0"/>
+              <a:t>    # just the last n lines.</a:t>
+            </a:r>
+          </a:p>
+          <a:p>
+            <a:pPr marL="800100" lvl="1" indent="-342900">
+              <a:buFont typeface="Arial" panose="020B0604020202020204" pitchFamily="34" charset="0"/>
+              <a:buChar char="•"/>
+            </a:pPr>
+            <a:r>
+              <a:rPr lang="en-US" dirty="0">
+                <a:latin typeface="Lucida Console" panose="020B0609040504020204" pitchFamily="49" charset="0"/>
+              </a:rPr>
+              <a:t>-Raw</a:t>
+            </a:r>
+            <a:r>
+              <a:rPr lang="en-US" dirty="0"/>
+              <a:t>    # read entire file as one long string, instead of one line at a time as an array of strings</a:t>
+            </a:r>
+          </a:p>
+          <a:p>
+            <a:pPr marL="800100" lvl="1" indent="-342900">
+              <a:buFont typeface="Arial" panose="020B0604020202020204" pitchFamily="34" charset="0"/>
+              <a:buChar char="•"/>
+            </a:pPr>
+            <a:r>
+              <a:rPr lang="en-US" dirty="0">
+                <a:latin typeface="Lucida Console" panose="020B0609040504020204" pitchFamily="49" charset="0"/>
+              </a:rPr>
+              <a:t>-</a:t>
+            </a:r>
+            <a:r>
+              <a:rPr lang="en-US" dirty="0" err="1">
+                <a:latin typeface="Lucida Console" panose="020B0609040504020204" pitchFamily="49" charset="0"/>
+              </a:rPr>
+              <a:t>ReadCount</a:t>
+            </a:r>
+            <a:r>
+              <a:rPr lang="en-US" dirty="0"/>
+              <a:t>    # buffer size, to control the flow of strings into the pipeline. 1 by default, meaning that only one line at a time is output to the next command after the pipe. Set to -1 to turn of flow buffering and “fire-hose” the entire contents through the pipe all at once.</a:t>
+            </a:r>
+          </a:p>
+          <a:p>
+            <a:pPr marL="800100" lvl="1" indent="-342900">
+              <a:buFont typeface="Arial" panose="020B0604020202020204" pitchFamily="34" charset="0"/>
+              <a:buChar char="•"/>
+            </a:pPr>
+            <a:r>
+              <a:rPr lang="en-US" dirty="0">
+                <a:latin typeface="Lucida Console" panose="020B0609040504020204" pitchFamily="49" charset="0"/>
+              </a:rPr>
+              <a:t>-Encoding</a:t>
+            </a:r>
+            <a:r>
+              <a:rPr lang="en-US" dirty="0"/>
+              <a:t>    # if the text data isn’t Unicode (with no byte-order marks), you can specify other text encodings.  </a:t>
+            </a:r>
+            <a:r>
+              <a:rPr lang="en-US" dirty="0">
+                <a:latin typeface="Lucida Console" panose="020B0609040504020204" pitchFamily="49" charset="0"/>
+              </a:rPr>
+              <a:t>Get-Help </a:t>
+            </a:r>
+            <a:r>
+              <a:rPr lang="en-US" dirty="0" err="1">
+                <a:latin typeface="Lucida Console" panose="020B0609040504020204" pitchFamily="49" charset="0"/>
+              </a:rPr>
+              <a:t>about_Character_Encoding</a:t>
+            </a:r>
+            <a:endParaRPr lang="en-US" dirty="0"/>
+          </a:p>
+          <a:p>
+            <a:pPr marL="342900" indent="-342900">
+              <a:buFont typeface="Arial" panose="020B0604020202020204" pitchFamily="34" charset="0"/>
+              <a:buChar char="•"/>
+            </a:pPr>
+            <a:endParaRPr lang="en-US" dirty="0"/>
+          </a:p>
+        </p:txBody>
+      </p:sp>
+    </p:spTree>
+    <p:extLst>
+      <p:ext uri="{BB962C8B-B14F-4D97-AF65-F5344CB8AC3E}">
+        <p14:creationId xmlns:p14="http://schemas.microsoft.com/office/powerpoint/2010/main" val="2312486803"/>
+      </p:ext>
+    </p:extLst>
+  </p:cSld>
+  <p:clrMapOvr>
+    <a:masterClrMapping/>
+  </p:clrMapOvr>
+</p:sld>
+</file>
+
+<file path=ppt/slides/slide5.xml><?xml version="1.0" encoding="utf-8"?>
+<p:sld xmlns:a="http://schemas.openxmlformats.org/drawingml/2006/main" xmlns:r="http://schemas.openxmlformats.org/officeDocument/2006/relationships" xmlns:p="http://schemas.openxmlformats.org/presentationml/2006/main">
+  <p:cSld>
+    <p:spTree>
+      <p:nvGrpSpPr>
+        <p:cNvPr id="1" name=""/>
+        <p:cNvGrpSpPr/>
+        <p:nvPr/>
+      </p:nvGrpSpPr>
+      <p:grpSpPr>
+        <a:xfrm>
+          <a:off x="0" y="0"/>
+          <a:ext cx="0" cy="0"/>
+          <a:chOff x="0" y="0"/>
+          <a:chExt cx="0" cy="0"/>
+        </a:xfrm>
+      </p:grpSpPr>
+      <p:sp>
+        <p:nvSpPr>
+          <p:cNvPr id="2" name="Text Placeholder 1">
+            <a:extLst>
+              <a:ext uri="{FF2B5EF4-FFF2-40B4-BE49-F238E27FC236}">
+                <a16:creationId xmlns:a16="http://schemas.microsoft.com/office/drawing/2014/main" id="{31B75992-5098-A283-4925-2CCEBB801DC5}"/>
+              </a:ext>
+            </a:extLst>
+          </p:cNvPr>
+          <p:cNvSpPr>
+            <a:spLocks noGrp="1"/>
+          </p:cNvSpPr>
+          <p:nvPr>
+            <p:ph type="body" sz="quarter" idx="10"/>
+          </p:nvPr>
+        </p:nvSpPr>
+        <p:spPr/>
+        <p:txBody>
+          <a:bodyPr>
+            <a:normAutofit/>
+          </a:bodyPr>
+          <a:lstStyle/>
+          <a:p>
+            <a:r>
+              <a:rPr lang="en-US" sz="4000" dirty="0"/>
+              <a:t>Writing plain text data</a:t>
+            </a:r>
+          </a:p>
+        </p:txBody>
+      </p:sp>
+      <p:sp>
+        <p:nvSpPr>
+          <p:cNvPr id="3" name="TextBox 2">
+            <a:extLst>
+              <a:ext uri="{FF2B5EF4-FFF2-40B4-BE49-F238E27FC236}">
+                <a16:creationId xmlns:a16="http://schemas.microsoft.com/office/drawing/2014/main" id="{B5924E0F-A977-1710-779D-EEB74261AF34}"/>
+              </a:ext>
+            </a:extLst>
+          </p:cNvPr>
+          <p:cNvSpPr txBox="1"/>
+          <p:nvPr/>
+        </p:nvSpPr>
+        <p:spPr>
+          <a:xfrm>
+            <a:off x="1260764" y="1054728"/>
+            <a:ext cx="9662835" cy="4801314"/>
+          </a:xfrm>
+          <a:prstGeom prst="rect">
+            <a:avLst/>
+          </a:prstGeom>
+          <a:noFill/>
+        </p:spPr>
+        <p:txBody>
+          <a:bodyPr wrap="square" rtlCol="0">
+            <a:spAutoFit/>
+          </a:bodyPr>
+          <a:lstStyle/>
+          <a:p>
+            <a:pPr marL="800100" lvl="1" indent="-342900">
+              <a:buFont typeface="Arial" panose="020B0604020202020204" pitchFamily="34" charset="0"/>
+              <a:buChar char="•"/>
+            </a:pPr>
+            <a:endParaRPr lang="en-US" dirty="0"/>
+          </a:p>
+          <a:p>
+            <a:pPr marL="342900" indent="-342900">
+              <a:buFont typeface="Arial" panose="020B0604020202020204" pitchFamily="34" charset="0"/>
+              <a:buChar char="•"/>
+            </a:pPr>
+            <a:r>
+              <a:rPr lang="en-US" dirty="0">
+                <a:latin typeface="Lucida Console" panose="020B0609040504020204" pitchFamily="49" charset="0"/>
+              </a:rPr>
+              <a:t>Set-Content</a:t>
+            </a:r>
+          </a:p>
+          <a:p>
+            <a:pPr marL="800100" lvl="1" indent="-342900">
+              <a:buFont typeface="Arial" panose="020B0604020202020204" pitchFamily="34" charset="0"/>
+              <a:buChar char="•"/>
+            </a:pPr>
+            <a:r>
+              <a:rPr lang="en-US" dirty="0" err="1"/>
+              <a:t>Ouptut</a:t>
+            </a:r>
+            <a:r>
+              <a:rPr lang="en-US" dirty="0"/>
+              <a:t> data to a file “as-is.”</a:t>
+            </a:r>
+          </a:p>
+          <a:p>
+            <a:pPr marL="342900" indent="-342900">
+              <a:buFont typeface="Arial" panose="020B0604020202020204" pitchFamily="34" charset="0"/>
+              <a:buChar char="•"/>
+            </a:pPr>
+            <a:r>
+              <a:rPr lang="en-US" dirty="0">
+                <a:latin typeface="Lucida Console" panose="020B0609040504020204" pitchFamily="49" charset="0"/>
+              </a:rPr>
+              <a:t>Out-File</a:t>
+            </a:r>
+          </a:p>
+          <a:p>
+            <a:pPr marL="800100" lvl="1" indent="-342900">
+              <a:buFont typeface="Arial" panose="020B0604020202020204" pitchFamily="34" charset="0"/>
+              <a:buChar char="•"/>
+            </a:pPr>
+            <a:r>
+              <a:rPr lang="en-US" dirty="0"/>
+              <a:t>Let PowerShell process an object before writing its data, so that the output looks the same as it would when viewed in a PowerShell session.</a:t>
+            </a:r>
+          </a:p>
+          <a:p>
+            <a:r>
+              <a:rPr lang="en-US" dirty="0"/>
+              <a:t>Compare:</a:t>
+            </a:r>
+          </a:p>
+          <a:p>
+            <a:pPr marL="800100" lvl="1" indent="-342900">
+              <a:buFont typeface="Arial" panose="020B0604020202020204" pitchFamily="34" charset="0"/>
+              <a:buChar char="•"/>
+            </a:pPr>
+            <a:r>
+              <a:rPr lang="en-US" dirty="0">
+                <a:latin typeface="Lucida Console" panose="020B0609040504020204" pitchFamily="49" charset="0"/>
+              </a:rPr>
+              <a:t>$</a:t>
+            </a:r>
+            <a:r>
+              <a:rPr lang="en-US" dirty="0" err="1">
+                <a:latin typeface="Lucida Console" panose="020B0609040504020204" pitchFamily="49" charset="0"/>
+              </a:rPr>
+              <a:t>PSVersionTable</a:t>
+            </a:r>
+            <a:r>
+              <a:rPr lang="en-US" dirty="0">
+                <a:latin typeface="Lucida Console" panose="020B0609040504020204" pitchFamily="49" charset="0"/>
+              </a:rPr>
+              <a:t> | Set-Content –Path C:\Temp\file1.txt</a:t>
+            </a:r>
+          </a:p>
+          <a:p>
+            <a:pPr marL="800100" lvl="1" indent="-342900">
+              <a:buFont typeface="Arial" panose="020B0604020202020204" pitchFamily="34" charset="0"/>
+              <a:buChar char="•"/>
+            </a:pPr>
+            <a:r>
+              <a:rPr lang="en-US" dirty="0">
+                <a:latin typeface="Lucida Console" panose="020B0609040504020204" pitchFamily="49" charset="0"/>
+              </a:rPr>
+              <a:t>Get-Content C:\Temp\file1.txt</a:t>
+            </a:r>
+          </a:p>
+          <a:p>
+            <a:r>
+              <a:rPr lang="en-US" dirty="0"/>
+              <a:t>with</a:t>
+            </a:r>
+          </a:p>
+          <a:p>
+            <a:pPr marL="800100" lvl="1" indent="-342900">
+              <a:buFont typeface="Arial" panose="020B0604020202020204" pitchFamily="34" charset="0"/>
+              <a:buChar char="•"/>
+            </a:pPr>
+            <a:r>
+              <a:rPr lang="en-US" dirty="0">
+                <a:latin typeface="Lucida Console" panose="020B0609040504020204" pitchFamily="49" charset="0"/>
+              </a:rPr>
+              <a:t>$</a:t>
+            </a:r>
+            <a:r>
+              <a:rPr lang="en-US" dirty="0" err="1">
+                <a:latin typeface="Lucida Console" panose="020B0609040504020204" pitchFamily="49" charset="0"/>
+              </a:rPr>
+              <a:t>PSVersionTable</a:t>
+            </a:r>
+            <a:r>
+              <a:rPr lang="en-US" dirty="0">
+                <a:latin typeface="Lucida Console" panose="020B0609040504020204" pitchFamily="49" charset="0"/>
+              </a:rPr>
+              <a:t> | Out-File –Path C:\Temp\file2.txt</a:t>
+            </a:r>
+          </a:p>
+          <a:p>
+            <a:pPr marL="800100" lvl="1" indent="-342900">
+              <a:buFont typeface="Arial" panose="020B0604020202020204" pitchFamily="34" charset="0"/>
+              <a:buChar char="•"/>
+            </a:pPr>
+            <a:r>
+              <a:rPr lang="en-US" dirty="0">
+                <a:latin typeface="Lucida Console" panose="020B0609040504020204" pitchFamily="49" charset="0"/>
+              </a:rPr>
+              <a:t>Get-Content C:\Temp\file2.txt </a:t>
+            </a:r>
+          </a:p>
+          <a:p>
+            <a:r>
+              <a:rPr lang="en-US" dirty="0"/>
+              <a:t>to see the difference.</a:t>
+            </a:r>
+          </a:p>
+          <a:p>
+            <a:endParaRPr lang="en-US" dirty="0"/>
+          </a:p>
+          <a:p>
+            <a:pPr marL="285750" indent="-285750">
+              <a:buFont typeface="Arial" panose="020B0604020202020204" pitchFamily="34" charset="0"/>
+              <a:buChar char="•"/>
+            </a:pPr>
+            <a:r>
+              <a:rPr lang="en-US" dirty="0"/>
+              <a:t>Other “-content” cmdlets:</a:t>
+            </a:r>
+          </a:p>
+          <a:p>
+            <a:pPr marL="742950" lvl="1" indent="-285750">
+              <a:buFont typeface="Arial" panose="020B0604020202020204" pitchFamily="34" charset="0"/>
+              <a:buChar char="•"/>
+            </a:pPr>
+            <a:r>
+              <a:rPr lang="en-US" dirty="0">
+                <a:latin typeface="Lucida Console" panose="020B0609040504020204" pitchFamily="49" charset="0"/>
+              </a:rPr>
+              <a:t>Add-Content</a:t>
+            </a:r>
+            <a:r>
+              <a:rPr lang="en-US" dirty="0"/>
+              <a:t>    # append text data to an existing file</a:t>
+            </a:r>
+          </a:p>
+          <a:p>
+            <a:pPr marL="742950" lvl="1" indent="-285750">
+              <a:buFont typeface="Arial" panose="020B0604020202020204" pitchFamily="34" charset="0"/>
+              <a:buChar char="•"/>
+            </a:pPr>
+            <a:r>
+              <a:rPr lang="en-US" dirty="0">
+                <a:latin typeface="Lucida Console" panose="020B0609040504020204" pitchFamily="49" charset="0"/>
+              </a:rPr>
+              <a:t>Clear-Content</a:t>
+            </a:r>
+            <a:r>
+              <a:rPr lang="en-US" dirty="0"/>
+              <a:t>    # remove a file’s entire contents; turns it into a file of zero size.</a:t>
+            </a:r>
+          </a:p>
+        </p:txBody>
+      </p:sp>
+    </p:spTree>
+    <p:extLst>
+      <p:ext uri="{BB962C8B-B14F-4D97-AF65-F5344CB8AC3E}">
+        <p14:creationId xmlns:p14="http://schemas.microsoft.com/office/powerpoint/2010/main" val="2993794741"/>
+      </p:ext>
+    </p:extLst>
+  </p:cSld>
+  <p:clrMapOvr>
+    <a:masterClrMapping/>
+  </p:clrMapOvr>
+</p:sld>
+</file>
+
+<file path=ppt/slides/slide6.xml><?xml version="1.0" encoding="utf-8"?>
+<p:sld xmlns:a="http://schemas.openxmlformats.org/drawingml/2006/main" xmlns:r="http://schemas.openxmlformats.org/officeDocument/2006/relationships" xmlns:p="http://schemas.openxmlformats.org/presentationml/2006/main">
+  <p:cSld>
+    <p:spTree>
+      <p:nvGrpSpPr>
+        <p:cNvPr id="1" name=""/>
+        <p:cNvGrpSpPr/>
+        <p:nvPr/>
+      </p:nvGrpSpPr>
+      <p:grpSpPr>
+        <a:xfrm>
+          <a:off x="0" y="0"/>
+          <a:ext cx="0" cy="0"/>
+          <a:chOff x="0" y="0"/>
+          <a:chExt cx="0" cy="0"/>
+        </a:xfrm>
+      </p:grpSpPr>
+      <p:sp>
+        <p:nvSpPr>
+          <p:cNvPr id="2" name="Text Placeholder 1">
+            <a:extLst>
+              <a:ext uri="{FF2B5EF4-FFF2-40B4-BE49-F238E27FC236}">
+                <a16:creationId xmlns:a16="http://schemas.microsoft.com/office/drawing/2014/main" id="{31B75992-5098-A283-4925-2CCEBB801DC5}"/>
+              </a:ext>
+            </a:extLst>
+          </p:cNvPr>
+          <p:cNvSpPr>
+            <a:spLocks noGrp="1"/>
+          </p:cNvSpPr>
+          <p:nvPr>
+            <p:ph type="body" sz="quarter" idx="10"/>
+          </p:nvPr>
+        </p:nvSpPr>
+        <p:spPr/>
+        <p:txBody>
+          <a:bodyPr>
+            <a:normAutofit/>
+          </a:bodyPr>
+          <a:lstStyle/>
+          <a:p>
+            <a:r>
+              <a:rPr lang="en-US" sz="4000" dirty="0"/>
               <a:t>Reading/writing CSV data</a:t>
             </a:r>
           </a:p>
@@ -6605,7 +8768,7 @@
 </p:sld>
 </file>
 
-<file path=ppt/slides/slide5.xml><?xml version="1.0" encoding="utf-8"?>
+<file path=ppt/slides/slide7.xml><?xml version="1.0" encoding="utf-8"?>
 <p:sld xmlns:a="http://schemas.openxmlformats.org/drawingml/2006/main" xmlns:r="http://schemas.openxmlformats.org/officeDocument/2006/relationships" xmlns:p="http://schemas.openxmlformats.org/presentationml/2006/main">
   <p:cSld>
     <p:spTree>
